--- a/otel-ppt/그림 생성용.pptx
+++ b/otel-ppt/그림 생성용.pptx
@@ -5,8 +5,12 @@
     <p:sldMasterId id="2147483648" r:id="rId1"/>
   </p:sldMasterIdLst>
   <p:sldIdLst>
-    <p:sldId id="256" r:id="rId2"/>
-    <p:sldId id="257" r:id="rId3"/>
+    <p:sldId id="257" r:id="rId2"/>
+    <p:sldId id="259" r:id="rId3"/>
+    <p:sldId id="260" r:id="rId4"/>
+    <p:sldId id="262" r:id="rId5"/>
+    <p:sldId id="261" r:id="rId6"/>
+    <p:sldId id="256" r:id="rId7"/>
   </p:sldIdLst>
   <p:sldSz cx="12192000" cy="6858000"/>
   <p:notesSz cx="6858000" cy="9144000"/>
@@ -105,6 +109,11 @@
       </a:defRPr>
     </a:lvl9pPr>
   </p:defaultTextStyle>
+  <p:extLst>
+    <p:ext uri="{EFAFB233-063F-42B5-8137-9DF3F51BA10A}">
+      <p15:sldGuideLst xmlns:p15="http://schemas.microsoft.com/office/powerpoint/2012/main"/>
+    </p:ext>
+  </p:extLst>
 </p:presentation>
 </file>
 
@@ -239,7 +248,7 @@
           <a:p>
             <a:fld id="{BBD284D5-D9FA-49D4-8406-DE6606669696}" type="datetimeFigureOut">
               <a:rPr lang="ko-KR" altLang="en-US" smtClean="0"/>
-              <a:t>2024-05-13</a:t>
+              <a:t>2024-07-06</a:t>
             </a:fld>
             <a:endParaRPr lang="ko-KR" altLang="en-US"/>
           </a:p>
@@ -409,7 +418,7 @@
           <a:p>
             <a:fld id="{BBD284D5-D9FA-49D4-8406-DE6606669696}" type="datetimeFigureOut">
               <a:rPr lang="ko-KR" altLang="en-US" smtClean="0"/>
-              <a:t>2024-05-13</a:t>
+              <a:t>2024-07-06</a:t>
             </a:fld>
             <a:endParaRPr lang="ko-KR" altLang="en-US"/>
           </a:p>
@@ -589,7 +598,7 @@
           <a:p>
             <a:fld id="{BBD284D5-D9FA-49D4-8406-DE6606669696}" type="datetimeFigureOut">
               <a:rPr lang="ko-KR" altLang="en-US" smtClean="0"/>
-              <a:t>2024-05-13</a:t>
+              <a:t>2024-07-06</a:t>
             </a:fld>
             <a:endParaRPr lang="ko-KR" altLang="en-US"/>
           </a:p>
@@ -759,7 +768,7 @@
           <a:p>
             <a:fld id="{BBD284D5-D9FA-49D4-8406-DE6606669696}" type="datetimeFigureOut">
               <a:rPr lang="ko-KR" altLang="en-US" smtClean="0"/>
-              <a:t>2024-05-13</a:t>
+              <a:t>2024-07-06</a:t>
             </a:fld>
             <a:endParaRPr lang="ko-KR" altLang="en-US"/>
           </a:p>
@@ -1005,7 +1014,7 @@
           <a:p>
             <a:fld id="{BBD284D5-D9FA-49D4-8406-DE6606669696}" type="datetimeFigureOut">
               <a:rPr lang="ko-KR" altLang="en-US" smtClean="0"/>
-              <a:t>2024-05-13</a:t>
+              <a:t>2024-07-06</a:t>
             </a:fld>
             <a:endParaRPr lang="ko-KR" altLang="en-US"/>
           </a:p>
@@ -1237,7 +1246,7 @@
           <a:p>
             <a:fld id="{BBD284D5-D9FA-49D4-8406-DE6606669696}" type="datetimeFigureOut">
               <a:rPr lang="ko-KR" altLang="en-US" smtClean="0"/>
-              <a:t>2024-05-13</a:t>
+              <a:t>2024-07-06</a:t>
             </a:fld>
             <a:endParaRPr lang="ko-KR" altLang="en-US"/>
           </a:p>
@@ -1604,7 +1613,7 @@
           <a:p>
             <a:fld id="{BBD284D5-D9FA-49D4-8406-DE6606669696}" type="datetimeFigureOut">
               <a:rPr lang="ko-KR" altLang="en-US" smtClean="0"/>
-              <a:t>2024-05-13</a:t>
+              <a:t>2024-07-06</a:t>
             </a:fld>
             <a:endParaRPr lang="ko-KR" altLang="en-US"/>
           </a:p>
@@ -1722,7 +1731,7 @@
           <a:p>
             <a:fld id="{BBD284D5-D9FA-49D4-8406-DE6606669696}" type="datetimeFigureOut">
               <a:rPr lang="ko-KR" altLang="en-US" smtClean="0"/>
-              <a:t>2024-05-13</a:t>
+              <a:t>2024-07-06</a:t>
             </a:fld>
             <a:endParaRPr lang="ko-KR" altLang="en-US"/>
           </a:p>
@@ -1817,7 +1826,7 @@
           <a:p>
             <a:fld id="{BBD284D5-D9FA-49D4-8406-DE6606669696}" type="datetimeFigureOut">
               <a:rPr lang="ko-KR" altLang="en-US" smtClean="0"/>
-              <a:t>2024-05-13</a:t>
+              <a:t>2024-07-06</a:t>
             </a:fld>
             <a:endParaRPr lang="ko-KR" altLang="en-US"/>
           </a:p>
@@ -2094,7 +2103,7 @@
           <a:p>
             <a:fld id="{BBD284D5-D9FA-49D4-8406-DE6606669696}" type="datetimeFigureOut">
               <a:rPr lang="ko-KR" altLang="en-US" smtClean="0"/>
-              <a:t>2024-05-13</a:t>
+              <a:t>2024-07-06</a:t>
             </a:fld>
             <a:endParaRPr lang="ko-KR" altLang="en-US"/>
           </a:p>
@@ -2347,7 +2356,7 @@
           <a:p>
             <a:fld id="{BBD284D5-D9FA-49D4-8406-DE6606669696}" type="datetimeFigureOut">
               <a:rPr lang="ko-KR" altLang="en-US" smtClean="0"/>
-              <a:t>2024-05-13</a:t>
+              <a:t>2024-07-06</a:t>
             </a:fld>
             <a:endParaRPr lang="ko-KR" altLang="en-US"/>
           </a:p>
@@ -2560,7 +2569,7 @@
           <a:p>
             <a:fld id="{BBD284D5-D9FA-49D4-8406-DE6606669696}" type="datetimeFigureOut">
               <a:rPr lang="ko-KR" altLang="en-US" smtClean="0"/>
-              <a:t>2024-05-13</a:t>
+              <a:t>2024-07-06</a:t>
             </a:fld>
             <a:endParaRPr lang="ko-KR" altLang="en-US"/>
           </a:p>
@@ -2965,57 +2974,270 @@
           <a:chExt cx="0" cy="0"/>
         </a:xfrm>
       </p:grpSpPr>
-      <p:pic>
-        <p:nvPicPr>
-          <p:cNvPr id="1026" name="Picture 2" descr="OpenTelemetry | Drupal.org"/>
-          <p:cNvPicPr>
-            <a:picLocks noChangeAspect="1" noChangeArrowheads="1"/>
-          </p:cNvPicPr>
-          <p:nvPr/>
-        </p:nvPicPr>
-        <p:blipFill>
-          <a:blip r:embed="rId2" cstate="print">
+      <p:sp>
+        <p:nvSpPr>
+          <p:cNvPr id="7" name="대각선 방향의 모서리가 잘린 사각형 6"/>
+          <p:cNvSpPr/>
+          <p:nvPr/>
+        </p:nvSpPr>
+        <p:spPr>
+          <a:xfrm>
+            <a:off x="4563244" y="1510146"/>
+            <a:ext cx="2923309" cy="2632365"/>
+          </a:xfrm>
+          <a:prstGeom prst="snip2DiagRect">
+            <a:avLst/>
+          </a:prstGeom>
+          <a:solidFill>
+            <a:schemeClr val="accent6">
+              <a:lumMod val="60000"/>
+              <a:lumOff val="40000"/>
+            </a:schemeClr>
+          </a:solidFill>
+        </p:spPr>
+        <p:style>
+          <a:lnRef idx="2">
+            <a:schemeClr val="accent1">
+              <a:shade val="50000"/>
+            </a:schemeClr>
+          </a:lnRef>
+          <a:fillRef idx="1">
+            <a:schemeClr val="accent1"/>
+          </a:fillRef>
+          <a:effectRef idx="0">
+            <a:schemeClr val="accent1"/>
+          </a:effectRef>
+          <a:fontRef idx="minor">
+            <a:schemeClr val="lt1"/>
+          </a:fontRef>
+        </p:style>
+        <p:txBody>
+          <a:bodyPr rtlCol="0" anchor="ctr"/>
+          <a:lstStyle/>
+          <a:p>
+            <a:pPr algn="ctr"/>
+            <a:r>
+              <a:rPr lang="ko-KR" altLang="en-US"/>
+              <a:t>어떤 요청이 처리되는 전체 경로</a:t>
+            </a:r>
+            <a:endParaRPr lang="ko-KR" altLang="en-US" dirty="0"/>
+          </a:p>
+        </p:txBody>
+      </p:sp>
+      <p:sp>
+        <p:nvSpPr>
+          <p:cNvPr id="8" name="대각선 방향의 모서리가 잘린 사각형 7"/>
+          <p:cNvSpPr/>
+          <p:nvPr/>
+        </p:nvSpPr>
+        <p:spPr>
+          <a:xfrm>
+            <a:off x="908563" y="1510144"/>
+            <a:ext cx="2923309" cy="2632365"/>
+          </a:xfrm>
+          <a:prstGeom prst="snip2DiagRect">
+            <a:avLst/>
+          </a:prstGeom>
+        </p:spPr>
+        <p:style>
+          <a:lnRef idx="2">
+            <a:schemeClr val="accent1">
+              <a:shade val="50000"/>
+            </a:schemeClr>
+          </a:lnRef>
+          <a:fillRef idx="1">
+            <a:schemeClr val="accent1"/>
+          </a:fillRef>
+          <a:effectRef idx="0">
+            <a:schemeClr val="accent1"/>
+          </a:effectRef>
+          <a:fontRef idx="minor">
+            <a:schemeClr val="lt1"/>
+          </a:fontRef>
+        </p:style>
+        <p:txBody>
+          <a:bodyPr rtlCol="0" anchor="ctr"/>
+          <a:lstStyle/>
+          <a:p>
+            <a:pPr algn="ctr"/>
+            <a:r>
+              <a:rPr lang="ko-KR" altLang="en-US" dirty="0"/>
+              <a:t>실행 중인 시스템의 상태에 대한 정보</a:t>
+            </a:r>
+          </a:p>
+        </p:txBody>
+      </p:sp>
+      <p:sp>
+        <p:nvSpPr>
+          <p:cNvPr id="9" name="대각선 방향의 모서리가 잘린 사각형 8"/>
+          <p:cNvSpPr/>
+          <p:nvPr/>
+        </p:nvSpPr>
+        <p:spPr>
+          <a:xfrm>
+            <a:off x="8465127" y="1510145"/>
+            <a:ext cx="2923309" cy="2632365"/>
+          </a:xfrm>
+          <a:prstGeom prst="snip2DiagRect">
+            <a:avLst/>
+          </a:prstGeom>
+          <a:solidFill>
+            <a:srgbClr val="7030A0"/>
+          </a:solidFill>
+        </p:spPr>
+        <p:style>
+          <a:lnRef idx="2">
+            <a:schemeClr val="accent1">
+              <a:shade val="50000"/>
+            </a:schemeClr>
+          </a:lnRef>
+          <a:fillRef idx="1">
+            <a:schemeClr val="accent1"/>
+          </a:fillRef>
+          <a:effectRef idx="0">
+            <a:schemeClr val="accent1"/>
+          </a:effectRef>
+          <a:fontRef idx="minor">
+            <a:schemeClr val="lt1"/>
+          </a:fontRef>
+        </p:style>
+        <p:txBody>
+          <a:bodyPr rtlCol="0" anchor="ctr"/>
+          <a:lstStyle/>
+          <a:p>
+            <a:pPr algn="ctr"/>
+            <a:r>
+              <a:rPr lang="ko-KR" altLang="en-US" dirty="0"/>
+              <a:t>타임스탬프가 있는 텍스트 레코드</a:t>
+            </a:r>
+          </a:p>
+        </p:txBody>
+      </p:sp>
+      <p:sp>
+        <p:nvSpPr>
+          <p:cNvPr id="10" name="TextBox 9">
             <a:extLst>
-              <a:ext uri="{28A0092B-C50C-407E-A947-70E740481C1C}">
-                <a14:useLocalDpi xmlns:a14="http://schemas.microsoft.com/office/drawing/2010/main" val="0"/>
+              <a:ext uri="{FF2B5EF4-FFF2-40B4-BE49-F238E27FC236}">
+                <a16:creationId xmlns="" xmlns:a16="http://schemas.microsoft.com/office/drawing/2014/main" id="{C76E3AAD-45C6-EB76-9A53-48C4CEF2570F}"/>
               </a:ext>
             </a:extLst>
-          </a:blip>
-          <a:srcRect/>
-          <a:stretch>
-            <a:fillRect/>
-          </a:stretch>
-        </p:blipFill>
-        <p:spPr bwMode="auto">
-          <a:xfrm>
-            <a:off x="429998" y="396447"/>
-            <a:ext cx="1522369" cy="797052"/>
+          </p:cNvPr>
+          <p:cNvSpPr txBox="1"/>
+          <p:nvPr/>
+        </p:nvSpPr>
+        <p:spPr>
+          <a:xfrm>
+            <a:off x="5561886" y="988707"/>
+            <a:ext cx="926023" cy="369332"/>
           </a:xfrm>
           <a:prstGeom prst="rect">
             <a:avLst/>
           </a:prstGeom>
           <a:noFill/>
-          <a:extLst>
-            <a:ext uri="{909E8E84-426E-40DD-AFC4-6F175D3DCCD1}">
-              <a14:hiddenFill xmlns:a14="http://schemas.microsoft.com/office/drawing/2010/main">
-                <a:solidFill>
-                  <a:srgbClr val="FFFFFF"/>
-                </a:solidFill>
-              </a14:hiddenFill>
-            </a:ext>
-          </a:extLst>
-        </p:spPr>
-      </p:pic>
+        </p:spPr>
+        <p:txBody>
+          <a:bodyPr wrap="none" rtlCol="0">
+            <a:spAutoFit/>
+          </a:bodyPr>
+          <a:lstStyle/>
+          <a:p>
+            <a:r>
+              <a:rPr lang="en-US" altLang="ko-KR" dirty="0" smtClean="0"/>
+              <a:t>Tracing</a:t>
+            </a:r>
+            <a:endParaRPr lang="ko-KR" altLang="en-US" dirty="0"/>
+          </a:p>
+        </p:txBody>
+      </p:sp>
+      <p:sp>
+        <p:nvSpPr>
+          <p:cNvPr id="11" name="TextBox 10">
+            <a:extLst>
+              <a:ext uri="{FF2B5EF4-FFF2-40B4-BE49-F238E27FC236}">
+                <a16:creationId xmlns="" xmlns:a16="http://schemas.microsoft.com/office/drawing/2014/main" id="{C76E3AAD-45C6-EB76-9A53-48C4CEF2570F}"/>
+              </a:ext>
+            </a:extLst>
+          </p:cNvPr>
+          <p:cNvSpPr txBox="1"/>
+          <p:nvPr/>
+        </p:nvSpPr>
+        <p:spPr>
+          <a:xfrm>
+            <a:off x="1907205" y="988707"/>
+            <a:ext cx="946093" cy="369332"/>
+          </a:xfrm>
+          <a:prstGeom prst="rect">
+            <a:avLst/>
+          </a:prstGeom>
+          <a:noFill/>
+        </p:spPr>
+        <p:txBody>
+          <a:bodyPr wrap="none" rtlCol="0">
+            <a:spAutoFit/>
+          </a:bodyPr>
+          <a:lstStyle/>
+          <a:p>
+            <a:r>
+              <a:rPr lang="en-US" altLang="ko-KR" dirty="0" smtClean="0"/>
+              <a:t>Metrics</a:t>
+            </a:r>
+            <a:endParaRPr lang="ko-KR" altLang="en-US" dirty="0"/>
+          </a:p>
+        </p:txBody>
+      </p:sp>
+      <p:sp>
+        <p:nvSpPr>
+          <p:cNvPr id="12" name="TextBox 11">
+            <a:extLst>
+              <a:ext uri="{FF2B5EF4-FFF2-40B4-BE49-F238E27FC236}">
+                <a16:creationId xmlns="" xmlns:a16="http://schemas.microsoft.com/office/drawing/2014/main" id="{C76E3AAD-45C6-EB76-9A53-48C4CEF2570F}"/>
+              </a:ext>
+            </a:extLst>
+          </p:cNvPr>
+          <p:cNvSpPr txBox="1"/>
+          <p:nvPr/>
+        </p:nvSpPr>
+        <p:spPr>
+          <a:xfrm>
+            <a:off x="9463769" y="988707"/>
+            <a:ext cx="671979" cy="369332"/>
+          </a:xfrm>
+          <a:prstGeom prst="rect">
+            <a:avLst/>
+          </a:prstGeom>
+          <a:noFill/>
+        </p:spPr>
+        <p:txBody>
+          <a:bodyPr wrap="none" rtlCol="0">
+            <a:spAutoFit/>
+          </a:bodyPr>
+          <a:lstStyle/>
+          <a:p>
+            <a:r>
+              <a:rPr lang="en-US" altLang="ko-KR" dirty="0" smtClean="0"/>
+              <a:t>Logs</a:t>
+            </a:r>
+            <a:endParaRPr lang="ko-KR" altLang="en-US" dirty="0"/>
+          </a:p>
+        </p:txBody>
+      </p:sp>
     </p:spTree>
     <p:extLst>
       <p:ext uri="{BB962C8B-B14F-4D97-AF65-F5344CB8AC3E}">
-        <p14:creationId xmlns:p14="http://schemas.microsoft.com/office/powerpoint/2010/main" val="1182052034"/>
+        <p14:creationId xmlns:p14="http://schemas.microsoft.com/office/powerpoint/2010/main" val="692104707"/>
       </p:ext>
     </p:extLst>
   </p:cSld>
   <p:clrMapOvr>
     <a:masterClrMapping/>
   </p:clrMapOvr>
+  <p:timing>
+    <p:tnLst>
+      <p:par>
+        <p:cTn id="1" dur="indefinite" restart="never" nodeType="tmRoot"/>
+      </p:par>
+    </p:tnLst>
+  </p:timing>
 </p:sld>
 </file>
 
@@ -3036,153 +3258,7224 @@
           <a:chExt cx="0" cy="0"/>
         </a:xfrm>
       </p:grpSpPr>
+      <p:sp>
+        <p:nvSpPr>
+          <p:cNvPr id="97" name="직사각형 96"/>
+          <p:cNvSpPr/>
+          <p:nvPr/>
+        </p:nvSpPr>
+        <p:spPr>
+          <a:xfrm>
+            <a:off x="382411" y="1499446"/>
+            <a:ext cx="2900922" cy="4126931"/>
+          </a:xfrm>
+          <a:prstGeom prst="rect">
+            <a:avLst/>
+          </a:prstGeom>
+          <a:solidFill>
+            <a:schemeClr val="bg1"/>
+          </a:solidFill>
+        </p:spPr>
+        <p:style>
+          <a:lnRef idx="2">
+            <a:schemeClr val="accent1">
+              <a:shade val="50000"/>
+            </a:schemeClr>
+          </a:lnRef>
+          <a:fillRef idx="1">
+            <a:schemeClr val="accent1"/>
+          </a:fillRef>
+          <a:effectRef idx="0">
+            <a:schemeClr val="accent1"/>
+          </a:effectRef>
+          <a:fontRef idx="minor">
+            <a:schemeClr val="lt1"/>
+          </a:fontRef>
+        </p:style>
+        <p:txBody>
+          <a:bodyPr rtlCol="0" anchor="ctr"/>
+          <a:lstStyle/>
+          <a:p>
+            <a:pPr algn="ctr"/>
+            <a:endParaRPr lang="ko-KR" altLang="en-US"/>
+          </a:p>
+        </p:txBody>
+      </p:sp>
+      <p:sp>
+        <p:nvSpPr>
+          <p:cNvPr id="3" name="직사각형 2"/>
+          <p:cNvSpPr/>
+          <p:nvPr/>
+        </p:nvSpPr>
+        <p:spPr>
+          <a:xfrm>
+            <a:off x="739297" y="2333943"/>
+            <a:ext cx="2028825" cy="2724150"/>
+          </a:xfrm>
+          <a:prstGeom prst="rect">
+            <a:avLst/>
+          </a:prstGeom>
+          <a:solidFill>
+            <a:schemeClr val="bg1"/>
+          </a:solidFill>
+        </p:spPr>
+        <p:style>
+          <a:lnRef idx="2">
+            <a:schemeClr val="accent1">
+              <a:shade val="50000"/>
+            </a:schemeClr>
+          </a:lnRef>
+          <a:fillRef idx="1">
+            <a:schemeClr val="accent1"/>
+          </a:fillRef>
+          <a:effectRef idx="0">
+            <a:schemeClr val="accent1"/>
+          </a:effectRef>
+          <a:fontRef idx="minor">
+            <a:schemeClr val="lt1"/>
+          </a:fontRef>
+        </p:style>
+        <p:txBody>
+          <a:bodyPr rtlCol="0" anchor="ctr"/>
+          <a:lstStyle/>
+          <a:p>
+            <a:pPr algn="ctr"/>
+            <a:endParaRPr lang="ko-KR" altLang="en-US"/>
+          </a:p>
+        </p:txBody>
+      </p:sp>
+      <p:sp>
+        <p:nvSpPr>
+          <p:cNvPr id="12" name="TextBox 11">
+            <a:extLst>
+              <a:ext uri="{FF2B5EF4-FFF2-40B4-BE49-F238E27FC236}">
+                <a16:creationId xmlns="" xmlns:a16="http://schemas.microsoft.com/office/drawing/2014/main" id="{C76E3AAD-45C6-EB76-9A53-48C4CEF2570F}"/>
+              </a:ext>
+            </a:extLst>
+          </p:cNvPr>
+          <p:cNvSpPr txBox="1"/>
+          <p:nvPr/>
+        </p:nvSpPr>
+        <p:spPr>
+          <a:xfrm>
+            <a:off x="1073074" y="2503607"/>
+            <a:ext cx="1361270" cy="369332"/>
+          </a:xfrm>
+          <a:prstGeom prst="rect">
+            <a:avLst/>
+          </a:prstGeom>
+          <a:noFill/>
+        </p:spPr>
+        <p:txBody>
+          <a:bodyPr wrap="none" rtlCol="0">
+            <a:spAutoFit/>
+          </a:bodyPr>
+          <a:lstStyle/>
+          <a:p>
+            <a:r>
+              <a:rPr lang="en-US" altLang="ko-KR" dirty="0" smtClean="0"/>
+              <a:t>Application</a:t>
+            </a:r>
+            <a:endParaRPr lang="ko-KR" altLang="en-US" dirty="0"/>
+          </a:p>
+        </p:txBody>
+      </p:sp>
+      <p:sp>
+        <p:nvSpPr>
+          <p:cNvPr id="59" name="TextBox 58">
+            <a:extLst>
+              <a:ext uri="{FF2B5EF4-FFF2-40B4-BE49-F238E27FC236}">
+                <a16:creationId xmlns="" xmlns:a16="http://schemas.microsoft.com/office/drawing/2014/main" id="{C76E3AAD-45C6-EB76-9A53-48C4CEF2570F}"/>
+              </a:ext>
+            </a:extLst>
+          </p:cNvPr>
+          <p:cNvSpPr txBox="1"/>
+          <p:nvPr/>
+        </p:nvSpPr>
+        <p:spPr>
+          <a:xfrm>
+            <a:off x="317360" y="169662"/>
+            <a:ext cx="1189749" cy="369332"/>
+          </a:xfrm>
+          <a:prstGeom prst="rect">
+            <a:avLst/>
+          </a:prstGeom>
+          <a:noFill/>
+        </p:spPr>
+        <p:txBody>
+          <a:bodyPr wrap="none" rtlCol="0">
+            <a:spAutoFit/>
+          </a:bodyPr>
+          <a:lstStyle/>
+          <a:p>
+            <a:r>
+              <a:rPr lang="ko-KR" altLang="en-US" dirty="0" smtClean="0"/>
+              <a:t>기존 방식</a:t>
+            </a:r>
+            <a:endParaRPr lang="en-US" altLang="ko-KR" dirty="0"/>
+          </a:p>
+        </p:txBody>
+      </p:sp>
+      <p:grpSp>
+        <p:nvGrpSpPr>
+          <p:cNvPr id="94" name="그룹 93"/>
+          <p:cNvGrpSpPr/>
+          <p:nvPr/>
+        </p:nvGrpSpPr>
+        <p:grpSpPr>
+          <a:xfrm>
+            <a:off x="4484764" y="4251155"/>
+            <a:ext cx="1124334" cy="853880"/>
+            <a:chOff x="3731183" y="5205021"/>
+            <a:chExt cx="1124334" cy="1271979"/>
+          </a:xfrm>
+        </p:grpSpPr>
+        <p:grpSp>
+          <p:nvGrpSpPr>
+            <p:cNvPr id="13" name="그룹 12"/>
+            <p:cNvGrpSpPr/>
+            <p:nvPr/>
+          </p:nvGrpSpPr>
+          <p:grpSpPr>
+            <a:xfrm>
+              <a:off x="3732680" y="5205021"/>
+              <a:ext cx="1122837" cy="1271979"/>
+              <a:chOff x="3732680" y="5064384"/>
+              <a:chExt cx="1122837" cy="1100425"/>
+            </a:xfrm>
+          </p:grpSpPr>
+          <p:sp>
+            <p:nvSpPr>
+              <p:cNvPr id="7" name="타원 6"/>
+              <p:cNvSpPr/>
+              <p:nvPr/>
+            </p:nvSpPr>
+            <p:spPr>
+              <a:xfrm>
+                <a:off x="3734178" y="5064384"/>
+                <a:ext cx="1121339" cy="409575"/>
+              </a:xfrm>
+              <a:prstGeom prst="ellipse">
+                <a:avLst/>
+              </a:prstGeom>
+              <a:solidFill>
+                <a:schemeClr val="bg1"/>
+              </a:solidFill>
+            </p:spPr>
+            <p:style>
+              <a:lnRef idx="2">
+                <a:schemeClr val="accent1">
+                  <a:shade val="50000"/>
+                </a:schemeClr>
+              </a:lnRef>
+              <a:fillRef idx="1">
+                <a:schemeClr val="accent1"/>
+              </a:fillRef>
+              <a:effectRef idx="0">
+                <a:schemeClr val="accent1"/>
+              </a:effectRef>
+              <a:fontRef idx="minor">
+                <a:schemeClr val="lt1"/>
+              </a:fontRef>
+            </p:style>
+            <p:txBody>
+              <a:bodyPr rtlCol="0" anchor="ctr"/>
+              <a:lstStyle/>
+              <a:p>
+                <a:pPr algn="ctr"/>
+                <a:endParaRPr lang="ko-KR" altLang="en-US"/>
+              </a:p>
+            </p:txBody>
+          </p:sp>
+          <p:sp>
+            <p:nvSpPr>
+              <p:cNvPr id="43" name="타원 42"/>
+              <p:cNvSpPr/>
+              <p:nvPr/>
+            </p:nvSpPr>
+            <p:spPr>
+              <a:xfrm>
+                <a:off x="3734178" y="5755234"/>
+                <a:ext cx="1121339" cy="409575"/>
+              </a:xfrm>
+              <a:prstGeom prst="ellipse">
+                <a:avLst/>
+              </a:prstGeom>
+              <a:solidFill>
+                <a:schemeClr val="bg1"/>
+              </a:solidFill>
+            </p:spPr>
+            <p:style>
+              <a:lnRef idx="2">
+                <a:schemeClr val="accent1">
+                  <a:shade val="50000"/>
+                </a:schemeClr>
+              </a:lnRef>
+              <a:fillRef idx="1">
+                <a:schemeClr val="accent1"/>
+              </a:fillRef>
+              <a:effectRef idx="0">
+                <a:schemeClr val="accent1"/>
+              </a:effectRef>
+              <a:fontRef idx="minor">
+                <a:schemeClr val="lt1"/>
+              </a:fontRef>
+            </p:style>
+            <p:txBody>
+              <a:bodyPr rtlCol="0" anchor="ctr"/>
+              <a:lstStyle/>
+              <a:p>
+                <a:pPr algn="ctr"/>
+                <a:endParaRPr lang="ko-KR" altLang="en-US"/>
+              </a:p>
+            </p:txBody>
+          </p:sp>
+          <p:cxnSp>
+            <p:nvCxnSpPr>
+              <p:cNvPr id="10" name="직선 연결선 9"/>
+              <p:cNvCxnSpPr/>
+              <p:nvPr/>
+            </p:nvCxnSpPr>
+            <p:spPr>
+              <a:xfrm>
+                <a:off x="3732680" y="5269172"/>
+                <a:ext cx="0" cy="690850"/>
+              </a:xfrm>
+              <a:prstGeom prst="line">
+                <a:avLst/>
+              </a:prstGeom>
+            </p:spPr>
+            <p:style>
+              <a:lnRef idx="2">
+                <a:schemeClr val="accent1"/>
+              </a:lnRef>
+              <a:fillRef idx="0">
+                <a:schemeClr val="accent1"/>
+              </a:fillRef>
+              <a:effectRef idx="1">
+                <a:schemeClr val="accent1"/>
+              </a:effectRef>
+              <a:fontRef idx="minor">
+                <a:schemeClr val="tx1"/>
+              </a:fontRef>
+            </p:style>
+          </p:cxnSp>
+          <p:cxnSp>
+            <p:nvCxnSpPr>
+              <p:cNvPr id="46" name="직선 연결선 45"/>
+              <p:cNvCxnSpPr/>
+              <p:nvPr/>
+            </p:nvCxnSpPr>
+            <p:spPr>
+              <a:xfrm>
+                <a:off x="4855517" y="5269172"/>
+                <a:ext cx="0" cy="690850"/>
+              </a:xfrm>
+              <a:prstGeom prst="line">
+                <a:avLst/>
+              </a:prstGeom>
+            </p:spPr>
+            <p:style>
+              <a:lnRef idx="2">
+                <a:schemeClr val="accent1"/>
+              </a:lnRef>
+              <a:fillRef idx="0">
+                <a:schemeClr val="accent1"/>
+              </a:fillRef>
+              <a:effectRef idx="1">
+                <a:schemeClr val="accent1"/>
+              </a:effectRef>
+              <a:fontRef idx="minor">
+                <a:schemeClr val="tx1"/>
+              </a:fontRef>
+            </p:style>
+          </p:cxnSp>
+        </p:grpSp>
+        <p:sp>
+          <p:nvSpPr>
+            <p:cNvPr id="49" name="TextBox 48">
+              <a:extLst>
+                <a:ext uri="{FF2B5EF4-FFF2-40B4-BE49-F238E27FC236}">
+                  <a16:creationId xmlns="" xmlns:a16="http://schemas.microsoft.com/office/drawing/2014/main" id="{C76E3AAD-45C6-EB76-9A53-48C4CEF2570F}"/>
+                </a:ext>
+              </a:extLst>
+            </p:cNvPr>
+            <p:cNvSpPr txBox="1"/>
+            <p:nvPr/>
+          </p:nvSpPr>
+          <p:spPr>
+            <a:xfrm>
+              <a:off x="3731183" y="5695162"/>
+              <a:ext cx="1124333" cy="412630"/>
+            </a:xfrm>
+            <a:prstGeom prst="rect">
+              <a:avLst/>
+            </a:prstGeom>
+            <a:noFill/>
+          </p:spPr>
+          <p:txBody>
+            <a:bodyPr wrap="square" rtlCol="0">
+              <a:spAutoFit/>
+            </a:bodyPr>
+            <a:lstStyle/>
+            <a:p>
+              <a:pPr algn="ctr"/>
+              <a:r>
+                <a:rPr lang="en-US" altLang="ko-KR" sz="1200" dirty="0" smtClean="0"/>
+                <a:t>Log File</a:t>
+              </a:r>
+              <a:endParaRPr lang="ko-KR" altLang="en-US" sz="1200" dirty="0"/>
+            </a:p>
+          </p:txBody>
+        </p:sp>
+      </p:grpSp>
+      <p:sp>
+        <p:nvSpPr>
+          <p:cNvPr id="73" name="모서리가 둥근 직사각형 72"/>
+          <p:cNvSpPr/>
+          <p:nvPr/>
+        </p:nvSpPr>
+        <p:spPr>
+          <a:xfrm>
+            <a:off x="924935" y="3042602"/>
+            <a:ext cx="1685925" cy="411797"/>
+          </a:xfrm>
+          <a:prstGeom prst="roundRect">
+            <a:avLst/>
+          </a:prstGeom>
+          <a:solidFill>
+            <a:schemeClr val="accent1">
+              <a:lumMod val="75000"/>
+            </a:schemeClr>
+          </a:solidFill>
+          <a:ln>
+            <a:noFill/>
+          </a:ln>
+        </p:spPr>
+        <p:style>
+          <a:lnRef idx="2">
+            <a:schemeClr val="accent1">
+              <a:shade val="50000"/>
+            </a:schemeClr>
+          </a:lnRef>
+          <a:fillRef idx="1">
+            <a:schemeClr val="accent1"/>
+          </a:fillRef>
+          <a:effectRef idx="0">
+            <a:schemeClr val="accent1"/>
+          </a:effectRef>
+          <a:fontRef idx="minor">
+            <a:schemeClr val="lt1"/>
+          </a:fontRef>
+        </p:style>
+        <p:txBody>
+          <a:bodyPr rtlCol="0" anchor="ctr"/>
+          <a:lstStyle/>
+          <a:p>
+            <a:pPr algn="ctr"/>
+            <a:r>
+              <a:rPr lang="en-US" altLang="ko-KR" sz="1300" dirty="0" smtClean="0"/>
+              <a:t>Metric Library</a:t>
+            </a:r>
+            <a:endParaRPr lang="ko-KR" altLang="en-US" sz="1300" dirty="0"/>
+          </a:p>
+        </p:txBody>
+      </p:sp>
+      <p:sp>
+        <p:nvSpPr>
+          <p:cNvPr id="75" name="모서리가 둥근 직사각형 74"/>
+          <p:cNvSpPr/>
+          <p:nvPr/>
+        </p:nvSpPr>
+        <p:spPr>
+          <a:xfrm>
+            <a:off x="924935" y="3640151"/>
+            <a:ext cx="1685925" cy="411797"/>
+          </a:xfrm>
+          <a:prstGeom prst="roundRect">
+            <a:avLst/>
+          </a:prstGeom>
+          <a:solidFill>
+            <a:schemeClr val="accent6">
+              <a:lumMod val="60000"/>
+              <a:lumOff val="40000"/>
+            </a:schemeClr>
+          </a:solidFill>
+          <a:ln>
+            <a:noFill/>
+          </a:ln>
+        </p:spPr>
+        <p:style>
+          <a:lnRef idx="2">
+            <a:schemeClr val="accent1">
+              <a:shade val="50000"/>
+            </a:schemeClr>
+          </a:lnRef>
+          <a:fillRef idx="1">
+            <a:schemeClr val="accent1"/>
+          </a:fillRef>
+          <a:effectRef idx="0">
+            <a:schemeClr val="accent1"/>
+          </a:effectRef>
+          <a:fontRef idx="minor">
+            <a:schemeClr val="lt1"/>
+          </a:fontRef>
+        </p:style>
+        <p:txBody>
+          <a:bodyPr rtlCol="0" anchor="ctr"/>
+          <a:lstStyle/>
+          <a:p>
+            <a:pPr algn="ctr"/>
+            <a:r>
+              <a:rPr lang="en-US" altLang="ko-KR" sz="1300" dirty="0" smtClean="0"/>
+              <a:t>Tracing Library</a:t>
+            </a:r>
+            <a:endParaRPr lang="ko-KR" altLang="en-US" sz="1300" dirty="0"/>
+          </a:p>
+        </p:txBody>
+      </p:sp>
+      <p:sp>
+        <p:nvSpPr>
+          <p:cNvPr id="83" name="모서리가 둥근 직사각형 82"/>
+          <p:cNvSpPr/>
+          <p:nvPr/>
+        </p:nvSpPr>
+        <p:spPr>
+          <a:xfrm>
+            <a:off x="912235" y="4509376"/>
+            <a:ext cx="1685925" cy="411797"/>
+          </a:xfrm>
+          <a:prstGeom prst="roundRect">
+            <a:avLst/>
+          </a:prstGeom>
+          <a:solidFill>
+            <a:srgbClr val="7030A0"/>
+          </a:solidFill>
+          <a:ln>
+            <a:noFill/>
+          </a:ln>
+        </p:spPr>
+        <p:style>
+          <a:lnRef idx="2">
+            <a:schemeClr val="accent1">
+              <a:shade val="50000"/>
+            </a:schemeClr>
+          </a:lnRef>
+          <a:fillRef idx="1">
+            <a:schemeClr val="accent1"/>
+          </a:fillRef>
+          <a:effectRef idx="0">
+            <a:schemeClr val="accent1"/>
+          </a:effectRef>
+          <a:fontRef idx="minor">
+            <a:schemeClr val="lt1"/>
+          </a:fontRef>
+        </p:style>
+        <p:txBody>
+          <a:bodyPr rtlCol="0" anchor="ctr"/>
+          <a:lstStyle/>
+          <a:p>
+            <a:pPr algn="ctr"/>
+            <a:r>
+              <a:rPr lang="en-US" altLang="ko-KR" sz="1300" dirty="0" smtClean="0"/>
+              <a:t>Logging Library</a:t>
+            </a:r>
+            <a:endParaRPr lang="ko-KR" altLang="en-US" sz="1300" dirty="0"/>
+          </a:p>
+        </p:txBody>
+      </p:sp>
+      <p:sp>
+        <p:nvSpPr>
+          <p:cNvPr id="4" name="직사각형 3"/>
+          <p:cNvSpPr/>
+          <p:nvPr/>
+        </p:nvSpPr>
+        <p:spPr>
+          <a:xfrm>
+            <a:off x="6372098" y="2367522"/>
+            <a:ext cx="2102770" cy="542409"/>
+          </a:xfrm>
+          <a:prstGeom prst="rect">
+            <a:avLst/>
+          </a:prstGeom>
+          <a:solidFill>
+            <a:schemeClr val="accent1">
+              <a:lumMod val="75000"/>
+            </a:schemeClr>
+          </a:solidFill>
+          <a:ln>
+            <a:noFill/>
+          </a:ln>
+        </p:spPr>
+        <p:style>
+          <a:lnRef idx="2">
+            <a:schemeClr val="accent1">
+              <a:shade val="50000"/>
+            </a:schemeClr>
+          </a:lnRef>
+          <a:fillRef idx="1">
+            <a:schemeClr val="accent1"/>
+          </a:fillRef>
+          <a:effectRef idx="0">
+            <a:schemeClr val="accent1"/>
+          </a:effectRef>
+          <a:fontRef idx="minor">
+            <a:schemeClr val="lt1"/>
+          </a:fontRef>
+        </p:style>
+        <p:txBody>
+          <a:bodyPr rtlCol="0" anchor="ctr"/>
+          <a:lstStyle/>
+          <a:p>
+            <a:pPr algn="ctr"/>
+            <a:r>
+              <a:rPr lang="en-US" altLang="ko-KR" dirty="0" smtClean="0"/>
+              <a:t>Metrics Agent</a:t>
+            </a:r>
+            <a:endParaRPr lang="ko-KR" altLang="en-US" dirty="0"/>
+          </a:p>
+        </p:txBody>
+      </p:sp>
+      <p:sp>
+        <p:nvSpPr>
+          <p:cNvPr id="85" name="직사각형 84"/>
+          <p:cNvSpPr/>
+          <p:nvPr/>
+        </p:nvSpPr>
+        <p:spPr>
+          <a:xfrm>
+            <a:off x="6372098" y="3572371"/>
+            <a:ext cx="2102770" cy="542409"/>
+          </a:xfrm>
+          <a:prstGeom prst="rect">
+            <a:avLst/>
+          </a:prstGeom>
+          <a:solidFill>
+            <a:schemeClr val="accent6">
+              <a:lumMod val="60000"/>
+              <a:lumOff val="40000"/>
+            </a:schemeClr>
+          </a:solidFill>
+          <a:ln>
+            <a:noFill/>
+          </a:ln>
+        </p:spPr>
+        <p:style>
+          <a:lnRef idx="2">
+            <a:schemeClr val="accent1">
+              <a:shade val="50000"/>
+            </a:schemeClr>
+          </a:lnRef>
+          <a:fillRef idx="1">
+            <a:schemeClr val="accent1"/>
+          </a:fillRef>
+          <a:effectRef idx="0">
+            <a:schemeClr val="accent1"/>
+          </a:effectRef>
+          <a:fontRef idx="minor">
+            <a:schemeClr val="lt1"/>
+          </a:fontRef>
+        </p:style>
+        <p:txBody>
+          <a:bodyPr rtlCol="0" anchor="ctr"/>
+          <a:lstStyle/>
+          <a:p>
+            <a:pPr algn="ctr"/>
+            <a:r>
+              <a:rPr lang="en-US" altLang="ko-KR" dirty="0"/>
+              <a:t>Tracing</a:t>
+            </a:r>
+            <a:r>
+              <a:rPr lang="en-US" altLang="ko-KR" dirty="0" smtClean="0"/>
+              <a:t> Agent</a:t>
+            </a:r>
+            <a:endParaRPr lang="ko-KR" altLang="en-US" dirty="0"/>
+          </a:p>
+        </p:txBody>
+      </p:sp>
+      <p:sp>
+        <p:nvSpPr>
+          <p:cNvPr id="86" name="직사각형 85"/>
+          <p:cNvSpPr/>
+          <p:nvPr/>
+        </p:nvSpPr>
+        <p:spPr>
+          <a:xfrm>
+            <a:off x="6372098" y="5039092"/>
+            <a:ext cx="2102770" cy="542409"/>
+          </a:xfrm>
+          <a:prstGeom prst="rect">
+            <a:avLst/>
+          </a:prstGeom>
+          <a:solidFill>
+            <a:srgbClr val="7030A0"/>
+          </a:solidFill>
+          <a:ln>
+            <a:noFill/>
+          </a:ln>
+        </p:spPr>
+        <p:style>
+          <a:lnRef idx="2">
+            <a:schemeClr val="accent1">
+              <a:shade val="50000"/>
+            </a:schemeClr>
+          </a:lnRef>
+          <a:fillRef idx="1">
+            <a:schemeClr val="accent1"/>
+          </a:fillRef>
+          <a:effectRef idx="0">
+            <a:schemeClr val="accent1"/>
+          </a:effectRef>
+          <a:fontRef idx="minor">
+            <a:schemeClr val="lt1"/>
+          </a:fontRef>
+        </p:style>
+        <p:txBody>
+          <a:bodyPr rtlCol="0" anchor="ctr"/>
+          <a:lstStyle/>
+          <a:p>
+            <a:pPr algn="ctr"/>
+            <a:r>
+              <a:rPr lang="en-US" altLang="ko-KR" dirty="0" smtClean="0"/>
+              <a:t>Logs Agent</a:t>
+            </a:r>
+            <a:endParaRPr lang="ko-KR" altLang="en-US" dirty="0"/>
+          </a:p>
+        </p:txBody>
+      </p:sp>
+      <p:sp>
+        <p:nvSpPr>
+          <p:cNvPr id="91" name="직사각형 90"/>
+          <p:cNvSpPr/>
+          <p:nvPr/>
+        </p:nvSpPr>
+        <p:spPr>
+          <a:xfrm>
+            <a:off x="9530013" y="2367522"/>
+            <a:ext cx="2102770" cy="542409"/>
+          </a:xfrm>
+          <a:prstGeom prst="rect">
+            <a:avLst/>
+          </a:prstGeom>
+          <a:solidFill>
+            <a:schemeClr val="accent1">
+              <a:lumMod val="75000"/>
+            </a:schemeClr>
+          </a:solidFill>
+          <a:ln>
+            <a:noFill/>
+          </a:ln>
+        </p:spPr>
+        <p:style>
+          <a:lnRef idx="2">
+            <a:schemeClr val="accent1">
+              <a:shade val="50000"/>
+            </a:schemeClr>
+          </a:lnRef>
+          <a:fillRef idx="1">
+            <a:schemeClr val="accent1"/>
+          </a:fillRef>
+          <a:effectRef idx="0">
+            <a:schemeClr val="accent1"/>
+          </a:effectRef>
+          <a:fontRef idx="minor">
+            <a:schemeClr val="lt1"/>
+          </a:fontRef>
+        </p:style>
+        <p:txBody>
+          <a:bodyPr rtlCol="0" anchor="ctr"/>
+          <a:lstStyle/>
+          <a:p>
+            <a:pPr algn="ctr"/>
+            <a:r>
+              <a:rPr lang="en-US" altLang="ko-KR" dirty="0" smtClean="0"/>
+              <a:t>Metrics Backend</a:t>
+            </a:r>
+            <a:endParaRPr lang="ko-KR" altLang="en-US" dirty="0"/>
+          </a:p>
+        </p:txBody>
+      </p:sp>
+      <p:sp>
+        <p:nvSpPr>
+          <p:cNvPr id="92" name="직사각형 91"/>
+          <p:cNvSpPr/>
+          <p:nvPr/>
+        </p:nvSpPr>
+        <p:spPr>
+          <a:xfrm>
+            <a:off x="9530013" y="3572370"/>
+            <a:ext cx="2102770" cy="542409"/>
+          </a:xfrm>
+          <a:prstGeom prst="rect">
+            <a:avLst/>
+          </a:prstGeom>
+          <a:solidFill>
+            <a:schemeClr val="accent6">
+              <a:lumMod val="60000"/>
+              <a:lumOff val="40000"/>
+            </a:schemeClr>
+          </a:solidFill>
+          <a:ln>
+            <a:noFill/>
+          </a:ln>
+        </p:spPr>
+        <p:style>
+          <a:lnRef idx="2">
+            <a:schemeClr val="accent1">
+              <a:shade val="50000"/>
+            </a:schemeClr>
+          </a:lnRef>
+          <a:fillRef idx="1">
+            <a:schemeClr val="accent1"/>
+          </a:fillRef>
+          <a:effectRef idx="0">
+            <a:schemeClr val="accent1"/>
+          </a:effectRef>
+          <a:fontRef idx="minor">
+            <a:schemeClr val="lt1"/>
+          </a:fontRef>
+        </p:style>
+        <p:txBody>
+          <a:bodyPr rtlCol="0" anchor="ctr"/>
+          <a:lstStyle/>
+          <a:p>
+            <a:pPr algn="ctr"/>
+            <a:r>
+              <a:rPr lang="en-US" altLang="ko-KR" dirty="0"/>
+              <a:t>Tracing</a:t>
+            </a:r>
+            <a:r>
+              <a:rPr lang="en-US" altLang="ko-KR" dirty="0" smtClean="0"/>
+              <a:t> </a:t>
+            </a:r>
+            <a:r>
+              <a:rPr lang="en-US" altLang="ko-KR" dirty="0"/>
+              <a:t>Backend</a:t>
+            </a:r>
+            <a:endParaRPr lang="ko-KR" altLang="en-US" dirty="0"/>
+          </a:p>
+        </p:txBody>
+      </p:sp>
+      <p:sp>
+        <p:nvSpPr>
+          <p:cNvPr id="96" name="직사각형 95"/>
+          <p:cNvSpPr/>
+          <p:nvPr/>
+        </p:nvSpPr>
+        <p:spPr>
+          <a:xfrm>
+            <a:off x="9530013" y="5040788"/>
+            <a:ext cx="2102770" cy="542409"/>
+          </a:xfrm>
+          <a:prstGeom prst="rect">
+            <a:avLst/>
+          </a:prstGeom>
+          <a:solidFill>
+            <a:srgbClr val="7030A0"/>
+          </a:solidFill>
+          <a:ln>
+            <a:noFill/>
+          </a:ln>
+        </p:spPr>
+        <p:style>
+          <a:lnRef idx="2">
+            <a:schemeClr val="accent1">
+              <a:shade val="50000"/>
+            </a:schemeClr>
+          </a:lnRef>
+          <a:fillRef idx="1">
+            <a:schemeClr val="accent1"/>
+          </a:fillRef>
+          <a:effectRef idx="0">
+            <a:schemeClr val="accent1"/>
+          </a:effectRef>
+          <a:fontRef idx="minor">
+            <a:schemeClr val="lt1"/>
+          </a:fontRef>
+        </p:style>
+        <p:txBody>
+          <a:bodyPr rtlCol="0" anchor="ctr"/>
+          <a:lstStyle/>
+          <a:p>
+            <a:pPr algn="ctr"/>
+            <a:r>
+              <a:rPr lang="en-US" altLang="ko-KR" dirty="0" smtClean="0"/>
+              <a:t>Logs </a:t>
+            </a:r>
+            <a:r>
+              <a:rPr lang="en-US" altLang="ko-KR" dirty="0"/>
+              <a:t>Backend</a:t>
+            </a:r>
+            <a:endParaRPr lang="ko-KR" altLang="en-US" dirty="0"/>
+          </a:p>
+        </p:txBody>
+      </p:sp>
+      <p:sp>
+        <p:nvSpPr>
+          <p:cNvPr id="100" name="TextBox 99">
+            <a:extLst>
+              <a:ext uri="{FF2B5EF4-FFF2-40B4-BE49-F238E27FC236}">
+                <a16:creationId xmlns="" xmlns:a16="http://schemas.microsoft.com/office/drawing/2014/main" id="{C76E3AAD-45C6-EB76-9A53-48C4CEF2570F}"/>
+              </a:ext>
+            </a:extLst>
+          </p:cNvPr>
+          <p:cNvSpPr txBox="1"/>
+          <p:nvPr/>
+        </p:nvSpPr>
+        <p:spPr>
+          <a:xfrm>
+            <a:off x="1132334" y="1621695"/>
+            <a:ext cx="1159676" cy="369332"/>
+          </a:xfrm>
+          <a:prstGeom prst="rect">
+            <a:avLst/>
+          </a:prstGeom>
+          <a:noFill/>
+        </p:spPr>
+        <p:txBody>
+          <a:bodyPr wrap="none" rtlCol="0">
+            <a:spAutoFit/>
+          </a:bodyPr>
+          <a:lstStyle/>
+          <a:p>
+            <a:r>
+              <a:rPr lang="en-US" altLang="ko-KR" dirty="0" smtClean="0"/>
+              <a:t>Host/Pod</a:t>
+            </a:r>
+            <a:endParaRPr lang="ko-KR" altLang="en-US" dirty="0"/>
+          </a:p>
+        </p:txBody>
+      </p:sp>
+      <p:cxnSp>
+        <p:nvCxnSpPr>
+          <p:cNvPr id="11" name="직선 화살표 연결선 10"/>
+          <p:cNvCxnSpPr>
+            <a:endCxn id="4" idx="1"/>
+          </p:cNvCxnSpPr>
+          <p:nvPr/>
+        </p:nvCxnSpPr>
+        <p:spPr>
+          <a:xfrm>
+            <a:off x="3283333" y="2638727"/>
+            <a:ext cx="3088765" cy="0"/>
+          </a:xfrm>
+          <a:prstGeom prst="straightConnector1">
+            <a:avLst/>
+          </a:prstGeom>
+          <a:ln>
+            <a:tailEnd type="triangle"/>
+          </a:ln>
+        </p:spPr>
+        <p:style>
+          <a:lnRef idx="1">
+            <a:schemeClr val="accent1"/>
+          </a:lnRef>
+          <a:fillRef idx="0">
+            <a:schemeClr val="accent1"/>
+          </a:fillRef>
+          <a:effectRef idx="0">
+            <a:schemeClr val="accent1"/>
+          </a:effectRef>
+          <a:fontRef idx="minor">
+            <a:schemeClr val="tx1"/>
+          </a:fontRef>
+        </p:style>
+      </p:cxnSp>
+      <p:cxnSp>
+        <p:nvCxnSpPr>
+          <p:cNvPr id="15" name="직선 연결선 14"/>
+          <p:cNvCxnSpPr/>
+          <p:nvPr/>
+        </p:nvCxnSpPr>
+        <p:spPr>
+          <a:xfrm>
+            <a:off x="2610860" y="3213100"/>
+            <a:ext cx="1453140" cy="0"/>
+          </a:xfrm>
+          <a:prstGeom prst="line">
+            <a:avLst/>
+          </a:prstGeom>
+        </p:spPr>
+        <p:style>
+          <a:lnRef idx="1">
+            <a:schemeClr val="accent1"/>
+          </a:lnRef>
+          <a:fillRef idx="0">
+            <a:schemeClr val="accent1"/>
+          </a:fillRef>
+          <a:effectRef idx="0">
+            <a:schemeClr val="accent1"/>
+          </a:effectRef>
+          <a:fontRef idx="minor">
+            <a:schemeClr val="tx1"/>
+          </a:fontRef>
+        </p:style>
+      </p:cxnSp>
+      <p:cxnSp>
+        <p:nvCxnSpPr>
+          <p:cNvPr id="20" name="직선 연결선 19"/>
+          <p:cNvCxnSpPr/>
+          <p:nvPr/>
+        </p:nvCxnSpPr>
+        <p:spPr>
+          <a:xfrm flipV="1">
+            <a:off x="4064000" y="2638726"/>
+            <a:ext cx="0" cy="574375"/>
+          </a:xfrm>
+          <a:prstGeom prst="line">
+            <a:avLst/>
+          </a:prstGeom>
+        </p:spPr>
+        <p:style>
+          <a:lnRef idx="1">
+            <a:schemeClr val="accent1"/>
+          </a:lnRef>
+          <a:fillRef idx="0">
+            <a:schemeClr val="accent1"/>
+          </a:fillRef>
+          <a:effectRef idx="0">
+            <a:schemeClr val="accent1"/>
+          </a:effectRef>
+          <a:fontRef idx="minor">
+            <a:schemeClr val="tx1"/>
+          </a:fontRef>
+        </p:style>
+      </p:cxnSp>
+      <p:sp>
+        <p:nvSpPr>
+          <p:cNvPr id="101" name="TextBox 100">
+            <a:extLst>
+              <a:ext uri="{FF2B5EF4-FFF2-40B4-BE49-F238E27FC236}">
+                <a16:creationId xmlns="" xmlns:a16="http://schemas.microsoft.com/office/drawing/2014/main" id="{C76E3AAD-45C6-EB76-9A53-48C4CEF2570F}"/>
+              </a:ext>
+            </a:extLst>
+          </p:cNvPr>
+          <p:cNvSpPr txBox="1"/>
+          <p:nvPr/>
+        </p:nvSpPr>
+        <p:spPr>
+          <a:xfrm>
+            <a:off x="3283333" y="2316281"/>
+            <a:ext cx="925253" cy="246221"/>
+          </a:xfrm>
+          <a:prstGeom prst="rect">
+            <a:avLst/>
+          </a:prstGeom>
+          <a:noFill/>
+        </p:spPr>
+        <p:txBody>
+          <a:bodyPr wrap="none" rtlCol="0">
+            <a:spAutoFit/>
+          </a:bodyPr>
+          <a:lstStyle/>
+          <a:p>
+            <a:r>
+              <a:rPr lang="en-US" altLang="ko-KR" sz="1000" dirty="0" smtClean="0"/>
+              <a:t>Host Metrics</a:t>
+            </a:r>
+            <a:endParaRPr lang="ko-KR" altLang="en-US" sz="1000" dirty="0"/>
+          </a:p>
+        </p:txBody>
+      </p:sp>
+      <p:sp>
+        <p:nvSpPr>
+          <p:cNvPr id="102" name="TextBox 101">
+            <a:extLst>
+              <a:ext uri="{FF2B5EF4-FFF2-40B4-BE49-F238E27FC236}">
+                <a16:creationId xmlns="" xmlns:a16="http://schemas.microsoft.com/office/drawing/2014/main" id="{C76E3AAD-45C6-EB76-9A53-48C4CEF2570F}"/>
+              </a:ext>
+            </a:extLst>
+          </p:cNvPr>
+          <p:cNvSpPr txBox="1"/>
+          <p:nvPr/>
+        </p:nvSpPr>
+        <p:spPr>
+          <a:xfrm>
+            <a:off x="3252481" y="2951022"/>
+            <a:ext cx="893193" cy="246221"/>
+          </a:xfrm>
+          <a:prstGeom prst="rect">
+            <a:avLst/>
+          </a:prstGeom>
+          <a:noFill/>
+        </p:spPr>
+        <p:txBody>
+          <a:bodyPr wrap="none" rtlCol="0">
+            <a:spAutoFit/>
+          </a:bodyPr>
+          <a:lstStyle/>
+          <a:p>
+            <a:r>
+              <a:rPr lang="en-US" altLang="ko-KR" sz="1000" dirty="0" smtClean="0"/>
+              <a:t>App Metrics</a:t>
+            </a:r>
+            <a:endParaRPr lang="ko-KR" altLang="en-US" sz="1000" dirty="0"/>
+          </a:p>
+        </p:txBody>
+      </p:sp>
+      <p:cxnSp>
+        <p:nvCxnSpPr>
+          <p:cNvPr id="36" name="직선 화살표 연결선 35"/>
+          <p:cNvCxnSpPr>
+            <a:stCxn id="75" idx="3"/>
+            <a:endCxn id="85" idx="1"/>
+          </p:cNvCxnSpPr>
+          <p:nvPr/>
+        </p:nvCxnSpPr>
+        <p:spPr>
+          <a:xfrm flipV="1">
+            <a:off x="2610860" y="3843576"/>
+            <a:ext cx="3761238" cy="2474"/>
+          </a:xfrm>
+          <a:prstGeom prst="straightConnector1">
+            <a:avLst/>
+          </a:prstGeom>
+          <a:ln>
+            <a:tailEnd type="triangle"/>
+          </a:ln>
+        </p:spPr>
+        <p:style>
+          <a:lnRef idx="1">
+            <a:schemeClr val="accent1"/>
+          </a:lnRef>
+          <a:fillRef idx="0">
+            <a:schemeClr val="accent1"/>
+          </a:fillRef>
+          <a:effectRef idx="0">
+            <a:schemeClr val="accent1"/>
+          </a:effectRef>
+          <a:fontRef idx="minor">
+            <a:schemeClr val="tx1"/>
+          </a:fontRef>
+        </p:style>
+      </p:cxnSp>
+      <p:cxnSp>
+        <p:nvCxnSpPr>
+          <p:cNvPr id="53" name="직선 화살표 연결선 52"/>
+          <p:cNvCxnSpPr>
+            <a:stCxn id="83" idx="3"/>
+            <a:endCxn id="49" idx="1"/>
+          </p:cNvCxnSpPr>
+          <p:nvPr/>
+        </p:nvCxnSpPr>
+        <p:spPr>
+          <a:xfrm>
+            <a:off x="2598160" y="4715275"/>
+            <a:ext cx="1886604" cy="3412"/>
+          </a:xfrm>
+          <a:prstGeom prst="straightConnector1">
+            <a:avLst/>
+          </a:prstGeom>
+          <a:ln>
+            <a:tailEnd type="triangle"/>
+          </a:ln>
+        </p:spPr>
+        <p:style>
+          <a:lnRef idx="1">
+            <a:schemeClr val="accent1"/>
+          </a:lnRef>
+          <a:fillRef idx="0">
+            <a:schemeClr val="accent1"/>
+          </a:fillRef>
+          <a:effectRef idx="0">
+            <a:schemeClr val="accent1"/>
+          </a:effectRef>
+          <a:fontRef idx="minor">
+            <a:schemeClr val="tx1"/>
+          </a:fontRef>
+        </p:style>
+      </p:cxnSp>
+      <p:cxnSp>
+        <p:nvCxnSpPr>
+          <p:cNvPr id="68" name="직선 화살표 연결선 67"/>
+          <p:cNvCxnSpPr>
+            <a:endCxn id="86" idx="1"/>
+          </p:cNvCxnSpPr>
+          <p:nvPr/>
+        </p:nvCxnSpPr>
+        <p:spPr>
+          <a:xfrm flipV="1">
+            <a:off x="3283333" y="5310297"/>
+            <a:ext cx="3088765" cy="29915"/>
+          </a:xfrm>
+          <a:prstGeom prst="straightConnector1">
+            <a:avLst/>
+          </a:prstGeom>
+          <a:ln>
+            <a:tailEnd type="triangle"/>
+          </a:ln>
+        </p:spPr>
+        <p:style>
+          <a:lnRef idx="1">
+            <a:schemeClr val="accent1"/>
+          </a:lnRef>
+          <a:fillRef idx="0">
+            <a:schemeClr val="accent1"/>
+          </a:fillRef>
+          <a:effectRef idx="0">
+            <a:schemeClr val="accent1"/>
+          </a:effectRef>
+          <a:fontRef idx="minor">
+            <a:schemeClr val="tx1"/>
+          </a:fontRef>
+        </p:style>
+      </p:cxnSp>
+      <p:sp>
+        <p:nvSpPr>
+          <p:cNvPr id="110" name="TextBox 109">
+            <a:extLst>
+              <a:ext uri="{FF2B5EF4-FFF2-40B4-BE49-F238E27FC236}">
+                <a16:creationId xmlns="" xmlns:a16="http://schemas.microsoft.com/office/drawing/2014/main" id="{C76E3AAD-45C6-EB76-9A53-48C4CEF2570F}"/>
+              </a:ext>
+            </a:extLst>
+          </p:cNvPr>
+          <p:cNvSpPr txBox="1"/>
+          <p:nvPr/>
+        </p:nvSpPr>
+        <p:spPr>
+          <a:xfrm>
+            <a:off x="3439836" y="5380156"/>
+            <a:ext cx="914033" cy="246221"/>
+          </a:xfrm>
+          <a:prstGeom prst="rect">
+            <a:avLst/>
+          </a:prstGeom>
+          <a:noFill/>
+        </p:spPr>
+        <p:txBody>
+          <a:bodyPr wrap="none" rtlCol="0">
+            <a:spAutoFit/>
+          </a:bodyPr>
+          <a:lstStyle/>
+          <a:p>
+            <a:r>
+              <a:rPr lang="en-US" altLang="ko-KR" sz="1000" dirty="0" smtClean="0"/>
+              <a:t>System Logs</a:t>
+            </a:r>
+            <a:endParaRPr lang="ko-KR" altLang="en-US" sz="1000" dirty="0"/>
+          </a:p>
+        </p:txBody>
+      </p:sp>
+      <p:sp>
+        <p:nvSpPr>
+          <p:cNvPr id="111" name="TextBox 110">
+            <a:extLst>
+              <a:ext uri="{FF2B5EF4-FFF2-40B4-BE49-F238E27FC236}">
+                <a16:creationId xmlns="" xmlns:a16="http://schemas.microsoft.com/office/drawing/2014/main" id="{C76E3AAD-45C6-EB76-9A53-48C4CEF2570F}"/>
+              </a:ext>
+            </a:extLst>
+          </p:cNvPr>
+          <p:cNvSpPr txBox="1"/>
+          <p:nvPr/>
+        </p:nvSpPr>
+        <p:spPr>
+          <a:xfrm>
+            <a:off x="3252481" y="4389265"/>
+            <a:ext cx="739305" cy="246221"/>
+          </a:xfrm>
+          <a:prstGeom prst="rect">
+            <a:avLst/>
+          </a:prstGeom>
+          <a:noFill/>
+        </p:spPr>
+        <p:txBody>
+          <a:bodyPr wrap="none" rtlCol="0">
+            <a:spAutoFit/>
+          </a:bodyPr>
+          <a:lstStyle/>
+          <a:p>
+            <a:r>
+              <a:rPr lang="en-US" altLang="ko-KR" sz="1000" dirty="0" smtClean="0"/>
+              <a:t>App Logs</a:t>
+            </a:r>
+            <a:endParaRPr lang="ko-KR" altLang="en-US" sz="1000" dirty="0"/>
+          </a:p>
+        </p:txBody>
+      </p:sp>
+      <p:cxnSp>
+        <p:nvCxnSpPr>
+          <p:cNvPr id="108" name="직선 연결선 107"/>
+          <p:cNvCxnSpPr>
+            <a:stCxn id="49" idx="3"/>
+          </p:cNvCxnSpPr>
+          <p:nvPr/>
+        </p:nvCxnSpPr>
+        <p:spPr>
+          <a:xfrm flipV="1">
+            <a:off x="5609097" y="4715274"/>
+            <a:ext cx="492978" cy="3413"/>
+          </a:xfrm>
+          <a:prstGeom prst="line">
+            <a:avLst/>
+          </a:prstGeom>
+        </p:spPr>
+        <p:style>
+          <a:lnRef idx="1">
+            <a:schemeClr val="accent1"/>
+          </a:lnRef>
+          <a:fillRef idx="0">
+            <a:schemeClr val="accent1"/>
+          </a:fillRef>
+          <a:effectRef idx="0">
+            <a:schemeClr val="accent1"/>
+          </a:effectRef>
+          <a:fontRef idx="minor">
+            <a:schemeClr val="tx1"/>
+          </a:fontRef>
+        </p:style>
+      </p:cxnSp>
+      <p:cxnSp>
+        <p:nvCxnSpPr>
+          <p:cNvPr id="112" name="직선 연결선 111"/>
+          <p:cNvCxnSpPr/>
+          <p:nvPr/>
+        </p:nvCxnSpPr>
+        <p:spPr>
+          <a:xfrm>
+            <a:off x="6083300" y="4708314"/>
+            <a:ext cx="0" cy="601983"/>
+          </a:xfrm>
+          <a:prstGeom prst="line">
+            <a:avLst/>
+          </a:prstGeom>
+        </p:spPr>
+        <p:style>
+          <a:lnRef idx="1">
+            <a:schemeClr val="accent1"/>
+          </a:lnRef>
+          <a:fillRef idx="0">
+            <a:schemeClr val="accent1"/>
+          </a:fillRef>
+          <a:effectRef idx="0">
+            <a:schemeClr val="accent1"/>
+          </a:effectRef>
+          <a:fontRef idx="minor">
+            <a:schemeClr val="tx1"/>
+          </a:fontRef>
+        </p:style>
+      </p:cxnSp>
+      <p:cxnSp>
+        <p:nvCxnSpPr>
+          <p:cNvPr id="118" name="직선 화살표 연결선 117"/>
+          <p:cNvCxnSpPr>
+            <a:stCxn id="4" idx="3"/>
+            <a:endCxn id="91" idx="1"/>
+          </p:cNvCxnSpPr>
+          <p:nvPr/>
+        </p:nvCxnSpPr>
+        <p:spPr>
+          <a:xfrm>
+            <a:off x="8474868" y="2638727"/>
+            <a:ext cx="1055145" cy="0"/>
+          </a:xfrm>
+          <a:prstGeom prst="straightConnector1">
+            <a:avLst/>
+          </a:prstGeom>
+          <a:ln>
+            <a:tailEnd type="triangle"/>
+          </a:ln>
+        </p:spPr>
+        <p:style>
+          <a:lnRef idx="1">
+            <a:schemeClr val="accent1"/>
+          </a:lnRef>
+          <a:fillRef idx="0">
+            <a:schemeClr val="accent1"/>
+          </a:fillRef>
+          <a:effectRef idx="0">
+            <a:schemeClr val="accent1"/>
+          </a:effectRef>
+          <a:fontRef idx="minor">
+            <a:schemeClr val="tx1"/>
+          </a:fontRef>
+        </p:style>
+      </p:cxnSp>
+      <p:cxnSp>
+        <p:nvCxnSpPr>
+          <p:cNvPr id="120" name="직선 화살표 연결선 119"/>
+          <p:cNvCxnSpPr>
+            <a:stCxn id="85" idx="3"/>
+            <a:endCxn id="92" idx="1"/>
+          </p:cNvCxnSpPr>
+          <p:nvPr/>
+        </p:nvCxnSpPr>
+        <p:spPr>
+          <a:xfrm flipV="1">
+            <a:off x="8474868" y="3843575"/>
+            <a:ext cx="1055145" cy="1"/>
+          </a:xfrm>
+          <a:prstGeom prst="straightConnector1">
+            <a:avLst/>
+          </a:prstGeom>
+          <a:ln>
+            <a:tailEnd type="triangle"/>
+          </a:ln>
+        </p:spPr>
+        <p:style>
+          <a:lnRef idx="1">
+            <a:schemeClr val="accent1"/>
+          </a:lnRef>
+          <a:fillRef idx="0">
+            <a:schemeClr val="accent1"/>
+          </a:fillRef>
+          <a:effectRef idx="0">
+            <a:schemeClr val="accent1"/>
+          </a:effectRef>
+          <a:fontRef idx="minor">
+            <a:schemeClr val="tx1"/>
+          </a:fontRef>
+        </p:style>
+      </p:cxnSp>
+      <p:cxnSp>
+        <p:nvCxnSpPr>
+          <p:cNvPr id="122" name="직선 화살표 연결선 121"/>
+          <p:cNvCxnSpPr>
+            <a:stCxn id="86" idx="3"/>
+            <a:endCxn id="96" idx="1"/>
+          </p:cNvCxnSpPr>
+          <p:nvPr/>
+        </p:nvCxnSpPr>
+        <p:spPr>
+          <a:xfrm>
+            <a:off x="8474868" y="5310297"/>
+            <a:ext cx="1055145" cy="1696"/>
+          </a:xfrm>
+          <a:prstGeom prst="straightConnector1">
+            <a:avLst/>
+          </a:prstGeom>
+          <a:ln>
+            <a:tailEnd type="triangle"/>
+          </a:ln>
+        </p:spPr>
+        <p:style>
+          <a:lnRef idx="1">
+            <a:schemeClr val="accent1"/>
+          </a:lnRef>
+          <a:fillRef idx="0">
+            <a:schemeClr val="accent1"/>
+          </a:fillRef>
+          <a:effectRef idx="0">
+            <a:schemeClr val="accent1"/>
+          </a:effectRef>
+          <a:fontRef idx="minor">
+            <a:schemeClr val="tx1"/>
+          </a:fontRef>
+        </p:style>
+      </p:cxnSp>
+      <p:sp>
+        <p:nvSpPr>
+          <p:cNvPr id="128" name="TextBox 127">
+            <a:extLst>
+              <a:ext uri="{FF2B5EF4-FFF2-40B4-BE49-F238E27FC236}">
+                <a16:creationId xmlns="" xmlns:a16="http://schemas.microsoft.com/office/drawing/2014/main" id="{C76E3AAD-45C6-EB76-9A53-48C4CEF2570F}"/>
+              </a:ext>
+            </a:extLst>
+          </p:cNvPr>
+          <p:cNvSpPr txBox="1"/>
+          <p:nvPr/>
+        </p:nvSpPr>
+        <p:spPr>
+          <a:xfrm>
+            <a:off x="317360" y="6550689"/>
+            <a:ext cx="7696338" cy="246221"/>
+          </a:xfrm>
+          <a:prstGeom prst="rect">
+            <a:avLst/>
+          </a:prstGeom>
+          <a:noFill/>
+        </p:spPr>
+        <p:txBody>
+          <a:bodyPr wrap="none" rtlCol="0">
+            <a:spAutoFit/>
+          </a:bodyPr>
+          <a:lstStyle/>
+          <a:p>
+            <a:r>
+              <a:rPr lang="ko-KR" altLang="en-US" sz="1000" dirty="0" err="1" smtClean="0"/>
+              <a:t>텔레메트리</a:t>
+            </a:r>
+            <a:r>
+              <a:rPr lang="ko-KR" altLang="en-US" sz="1000" dirty="0" smtClean="0"/>
+              <a:t> 수집 방식을 </a:t>
+            </a:r>
+            <a:r>
+              <a:rPr lang="ko-KR" altLang="en-US" sz="1000" dirty="0" err="1" smtClean="0"/>
+              <a:t>변경하게되면</a:t>
+            </a:r>
+            <a:r>
+              <a:rPr lang="ko-KR" altLang="en-US" sz="1000" dirty="0" smtClean="0"/>
+              <a:t> 라이브러리</a:t>
+            </a:r>
+            <a:r>
+              <a:rPr lang="en-US" altLang="ko-KR" sz="1000" dirty="0" smtClean="0"/>
+              <a:t>, </a:t>
+            </a:r>
+            <a:r>
+              <a:rPr lang="ko-KR" altLang="en-US" sz="1000" dirty="0" smtClean="0"/>
+              <a:t>에이전트</a:t>
+            </a:r>
+            <a:r>
+              <a:rPr lang="en-US" altLang="ko-KR" sz="1000" dirty="0" smtClean="0"/>
+              <a:t>, </a:t>
+            </a:r>
+            <a:r>
+              <a:rPr lang="ko-KR" altLang="en-US" sz="1000" dirty="0" err="1" smtClean="0"/>
+              <a:t>백엔드</a:t>
+            </a:r>
+            <a:r>
+              <a:rPr lang="en-US" altLang="ko-KR" sz="1000" dirty="0" smtClean="0"/>
+              <a:t>,</a:t>
+            </a:r>
+            <a:r>
+              <a:rPr lang="ko-KR" altLang="en-US" sz="1000" dirty="0" smtClean="0"/>
+              <a:t>를 변경해야 하며</a:t>
+            </a:r>
+            <a:r>
+              <a:rPr lang="en-US" altLang="ko-KR" sz="1000" dirty="0"/>
+              <a:t> </a:t>
+            </a:r>
+            <a:r>
+              <a:rPr lang="ko-KR" altLang="en-US" sz="1000" dirty="0" smtClean="0"/>
+              <a:t>많게는 애플리케이션 코드 수정까지 해야 함</a:t>
+            </a:r>
+            <a:endParaRPr lang="ko-KR" altLang="en-US" sz="1000" dirty="0"/>
+          </a:p>
+        </p:txBody>
+      </p:sp>
+      <p:sp>
+        <p:nvSpPr>
+          <p:cNvPr id="129" name="TextBox 128">
+            <a:extLst>
+              <a:ext uri="{FF2B5EF4-FFF2-40B4-BE49-F238E27FC236}">
+                <a16:creationId xmlns="" xmlns:a16="http://schemas.microsoft.com/office/drawing/2014/main" id="{C76E3AAD-45C6-EB76-9A53-48C4CEF2570F}"/>
+              </a:ext>
+            </a:extLst>
+          </p:cNvPr>
+          <p:cNvSpPr txBox="1"/>
+          <p:nvPr/>
+        </p:nvSpPr>
+        <p:spPr>
+          <a:xfrm>
+            <a:off x="3252481" y="3573584"/>
+            <a:ext cx="551754" cy="246221"/>
+          </a:xfrm>
+          <a:prstGeom prst="rect">
+            <a:avLst/>
+          </a:prstGeom>
+          <a:noFill/>
+        </p:spPr>
+        <p:txBody>
+          <a:bodyPr wrap="none" rtlCol="0">
+            <a:spAutoFit/>
+          </a:bodyPr>
+          <a:lstStyle/>
+          <a:p>
+            <a:r>
+              <a:rPr lang="en-US" altLang="ko-KR" sz="1000" dirty="0" smtClean="0"/>
+              <a:t>Traces</a:t>
+            </a:r>
+            <a:endParaRPr lang="ko-KR" altLang="en-US" sz="1000" dirty="0"/>
+          </a:p>
+        </p:txBody>
+      </p:sp>
+    </p:spTree>
+    <p:extLst>
+      <p:ext uri="{BB962C8B-B14F-4D97-AF65-F5344CB8AC3E}">
+        <p14:creationId xmlns:p14="http://schemas.microsoft.com/office/powerpoint/2010/main" val="1132380515"/>
+      </p:ext>
+    </p:extLst>
+  </p:cSld>
+  <p:clrMapOvr>
+    <a:masterClrMapping/>
+  </p:clrMapOvr>
+  <p:timing>
+    <p:tnLst>
+      <p:par>
+        <p:cTn id="1" dur="indefinite" restart="never" nodeType="tmRoot"/>
+      </p:par>
+    </p:tnLst>
+  </p:timing>
+</p:sld>
+</file>
+
+<file path=ppt/slides/slide3.xml><?xml version="1.0" encoding="utf-8"?>
+<p:sld xmlns:a="http://schemas.openxmlformats.org/drawingml/2006/main" xmlns:r="http://schemas.openxmlformats.org/officeDocument/2006/relationships" xmlns:p="http://schemas.openxmlformats.org/presentationml/2006/main">
+  <p:cSld>
+    <p:spTree>
+      <p:nvGrpSpPr>
+        <p:cNvPr id="1" name=""/>
+        <p:cNvGrpSpPr/>
+        <p:nvPr/>
+      </p:nvGrpSpPr>
+      <p:grpSpPr>
+        <a:xfrm>
+          <a:off x="0" y="0"/>
+          <a:ext cx="0" cy="0"/>
+          <a:chOff x="0" y="0"/>
+          <a:chExt cx="0" cy="0"/>
+        </a:xfrm>
+      </p:grpSpPr>
+      <p:sp>
+        <p:nvSpPr>
+          <p:cNvPr id="67" name="직사각형 66"/>
+          <p:cNvSpPr/>
+          <p:nvPr/>
+        </p:nvSpPr>
+        <p:spPr>
+          <a:xfrm>
+            <a:off x="10160000" y="1499446"/>
+            <a:ext cx="1511300" cy="4126931"/>
+          </a:xfrm>
+          <a:prstGeom prst="rect">
+            <a:avLst/>
+          </a:prstGeom>
+          <a:solidFill>
+            <a:schemeClr val="bg1"/>
+          </a:solidFill>
+        </p:spPr>
+        <p:style>
+          <a:lnRef idx="2">
+            <a:schemeClr val="accent1">
+              <a:shade val="50000"/>
+            </a:schemeClr>
+          </a:lnRef>
+          <a:fillRef idx="1">
+            <a:schemeClr val="accent1"/>
+          </a:fillRef>
+          <a:effectRef idx="0">
+            <a:schemeClr val="accent1"/>
+          </a:effectRef>
+          <a:fontRef idx="minor">
+            <a:schemeClr val="lt1"/>
+          </a:fontRef>
+        </p:style>
+        <p:txBody>
+          <a:bodyPr rtlCol="0" anchor="ctr"/>
+          <a:lstStyle/>
+          <a:p>
+            <a:pPr algn="ctr"/>
+            <a:endParaRPr lang="ko-KR" altLang="en-US"/>
+          </a:p>
+        </p:txBody>
+      </p:sp>
+      <p:sp>
+        <p:nvSpPr>
+          <p:cNvPr id="56" name="직사각형 55"/>
+          <p:cNvSpPr/>
+          <p:nvPr/>
+        </p:nvSpPr>
+        <p:spPr>
+          <a:xfrm>
+            <a:off x="4621848" y="1499446"/>
+            <a:ext cx="4814252" cy="4126931"/>
+          </a:xfrm>
+          <a:prstGeom prst="rect">
+            <a:avLst/>
+          </a:prstGeom>
+          <a:solidFill>
+            <a:schemeClr val="bg1"/>
+          </a:solidFill>
+        </p:spPr>
+        <p:style>
+          <a:lnRef idx="2">
+            <a:schemeClr val="accent1">
+              <a:shade val="50000"/>
+            </a:schemeClr>
+          </a:lnRef>
+          <a:fillRef idx="1">
+            <a:schemeClr val="accent1"/>
+          </a:fillRef>
+          <a:effectRef idx="0">
+            <a:schemeClr val="accent1"/>
+          </a:effectRef>
+          <a:fontRef idx="minor">
+            <a:schemeClr val="lt1"/>
+          </a:fontRef>
+        </p:style>
+        <p:txBody>
+          <a:bodyPr rtlCol="0" anchor="ctr"/>
+          <a:lstStyle/>
+          <a:p>
+            <a:pPr algn="ctr"/>
+            <a:endParaRPr lang="ko-KR" altLang="en-US"/>
+          </a:p>
+        </p:txBody>
+      </p:sp>
+      <p:sp>
+        <p:nvSpPr>
+          <p:cNvPr id="97" name="직사각형 96"/>
+          <p:cNvSpPr/>
+          <p:nvPr/>
+        </p:nvSpPr>
+        <p:spPr>
+          <a:xfrm>
+            <a:off x="382411" y="1499446"/>
+            <a:ext cx="2900922" cy="4126931"/>
+          </a:xfrm>
+          <a:prstGeom prst="rect">
+            <a:avLst/>
+          </a:prstGeom>
+          <a:solidFill>
+            <a:schemeClr val="bg1"/>
+          </a:solidFill>
+        </p:spPr>
+        <p:style>
+          <a:lnRef idx="2">
+            <a:schemeClr val="accent1">
+              <a:shade val="50000"/>
+            </a:schemeClr>
+          </a:lnRef>
+          <a:fillRef idx="1">
+            <a:schemeClr val="accent1"/>
+          </a:fillRef>
+          <a:effectRef idx="0">
+            <a:schemeClr val="accent1"/>
+          </a:effectRef>
+          <a:fontRef idx="minor">
+            <a:schemeClr val="lt1"/>
+          </a:fontRef>
+        </p:style>
+        <p:txBody>
+          <a:bodyPr rtlCol="0" anchor="ctr"/>
+          <a:lstStyle/>
+          <a:p>
+            <a:pPr algn="ctr"/>
+            <a:endParaRPr lang="ko-KR" altLang="en-US"/>
+          </a:p>
+        </p:txBody>
+      </p:sp>
+      <p:sp>
+        <p:nvSpPr>
+          <p:cNvPr id="3" name="직사각형 2"/>
+          <p:cNvSpPr/>
+          <p:nvPr/>
+        </p:nvSpPr>
+        <p:spPr>
+          <a:xfrm>
+            <a:off x="739297" y="2333943"/>
+            <a:ext cx="2028825" cy="2724150"/>
+          </a:xfrm>
+          <a:prstGeom prst="rect">
+            <a:avLst/>
+          </a:prstGeom>
+          <a:solidFill>
+            <a:schemeClr val="bg1"/>
+          </a:solidFill>
+        </p:spPr>
+        <p:style>
+          <a:lnRef idx="2">
+            <a:schemeClr val="accent1">
+              <a:shade val="50000"/>
+            </a:schemeClr>
+          </a:lnRef>
+          <a:fillRef idx="1">
+            <a:schemeClr val="accent1"/>
+          </a:fillRef>
+          <a:effectRef idx="0">
+            <a:schemeClr val="accent1"/>
+          </a:effectRef>
+          <a:fontRef idx="minor">
+            <a:schemeClr val="lt1"/>
+          </a:fontRef>
+        </p:style>
+        <p:txBody>
+          <a:bodyPr rtlCol="0" anchor="ctr"/>
+          <a:lstStyle/>
+          <a:p>
+            <a:pPr algn="ctr"/>
+            <a:endParaRPr lang="ko-KR" altLang="en-US"/>
+          </a:p>
+        </p:txBody>
+      </p:sp>
+      <p:sp>
+        <p:nvSpPr>
+          <p:cNvPr id="12" name="TextBox 11">
+            <a:extLst>
+              <a:ext uri="{FF2B5EF4-FFF2-40B4-BE49-F238E27FC236}">
+                <a16:creationId xmlns="" xmlns:a16="http://schemas.microsoft.com/office/drawing/2014/main" id="{C76E3AAD-45C6-EB76-9A53-48C4CEF2570F}"/>
+              </a:ext>
+            </a:extLst>
+          </p:cNvPr>
+          <p:cNvSpPr txBox="1"/>
+          <p:nvPr/>
+        </p:nvSpPr>
+        <p:spPr>
+          <a:xfrm>
+            <a:off x="1073074" y="2503607"/>
+            <a:ext cx="1361270" cy="369332"/>
+          </a:xfrm>
+          <a:prstGeom prst="rect">
+            <a:avLst/>
+          </a:prstGeom>
+          <a:noFill/>
+        </p:spPr>
+        <p:txBody>
+          <a:bodyPr wrap="none" rtlCol="0">
+            <a:spAutoFit/>
+          </a:bodyPr>
+          <a:lstStyle/>
+          <a:p>
+            <a:r>
+              <a:rPr lang="en-US" altLang="ko-KR" dirty="0" smtClean="0"/>
+              <a:t>Application</a:t>
+            </a:r>
+            <a:endParaRPr lang="ko-KR" altLang="en-US" dirty="0"/>
+          </a:p>
+        </p:txBody>
+      </p:sp>
+      <p:sp>
+        <p:nvSpPr>
+          <p:cNvPr id="59" name="TextBox 58">
+            <a:extLst>
+              <a:ext uri="{FF2B5EF4-FFF2-40B4-BE49-F238E27FC236}">
+                <a16:creationId xmlns="" xmlns:a16="http://schemas.microsoft.com/office/drawing/2014/main" id="{C76E3AAD-45C6-EB76-9A53-48C4CEF2570F}"/>
+              </a:ext>
+            </a:extLst>
+          </p:cNvPr>
+          <p:cNvSpPr txBox="1"/>
+          <p:nvPr/>
+        </p:nvSpPr>
+        <p:spPr>
+          <a:xfrm>
+            <a:off x="317360" y="169662"/>
+            <a:ext cx="2343911" cy="369332"/>
+          </a:xfrm>
+          <a:prstGeom prst="rect">
+            <a:avLst/>
+          </a:prstGeom>
+          <a:noFill/>
+        </p:spPr>
+        <p:txBody>
+          <a:bodyPr wrap="none" rtlCol="0">
+            <a:spAutoFit/>
+          </a:bodyPr>
+          <a:lstStyle/>
+          <a:p>
+            <a:r>
+              <a:rPr lang="ko-KR" altLang="en-US" dirty="0" err="1" smtClean="0"/>
+              <a:t>오픈텔레메트리</a:t>
+            </a:r>
+            <a:r>
+              <a:rPr lang="ko-KR" altLang="en-US" dirty="0" smtClean="0"/>
+              <a:t> 방식</a:t>
+            </a:r>
+            <a:endParaRPr lang="en-US" altLang="ko-KR" dirty="0"/>
+          </a:p>
+        </p:txBody>
+      </p:sp>
+      <p:sp>
+        <p:nvSpPr>
+          <p:cNvPr id="75" name="모서리가 둥근 직사각형 74"/>
+          <p:cNvSpPr/>
+          <p:nvPr/>
+        </p:nvSpPr>
+        <p:spPr>
+          <a:xfrm>
+            <a:off x="924934" y="2982043"/>
+            <a:ext cx="1685925" cy="1664696"/>
+          </a:xfrm>
+          <a:prstGeom prst="roundRect">
+            <a:avLst/>
+          </a:prstGeom>
+          <a:solidFill>
+            <a:schemeClr val="accent6">
+              <a:lumMod val="60000"/>
+              <a:lumOff val="40000"/>
+            </a:schemeClr>
+          </a:solidFill>
+          <a:ln>
+            <a:noFill/>
+          </a:ln>
+        </p:spPr>
+        <p:style>
+          <a:lnRef idx="2">
+            <a:schemeClr val="accent1">
+              <a:shade val="50000"/>
+            </a:schemeClr>
+          </a:lnRef>
+          <a:fillRef idx="1">
+            <a:schemeClr val="accent1"/>
+          </a:fillRef>
+          <a:effectRef idx="0">
+            <a:schemeClr val="accent1"/>
+          </a:effectRef>
+          <a:fontRef idx="minor">
+            <a:schemeClr val="lt1"/>
+          </a:fontRef>
+        </p:style>
+        <p:txBody>
+          <a:bodyPr rtlCol="0" anchor="ctr"/>
+          <a:lstStyle/>
+          <a:p>
+            <a:pPr algn="ctr"/>
+            <a:r>
+              <a:rPr lang="en-US" altLang="ko-KR" sz="1300" dirty="0" smtClean="0"/>
+              <a:t>Auto / Manual</a:t>
+            </a:r>
+            <a:br>
+              <a:rPr lang="en-US" altLang="ko-KR" sz="1300" dirty="0" smtClean="0"/>
+            </a:br>
+            <a:r>
+              <a:rPr lang="en-US" altLang="ko-KR" sz="1300" dirty="0" smtClean="0"/>
+              <a:t>Instrumentation</a:t>
+            </a:r>
+          </a:p>
+        </p:txBody>
+      </p:sp>
+      <p:sp>
+        <p:nvSpPr>
+          <p:cNvPr id="4" name="직사각형 3"/>
+          <p:cNvSpPr/>
+          <p:nvPr/>
+        </p:nvSpPr>
+        <p:spPr>
+          <a:xfrm>
+            <a:off x="4882478" y="2240379"/>
+            <a:ext cx="1023023" cy="542409"/>
+          </a:xfrm>
+          <a:prstGeom prst="rect">
+            <a:avLst/>
+          </a:prstGeom>
+          <a:solidFill>
+            <a:schemeClr val="accent1">
+              <a:lumMod val="75000"/>
+            </a:schemeClr>
+          </a:solidFill>
+          <a:ln>
+            <a:noFill/>
+          </a:ln>
+        </p:spPr>
+        <p:style>
+          <a:lnRef idx="2">
+            <a:schemeClr val="accent1">
+              <a:shade val="50000"/>
+            </a:schemeClr>
+          </a:lnRef>
+          <a:fillRef idx="1">
+            <a:schemeClr val="accent1"/>
+          </a:fillRef>
+          <a:effectRef idx="0">
+            <a:schemeClr val="accent1"/>
+          </a:effectRef>
+          <a:fontRef idx="minor">
+            <a:schemeClr val="lt1"/>
+          </a:fontRef>
+        </p:style>
+        <p:txBody>
+          <a:bodyPr rtlCol="0" anchor="ctr"/>
+          <a:lstStyle/>
+          <a:p>
+            <a:pPr algn="ctr"/>
+            <a:r>
+              <a:rPr lang="en-US" altLang="ko-KR" dirty="0" smtClean="0"/>
+              <a:t>Metrics</a:t>
+            </a:r>
+            <a:endParaRPr lang="ko-KR" altLang="en-US" dirty="0"/>
+          </a:p>
+        </p:txBody>
+      </p:sp>
+      <p:sp>
+        <p:nvSpPr>
+          <p:cNvPr id="85" name="직사각형 84"/>
+          <p:cNvSpPr/>
+          <p:nvPr/>
+        </p:nvSpPr>
+        <p:spPr>
+          <a:xfrm>
+            <a:off x="4882477" y="3437932"/>
+            <a:ext cx="1023023" cy="542409"/>
+          </a:xfrm>
+          <a:prstGeom prst="rect">
+            <a:avLst/>
+          </a:prstGeom>
+          <a:solidFill>
+            <a:schemeClr val="accent6">
+              <a:lumMod val="60000"/>
+              <a:lumOff val="40000"/>
+            </a:schemeClr>
+          </a:solidFill>
+          <a:ln>
+            <a:noFill/>
+          </a:ln>
+        </p:spPr>
+        <p:style>
+          <a:lnRef idx="2">
+            <a:schemeClr val="accent1">
+              <a:shade val="50000"/>
+            </a:schemeClr>
+          </a:lnRef>
+          <a:fillRef idx="1">
+            <a:schemeClr val="accent1"/>
+          </a:fillRef>
+          <a:effectRef idx="0">
+            <a:schemeClr val="accent1"/>
+          </a:effectRef>
+          <a:fontRef idx="minor">
+            <a:schemeClr val="lt1"/>
+          </a:fontRef>
+        </p:style>
+        <p:txBody>
+          <a:bodyPr rtlCol="0" anchor="ctr"/>
+          <a:lstStyle/>
+          <a:p>
+            <a:pPr algn="ctr"/>
+            <a:r>
+              <a:rPr lang="en-US" altLang="ko-KR" dirty="0" smtClean="0"/>
+              <a:t>Tracing</a:t>
+            </a:r>
+            <a:endParaRPr lang="ko-KR" altLang="en-US" dirty="0"/>
+          </a:p>
+        </p:txBody>
+      </p:sp>
+      <p:sp>
+        <p:nvSpPr>
+          <p:cNvPr id="86" name="직사각형 85"/>
+          <p:cNvSpPr/>
+          <p:nvPr/>
+        </p:nvSpPr>
+        <p:spPr>
+          <a:xfrm>
+            <a:off x="4882478" y="4635486"/>
+            <a:ext cx="1023023" cy="542409"/>
+          </a:xfrm>
+          <a:prstGeom prst="rect">
+            <a:avLst/>
+          </a:prstGeom>
+          <a:solidFill>
+            <a:srgbClr val="7030A0"/>
+          </a:solidFill>
+          <a:ln>
+            <a:noFill/>
+          </a:ln>
+        </p:spPr>
+        <p:style>
+          <a:lnRef idx="2">
+            <a:schemeClr val="accent1">
+              <a:shade val="50000"/>
+            </a:schemeClr>
+          </a:lnRef>
+          <a:fillRef idx="1">
+            <a:schemeClr val="accent1"/>
+          </a:fillRef>
+          <a:effectRef idx="0">
+            <a:schemeClr val="accent1"/>
+          </a:effectRef>
+          <a:fontRef idx="minor">
+            <a:schemeClr val="lt1"/>
+          </a:fontRef>
+        </p:style>
+        <p:txBody>
+          <a:bodyPr rtlCol="0" anchor="ctr"/>
+          <a:lstStyle/>
+          <a:p>
+            <a:pPr algn="ctr"/>
+            <a:r>
+              <a:rPr lang="en-US" altLang="ko-KR" dirty="0" smtClean="0"/>
+              <a:t>Logs</a:t>
+            </a:r>
+            <a:endParaRPr lang="ko-KR" altLang="en-US" dirty="0"/>
+          </a:p>
+        </p:txBody>
+      </p:sp>
+      <p:sp>
+        <p:nvSpPr>
+          <p:cNvPr id="100" name="TextBox 99">
+            <a:extLst>
+              <a:ext uri="{FF2B5EF4-FFF2-40B4-BE49-F238E27FC236}">
+                <a16:creationId xmlns="" xmlns:a16="http://schemas.microsoft.com/office/drawing/2014/main" id="{C76E3AAD-45C6-EB76-9A53-48C4CEF2570F}"/>
+              </a:ext>
+            </a:extLst>
+          </p:cNvPr>
+          <p:cNvSpPr txBox="1"/>
+          <p:nvPr/>
+        </p:nvSpPr>
+        <p:spPr>
+          <a:xfrm>
+            <a:off x="1132334" y="1621695"/>
+            <a:ext cx="1159676" cy="369332"/>
+          </a:xfrm>
+          <a:prstGeom prst="rect">
+            <a:avLst/>
+          </a:prstGeom>
+          <a:noFill/>
+        </p:spPr>
+        <p:txBody>
+          <a:bodyPr wrap="none" rtlCol="0">
+            <a:spAutoFit/>
+          </a:bodyPr>
+          <a:lstStyle/>
+          <a:p>
+            <a:r>
+              <a:rPr lang="en-US" altLang="ko-KR" dirty="0" smtClean="0"/>
+              <a:t>Host/Pod</a:t>
+            </a:r>
+            <a:endParaRPr lang="ko-KR" altLang="en-US" dirty="0"/>
+          </a:p>
+        </p:txBody>
+      </p:sp>
+      <p:sp>
+        <p:nvSpPr>
+          <p:cNvPr id="101" name="TextBox 100">
+            <a:extLst>
+              <a:ext uri="{FF2B5EF4-FFF2-40B4-BE49-F238E27FC236}">
+                <a16:creationId xmlns="" xmlns:a16="http://schemas.microsoft.com/office/drawing/2014/main" id="{C76E3AAD-45C6-EB76-9A53-48C4CEF2570F}"/>
+              </a:ext>
+            </a:extLst>
+          </p:cNvPr>
+          <p:cNvSpPr txBox="1"/>
+          <p:nvPr/>
+        </p:nvSpPr>
+        <p:spPr>
+          <a:xfrm>
+            <a:off x="3270828" y="2200395"/>
+            <a:ext cx="925253" cy="246221"/>
+          </a:xfrm>
+          <a:prstGeom prst="rect">
+            <a:avLst/>
+          </a:prstGeom>
+          <a:noFill/>
+        </p:spPr>
+        <p:txBody>
+          <a:bodyPr wrap="none" rtlCol="0">
+            <a:spAutoFit/>
+          </a:bodyPr>
+          <a:lstStyle/>
+          <a:p>
+            <a:r>
+              <a:rPr lang="en-US" altLang="ko-KR" sz="1000" dirty="0" smtClean="0"/>
+              <a:t>Host Metrics</a:t>
+            </a:r>
+            <a:endParaRPr lang="ko-KR" altLang="en-US" sz="1000" dirty="0"/>
+          </a:p>
+        </p:txBody>
+      </p:sp>
+      <p:sp>
+        <p:nvSpPr>
+          <p:cNvPr id="102" name="TextBox 101">
+            <a:extLst>
+              <a:ext uri="{FF2B5EF4-FFF2-40B4-BE49-F238E27FC236}">
+                <a16:creationId xmlns="" xmlns:a16="http://schemas.microsoft.com/office/drawing/2014/main" id="{C76E3AAD-45C6-EB76-9A53-48C4CEF2570F}"/>
+              </a:ext>
+            </a:extLst>
+          </p:cNvPr>
+          <p:cNvSpPr txBox="1"/>
+          <p:nvPr/>
+        </p:nvSpPr>
+        <p:spPr>
+          <a:xfrm>
+            <a:off x="3252481" y="2951022"/>
+            <a:ext cx="893193" cy="246221"/>
+          </a:xfrm>
+          <a:prstGeom prst="rect">
+            <a:avLst/>
+          </a:prstGeom>
+          <a:noFill/>
+        </p:spPr>
+        <p:txBody>
+          <a:bodyPr wrap="none" rtlCol="0">
+            <a:spAutoFit/>
+          </a:bodyPr>
+          <a:lstStyle/>
+          <a:p>
+            <a:r>
+              <a:rPr lang="en-US" altLang="ko-KR" sz="1000" dirty="0" smtClean="0"/>
+              <a:t>App Metrics</a:t>
+            </a:r>
+            <a:endParaRPr lang="ko-KR" altLang="en-US" sz="1000" dirty="0"/>
+          </a:p>
+        </p:txBody>
+      </p:sp>
+      <p:sp>
+        <p:nvSpPr>
+          <p:cNvPr id="110" name="TextBox 109">
+            <a:extLst>
+              <a:ext uri="{FF2B5EF4-FFF2-40B4-BE49-F238E27FC236}">
+                <a16:creationId xmlns="" xmlns:a16="http://schemas.microsoft.com/office/drawing/2014/main" id="{C76E3AAD-45C6-EB76-9A53-48C4CEF2570F}"/>
+              </a:ext>
+            </a:extLst>
+          </p:cNvPr>
+          <p:cNvSpPr txBox="1"/>
+          <p:nvPr/>
+        </p:nvSpPr>
+        <p:spPr>
+          <a:xfrm>
+            <a:off x="3253823" y="4668444"/>
+            <a:ext cx="914033" cy="246221"/>
+          </a:xfrm>
+          <a:prstGeom prst="rect">
+            <a:avLst/>
+          </a:prstGeom>
+          <a:noFill/>
+        </p:spPr>
+        <p:txBody>
+          <a:bodyPr wrap="none" rtlCol="0">
+            <a:spAutoFit/>
+          </a:bodyPr>
+          <a:lstStyle/>
+          <a:p>
+            <a:r>
+              <a:rPr lang="en-US" altLang="ko-KR" sz="1000" dirty="0" smtClean="0"/>
+              <a:t>System Logs</a:t>
+            </a:r>
+            <a:endParaRPr lang="ko-KR" altLang="en-US" sz="1000" dirty="0"/>
+          </a:p>
+        </p:txBody>
+      </p:sp>
+      <p:sp>
+        <p:nvSpPr>
+          <p:cNvPr id="111" name="TextBox 110">
+            <a:extLst>
+              <a:ext uri="{FF2B5EF4-FFF2-40B4-BE49-F238E27FC236}">
+                <a16:creationId xmlns="" xmlns:a16="http://schemas.microsoft.com/office/drawing/2014/main" id="{C76E3AAD-45C6-EB76-9A53-48C4CEF2570F}"/>
+              </a:ext>
+            </a:extLst>
+          </p:cNvPr>
+          <p:cNvSpPr txBox="1"/>
+          <p:nvPr/>
+        </p:nvSpPr>
+        <p:spPr>
+          <a:xfrm>
+            <a:off x="3283333" y="3992447"/>
+            <a:ext cx="739305" cy="246221"/>
+          </a:xfrm>
+          <a:prstGeom prst="rect">
+            <a:avLst/>
+          </a:prstGeom>
+          <a:noFill/>
+        </p:spPr>
+        <p:txBody>
+          <a:bodyPr wrap="none" rtlCol="0">
+            <a:spAutoFit/>
+          </a:bodyPr>
+          <a:lstStyle/>
+          <a:p>
+            <a:r>
+              <a:rPr lang="en-US" altLang="ko-KR" sz="1000" dirty="0" smtClean="0"/>
+              <a:t>App Logs</a:t>
+            </a:r>
+            <a:endParaRPr lang="ko-KR" altLang="en-US" sz="1000" dirty="0"/>
+          </a:p>
+        </p:txBody>
+      </p:sp>
+      <p:sp>
+        <p:nvSpPr>
+          <p:cNvPr id="42" name="TextBox 41">
+            <a:extLst>
+              <a:ext uri="{FF2B5EF4-FFF2-40B4-BE49-F238E27FC236}">
+                <a16:creationId xmlns="" xmlns:a16="http://schemas.microsoft.com/office/drawing/2014/main" id="{C76E3AAD-45C6-EB76-9A53-48C4CEF2570F}"/>
+              </a:ext>
+            </a:extLst>
+          </p:cNvPr>
+          <p:cNvSpPr txBox="1"/>
+          <p:nvPr/>
+        </p:nvSpPr>
+        <p:spPr>
+          <a:xfrm>
+            <a:off x="3252481" y="3451664"/>
+            <a:ext cx="551754" cy="246221"/>
+          </a:xfrm>
+          <a:prstGeom prst="rect">
+            <a:avLst/>
+          </a:prstGeom>
+          <a:noFill/>
+        </p:spPr>
+        <p:txBody>
+          <a:bodyPr wrap="none" rtlCol="0">
+            <a:spAutoFit/>
+          </a:bodyPr>
+          <a:lstStyle/>
+          <a:p>
+            <a:r>
+              <a:rPr lang="en-US" altLang="ko-KR" sz="1000" dirty="0" smtClean="0"/>
+              <a:t>Traces</a:t>
+            </a:r>
+            <a:endParaRPr lang="ko-KR" altLang="en-US" sz="1000" dirty="0"/>
+          </a:p>
+        </p:txBody>
+      </p:sp>
+      <p:sp>
+        <p:nvSpPr>
+          <p:cNvPr id="58" name="TextBox 57">
+            <a:extLst>
+              <a:ext uri="{FF2B5EF4-FFF2-40B4-BE49-F238E27FC236}">
+                <a16:creationId xmlns="" xmlns:a16="http://schemas.microsoft.com/office/drawing/2014/main" id="{C76E3AAD-45C6-EB76-9A53-48C4CEF2570F}"/>
+              </a:ext>
+            </a:extLst>
+          </p:cNvPr>
+          <p:cNvSpPr txBox="1"/>
+          <p:nvPr/>
+        </p:nvSpPr>
+        <p:spPr>
+          <a:xfrm>
+            <a:off x="5639811" y="1621695"/>
+            <a:ext cx="2778325" cy="369332"/>
+          </a:xfrm>
+          <a:prstGeom prst="rect">
+            <a:avLst/>
+          </a:prstGeom>
+          <a:noFill/>
+        </p:spPr>
+        <p:txBody>
+          <a:bodyPr wrap="none" rtlCol="0">
+            <a:spAutoFit/>
+          </a:bodyPr>
+          <a:lstStyle/>
+          <a:p>
+            <a:r>
+              <a:rPr lang="en-US" altLang="ko-KR" dirty="0" err="1" smtClean="0"/>
+              <a:t>OpenTelemetry</a:t>
+            </a:r>
+            <a:r>
+              <a:rPr lang="en-US" altLang="ko-KR" dirty="0" smtClean="0"/>
+              <a:t> Collector</a:t>
+            </a:r>
+            <a:endParaRPr lang="ko-KR" altLang="en-US" dirty="0"/>
+          </a:p>
+        </p:txBody>
+      </p:sp>
+      <p:sp>
+        <p:nvSpPr>
+          <p:cNvPr id="61" name="직사각형 60"/>
+          <p:cNvSpPr/>
+          <p:nvPr/>
+        </p:nvSpPr>
+        <p:spPr>
+          <a:xfrm>
+            <a:off x="6187713" y="2240379"/>
+            <a:ext cx="1280991" cy="2937516"/>
+          </a:xfrm>
+          <a:prstGeom prst="rect">
+            <a:avLst/>
+          </a:prstGeom>
+          <a:solidFill>
+            <a:schemeClr val="bg2">
+              <a:lumMod val="50000"/>
+            </a:schemeClr>
+          </a:solidFill>
+          <a:ln>
+            <a:noFill/>
+          </a:ln>
+        </p:spPr>
+        <p:style>
+          <a:lnRef idx="2">
+            <a:schemeClr val="accent1">
+              <a:shade val="50000"/>
+            </a:schemeClr>
+          </a:lnRef>
+          <a:fillRef idx="1">
+            <a:schemeClr val="accent1"/>
+          </a:fillRef>
+          <a:effectRef idx="0">
+            <a:schemeClr val="accent1"/>
+          </a:effectRef>
+          <a:fontRef idx="minor">
+            <a:schemeClr val="lt1"/>
+          </a:fontRef>
+        </p:style>
+        <p:txBody>
+          <a:bodyPr rtlCol="0" anchor="ctr"/>
+          <a:lstStyle/>
+          <a:p>
+            <a:pPr algn="ctr"/>
+            <a:r>
+              <a:rPr lang="en-US" altLang="ko-KR" dirty="0" smtClean="0"/>
+              <a:t>Processor</a:t>
+            </a:r>
+            <a:endParaRPr lang="ko-KR" altLang="en-US" dirty="0"/>
+          </a:p>
+        </p:txBody>
+      </p:sp>
+      <p:sp>
+        <p:nvSpPr>
+          <p:cNvPr id="62" name="직사각형 61"/>
+          <p:cNvSpPr/>
+          <p:nvPr/>
+        </p:nvSpPr>
+        <p:spPr>
+          <a:xfrm>
+            <a:off x="7753360" y="2240379"/>
+            <a:ext cx="1280991" cy="2937516"/>
+          </a:xfrm>
+          <a:prstGeom prst="rect">
+            <a:avLst/>
+          </a:prstGeom>
+          <a:solidFill>
+            <a:schemeClr val="bg2">
+              <a:lumMod val="50000"/>
+            </a:schemeClr>
+          </a:solidFill>
+          <a:ln>
+            <a:noFill/>
+          </a:ln>
+        </p:spPr>
+        <p:style>
+          <a:lnRef idx="2">
+            <a:schemeClr val="accent1">
+              <a:shade val="50000"/>
+            </a:schemeClr>
+          </a:lnRef>
+          <a:fillRef idx="1">
+            <a:schemeClr val="accent1"/>
+          </a:fillRef>
+          <a:effectRef idx="0">
+            <a:schemeClr val="accent1"/>
+          </a:effectRef>
+          <a:fontRef idx="minor">
+            <a:schemeClr val="lt1"/>
+          </a:fontRef>
+        </p:style>
+        <p:txBody>
+          <a:bodyPr rtlCol="0" anchor="ctr"/>
+          <a:lstStyle/>
+          <a:p>
+            <a:pPr algn="ctr"/>
+            <a:r>
+              <a:rPr lang="en-US" altLang="ko-KR" dirty="0" smtClean="0"/>
+              <a:t>Exporter</a:t>
+            </a:r>
+            <a:endParaRPr lang="ko-KR" altLang="en-US" dirty="0"/>
+          </a:p>
+        </p:txBody>
+      </p:sp>
+      <p:sp>
+        <p:nvSpPr>
+          <p:cNvPr id="63" name="직사각형 62"/>
+          <p:cNvSpPr/>
+          <p:nvPr/>
+        </p:nvSpPr>
+        <p:spPr>
+          <a:xfrm>
+            <a:off x="10419678" y="2240379"/>
+            <a:ext cx="1023023" cy="542409"/>
+          </a:xfrm>
+          <a:prstGeom prst="rect">
+            <a:avLst/>
+          </a:prstGeom>
+          <a:solidFill>
+            <a:schemeClr val="accent1">
+              <a:lumMod val="75000"/>
+            </a:schemeClr>
+          </a:solidFill>
+          <a:ln>
+            <a:noFill/>
+          </a:ln>
+        </p:spPr>
+        <p:style>
+          <a:lnRef idx="2">
+            <a:schemeClr val="accent1">
+              <a:shade val="50000"/>
+            </a:schemeClr>
+          </a:lnRef>
+          <a:fillRef idx="1">
+            <a:schemeClr val="accent1"/>
+          </a:fillRef>
+          <a:effectRef idx="0">
+            <a:schemeClr val="accent1"/>
+          </a:effectRef>
+          <a:fontRef idx="minor">
+            <a:schemeClr val="lt1"/>
+          </a:fontRef>
+        </p:style>
+        <p:txBody>
+          <a:bodyPr rtlCol="0" anchor="ctr"/>
+          <a:lstStyle/>
+          <a:p>
+            <a:pPr algn="ctr"/>
+            <a:r>
+              <a:rPr lang="en-US" altLang="ko-KR" dirty="0" smtClean="0"/>
+              <a:t>Metrics</a:t>
+            </a:r>
+            <a:endParaRPr lang="ko-KR" altLang="en-US" dirty="0"/>
+          </a:p>
+        </p:txBody>
+      </p:sp>
+      <p:sp>
+        <p:nvSpPr>
+          <p:cNvPr id="64" name="직사각형 63"/>
+          <p:cNvSpPr/>
+          <p:nvPr/>
+        </p:nvSpPr>
+        <p:spPr>
+          <a:xfrm>
+            <a:off x="10419677" y="3437932"/>
+            <a:ext cx="1023023" cy="542409"/>
+          </a:xfrm>
+          <a:prstGeom prst="rect">
+            <a:avLst/>
+          </a:prstGeom>
+          <a:solidFill>
+            <a:schemeClr val="accent6">
+              <a:lumMod val="60000"/>
+              <a:lumOff val="40000"/>
+            </a:schemeClr>
+          </a:solidFill>
+          <a:ln>
+            <a:noFill/>
+          </a:ln>
+        </p:spPr>
+        <p:style>
+          <a:lnRef idx="2">
+            <a:schemeClr val="accent1">
+              <a:shade val="50000"/>
+            </a:schemeClr>
+          </a:lnRef>
+          <a:fillRef idx="1">
+            <a:schemeClr val="accent1"/>
+          </a:fillRef>
+          <a:effectRef idx="0">
+            <a:schemeClr val="accent1"/>
+          </a:effectRef>
+          <a:fontRef idx="minor">
+            <a:schemeClr val="lt1"/>
+          </a:fontRef>
+        </p:style>
+        <p:txBody>
+          <a:bodyPr rtlCol="0" anchor="ctr"/>
+          <a:lstStyle/>
+          <a:p>
+            <a:pPr algn="ctr"/>
+            <a:r>
+              <a:rPr lang="en-US" altLang="ko-KR" dirty="0" smtClean="0"/>
+              <a:t>Tracing</a:t>
+            </a:r>
+            <a:endParaRPr lang="ko-KR" altLang="en-US" dirty="0"/>
+          </a:p>
+        </p:txBody>
+      </p:sp>
+      <p:sp>
+        <p:nvSpPr>
+          <p:cNvPr id="65" name="직사각형 64"/>
+          <p:cNvSpPr/>
+          <p:nvPr/>
+        </p:nvSpPr>
+        <p:spPr>
+          <a:xfrm>
+            <a:off x="10419678" y="4635486"/>
+            <a:ext cx="1023023" cy="542409"/>
+          </a:xfrm>
+          <a:prstGeom prst="rect">
+            <a:avLst/>
+          </a:prstGeom>
+          <a:solidFill>
+            <a:srgbClr val="7030A0"/>
+          </a:solidFill>
+          <a:ln>
+            <a:noFill/>
+          </a:ln>
+        </p:spPr>
+        <p:style>
+          <a:lnRef idx="2">
+            <a:schemeClr val="accent1">
+              <a:shade val="50000"/>
+            </a:schemeClr>
+          </a:lnRef>
+          <a:fillRef idx="1">
+            <a:schemeClr val="accent1"/>
+          </a:fillRef>
+          <a:effectRef idx="0">
+            <a:schemeClr val="accent1"/>
+          </a:effectRef>
+          <a:fontRef idx="minor">
+            <a:schemeClr val="lt1"/>
+          </a:fontRef>
+        </p:style>
+        <p:txBody>
+          <a:bodyPr rtlCol="0" anchor="ctr"/>
+          <a:lstStyle/>
+          <a:p>
+            <a:pPr algn="ctr"/>
+            <a:r>
+              <a:rPr lang="en-US" altLang="ko-KR" dirty="0" smtClean="0"/>
+              <a:t>Logs</a:t>
+            </a:r>
+            <a:endParaRPr lang="ko-KR" altLang="en-US" dirty="0"/>
+          </a:p>
+        </p:txBody>
+      </p:sp>
+      <p:sp>
+        <p:nvSpPr>
+          <p:cNvPr id="69" name="TextBox 68">
+            <a:extLst>
+              <a:ext uri="{FF2B5EF4-FFF2-40B4-BE49-F238E27FC236}">
+                <a16:creationId xmlns="" xmlns:a16="http://schemas.microsoft.com/office/drawing/2014/main" id="{C76E3AAD-45C6-EB76-9A53-48C4CEF2570F}"/>
+              </a:ext>
+            </a:extLst>
+          </p:cNvPr>
+          <p:cNvSpPr txBox="1"/>
+          <p:nvPr/>
+        </p:nvSpPr>
+        <p:spPr>
+          <a:xfrm>
+            <a:off x="10402902" y="1621695"/>
+            <a:ext cx="1056571" cy="369332"/>
+          </a:xfrm>
+          <a:prstGeom prst="rect">
+            <a:avLst/>
+          </a:prstGeom>
+          <a:noFill/>
+        </p:spPr>
+        <p:txBody>
+          <a:bodyPr wrap="none" rtlCol="0">
+            <a:spAutoFit/>
+          </a:bodyPr>
+          <a:lstStyle/>
+          <a:p>
+            <a:r>
+              <a:rPr lang="en-US" altLang="ko-KR" dirty="0" smtClean="0"/>
+              <a:t>Backend</a:t>
+            </a:r>
+            <a:endParaRPr lang="ko-KR" altLang="en-US" dirty="0"/>
+          </a:p>
+        </p:txBody>
+      </p:sp>
+      <p:cxnSp>
+        <p:nvCxnSpPr>
+          <p:cNvPr id="28" name="직선 화살표 연결선 27"/>
+          <p:cNvCxnSpPr>
+            <a:stCxn id="4" idx="3"/>
+          </p:cNvCxnSpPr>
+          <p:nvPr/>
+        </p:nvCxnSpPr>
+        <p:spPr>
+          <a:xfrm flipV="1">
+            <a:off x="5905501" y="2511583"/>
+            <a:ext cx="282212" cy="1"/>
+          </a:xfrm>
+          <a:prstGeom prst="straightConnector1">
+            <a:avLst/>
+          </a:prstGeom>
+          <a:ln>
+            <a:tailEnd type="triangle"/>
+          </a:ln>
+        </p:spPr>
+        <p:style>
+          <a:lnRef idx="1">
+            <a:schemeClr val="accent1"/>
+          </a:lnRef>
+          <a:fillRef idx="0">
+            <a:schemeClr val="accent1"/>
+          </a:fillRef>
+          <a:effectRef idx="0">
+            <a:schemeClr val="accent1"/>
+          </a:effectRef>
+          <a:fontRef idx="minor">
+            <a:schemeClr val="tx1"/>
+          </a:fontRef>
+        </p:style>
+      </p:cxnSp>
+      <p:cxnSp>
+        <p:nvCxnSpPr>
+          <p:cNvPr id="30" name="직선 화살표 연결선 29"/>
+          <p:cNvCxnSpPr>
+            <a:endCxn id="61" idx="1"/>
+          </p:cNvCxnSpPr>
+          <p:nvPr/>
+        </p:nvCxnSpPr>
+        <p:spPr>
+          <a:xfrm>
+            <a:off x="5905500" y="3709136"/>
+            <a:ext cx="282213" cy="1"/>
+          </a:xfrm>
+          <a:prstGeom prst="straightConnector1">
+            <a:avLst/>
+          </a:prstGeom>
+          <a:ln>
+            <a:tailEnd type="triangle"/>
+          </a:ln>
+        </p:spPr>
+        <p:style>
+          <a:lnRef idx="1">
+            <a:schemeClr val="accent1"/>
+          </a:lnRef>
+          <a:fillRef idx="0">
+            <a:schemeClr val="accent1"/>
+          </a:fillRef>
+          <a:effectRef idx="0">
+            <a:schemeClr val="accent1"/>
+          </a:effectRef>
+          <a:fontRef idx="minor">
+            <a:schemeClr val="tx1"/>
+          </a:fontRef>
+        </p:style>
+      </p:cxnSp>
+      <p:cxnSp>
+        <p:nvCxnSpPr>
+          <p:cNvPr id="32" name="직선 화살표 연결선 31"/>
+          <p:cNvCxnSpPr/>
+          <p:nvPr/>
+        </p:nvCxnSpPr>
+        <p:spPr>
+          <a:xfrm>
+            <a:off x="5905500" y="4906690"/>
+            <a:ext cx="282213" cy="0"/>
+          </a:xfrm>
+          <a:prstGeom prst="straightConnector1">
+            <a:avLst/>
+          </a:prstGeom>
+          <a:ln>
+            <a:tailEnd type="triangle"/>
+          </a:ln>
+        </p:spPr>
+        <p:style>
+          <a:lnRef idx="1">
+            <a:schemeClr val="accent1"/>
+          </a:lnRef>
+          <a:fillRef idx="0">
+            <a:schemeClr val="accent1"/>
+          </a:fillRef>
+          <a:effectRef idx="0">
+            <a:schemeClr val="accent1"/>
+          </a:effectRef>
+          <a:fontRef idx="minor">
+            <a:schemeClr val="tx1"/>
+          </a:fontRef>
+        </p:style>
+      </p:cxnSp>
+      <p:cxnSp>
+        <p:nvCxnSpPr>
+          <p:cNvPr id="34" name="직선 화살표 연결선 33"/>
+          <p:cNvCxnSpPr/>
+          <p:nvPr/>
+        </p:nvCxnSpPr>
+        <p:spPr>
+          <a:xfrm>
+            <a:off x="7468704" y="2503607"/>
+            <a:ext cx="284656" cy="0"/>
+          </a:xfrm>
+          <a:prstGeom prst="straightConnector1">
+            <a:avLst/>
+          </a:prstGeom>
+          <a:ln>
+            <a:tailEnd type="triangle"/>
+          </a:ln>
+        </p:spPr>
+        <p:style>
+          <a:lnRef idx="1">
+            <a:schemeClr val="accent1"/>
+          </a:lnRef>
+          <a:fillRef idx="0">
+            <a:schemeClr val="accent1"/>
+          </a:fillRef>
+          <a:effectRef idx="0">
+            <a:schemeClr val="accent1"/>
+          </a:effectRef>
+          <a:fontRef idx="minor">
+            <a:schemeClr val="tx1"/>
+          </a:fontRef>
+        </p:style>
+      </p:cxnSp>
+      <p:cxnSp>
+        <p:nvCxnSpPr>
+          <p:cNvPr id="37" name="직선 화살표 연결선 36"/>
+          <p:cNvCxnSpPr/>
+          <p:nvPr/>
+        </p:nvCxnSpPr>
+        <p:spPr>
+          <a:xfrm>
+            <a:off x="7468704" y="3696018"/>
+            <a:ext cx="284656" cy="0"/>
+          </a:xfrm>
+          <a:prstGeom prst="straightConnector1">
+            <a:avLst/>
+          </a:prstGeom>
+          <a:ln>
+            <a:tailEnd type="triangle"/>
+          </a:ln>
+        </p:spPr>
+        <p:style>
+          <a:lnRef idx="1">
+            <a:schemeClr val="accent1"/>
+          </a:lnRef>
+          <a:fillRef idx="0">
+            <a:schemeClr val="accent1"/>
+          </a:fillRef>
+          <a:effectRef idx="0">
+            <a:schemeClr val="accent1"/>
+          </a:effectRef>
+          <a:fontRef idx="minor">
+            <a:schemeClr val="tx1"/>
+          </a:fontRef>
+        </p:style>
+      </p:cxnSp>
+      <p:cxnSp>
+        <p:nvCxnSpPr>
+          <p:cNvPr id="39" name="직선 화살표 연결선 38"/>
+          <p:cNvCxnSpPr/>
+          <p:nvPr/>
+        </p:nvCxnSpPr>
+        <p:spPr>
+          <a:xfrm>
+            <a:off x="7468704" y="4906690"/>
+            <a:ext cx="284656" cy="0"/>
+          </a:xfrm>
+          <a:prstGeom prst="straightConnector1">
+            <a:avLst/>
+          </a:prstGeom>
+          <a:ln>
+            <a:tailEnd type="triangle"/>
+          </a:ln>
+        </p:spPr>
+        <p:style>
+          <a:lnRef idx="1">
+            <a:schemeClr val="accent1"/>
+          </a:lnRef>
+          <a:fillRef idx="0">
+            <a:schemeClr val="accent1"/>
+          </a:fillRef>
+          <a:effectRef idx="0">
+            <a:schemeClr val="accent1"/>
+          </a:effectRef>
+          <a:fontRef idx="minor">
+            <a:schemeClr val="tx1"/>
+          </a:fontRef>
+        </p:style>
+      </p:cxnSp>
+      <p:cxnSp>
+        <p:nvCxnSpPr>
+          <p:cNvPr id="41" name="직선 화살표 연결선 40"/>
+          <p:cNvCxnSpPr/>
+          <p:nvPr/>
+        </p:nvCxnSpPr>
+        <p:spPr>
+          <a:xfrm>
+            <a:off x="2610859" y="3709136"/>
+            <a:ext cx="2271618" cy="1"/>
+          </a:xfrm>
+          <a:prstGeom prst="straightConnector1">
+            <a:avLst/>
+          </a:prstGeom>
+          <a:ln>
+            <a:tailEnd type="triangle"/>
+          </a:ln>
+        </p:spPr>
+        <p:style>
+          <a:lnRef idx="1">
+            <a:schemeClr val="accent1"/>
+          </a:lnRef>
+          <a:fillRef idx="0">
+            <a:schemeClr val="accent1"/>
+          </a:fillRef>
+          <a:effectRef idx="0">
+            <a:schemeClr val="accent1"/>
+          </a:effectRef>
+          <a:fontRef idx="minor">
+            <a:schemeClr val="tx1"/>
+          </a:fontRef>
+        </p:style>
+      </p:cxnSp>
+      <p:cxnSp>
+        <p:nvCxnSpPr>
+          <p:cNvPr id="50" name="직선 연결선 49"/>
+          <p:cNvCxnSpPr/>
+          <p:nvPr/>
+        </p:nvCxnSpPr>
+        <p:spPr>
+          <a:xfrm>
+            <a:off x="2610859" y="3197243"/>
+            <a:ext cx="1597727" cy="0"/>
+          </a:xfrm>
+          <a:prstGeom prst="line">
+            <a:avLst/>
+          </a:prstGeom>
+        </p:spPr>
+        <p:style>
+          <a:lnRef idx="1">
+            <a:schemeClr val="accent1"/>
+          </a:lnRef>
+          <a:fillRef idx="0">
+            <a:schemeClr val="accent1"/>
+          </a:fillRef>
+          <a:effectRef idx="0">
+            <a:schemeClr val="accent1"/>
+          </a:effectRef>
+          <a:fontRef idx="minor">
+            <a:schemeClr val="tx1"/>
+          </a:fontRef>
+        </p:style>
+      </p:cxnSp>
+      <p:cxnSp>
+        <p:nvCxnSpPr>
+          <p:cNvPr id="52" name="직선 연결선 51"/>
+          <p:cNvCxnSpPr/>
+          <p:nvPr/>
+        </p:nvCxnSpPr>
+        <p:spPr>
+          <a:xfrm flipV="1">
+            <a:off x="4208586" y="2511583"/>
+            <a:ext cx="0" cy="685661"/>
+          </a:xfrm>
+          <a:prstGeom prst="line">
+            <a:avLst/>
+          </a:prstGeom>
+        </p:spPr>
+        <p:style>
+          <a:lnRef idx="1">
+            <a:schemeClr val="accent1"/>
+          </a:lnRef>
+          <a:fillRef idx="0">
+            <a:schemeClr val="accent1"/>
+          </a:fillRef>
+          <a:effectRef idx="0">
+            <a:schemeClr val="accent1"/>
+          </a:effectRef>
+          <a:fontRef idx="minor">
+            <a:schemeClr val="tx1"/>
+          </a:fontRef>
+        </p:style>
+      </p:cxnSp>
+      <p:cxnSp>
+        <p:nvCxnSpPr>
+          <p:cNvPr id="55" name="직선 화살표 연결선 54"/>
+          <p:cNvCxnSpPr/>
+          <p:nvPr/>
+        </p:nvCxnSpPr>
+        <p:spPr>
+          <a:xfrm>
+            <a:off x="3283333" y="2503607"/>
+            <a:ext cx="1599144" cy="0"/>
+          </a:xfrm>
+          <a:prstGeom prst="straightConnector1">
+            <a:avLst/>
+          </a:prstGeom>
+          <a:ln>
+            <a:tailEnd type="triangle"/>
+          </a:ln>
+        </p:spPr>
+        <p:style>
+          <a:lnRef idx="1">
+            <a:schemeClr val="accent1"/>
+          </a:lnRef>
+          <a:fillRef idx="0">
+            <a:schemeClr val="accent1"/>
+          </a:fillRef>
+          <a:effectRef idx="0">
+            <a:schemeClr val="accent1"/>
+          </a:effectRef>
+          <a:fontRef idx="minor">
+            <a:schemeClr val="tx1"/>
+          </a:fontRef>
+        </p:style>
+      </p:cxnSp>
+      <p:cxnSp>
+        <p:nvCxnSpPr>
+          <p:cNvPr id="78" name="직선 연결선 77"/>
+          <p:cNvCxnSpPr/>
+          <p:nvPr/>
+        </p:nvCxnSpPr>
+        <p:spPr>
+          <a:xfrm>
+            <a:off x="2610859" y="4297680"/>
+            <a:ext cx="1585222" cy="0"/>
+          </a:xfrm>
+          <a:prstGeom prst="line">
+            <a:avLst/>
+          </a:prstGeom>
+        </p:spPr>
+        <p:style>
+          <a:lnRef idx="1">
+            <a:schemeClr val="accent1"/>
+          </a:lnRef>
+          <a:fillRef idx="0">
+            <a:schemeClr val="accent1"/>
+          </a:fillRef>
+          <a:effectRef idx="0">
+            <a:schemeClr val="accent1"/>
+          </a:effectRef>
+          <a:fontRef idx="minor">
+            <a:schemeClr val="tx1"/>
+          </a:fontRef>
+        </p:style>
+      </p:cxnSp>
+      <p:cxnSp>
+        <p:nvCxnSpPr>
+          <p:cNvPr id="80" name="직선 화살표 연결선 79"/>
+          <p:cNvCxnSpPr>
+            <a:endCxn id="86" idx="1"/>
+          </p:cNvCxnSpPr>
+          <p:nvPr/>
+        </p:nvCxnSpPr>
+        <p:spPr>
+          <a:xfrm>
+            <a:off x="3283333" y="4906690"/>
+            <a:ext cx="1599145" cy="1"/>
+          </a:xfrm>
+          <a:prstGeom prst="straightConnector1">
+            <a:avLst/>
+          </a:prstGeom>
+          <a:ln>
+            <a:tailEnd type="triangle"/>
+          </a:ln>
+        </p:spPr>
+        <p:style>
+          <a:lnRef idx="1">
+            <a:schemeClr val="accent1"/>
+          </a:lnRef>
+          <a:fillRef idx="0">
+            <a:schemeClr val="accent1"/>
+          </a:fillRef>
+          <a:effectRef idx="0">
+            <a:schemeClr val="accent1"/>
+          </a:effectRef>
+          <a:fontRef idx="minor">
+            <a:schemeClr val="tx1"/>
+          </a:fontRef>
+        </p:style>
+      </p:cxnSp>
+      <p:cxnSp>
+        <p:nvCxnSpPr>
+          <p:cNvPr id="87" name="직선 연결선 86"/>
+          <p:cNvCxnSpPr/>
+          <p:nvPr/>
+        </p:nvCxnSpPr>
+        <p:spPr>
+          <a:xfrm>
+            <a:off x="4196081" y="4297680"/>
+            <a:ext cx="0" cy="609010"/>
+          </a:xfrm>
+          <a:prstGeom prst="line">
+            <a:avLst/>
+          </a:prstGeom>
+        </p:spPr>
+        <p:style>
+          <a:lnRef idx="1">
+            <a:schemeClr val="accent1"/>
+          </a:lnRef>
+          <a:fillRef idx="0">
+            <a:schemeClr val="accent1"/>
+          </a:fillRef>
+          <a:effectRef idx="0">
+            <a:schemeClr val="accent1"/>
+          </a:effectRef>
+          <a:fontRef idx="minor">
+            <a:schemeClr val="tx1"/>
+          </a:fontRef>
+        </p:style>
+      </p:cxnSp>
+      <p:cxnSp>
+        <p:nvCxnSpPr>
+          <p:cNvPr id="104" name="직선 화살표 연결선 103"/>
+          <p:cNvCxnSpPr/>
+          <p:nvPr/>
+        </p:nvCxnSpPr>
+        <p:spPr>
+          <a:xfrm>
+            <a:off x="9034351" y="2503607"/>
+            <a:ext cx="1368551" cy="0"/>
+          </a:xfrm>
+          <a:prstGeom prst="straightConnector1">
+            <a:avLst/>
+          </a:prstGeom>
+          <a:ln>
+            <a:tailEnd type="triangle"/>
+          </a:ln>
+        </p:spPr>
+        <p:style>
+          <a:lnRef idx="1">
+            <a:schemeClr val="accent1"/>
+          </a:lnRef>
+          <a:fillRef idx="0">
+            <a:schemeClr val="accent1"/>
+          </a:fillRef>
+          <a:effectRef idx="0">
+            <a:schemeClr val="accent1"/>
+          </a:effectRef>
+          <a:fontRef idx="minor">
+            <a:schemeClr val="tx1"/>
+          </a:fontRef>
+        </p:style>
+      </p:cxnSp>
+      <p:cxnSp>
+        <p:nvCxnSpPr>
+          <p:cNvPr id="109" name="직선 화살표 연결선 108"/>
+          <p:cNvCxnSpPr>
+            <a:endCxn id="64" idx="1"/>
+          </p:cNvCxnSpPr>
+          <p:nvPr/>
+        </p:nvCxnSpPr>
+        <p:spPr>
+          <a:xfrm>
+            <a:off x="9044433" y="3696018"/>
+            <a:ext cx="1375244" cy="13119"/>
+          </a:xfrm>
+          <a:prstGeom prst="straightConnector1">
+            <a:avLst/>
+          </a:prstGeom>
+          <a:ln>
+            <a:tailEnd type="triangle"/>
+          </a:ln>
+        </p:spPr>
+        <p:style>
+          <a:lnRef idx="1">
+            <a:schemeClr val="accent1"/>
+          </a:lnRef>
+          <a:fillRef idx="0">
+            <a:schemeClr val="accent1"/>
+          </a:fillRef>
+          <a:effectRef idx="0">
+            <a:schemeClr val="accent1"/>
+          </a:effectRef>
+          <a:fontRef idx="minor">
+            <a:schemeClr val="tx1"/>
+          </a:fontRef>
+        </p:style>
+      </p:cxnSp>
+      <p:cxnSp>
+        <p:nvCxnSpPr>
+          <p:cNvPr id="113" name="직선 화살표 연결선 112"/>
+          <p:cNvCxnSpPr/>
+          <p:nvPr/>
+        </p:nvCxnSpPr>
+        <p:spPr>
+          <a:xfrm>
+            <a:off x="9044433" y="4906690"/>
+            <a:ext cx="1358469" cy="0"/>
+          </a:xfrm>
+          <a:prstGeom prst="straightConnector1">
+            <a:avLst/>
+          </a:prstGeom>
+          <a:ln>
+            <a:tailEnd type="triangle"/>
+          </a:ln>
+        </p:spPr>
+        <p:style>
+          <a:lnRef idx="1">
+            <a:schemeClr val="accent1"/>
+          </a:lnRef>
+          <a:fillRef idx="0">
+            <a:schemeClr val="accent1"/>
+          </a:fillRef>
+          <a:effectRef idx="0">
+            <a:schemeClr val="accent1"/>
+          </a:effectRef>
+          <a:fontRef idx="minor">
+            <a:schemeClr val="tx1"/>
+          </a:fontRef>
+        </p:style>
+      </p:cxnSp>
+    </p:spTree>
+    <p:extLst>
+      <p:ext uri="{BB962C8B-B14F-4D97-AF65-F5344CB8AC3E}">
+        <p14:creationId xmlns:p14="http://schemas.microsoft.com/office/powerpoint/2010/main" val="354971661"/>
+      </p:ext>
+    </p:extLst>
+  </p:cSld>
+  <p:clrMapOvr>
+    <a:masterClrMapping/>
+  </p:clrMapOvr>
+  <p:timing>
+    <p:tnLst>
+      <p:par>
+        <p:cTn id="1" dur="indefinite" restart="never" nodeType="tmRoot"/>
+      </p:par>
+    </p:tnLst>
+  </p:timing>
+</p:sld>
+</file>
+
+<file path=ppt/slides/slide4.xml><?xml version="1.0" encoding="utf-8"?>
+<p:sld xmlns:a="http://schemas.openxmlformats.org/drawingml/2006/main" xmlns:r="http://schemas.openxmlformats.org/officeDocument/2006/relationships" xmlns:p="http://schemas.openxmlformats.org/presentationml/2006/main">
+  <p:cSld>
+    <p:spTree>
+      <p:nvGrpSpPr>
+        <p:cNvPr id="1" name=""/>
+        <p:cNvGrpSpPr/>
+        <p:nvPr/>
+      </p:nvGrpSpPr>
+      <p:grpSpPr>
+        <a:xfrm>
+          <a:off x="0" y="0"/>
+          <a:ext cx="0" cy="0"/>
+          <a:chOff x="0" y="0"/>
+          <a:chExt cx="0" cy="0"/>
+        </a:xfrm>
+      </p:grpSpPr>
+      <p:sp>
+        <p:nvSpPr>
+          <p:cNvPr id="67" name="직사각형 66"/>
+          <p:cNvSpPr/>
+          <p:nvPr/>
+        </p:nvSpPr>
+        <p:spPr>
+          <a:xfrm>
+            <a:off x="10160000" y="1499446"/>
+            <a:ext cx="1511300" cy="4126931"/>
+          </a:xfrm>
+          <a:prstGeom prst="rect">
+            <a:avLst/>
+          </a:prstGeom>
+          <a:solidFill>
+            <a:schemeClr val="bg1"/>
+          </a:solidFill>
+        </p:spPr>
+        <p:style>
+          <a:lnRef idx="2">
+            <a:schemeClr val="accent1">
+              <a:shade val="50000"/>
+            </a:schemeClr>
+          </a:lnRef>
+          <a:fillRef idx="1">
+            <a:schemeClr val="accent1"/>
+          </a:fillRef>
+          <a:effectRef idx="0">
+            <a:schemeClr val="accent1"/>
+          </a:effectRef>
+          <a:fontRef idx="minor">
+            <a:schemeClr val="lt1"/>
+          </a:fontRef>
+        </p:style>
+        <p:txBody>
+          <a:bodyPr rtlCol="0" anchor="ctr"/>
+          <a:lstStyle/>
+          <a:p>
+            <a:pPr algn="ctr"/>
+            <a:endParaRPr lang="ko-KR" altLang="en-US"/>
+          </a:p>
+        </p:txBody>
+      </p:sp>
+      <p:sp>
+        <p:nvSpPr>
+          <p:cNvPr id="56" name="직사각형 55"/>
+          <p:cNvSpPr/>
+          <p:nvPr/>
+        </p:nvSpPr>
+        <p:spPr>
+          <a:xfrm>
+            <a:off x="4621848" y="1499446"/>
+            <a:ext cx="4814252" cy="4126931"/>
+          </a:xfrm>
+          <a:prstGeom prst="rect">
+            <a:avLst/>
+          </a:prstGeom>
+          <a:solidFill>
+            <a:schemeClr val="bg1"/>
+          </a:solidFill>
+        </p:spPr>
+        <p:style>
+          <a:lnRef idx="2">
+            <a:schemeClr val="accent1">
+              <a:shade val="50000"/>
+            </a:schemeClr>
+          </a:lnRef>
+          <a:fillRef idx="1">
+            <a:schemeClr val="accent1"/>
+          </a:fillRef>
+          <a:effectRef idx="0">
+            <a:schemeClr val="accent1"/>
+          </a:effectRef>
+          <a:fontRef idx="minor">
+            <a:schemeClr val="lt1"/>
+          </a:fontRef>
+        </p:style>
+        <p:txBody>
+          <a:bodyPr rtlCol="0" anchor="ctr"/>
+          <a:lstStyle/>
+          <a:p>
+            <a:pPr algn="ctr"/>
+            <a:endParaRPr lang="ko-KR" altLang="en-US"/>
+          </a:p>
+        </p:txBody>
+      </p:sp>
+      <p:sp>
+        <p:nvSpPr>
+          <p:cNvPr id="97" name="직사각형 96"/>
+          <p:cNvSpPr/>
+          <p:nvPr/>
+        </p:nvSpPr>
+        <p:spPr>
+          <a:xfrm>
+            <a:off x="382411" y="1499446"/>
+            <a:ext cx="2900922" cy="4126931"/>
+          </a:xfrm>
+          <a:prstGeom prst="rect">
+            <a:avLst/>
+          </a:prstGeom>
+          <a:solidFill>
+            <a:schemeClr val="bg1"/>
+          </a:solidFill>
+        </p:spPr>
+        <p:style>
+          <a:lnRef idx="2">
+            <a:schemeClr val="accent1">
+              <a:shade val="50000"/>
+            </a:schemeClr>
+          </a:lnRef>
+          <a:fillRef idx="1">
+            <a:schemeClr val="accent1"/>
+          </a:fillRef>
+          <a:effectRef idx="0">
+            <a:schemeClr val="accent1"/>
+          </a:effectRef>
+          <a:fontRef idx="minor">
+            <a:schemeClr val="lt1"/>
+          </a:fontRef>
+        </p:style>
+        <p:txBody>
+          <a:bodyPr rtlCol="0" anchor="ctr"/>
+          <a:lstStyle/>
+          <a:p>
+            <a:pPr algn="ctr"/>
+            <a:endParaRPr lang="ko-KR" altLang="en-US"/>
+          </a:p>
+        </p:txBody>
+      </p:sp>
+      <p:sp>
+        <p:nvSpPr>
+          <p:cNvPr id="3" name="직사각형 2"/>
+          <p:cNvSpPr/>
+          <p:nvPr/>
+        </p:nvSpPr>
+        <p:spPr>
+          <a:xfrm>
+            <a:off x="739297" y="2333943"/>
+            <a:ext cx="2028825" cy="2724150"/>
+          </a:xfrm>
+          <a:prstGeom prst="rect">
+            <a:avLst/>
+          </a:prstGeom>
+          <a:solidFill>
+            <a:schemeClr val="bg1"/>
+          </a:solidFill>
+        </p:spPr>
+        <p:style>
+          <a:lnRef idx="2">
+            <a:schemeClr val="accent1">
+              <a:shade val="50000"/>
+            </a:schemeClr>
+          </a:lnRef>
+          <a:fillRef idx="1">
+            <a:schemeClr val="accent1"/>
+          </a:fillRef>
+          <a:effectRef idx="0">
+            <a:schemeClr val="accent1"/>
+          </a:effectRef>
+          <a:fontRef idx="minor">
+            <a:schemeClr val="lt1"/>
+          </a:fontRef>
+        </p:style>
+        <p:txBody>
+          <a:bodyPr rtlCol="0" anchor="ctr"/>
+          <a:lstStyle/>
+          <a:p>
+            <a:pPr algn="ctr"/>
+            <a:endParaRPr lang="ko-KR" altLang="en-US"/>
+          </a:p>
+        </p:txBody>
+      </p:sp>
+      <p:sp>
+        <p:nvSpPr>
+          <p:cNvPr id="12" name="TextBox 11">
+            <a:extLst>
+              <a:ext uri="{FF2B5EF4-FFF2-40B4-BE49-F238E27FC236}">
+                <a16:creationId xmlns="" xmlns:a16="http://schemas.microsoft.com/office/drawing/2014/main" id="{C76E3AAD-45C6-EB76-9A53-48C4CEF2570F}"/>
+              </a:ext>
+            </a:extLst>
+          </p:cNvPr>
+          <p:cNvSpPr txBox="1"/>
+          <p:nvPr/>
+        </p:nvSpPr>
+        <p:spPr>
+          <a:xfrm>
+            <a:off x="1073074" y="2503607"/>
+            <a:ext cx="1361270" cy="369332"/>
+          </a:xfrm>
+          <a:prstGeom prst="rect">
+            <a:avLst/>
+          </a:prstGeom>
+          <a:noFill/>
+        </p:spPr>
+        <p:txBody>
+          <a:bodyPr wrap="none" rtlCol="0">
+            <a:spAutoFit/>
+          </a:bodyPr>
+          <a:lstStyle/>
+          <a:p>
+            <a:r>
+              <a:rPr lang="en-US" altLang="ko-KR" dirty="0" smtClean="0"/>
+              <a:t>Application</a:t>
+            </a:r>
+            <a:endParaRPr lang="ko-KR" altLang="en-US" dirty="0"/>
+          </a:p>
+        </p:txBody>
+      </p:sp>
+      <p:sp>
+        <p:nvSpPr>
+          <p:cNvPr id="59" name="TextBox 58">
+            <a:extLst>
+              <a:ext uri="{FF2B5EF4-FFF2-40B4-BE49-F238E27FC236}">
+                <a16:creationId xmlns="" xmlns:a16="http://schemas.microsoft.com/office/drawing/2014/main" id="{C76E3AAD-45C6-EB76-9A53-48C4CEF2570F}"/>
+              </a:ext>
+            </a:extLst>
+          </p:cNvPr>
+          <p:cNvSpPr txBox="1"/>
+          <p:nvPr/>
+        </p:nvSpPr>
+        <p:spPr>
+          <a:xfrm>
+            <a:off x="317360" y="169662"/>
+            <a:ext cx="3028073" cy="369332"/>
+          </a:xfrm>
+          <a:prstGeom prst="rect">
+            <a:avLst/>
+          </a:prstGeom>
+          <a:noFill/>
+        </p:spPr>
+        <p:txBody>
+          <a:bodyPr wrap="none" rtlCol="0">
+            <a:spAutoFit/>
+          </a:bodyPr>
+          <a:lstStyle/>
+          <a:p>
+            <a:r>
+              <a:rPr lang="ko-KR" altLang="en-US" dirty="0" err="1" smtClean="0"/>
+              <a:t>콜렉터</a:t>
+            </a:r>
+            <a:r>
+              <a:rPr lang="ko-KR" altLang="en-US" dirty="0" smtClean="0"/>
+              <a:t> 구성방법 </a:t>
+            </a:r>
+            <a:r>
+              <a:rPr lang="en-US" altLang="ko-KR" dirty="0" smtClean="0"/>
+              <a:t>- Gateway</a:t>
+            </a:r>
+            <a:endParaRPr lang="en-US" altLang="ko-KR" dirty="0"/>
+          </a:p>
+        </p:txBody>
+      </p:sp>
+      <p:sp>
+        <p:nvSpPr>
+          <p:cNvPr id="75" name="모서리가 둥근 직사각형 74"/>
+          <p:cNvSpPr/>
+          <p:nvPr/>
+        </p:nvSpPr>
+        <p:spPr>
+          <a:xfrm>
+            <a:off x="924934" y="2982043"/>
+            <a:ext cx="1685925" cy="1664696"/>
+          </a:xfrm>
+          <a:prstGeom prst="roundRect">
+            <a:avLst/>
+          </a:prstGeom>
+          <a:solidFill>
+            <a:schemeClr val="accent6">
+              <a:lumMod val="60000"/>
+              <a:lumOff val="40000"/>
+            </a:schemeClr>
+          </a:solidFill>
+          <a:ln>
+            <a:noFill/>
+          </a:ln>
+        </p:spPr>
+        <p:style>
+          <a:lnRef idx="2">
+            <a:schemeClr val="accent1">
+              <a:shade val="50000"/>
+            </a:schemeClr>
+          </a:lnRef>
+          <a:fillRef idx="1">
+            <a:schemeClr val="accent1"/>
+          </a:fillRef>
+          <a:effectRef idx="0">
+            <a:schemeClr val="accent1"/>
+          </a:effectRef>
+          <a:fontRef idx="minor">
+            <a:schemeClr val="lt1"/>
+          </a:fontRef>
+        </p:style>
+        <p:txBody>
+          <a:bodyPr rtlCol="0" anchor="ctr"/>
+          <a:lstStyle/>
+          <a:p>
+            <a:pPr algn="ctr"/>
+            <a:r>
+              <a:rPr lang="en-US" altLang="ko-KR" sz="1300" dirty="0" smtClean="0"/>
+              <a:t>Auto / Manual</a:t>
+            </a:r>
+            <a:br>
+              <a:rPr lang="en-US" altLang="ko-KR" sz="1300" dirty="0" smtClean="0"/>
+            </a:br>
+            <a:r>
+              <a:rPr lang="en-US" altLang="ko-KR" sz="1300" dirty="0" smtClean="0"/>
+              <a:t>Instrumentation</a:t>
+            </a:r>
+          </a:p>
+        </p:txBody>
+      </p:sp>
+      <p:sp>
+        <p:nvSpPr>
+          <p:cNvPr id="4" name="직사각형 3"/>
+          <p:cNvSpPr/>
+          <p:nvPr/>
+        </p:nvSpPr>
+        <p:spPr>
+          <a:xfrm>
+            <a:off x="4882478" y="2240379"/>
+            <a:ext cx="1023023" cy="542409"/>
+          </a:xfrm>
+          <a:prstGeom prst="rect">
+            <a:avLst/>
+          </a:prstGeom>
+          <a:solidFill>
+            <a:schemeClr val="accent1">
+              <a:lumMod val="75000"/>
+            </a:schemeClr>
+          </a:solidFill>
+          <a:ln>
+            <a:noFill/>
+          </a:ln>
+        </p:spPr>
+        <p:style>
+          <a:lnRef idx="2">
+            <a:schemeClr val="accent1">
+              <a:shade val="50000"/>
+            </a:schemeClr>
+          </a:lnRef>
+          <a:fillRef idx="1">
+            <a:schemeClr val="accent1"/>
+          </a:fillRef>
+          <a:effectRef idx="0">
+            <a:schemeClr val="accent1"/>
+          </a:effectRef>
+          <a:fontRef idx="minor">
+            <a:schemeClr val="lt1"/>
+          </a:fontRef>
+        </p:style>
+        <p:txBody>
+          <a:bodyPr rtlCol="0" anchor="ctr"/>
+          <a:lstStyle/>
+          <a:p>
+            <a:pPr algn="ctr"/>
+            <a:r>
+              <a:rPr lang="en-US" altLang="ko-KR" dirty="0" smtClean="0"/>
+              <a:t>Metrics</a:t>
+            </a:r>
+            <a:endParaRPr lang="ko-KR" altLang="en-US" dirty="0"/>
+          </a:p>
+        </p:txBody>
+      </p:sp>
+      <p:sp>
+        <p:nvSpPr>
+          <p:cNvPr id="85" name="직사각형 84"/>
+          <p:cNvSpPr/>
+          <p:nvPr/>
+        </p:nvSpPr>
+        <p:spPr>
+          <a:xfrm>
+            <a:off x="4882477" y="3437932"/>
+            <a:ext cx="1023023" cy="542409"/>
+          </a:xfrm>
+          <a:prstGeom prst="rect">
+            <a:avLst/>
+          </a:prstGeom>
+          <a:solidFill>
+            <a:schemeClr val="accent6">
+              <a:lumMod val="60000"/>
+              <a:lumOff val="40000"/>
+            </a:schemeClr>
+          </a:solidFill>
+          <a:ln>
+            <a:noFill/>
+          </a:ln>
+        </p:spPr>
+        <p:style>
+          <a:lnRef idx="2">
+            <a:schemeClr val="accent1">
+              <a:shade val="50000"/>
+            </a:schemeClr>
+          </a:lnRef>
+          <a:fillRef idx="1">
+            <a:schemeClr val="accent1"/>
+          </a:fillRef>
+          <a:effectRef idx="0">
+            <a:schemeClr val="accent1"/>
+          </a:effectRef>
+          <a:fontRef idx="minor">
+            <a:schemeClr val="lt1"/>
+          </a:fontRef>
+        </p:style>
+        <p:txBody>
+          <a:bodyPr rtlCol="0" anchor="ctr"/>
+          <a:lstStyle/>
+          <a:p>
+            <a:pPr algn="ctr"/>
+            <a:r>
+              <a:rPr lang="en-US" altLang="ko-KR" dirty="0" smtClean="0"/>
+              <a:t>Tracing</a:t>
+            </a:r>
+            <a:endParaRPr lang="ko-KR" altLang="en-US" dirty="0"/>
+          </a:p>
+        </p:txBody>
+      </p:sp>
+      <p:sp>
+        <p:nvSpPr>
+          <p:cNvPr id="86" name="직사각형 85"/>
+          <p:cNvSpPr/>
+          <p:nvPr/>
+        </p:nvSpPr>
+        <p:spPr>
+          <a:xfrm>
+            <a:off x="4882478" y="4635486"/>
+            <a:ext cx="1023023" cy="542409"/>
+          </a:xfrm>
+          <a:prstGeom prst="rect">
+            <a:avLst/>
+          </a:prstGeom>
+          <a:solidFill>
+            <a:srgbClr val="7030A0"/>
+          </a:solidFill>
+          <a:ln>
+            <a:noFill/>
+          </a:ln>
+        </p:spPr>
+        <p:style>
+          <a:lnRef idx="2">
+            <a:schemeClr val="accent1">
+              <a:shade val="50000"/>
+            </a:schemeClr>
+          </a:lnRef>
+          <a:fillRef idx="1">
+            <a:schemeClr val="accent1"/>
+          </a:fillRef>
+          <a:effectRef idx="0">
+            <a:schemeClr val="accent1"/>
+          </a:effectRef>
+          <a:fontRef idx="minor">
+            <a:schemeClr val="lt1"/>
+          </a:fontRef>
+        </p:style>
+        <p:txBody>
+          <a:bodyPr rtlCol="0" anchor="ctr"/>
+          <a:lstStyle/>
+          <a:p>
+            <a:pPr algn="ctr"/>
+            <a:r>
+              <a:rPr lang="en-US" altLang="ko-KR" dirty="0" smtClean="0"/>
+              <a:t>Logs</a:t>
+            </a:r>
+            <a:endParaRPr lang="ko-KR" altLang="en-US" dirty="0"/>
+          </a:p>
+        </p:txBody>
+      </p:sp>
+      <p:sp>
+        <p:nvSpPr>
+          <p:cNvPr id="100" name="TextBox 99">
+            <a:extLst>
+              <a:ext uri="{FF2B5EF4-FFF2-40B4-BE49-F238E27FC236}">
+                <a16:creationId xmlns="" xmlns:a16="http://schemas.microsoft.com/office/drawing/2014/main" id="{C76E3AAD-45C6-EB76-9A53-48C4CEF2570F}"/>
+              </a:ext>
+            </a:extLst>
+          </p:cNvPr>
+          <p:cNvSpPr txBox="1"/>
+          <p:nvPr/>
+        </p:nvSpPr>
+        <p:spPr>
+          <a:xfrm>
+            <a:off x="1132334" y="1621695"/>
+            <a:ext cx="1159676" cy="369332"/>
+          </a:xfrm>
+          <a:prstGeom prst="rect">
+            <a:avLst/>
+          </a:prstGeom>
+          <a:noFill/>
+        </p:spPr>
+        <p:txBody>
+          <a:bodyPr wrap="none" rtlCol="0">
+            <a:spAutoFit/>
+          </a:bodyPr>
+          <a:lstStyle/>
+          <a:p>
+            <a:r>
+              <a:rPr lang="en-US" altLang="ko-KR" dirty="0" smtClean="0"/>
+              <a:t>Host/Pod</a:t>
+            </a:r>
+            <a:endParaRPr lang="ko-KR" altLang="en-US" dirty="0"/>
+          </a:p>
+        </p:txBody>
+      </p:sp>
+      <p:sp>
+        <p:nvSpPr>
+          <p:cNvPr id="101" name="TextBox 100">
+            <a:extLst>
+              <a:ext uri="{FF2B5EF4-FFF2-40B4-BE49-F238E27FC236}">
+                <a16:creationId xmlns="" xmlns:a16="http://schemas.microsoft.com/office/drawing/2014/main" id="{C76E3AAD-45C6-EB76-9A53-48C4CEF2570F}"/>
+              </a:ext>
+            </a:extLst>
+          </p:cNvPr>
+          <p:cNvSpPr txBox="1"/>
+          <p:nvPr/>
+        </p:nvSpPr>
+        <p:spPr>
+          <a:xfrm>
+            <a:off x="3270828" y="2200395"/>
+            <a:ext cx="925253" cy="246221"/>
+          </a:xfrm>
+          <a:prstGeom prst="rect">
+            <a:avLst/>
+          </a:prstGeom>
+          <a:noFill/>
+        </p:spPr>
+        <p:txBody>
+          <a:bodyPr wrap="none" rtlCol="0">
+            <a:spAutoFit/>
+          </a:bodyPr>
+          <a:lstStyle/>
+          <a:p>
+            <a:r>
+              <a:rPr lang="en-US" altLang="ko-KR" sz="1000" dirty="0" smtClean="0"/>
+              <a:t>Host Metrics</a:t>
+            </a:r>
+            <a:endParaRPr lang="ko-KR" altLang="en-US" sz="1000" dirty="0"/>
+          </a:p>
+        </p:txBody>
+      </p:sp>
+      <p:sp>
+        <p:nvSpPr>
+          <p:cNvPr id="102" name="TextBox 101">
+            <a:extLst>
+              <a:ext uri="{FF2B5EF4-FFF2-40B4-BE49-F238E27FC236}">
+                <a16:creationId xmlns="" xmlns:a16="http://schemas.microsoft.com/office/drawing/2014/main" id="{C76E3AAD-45C6-EB76-9A53-48C4CEF2570F}"/>
+              </a:ext>
+            </a:extLst>
+          </p:cNvPr>
+          <p:cNvSpPr txBox="1"/>
+          <p:nvPr/>
+        </p:nvSpPr>
+        <p:spPr>
+          <a:xfrm>
+            <a:off x="3252481" y="2951022"/>
+            <a:ext cx="893193" cy="246221"/>
+          </a:xfrm>
+          <a:prstGeom prst="rect">
+            <a:avLst/>
+          </a:prstGeom>
+          <a:noFill/>
+        </p:spPr>
+        <p:txBody>
+          <a:bodyPr wrap="none" rtlCol="0">
+            <a:spAutoFit/>
+          </a:bodyPr>
+          <a:lstStyle/>
+          <a:p>
+            <a:r>
+              <a:rPr lang="en-US" altLang="ko-KR" sz="1000" dirty="0" smtClean="0"/>
+              <a:t>App Metrics</a:t>
+            </a:r>
+            <a:endParaRPr lang="ko-KR" altLang="en-US" sz="1000" dirty="0"/>
+          </a:p>
+        </p:txBody>
+      </p:sp>
+      <p:sp>
+        <p:nvSpPr>
+          <p:cNvPr id="110" name="TextBox 109">
+            <a:extLst>
+              <a:ext uri="{FF2B5EF4-FFF2-40B4-BE49-F238E27FC236}">
+                <a16:creationId xmlns="" xmlns:a16="http://schemas.microsoft.com/office/drawing/2014/main" id="{C76E3AAD-45C6-EB76-9A53-48C4CEF2570F}"/>
+              </a:ext>
+            </a:extLst>
+          </p:cNvPr>
+          <p:cNvSpPr txBox="1"/>
+          <p:nvPr/>
+        </p:nvSpPr>
+        <p:spPr>
+          <a:xfrm>
+            <a:off x="3253823" y="4668444"/>
+            <a:ext cx="914033" cy="246221"/>
+          </a:xfrm>
+          <a:prstGeom prst="rect">
+            <a:avLst/>
+          </a:prstGeom>
+          <a:noFill/>
+        </p:spPr>
+        <p:txBody>
+          <a:bodyPr wrap="none" rtlCol="0">
+            <a:spAutoFit/>
+          </a:bodyPr>
+          <a:lstStyle/>
+          <a:p>
+            <a:r>
+              <a:rPr lang="en-US" altLang="ko-KR" sz="1000" dirty="0" smtClean="0"/>
+              <a:t>System Logs</a:t>
+            </a:r>
+            <a:endParaRPr lang="ko-KR" altLang="en-US" sz="1000" dirty="0"/>
+          </a:p>
+        </p:txBody>
+      </p:sp>
+      <p:sp>
+        <p:nvSpPr>
+          <p:cNvPr id="111" name="TextBox 110">
+            <a:extLst>
+              <a:ext uri="{FF2B5EF4-FFF2-40B4-BE49-F238E27FC236}">
+                <a16:creationId xmlns="" xmlns:a16="http://schemas.microsoft.com/office/drawing/2014/main" id="{C76E3AAD-45C6-EB76-9A53-48C4CEF2570F}"/>
+              </a:ext>
+            </a:extLst>
+          </p:cNvPr>
+          <p:cNvSpPr txBox="1"/>
+          <p:nvPr/>
+        </p:nvSpPr>
+        <p:spPr>
+          <a:xfrm>
+            <a:off x="3283333" y="3992447"/>
+            <a:ext cx="739305" cy="246221"/>
+          </a:xfrm>
+          <a:prstGeom prst="rect">
+            <a:avLst/>
+          </a:prstGeom>
+          <a:noFill/>
+        </p:spPr>
+        <p:txBody>
+          <a:bodyPr wrap="none" rtlCol="0">
+            <a:spAutoFit/>
+          </a:bodyPr>
+          <a:lstStyle/>
+          <a:p>
+            <a:r>
+              <a:rPr lang="en-US" altLang="ko-KR" sz="1000" dirty="0" smtClean="0"/>
+              <a:t>App Logs</a:t>
+            </a:r>
+            <a:endParaRPr lang="ko-KR" altLang="en-US" sz="1000" dirty="0"/>
+          </a:p>
+        </p:txBody>
+      </p:sp>
+      <p:sp>
+        <p:nvSpPr>
+          <p:cNvPr id="42" name="TextBox 41">
+            <a:extLst>
+              <a:ext uri="{FF2B5EF4-FFF2-40B4-BE49-F238E27FC236}">
+                <a16:creationId xmlns="" xmlns:a16="http://schemas.microsoft.com/office/drawing/2014/main" id="{C76E3AAD-45C6-EB76-9A53-48C4CEF2570F}"/>
+              </a:ext>
+            </a:extLst>
+          </p:cNvPr>
+          <p:cNvSpPr txBox="1"/>
+          <p:nvPr/>
+        </p:nvSpPr>
+        <p:spPr>
+          <a:xfrm>
+            <a:off x="3252481" y="3451664"/>
+            <a:ext cx="551754" cy="246221"/>
+          </a:xfrm>
+          <a:prstGeom prst="rect">
+            <a:avLst/>
+          </a:prstGeom>
+          <a:noFill/>
+        </p:spPr>
+        <p:txBody>
+          <a:bodyPr wrap="none" rtlCol="0">
+            <a:spAutoFit/>
+          </a:bodyPr>
+          <a:lstStyle/>
+          <a:p>
+            <a:r>
+              <a:rPr lang="en-US" altLang="ko-KR" sz="1000" dirty="0" smtClean="0"/>
+              <a:t>Traces</a:t>
+            </a:r>
+            <a:endParaRPr lang="ko-KR" altLang="en-US" sz="1000" dirty="0"/>
+          </a:p>
+        </p:txBody>
+      </p:sp>
+      <p:sp>
+        <p:nvSpPr>
+          <p:cNvPr id="58" name="TextBox 57">
+            <a:extLst>
+              <a:ext uri="{FF2B5EF4-FFF2-40B4-BE49-F238E27FC236}">
+                <a16:creationId xmlns="" xmlns:a16="http://schemas.microsoft.com/office/drawing/2014/main" id="{C76E3AAD-45C6-EB76-9A53-48C4CEF2570F}"/>
+              </a:ext>
+            </a:extLst>
+          </p:cNvPr>
+          <p:cNvSpPr txBox="1"/>
+          <p:nvPr/>
+        </p:nvSpPr>
+        <p:spPr>
+          <a:xfrm>
+            <a:off x="5639811" y="1621695"/>
+            <a:ext cx="2778325" cy="369332"/>
+          </a:xfrm>
+          <a:prstGeom prst="rect">
+            <a:avLst/>
+          </a:prstGeom>
+          <a:noFill/>
+        </p:spPr>
+        <p:txBody>
+          <a:bodyPr wrap="none" rtlCol="0">
+            <a:spAutoFit/>
+          </a:bodyPr>
+          <a:lstStyle/>
+          <a:p>
+            <a:r>
+              <a:rPr lang="en-US" altLang="ko-KR" dirty="0" err="1" smtClean="0"/>
+              <a:t>OpenTelemetry</a:t>
+            </a:r>
+            <a:r>
+              <a:rPr lang="en-US" altLang="ko-KR" dirty="0" smtClean="0"/>
+              <a:t> Collector</a:t>
+            </a:r>
+            <a:endParaRPr lang="ko-KR" altLang="en-US" dirty="0"/>
+          </a:p>
+        </p:txBody>
+      </p:sp>
+      <p:sp>
+        <p:nvSpPr>
+          <p:cNvPr id="61" name="직사각형 60"/>
+          <p:cNvSpPr/>
+          <p:nvPr/>
+        </p:nvSpPr>
+        <p:spPr>
+          <a:xfrm>
+            <a:off x="6187713" y="2240379"/>
+            <a:ext cx="1280991" cy="2937516"/>
+          </a:xfrm>
+          <a:prstGeom prst="rect">
+            <a:avLst/>
+          </a:prstGeom>
+          <a:solidFill>
+            <a:schemeClr val="bg2">
+              <a:lumMod val="50000"/>
+            </a:schemeClr>
+          </a:solidFill>
+          <a:ln>
+            <a:noFill/>
+          </a:ln>
+        </p:spPr>
+        <p:style>
+          <a:lnRef idx="2">
+            <a:schemeClr val="accent1">
+              <a:shade val="50000"/>
+            </a:schemeClr>
+          </a:lnRef>
+          <a:fillRef idx="1">
+            <a:schemeClr val="accent1"/>
+          </a:fillRef>
+          <a:effectRef idx="0">
+            <a:schemeClr val="accent1"/>
+          </a:effectRef>
+          <a:fontRef idx="minor">
+            <a:schemeClr val="lt1"/>
+          </a:fontRef>
+        </p:style>
+        <p:txBody>
+          <a:bodyPr rtlCol="0" anchor="ctr"/>
+          <a:lstStyle/>
+          <a:p>
+            <a:pPr algn="ctr"/>
+            <a:r>
+              <a:rPr lang="en-US" altLang="ko-KR" dirty="0" smtClean="0"/>
+              <a:t>Processor</a:t>
+            </a:r>
+            <a:endParaRPr lang="ko-KR" altLang="en-US" dirty="0"/>
+          </a:p>
+        </p:txBody>
+      </p:sp>
+      <p:sp>
+        <p:nvSpPr>
+          <p:cNvPr id="62" name="직사각형 61"/>
+          <p:cNvSpPr/>
+          <p:nvPr/>
+        </p:nvSpPr>
+        <p:spPr>
+          <a:xfrm>
+            <a:off x="7753360" y="2240379"/>
+            <a:ext cx="1280991" cy="2937516"/>
+          </a:xfrm>
+          <a:prstGeom prst="rect">
+            <a:avLst/>
+          </a:prstGeom>
+          <a:solidFill>
+            <a:schemeClr val="bg2">
+              <a:lumMod val="50000"/>
+            </a:schemeClr>
+          </a:solidFill>
+          <a:ln>
+            <a:noFill/>
+          </a:ln>
+        </p:spPr>
+        <p:style>
+          <a:lnRef idx="2">
+            <a:schemeClr val="accent1">
+              <a:shade val="50000"/>
+            </a:schemeClr>
+          </a:lnRef>
+          <a:fillRef idx="1">
+            <a:schemeClr val="accent1"/>
+          </a:fillRef>
+          <a:effectRef idx="0">
+            <a:schemeClr val="accent1"/>
+          </a:effectRef>
+          <a:fontRef idx="minor">
+            <a:schemeClr val="lt1"/>
+          </a:fontRef>
+        </p:style>
+        <p:txBody>
+          <a:bodyPr rtlCol="0" anchor="ctr"/>
+          <a:lstStyle/>
+          <a:p>
+            <a:pPr algn="ctr"/>
+            <a:r>
+              <a:rPr lang="en-US" altLang="ko-KR" dirty="0" smtClean="0"/>
+              <a:t>Exporter</a:t>
+            </a:r>
+            <a:endParaRPr lang="ko-KR" altLang="en-US" dirty="0"/>
+          </a:p>
+        </p:txBody>
+      </p:sp>
+      <p:sp>
+        <p:nvSpPr>
+          <p:cNvPr id="63" name="직사각형 62"/>
+          <p:cNvSpPr/>
+          <p:nvPr/>
+        </p:nvSpPr>
+        <p:spPr>
+          <a:xfrm>
+            <a:off x="10419678" y="2240379"/>
+            <a:ext cx="1023023" cy="542409"/>
+          </a:xfrm>
+          <a:prstGeom prst="rect">
+            <a:avLst/>
+          </a:prstGeom>
+          <a:solidFill>
+            <a:schemeClr val="accent1">
+              <a:lumMod val="75000"/>
+            </a:schemeClr>
+          </a:solidFill>
+          <a:ln>
+            <a:noFill/>
+          </a:ln>
+        </p:spPr>
+        <p:style>
+          <a:lnRef idx="2">
+            <a:schemeClr val="accent1">
+              <a:shade val="50000"/>
+            </a:schemeClr>
+          </a:lnRef>
+          <a:fillRef idx="1">
+            <a:schemeClr val="accent1"/>
+          </a:fillRef>
+          <a:effectRef idx="0">
+            <a:schemeClr val="accent1"/>
+          </a:effectRef>
+          <a:fontRef idx="minor">
+            <a:schemeClr val="lt1"/>
+          </a:fontRef>
+        </p:style>
+        <p:txBody>
+          <a:bodyPr rtlCol="0" anchor="ctr"/>
+          <a:lstStyle/>
+          <a:p>
+            <a:pPr algn="ctr"/>
+            <a:r>
+              <a:rPr lang="en-US" altLang="ko-KR" dirty="0" smtClean="0"/>
+              <a:t>Metrics</a:t>
+            </a:r>
+            <a:endParaRPr lang="ko-KR" altLang="en-US" dirty="0"/>
+          </a:p>
+        </p:txBody>
+      </p:sp>
+      <p:sp>
+        <p:nvSpPr>
+          <p:cNvPr id="64" name="직사각형 63"/>
+          <p:cNvSpPr/>
+          <p:nvPr/>
+        </p:nvSpPr>
+        <p:spPr>
+          <a:xfrm>
+            <a:off x="10419677" y="3437932"/>
+            <a:ext cx="1023023" cy="542409"/>
+          </a:xfrm>
+          <a:prstGeom prst="rect">
+            <a:avLst/>
+          </a:prstGeom>
+          <a:solidFill>
+            <a:schemeClr val="accent6">
+              <a:lumMod val="60000"/>
+              <a:lumOff val="40000"/>
+            </a:schemeClr>
+          </a:solidFill>
+          <a:ln>
+            <a:noFill/>
+          </a:ln>
+        </p:spPr>
+        <p:style>
+          <a:lnRef idx="2">
+            <a:schemeClr val="accent1">
+              <a:shade val="50000"/>
+            </a:schemeClr>
+          </a:lnRef>
+          <a:fillRef idx="1">
+            <a:schemeClr val="accent1"/>
+          </a:fillRef>
+          <a:effectRef idx="0">
+            <a:schemeClr val="accent1"/>
+          </a:effectRef>
+          <a:fontRef idx="minor">
+            <a:schemeClr val="lt1"/>
+          </a:fontRef>
+        </p:style>
+        <p:txBody>
+          <a:bodyPr rtlCol="0" anchor="ctr"/>
+          <a:lstStyle/>
+          <a:p>
+            <a:pPr algn="ctr"/>
+            <a:r>
+              <a:rPr lang="en-US" altLang="ko-KR" dirty="0" smtClean="0"/>
+              <a:t>Tracing</a:t>
+            </a:r>
+            <a:endParaRPr lang="ko-KR" altLang="en-US" dirty="0"/>
+          </a:p>
+        </p:txBody>
+      </p:sp>
+      <p:sp>
+        <p:nvSpPr>
+          <p:cNvPr id="65" name="직사각형 64"/>
+          <p:cNvSpPr/>
+          <p:nvPr/>
+        </p:nvSpPr>
+        <p:spPr>
+          <a:xfrm>
+            <a:off x="10419678" y="4635486"/>
+            <a:ext cx="1023023" cy="542409"/>
+          </a:xfrm>
+          <a:prstGeom prst="rect">
+            <a:avLst/>
+          </a:prstGeom>
+          <a:solidFill>
+            <a:srgbClr val="7030A0"/>
+          </a:solidFill>
+          <a:ln>
+            <a:noFill/>
+          </a:ln>
+        </p:spPr>
+        <p:style>
+          <a:lnRef idx="2">
+            <a:schemeClr val="accent1">
+              <a:shade val="50000"/>
+            </a:schemeClr>
+          </a:lnRef>
+          <a:fillRef idx="1">
+            <a:schemeClr val="accent1"/>
+          </a:fillRef>
+          <a:effectRef idx="0">
+            <a:schemeClr val="accent1"/>
+          </a:effectRef>
+          <a:fontRef idx="minor">
+            <a:schemeClr val="lt1"/>
+          </a:fontRef>
+        </p:style>
+        <p:txBody>
+          <a:bodyPr rtlCol="0" anchor="ctr"/>
+          <a:lstStyle/>
+          <a:p>
+            <a:pPr algn="ctr"/>
+            <a:r>
+              <a:rPr lang="en-US" altLang="ko-KR" dirty="0" smtClean="0"/>
+              <a:t>Logs</a:t>
+            </a:r>
+            <a:endParaRPr lang="ko-KR" altLang="en-US" dirty="0"/>
+          </a:p>
+        </p:txBody>
+      </p:sp>
+      <p:sp>
+        <p:nvSpPr>
+          <p:cNvPr id="69" name="TextBox 68">
+            <a:extLst>
+              <a:ext uri="{FF2B5EF4-FFF2-40B4-BE49-F238E27FC236}">
+                <a16:creationId xmlns="" xmlns:a16="http://schemas.microsoft.com/office/drawing/2014/main" id="{C76E3AAD-45C6-EB76-9A53-48C4CEF2570F}"/>
+              </a:ext>
+            </a:extLst>
+          </p:cNvPr>
+          <p:cNvSpPr txBox="1"/>
+          <p:nvPr/>
+        </p:nvSpPr>
+        <p:spPr>
+          <a:xfrm>
+            <a:off x="10402902" y="1621695"/>
+            <a:ext cx="1056571" cy="369332"/>
+          </a:xfrm>
+          <a:prstGeom prst="rect">
+            <a:avLst/>
+          </a:prstGeom>
+          <a:noFill/>
+        </p:spPr>
+        <p:txBody>
+          <a:bodyPr wrap="none" rtlCol="0">
+            <a:spAutoFit/>
+          </a:bodyPr>
+          <a:lstStyle/>
+          <a:p>
+            <a:r>
+              <a:rPr lang="en-US" altLang="ko-KR" dirty="0" smtClean="0"/>
+              <a:t>Backend</a:t>
+            </a:r>
+            <a:endParaRPr lang="ko-KR" altLang="en-US" dirty="0"/>
+          </a:p>
+        </p:txBody>
+      </p:sp>
+      <p:cxnSp>
+        <p:nvCxnSpPr>
+          <p:cNvPr id="28" name="직선 화살표 연결선 27"/>
+          <p:cNvCxnSpPr>
+            <a:stCxn id="4" idx="3"/>
+          </p:cNvCxnSpPr>
+          <p:nvPr/>
+        </p:nvCxnSpPr>
+        <p:spPr>
+          <a:xfrm flipV="1">
+            <a:off x="5905501" y="2511583"/>
+            <a:ext cx="282212" cy="1"/>
+          </a:xfrm>
+          <a:prstGeom prst="straightConnector1">
+            <a:avLst/>
+          </a:prstGeom>
+          <a:ln>
+            <a:tailEnd type="triangle"/>
+          </a:ln>
+        </p:spPr>
+        <p:style>
+          <a:lnRef idx="1">
+            <a:schemeClr val="accent1"/>
+          </a:lnRef>
+          <a:fillRef idx="0">
+            <a:schemeClr val="accent1"/>
+          </a:fillRef>
+          <a:effectRef idx="0">
+            <a:schemeClr val="accent1"/>
+          </a:effectRef>
+          <a:fontRef idx="minor">
+            <a:schemeClr val="tx1"/>
+          </a:fontRef>
+        </p:style>
+      </p:cxnSp>
+      <p:cxnSp>
+        <p:nvCxnSpPr>
+          <p:cNvPr id="30" name="직선 화살표 연결선 29"/>
+          <p:cNvCxnSpPr>
+            <a:endCxn id="61" idx="1"/>
+          </p:cNvCxnSpPr>
+          <p:nvPr/>
+        </p:nvCxnSpPr>
+        <p:spPr>
+          <a:xfrm>
+            <a:off x="5905500" y="3709136"/>
+            <a:ext cx="282213" cy="1"/>
+          </a:xfrm>
+          <a:prstGeom prst="straightConnector1">
+            <a:avLst/>
+          </a:prstGeom>
+          <a:ln>
+            <a:tailEnd type="triangle"/>
+          </a:ln>
+        </p:spPr>
+        <p:style>
+          <a:lnRef idx="1">
+            <a:schemeClr val="accent1"/>
+          </a:lnRef>
+          <a:fillRef idx="0">
+            <a:schemeClr val="accent1"/>
+          </a:fillRef>
+          <a:effectRef idx="0">
+            <a:schemeClr val="accent1"/>
+          </a:effectRef>
+          <a:fontRef idx="minor">
+            <a:schemeClr val="tx1"/>
+          </a:fontRef>
+        </p:style>
+      </p:cxnSp>
+      <p:cxnSp>
+        <p:nvCxnSpPr>
+          <p:cNvPr id="32" name="직선 화살표 연결선 31"/>
+          <p:cNvCxnSpPr/>
+          <p:nvPr/>
+        </p:nvCxnSpPr>
+        <p:spPr>
+          <a:xfrm>
+            <a:off x="5905500" y="4906690"/>
+            <a:ext cx="282213" cy="0"/>
+          </a:xfrm>
+          <a:prstGeom prst="straightConnector1">
+            <a:avLst/>
+          </a:prstGeom>
+          <a:ln>
+            <a:tailEnd type="triangle"/>
+          </a:ln>
+        </p:spPr>
+        <p:style>
+          <a:lnRef idx="1">
+            <a:schemeClr val="accent1"/>
+          </a:lnRef>
+          <a:fillRef idx="0">
+            <a:schemeClr val="accent1"/>
+          </a:fillRef>
+          <a:effectRef idx="0">
+            <a:schemeClr val="accent1"/>
+          </a:effectRef>
+          <a:fontRef idx="minor">
+            <a:schemeClr val="tx1"/>
+          </a:fontRef>
+        </p:style>
+      </p:cxnSp>
+      <p:cxnSp>
+        <p:nvCxnSpPr>
+          <p:cNvPr id="34" name="직선 화살표 연결선 33"/>
+          <p:cNvCxnSpPr/>
+          <p:nvPr/>
+        </p:nvCxnSpPr>
+        <p:spPr>
+          <a:xfrm>
+            <a:off x="7468704" y="2503607"/>
+            <a:ext cx="284656" cy="0"/>
+          </a:xfrm>
+          <a:prstGeom prst="straightConnector1">
+            <a:avLst/>
+          </a:prstGeom>
+          <a:ln>
+            <a:tailEnd type="triangle"/>
+          </a:ln>
+        </p:spPr>
+        <p:style>
+          <a:lnRef idx="1">
+            <a:schemeClr val="accent1"/>
+          </a:lnRef>
+          <a:fillRef idx="0">
+            <a:schemeClr val="accent1"/>
+          </a:fillRef>
+          <a:effectRef idx="0">
+            <a:schemeClr val="accent1"/>
+          </a:effectRef>
+          <a:fontRef idx="minor">
+            <a:schemeClr val="tx1"/>
+          </a:fontRef>
+        </p:style>
+      </p:cxnSp>
+      <p:cxnSp>
+        <p:nvCxnSpPr>
+          <p:cNvPr id="37" name="직선 화살표 연결선 36"/>
+          <p:cNvCxnSpPr/>
+          <p:nvPr/>
+        </p:nvCxnSpPr>
+        <p:spPr>
+          <a:xfrm>
+            <a:off x="7468704" y="3696018"/>
+            <a:ext cx="284656" cy="0"/>
+          </a:xfrm>
+          <a:prstGeom prst="straightConnector1">
+            <a:avLst/>
+          </a:prstGeom>
+          <a:ln>
+            <a:tailEnd type="triangle"/>
+          </a:ln>
+        </p:spPr>
+        <p:style>
+          <a:lnRef idx="1">
+            <a:schemeClr val="accent1"/>
+          </a:lnRef>
+          <a:fillRef idx="0">
+            <a:schemeClr val="accent1"/>
+          </a:fillRef>
+          <a:effectRef idx="0">
+            <a:schemeClr val="accent1"/>
+          </a:effectRef>
+          <a:fontRef idx="minor">
+            <a:schemeClr val="tx1"/>
+          </a:fontRef>
+        </p:style>
+      </p:cxnSp>
+      <p:cxnSp>
+        <p:nvCxnSpPr>
+          <p:cNvPr id="39" name="직선 화살표 연결선 38"/>
+          <p:cNvCxnSpPr/>
+          <p:nvPr/>
+        </p:nvCxnSpPr>
+        <p:spPr>
+          <a:xfrm>
+            <a:off x="7468704" y="4906690"/>
+            <a:ext cx="284656" cy="0"/>
+          </a:xfrm>
+          <a:prstGeom prst="straightConnector1">
+            <a:avLst/>
+          </a:prstGeom>
+          <a:ln>
+            <a:tailEnd type="triangle"/>
+          </a:ln>
+        </p:spPr>
+        <p:style>
+          <a:lnRef idx="1">
+            <a:schemeClr val="accent1"/>
+          </a:lnRef>
+          <a:fillRef idx="0">
+            <a:schemeClr val="accent1"/>
+          </a:fillRef>
+          <a:effectRef idx="0">
+            <a:schemeClr val="accent1"/>
+          </a:effectRef>
+          <a:fontRef idx="minor">
+            <a:schemeClr val="tx1"/>
+          </a:fontRef>
+        </p:style>
+      </p:cxnSp>
+      <p:cxnSp>
+        <p:nvCxnSpPr>
+          <p:cNvPr id="41" name="직선 화살표 연결선 40"/>
+          <p:cNvCxnSpPr/>
+          <p:nvPr/>
+        </p:nvCxnSpPr>
+        <p:spPr>
+          <a:xfrm>
+            <a:off x="2610859" y="3709136"/>
+            <a:ext cx="2271618" cy="1"/>
+          </a:xfrm>
+          <a:prstGeom prst="straightConnector1">
+            <a:avLst/>
+          </a:prstGeom>
+          <a:ln>
+            <a:tailEnd type="triangle"/>
+          </a:ln>
+        </p:spPr>
+        <p:style>
+          <a:lnRef idx="1">
+            <a:schemeClr val="accent1"/>
+          </a:lnRef>
+          <a:fillRef idx="0">
+            <a:schemeClr val="accent1"/>
+          </a:fillRef>
+          <a:effectRef idx="0">
+            <a:schemeClr val="accent1"/>
+          </a:effectRef>
+          <a:fontRef idx="minor">
+            <a:schemeClr val="tx1"/>
+          </a:fontRef>
+        </p:style>
+      </p:cxnSp>
+      <p:cxnSp>
+        <p:nvCxnSpPr>
+          <p:cNvPr id="50" name="직선 연결선 49"/>
+          <p:cNvCxnSpPr/>
+          <p:nvPr/>
+        </p:nvCxnSpPr>
+        <p:spPr>
+          <a:xfrm>
+            <a:off x="2610859" y="3197243"/>
+            <a:ext cx="1597727" cy="0"/>
+          </a:xfrm>
+          <a:prstGeom prst="line">
+            <a:avLst/>
+          </a:prstGeom>
+        </p:spPr>
+        <p:style>
+          <a:lnRef idx="1">
+            <a:schemeClr val="accent1"/>
+          </a:lnRef>
+          <a:fillRef idx="0">
+            <a:schemeClr val="accent1"/>
+          </a:fillRef>
+          <a:effectRef idx="0">
+            <a:schemeClr val="accent1"/>
+          </a:effectRef>
+          <a:fontRef idx="minor">
+            <a:schemeClr val="tx1"/>
+          </a:fontRef>
+        </p:style>
+      </p:cxnSp>
+      <p:cxnSp>
+        <p:nvCxnSpPr>
+          <p:cNvPr id="52" name="직선 연결선 51"/>
+          <p:cNvCxnSpPr/>
+          <p:nvPr/>
+        </p:nvCxnSpPr>
+        <p:spPr>
+          <a:xfrm flipV="1">
+            <a:off x="4208586" y="2511583"/>
+            <a:ext cx="0" cy="685661"/>
+          </a:xfrm>
+          <a:prstGeom prst="line">
+            <a:avLst/>
+          </a:prstGeom>
+        </p:spPr>
+        <p:style>
+          <a:lnRef idx="1">
+            <a:schemeClr val="accent1"/>
+          </a:lnRef>
+          <a:fillRef idx="0">
+            <a:schemeClr val="accent1"/>
+          </a:fillRef>
+          <a:effectRef idx="0">
+            <a:schemeClr val="accent1"/>
+          </a:effectRef>
+          <a:fontRef idx="minor">
+            <a:schemeClr val="tx1"/>
+          </a:fontRef>
+        </p:style>
+      </p:cxnSp>
+      <p:cxnSp>
+        <p:nvCxnSpPr>
+          <p:cNvPr id="55" name="직선 화살표 연결선 54"/>
+          <p:cNvCxnSpPr/>
+          <p:nvPr/>
+        </p:nvCxnSpPr>
+        <p:spPr>
+          <a:xfrm>
+            <a:off x="3283333" y="2503607"/>
+            <a:ext cx="1599144" cy="0"/>
+          </a:xfrm>
+          <a:prstGeom prst="straightConnector1">
+            <a:avLst/>
+          </a:prstGeom>
+          <a:ln>
+            <a:tailEnd type="triangle"/>
+          </a:ln>
+        </p:spPr>
+        <p:style>
+          <a:lnRef idx="1">
+            <a:schemeClr val="accent1"/>
+          </a:lnRef>
+          <a:fillRef idx="0">
+            <a:schemeClr val="accent1"/>
+          </a:fillRef>
+          <a:effectRef idx="0">
+            <a:schemeClr val="accent1"/>
+          </a:effectRef>
+          <a:fontRef idx="minor">
+            <a:schemeClr val="tx1"/>
+          </a:fontRef>
+        </p:style>
+      </p:cxnSp>
+      <p:cxnSp>
+        <p:nvCxnSpPr>
+          <p:cNvPr id="78" name="직선 연결선 77"/>
+          <p:cNvCxnSpPr/>
+          <p:nvPr/>
+        </p:nvCxnSpPr>
+        <p:spPr>
+          <a:xfrm>
+            <a:off x="2610859" y="4297680"/>
+            <a:ext cx="1585222" cy="0"/>
+          </a:xfrm>
+          <a:prstGeom prst="line">
+            <a:avLst/>
+          </a:prstGeom>
+        </p:spPr>
+        <p:style>
+          <a:lnRef idx="1">
+            <a:schemeClr val="accent1"/>
+          </a:lnRef>
+          <a:fillRef idx="0">
+            <a:schemeClr val="accent1"/>
+          </a:fillRef>
+          <a:effectRef idx="0">
+            <a:schemeClr val="accent1"/>
+          </a:effectRef>
+          <a:fontRef idx="minor">
+            <a:schemeClr val="tx1"/>
+          </a:fontRef>
+        </p:style>
+      </p:cxnSp>
+      <p:cxnSp>
+        <p:nvCxnSpPr>
+          <p:cNvPr id="80" name="직선 화살표 연결선 79"/>
+          <p:cNvCxnSpPr>
+            <a:endCxn id="86" idx="1"/>
+          </p:cNvCxnSpPr>
+          <p:nvPr/>
+        </p:nvCxnSpPr>
+        <p:spPr>
+          <a:xfrm>
+            <a:off x="3283333" y="4906690"/>
+            <a:ext cx="1599145" cy="1"/>
+          </a:xfrm>
+          <a:prstGeom prst="straightConnector1">
+            <a:avLst/>
+          </a:prstGeom>
+          <a:ln>
+            <a:tailEnd type="triangle"/>
+          </a:ln>
+        </p:spPr>
+        <p:style>
+          <a:lnRef idx="1">
+            <a:schemeClr val="accent1"/>
+          </a:lnRef>
+          <a:fillRef idx="0">
+            <a:schemeClr val="accent1"/>
+          </a:fillRef>
+          <a:effectRef idx="0">
+            <a:schemeClr val="accent1"/>
+          </a:effectRef>
+          <a:fontRef idx="minor">
+            <a:schemeClr val="tx1"/>
+          </a:fontRef>
+        </p:style>
+      </p:cxnSp>
+      <p:cxnSp>
+        <p:nvCxnSpPr>
+          <p:cNvPr id="87" name="직선 연결선 86"/>
+          <p:cNvCxnSpPr/>
+          <p:nvPr/>
+        </p:nvCxnSpPr>
+        <p:spPr>
+          <a:xfrm>
+            <a:off x="4196081" y="4297680"/>
+            <a:ext cx="0" cy="609010"/>
+          </a:xfrm>
+          <a:prstGeom prst="line">
+            <a:avLst/>
+          </a:prstGeom>
+        </p:spPr>
+        <p:style>
+          <a:lnRef idx="1">
+            <a:schemeClr val="accent1"/>
+          </a:lnRef>
+          <a:fillRef idx="0">
+            <a:schemeClr val="accent1"/>
+          </a:fillRef>
+          <a:effectRef idx="0">
+            <a:schemeClr val="accent1"/>
+          </a:effectRef>
+          <a:fontRef idx="minor">
+            <a:schemeClr val="tx1"/>
+          </a:fontRef>
+        </p:style>
+      </p:cxnSp>
+      <p:cxnSp>
+        <p:nvCxnSpPr>
+          <p:cNvPr id="104" name="직선 화살표 연결선 103"/>
+          <p:cNvCxnSpPr/>
+          <p:nvPr/>
+        </p:nvCxnSpPr>
+        <p:spPr>
+          <a:xfrm>
+            <a:off x="9034351" y="2503607"/>
+            <a:ext cx="1368551" cy="0"/>
+          </a:xfrm>
+          <a:prstGeom prst="straightConnector1">
+            <a:avLst/>
+          </a:prstGeom>
+          <a:ln>
+            <a:tailEnd type="triangle"/>
+          </a:ln>
+        </p:spPr>
+        <p:style>
+          <a:lnRef idx="1">
+            <a:schemeClr val="accent1"/>
+          </a:lnRef>
+          <a:fillRef idx="0">
+            <a:schemeClr val="accent1"/>
+          </a:fillRef>
+          <a:effectRef idx="0">
+            <a:schemeClr val="accent1"/>
+          </a:effectRef>
+          <a:fontRef idx="minor">
+            <a:schemeClr val="tx1"/>
+          </a:fontRef>
+        </p:style>
+      </p:cxnSp>
+      <p:cxnSp>
+        <p:nvCxnSpPr>
+          <p:cNvPr id="109" name="직선 화살표 연결선 108"/>
+          <p:cNvCxnSpPr>
+            <a:endCxn id="64" idx="1"/>
+          </p:cNvCxnSpPr>
+          <p:nvPr/>
+        </p:nvCxnSpPr>
+        <p:spPr>
+          <a:xfrm>
+            <a:off x="9044433" y="3696018"/>
+            <a:ext cx="1375244" cy="13119"/>
+          </a:xfrm>
+          <a:prstGeom prst="straightConnector1">
+            <a:avLst/>
+          </a:prstGeom>
+          <a:ln>
+            <a:tailEnd type="triangle"/>
+          </a:ln>
+        </p:spPr>
+        <p:style>
+          <a:lnRef idx="1">
+            <a:schemeClr val="accent1"/>
+          </a:lnRef>
+          <a:fillRef idx="0">
+            <a:schemeClr val="accent1"/>
+          </a:fillRef>
+          <a:effectRef idx="0">
+            <a:schemeClr val="accent1"/>
+          </a:effectRef>
+          <a:fontRef idx="minor">
+            <a:schemeClr val="tx1"/>
+          </a:fontRef>
+        </p:style>
+      </p:cxnSp>
+      <p:cxnSp>
+        <p:nvCxnSpPr>
+          <p:cNvPr id="113" name="직선 화살표 연결선 112"/>
+          <p:cNvCxnSpPr/>
+          <p:nvPr/>
+        </p:nvCxnSpPr>
+        <p:spPr>
+          <a:xfrm>
+            <a:off x="9044433" y="4906690"/>
+            <a:ext cx="1358469" cy="0"/>
+          </a:xfrm>
+          <a:prstGeom prst="straightConnector1">
+            <a:avLst/>
+          </a:prstGeom>
+          <a:ln>
+            <a:tailEnd type="triangle"/>
+          </a:ln>
+        </p:spPr>
+        <p:style>
+          <a:lnRef idx="1">
+            <a:schemeClr val="accent1"/>
+          </a:lnRef>
+          <a:fillRef idx="0">
+            <a:schemeClr val="accent1"/>
+          </a:fillRef>
+          <a:effectRef idx="0">
+            <a:schemeClr val="accent1"/>
+          </a:effectRef>
+          <a:fontRef idx="minor">
+            <a:schemeClr val="tx1"/>
+          </a:fontRef>
+        </p:style>
+      </p:cxnSp>
+    </p:spTree>
+    <p:extLst>
+      <p:ext uri="{BB962C8B-B14F-4D97-AF65-F5344CB8AC3E}">
+        <p14:creationId xmlns:p14="http://schemas.microsoft.com/office/powerpoint/2010/main" val="2986190926"/>
+      </p:ext>
+    </p:extLst>
+  </p:cSld>
+  <p:clrMapOvr>
+    <a:masterClrMapping/>
+  </p:clrMapOvr>
+  <p:timing>
+    <p:tnLst>
+      <p:par>
+        <p:cTn id="1" dur="indefinite" restart="never" nodeType="tmRoot"/>
+      </p:par>
+    </p:tnLst>
+  </p:timing>
+</p:sld>
+</file>
+
+<file path=ppt/slides/slide5.xml><?xml version="1.0" encoding="utf-8"?>
+<p:sld xmlns:a="http://schemas.openxmlformats.org/drawingml/2006/main" xmlns:r="http://schemas.openxmlformats.org/officeDocument/2006/relationships" xmlns:p="http://schemas.openxmlformats.org/presentationml/2006/main">
+  <p:cSld>
+    <p:spTree>
+      <p:nvGrpSpPr>
+        <p:cNvPr id="1" name=""/>
+        <p:cNvGrpSpPr/>
+        <p:nvPr/>
+      </p:nvGrpSpPr>
+      <p:grpSpPr>
+        <a:xfrm>
+          <a:off x="0" y="0"/>
+          <a:ext cx="0" cy="0"/>
+          <a:chOff x="0" y="0"/>
+          <a:chExt cx="0" cy="0"/>
+        </a:xfrm>
+      </p:grpSpPr>
+      <p:sp>
+        <p:nvSpPr>
+          <p:cNvPr id="43" name="직사각형 42"/>
+          <p:cNvSpPr/>
+          <p:nvPr/>
+        </p:nvSpPr>
+        <p:spPr>
+          <a:xfrm>
+            <a:off x="382411" y="1692211"/>
+            <a:ext cx="4540110" cy="2365439"/>
+          </a:xfrm>
+          <a:prstGeom prst="rect">
+            <a:avLst/>
+          </a:prstGeom>
+          <a:solidFill>
+            <a:schemeClr val="bg1"/>
+          </a:solidFill>
+        </p:spPr>
+        <p:style>
+          <a:lnRef idx="2">
+            <a:schemeClr val="accent1">
+              <a:shade val="50000"/>
+            </a:schemeClr>
+          </a:lnRef>
+          <a:fillRef idx="1">
+            <a:schemeClr val="accent1"/>
+          </a:fillRef>
+          <a:effectRef idx="0">
+            <a:schemeClr val="accent1"/>
+          </a:effectRef>
+          <a:fontRef idx="minor">
+            <a:schemeClr val="lt1"/>
+          </a:fontRef>
+        </p:style>
+        <p:txBody>
+          <a:bodyPr rtlCol="0" anchor="ctr"/>
+          <a:lstStyle/>
+          <a:p>
+            <a:pPr algn="ctr"/>
+            <a:endParaRPr lang="ko-KR" altLang="en-US"/>
+          </a:p>
+        </p:txBody>
+      </p:sp>
+      <p:cxnSp>
+        <p:nvCxnSpPr>
+          <p:cNvPr id="45" name="직선 화살표 연결선 44"/>
+          <p:cNvCxnSpPr/>
+          <p:nvPr/>
+        </p:nvCxnSpPr>
+        <p:spPr>
+          <a:xfrm>
+            <a:off x="1097986" y="2837604"/>
+            <a:ext cx="1554480" cy="0"/>
+          </a:xfrm>
+          <a:prstGeom prst="straightConnector1">
+            <a:avLst/>
+          </a:prstGeom>
+          <a:ln>
+            <a:solidFill>
+              <a:srgbClr val="FF0000"/>
+            </a:solidFill>
+            <a:tailEnd type="triangle"/>
+          </a:ln>
+        </p:spPr>
+        <p:style>
+          <a:lnRef idx="1">
+            <a:schemeClr val="accent1"/>
+          </a:lnRef>
+          <a:fillRef idx="0">
+            <a:schemeClr val="accent1"/>
+          </a:fillRef>
+          <a:effectRef idx="0">
+            <a:schemeClr val="accent1"/>
+          </a:effectRef>
+          <a:fontRef idx="minor">
+            <a:schemeClr val="tx1"/>
+          </a:fontRef>
+        </p:style>
+      </p:cxnSp>
+      <p:sp>
+        <p:nvSpPr>
+          <p:cNvPr id="48" name="TextBox 47">
+            <a:extLst>
+              <a:ext uri="{FF2B5EF4-FFF2-40B4-BE49-F238E27FC236}">
+                <a16:creationId xmlns="" xmlns:a16="http://schemas.microsoft.com/office/drawing/2014/main" id="{C76E3AAD-45C6-EB76-9A53-48C4CEF2570F}"/>
+              </a:ext>
+            </a:extLst>
+          </p:cNvPr>
+          <p:cNvSpPr txBox="1"/>
+          <p:nvPr/>
+        </p:nvSpPr>
+        <p:spPr>
+          <a:xfrm>
+            <a:off x="1097986" y="2591383"/>
+            <a:ext cx="813043" cy="246221"/>
+          </a:xfrm>
+          <a:prstGeom prst="rect">
+            <a:avLst/>
+          </a:prstGeom>
+          <a:noFill/>
+        </p:spPr>
+        <p:txBody>
+          <a:bodyPr wrap="none" rtlCol="0">
+            <a:spAutoFit/>
+          </a:bodyPr>
+          <a:lstStyle/>
+          <a:p>
+            <a:r>
+              <a:rPr lang="en-US" altLang="ko-KR" sz="1000" dirty="0" smtClean="0"/>
+              <a:t>Child Span</a:t>
+            </a:r>
+            <a:endParaRPr lang="ko-KR" altLang="en-US" sz="1000" dirty="0"/>
+          </a:p>
+        </p:txBody>
+      </p:sp>
+      <p:cxnSp>
+        <p:nvCxnSpPr>
+          <p:cNvPr id="49" name="직선 화살표 연결선 48"/>
+          <p:cNvCxnSpPr/>
+          <p:nvPr/>
+        </p:nvCxnSpPr>
+        <p:spPr>
+          <a:xfrm>
+            <a:off x="1677106" y="3401484"/>
+            <a:ext cx="1554480" cy="0"/>
+          </a:xfrm>
+          <a:prstGeom prst="straightConnector1">
+            <a:avLst/>
+          </a:prstGeom>
+          <a:ln>
+            <a:solidFill>
+              <a:srgbClr val="FF0000"/>
+            </a:solidFill>
+            <a:tailEnd type="triangle"/>
+          </a:ln>
+        </p:spPr>
+        <p:style>
+          <a:lnRef idx="1">
+            <a:schemeClr val="accent1"/>
+          </a:lnRef>
+          <a:fillRef idx="0">
+            <a:schemeClr val="accent1"/>
+          </a:fillRef>
+          <a:effectRef idx="0">
+            <a:schemeClr val="accent1"/>
+          </a:effectRef>
+          <a:fontRef idx="minor">
+            <a:schemeClr val="tx1"/>
+          </a:fontRef>
+        </p:style>
+      </p:cxnSp>
+      <p:sp>
+        <p:nvSpPr>
+          <p:cNvPr id="51" name="TextBox 50">
+            <a:extLst>
+              <a:ext uri="{FF2B5EF4-FFF2-40B4-BE49-F238E27FC236}">
+                <a16:creationId xmlns="" xmlns:a16="http://schemas.microsoft.com/office/drawing/2014/main" id="{C76E3AAD-45C6-EB76-9A53-48C4CEF2570F}"/>
+              </a:ext>
+            </a:extLst>
+          </p:cNvPr>
+          <p:cNvSpPr txBox="1"/>
+          <p:nvPr/>
+        </p:nvSpPr>
+        <p:spPr>
+          <a:xfrm>
+            <a:off x="1677106" y="3155263"/>
+            <a:ext cx="813043" cy="246221"/>
+          </a:xfrm>
+          <a:prstGeom prst="rect">
+            <a:avLst/>
+          </a:prstGeom>
+          <a:noFill/>
+        </p:spPr>
+        <p:txBody>
+          <a:bodyPr wrap="none" rtlCol="0">
+            <a:spAutoFit/>
+          </a:bodyPr>
+          <a:lstStyle/>
+          <a:p>
+            <a:r>
+              <a:rPr lang="en-US" altLang="ko-KR" sz="1000" dirty="0" smtClean="0"/>
+              <a:t>Child Span</a:t>
+            </a:r>
+            <a:endParaRPr lang="ko-KR" altLang="en-US" sz="1000" dirty="0"/>
+          </a:p>
+        </p:txBody>
+      </p:sp>
+      <p:cxnSp>
+        <p:nvCxnSpPr>
+          <p:cNvPr id="57" name="직선 화살표 연결선 56"/>
+          <p:cNvCxnSpPr/>
+          <p:nvPr/>
+        </p:nvCxnSpPr>
+        <p:spPr>
+          <a:xfrm>
+            <a:off x="640786" y="2345162"/>
+            <a:ext cx="3992174" cy="0"/>
+          </a:xfrm>
+          <a:prstGeom prst="straightConnector1">
+            <a:avLst/>
+          </a:prstGeom>
+          <a:ln>
+            <a:solidFill>
+              <a:srgbClr val="FF0000"/>
+            </a:solidFill>
+            <a:tailEnd type="triangle"/>
+          </a:ln>
+        </p:spPr>
+        <p:style>
+          <a:lnRef idx="1">
+            <a:schemeClr val="accent1"/>
+          </a:lnRef>
+          <a:fillRef idx="0">
+            <a:schemeClr val="accent1"/>
+          </a:fillRef>
+          <a:effectRef idx="0">
+            <a:schemeClr val="accent1"/>
+          </a:effectRef>
+          <a:fontRef idx="minor">
+            <a:schemeClr val="tx1"/>
+          </a:fontRef>
+        </p:style>
+      </p:cxnSp>
+      <p:sp>
+        <p:nvSpPr>
+          <p:cNvPr id="60" name="TextBox 59">
+            <a:extLst>
+              <a:ext uri="{FF2B5EF4-FFF2-40B4-BE49-F238E27FC236}">
+                <a16:creationId xmlns="" xmlns:a16="http://schemas.microsoft.com/office/drawing/2014/main" id="{C76E3AAD-45C6-EB76-9A53-48C4CEF2570F}"/>
+              </a:ext>
+            </a:extLst>
+          </p:cNvPr>
+          <p:cNvSpPr txBox="1"/>
+          <p:nvPr/>
+        </p:nvSpPr>
+        <p:spPr>
+          <a:xfrm>
+            <a:off x="640786" y="2098941"/>
+            <a:ext cx="1036320" cy="246221"/>
+          </a:xfrm>
+          <a:prstGeom prst="rect">
+            <a:avLst/>
+          </a:prstGeom>
+          <a:noFill/>
+        </p:spPr>
+        <p:txBody>
+          <a:bodyPr wrap="square" rtlCol="0">
+            <a:spAutoFit/>
+          </a:bodyPr>
+          <a:lstStyle/>
+          <a:p>
+            <a:r>
+              <a:rPr lang="en-US" altLang="ko-KR" sz="1000" dirty="0" smtClean="0"/>
+              <a:t>Parent Span</a:t>
+            </a:r>
+            <a:endParaRPr lang="ko-KR" altLang="en-US" sz="1000" dirty="0"/>
+          </a:p>
+        </p:txBody>
+      </p:sp>
+      <p:sp>
+        <p:nvSpPr>
+          <p:cNvPr id="66" name="TextBox 65">
+            <a:extLst>
+              <a:ext uri="{FF2B5EF4-FFF2-40B4-BE49-F238E27FC236}">
+                <a16:creationId xmlns="" xmlns:a16="http://schemas.microsoft.com/office/drawing/2014/main" id="{C76E3AAD-45C6-EB76-9A53-48C4CEF2570F}"/>
+              </a:ext>
+            </a:extLst>
+          </p:cNvPr>
+          <p:cNvSpPr txBox="1"/>
+          <p:nvPr/>
+        </p:nvSpPr>
+        <p:spPr>
+          <a:xfrm>
+            <a:off x="2057035" y="1068561"/>
+            <a:ext cx="1159676" cy="369332"/>
+          </a:xfrm>
+          <a:prstGeom prst="rect">
+            <a:avLst/>
+          </a:prstGeom>
+          <a:noFill/>
+        </p:spPr>
+        <p:txBody>
+          <a:bodyPr wrap="none" rtlCol="0">
+            <a:spAutoFit/>
+          </a:bodyPr>
+          <a:lstStyle/>
+          <a:p>
+            <a:r>
+              <a:rPr lang="en-US" altLang="ko-KR" dirty="0" smtClean="0"/>
+              <a:t>Service A</a:t>
+            </a:r>
+            <a:endParaRPr lang="ko-KR" altLang="en-US" dirty="0"/>
+          </a:p>
+        </p:txBody>
+      </p:sp>
+      <p:cxnSp>
+        <p:nvCxnSpPr>
+          <p:cNvPr id="74" name="직선 연결선 73"/>
+          <p:cNvCxnSpPr>
+            <a:endCxn id="76" idx="0"/>
+          </p:cNvCxnSpPr>
+          <p:nvPr/>
+        </p:nvCxnSpPr>
+        <p:spPr>
+          <a:xfrm>
+            <a:off x="1170197" y="2865225"/>
+            <a:ext cx="0" cy="254318"/>
+          </a:xfrm>
+          <a:prstGeom prst="line">
+            <a:avLst/>
+          </a:prstGeom>
+        </p:spPr>
+        <p:style>
+          <a:lnRef idx="1">
+            <a:schemeClr val="accent1"/>
+          </a:lnRef>
+          <a:fillRef idx="0">
+            <a:schemeClr val="accent1"/>
+          </a:fillRef>
+          <a:effectRef idx="0">
+            <a:schemeClr val="accent1"/>
+          </a:effectRef>
+          <a:fontRef idx="minor">
+            <a:schemeClr val="tx1"/>
+          </a:fontRef>
+        </p:style>
+      </p:cxnSp>
+      <p:sp>
+        <p:nvSpPr>
+          <p:cNvPr id="76" name="TextBox 75">
+            <a:extLst>
+              <a:ext uri="{FF2B5EF4-FFF2-40B4-BE49-F238E27FC236}">
+                <a16:creationId xmlns="" xmlns:a16="http://schemas.microsoft.com/office/drawing/2014/main" id="{C76E3AAD-45C6-EB76-9A53-48C4CEF2570F}"/>
+              </a:ext>
+            </a:extLst>
+          </p:cNvPr>
+          <p:cNvSpPr txBox="1"/>
+          <p:nvPr/>
+        </p:nvSpPr>
+        <p:spPr>
+          <a:xfrm>
+            <a:off x="887551" y="3119543"/>
+            <a:ext cx="565292" cy="246221"/>
+          </a:xfrm>
+          <a:prstGeom prst="rect">
+            <a:avLst/>
+          </a:prstGeom>
+          <a:noFill/>
+        </p:spPr>
+        <p:txBody>
+          <a:bodyPr wrap="square" rtlCol="0">
+            <a:spAutoFit/>
+          </a:bodyPr>
+          <a:lstStyle/>
+          <a:p>
+            <a:pPr algn="ctr"/>
+            <a:r>
+              <a:rPr lang="en-US" altLang="ko-KR" sz="1000" dirty="0" smtClean="0"/>
+              <a:t>Event</a:t>
+            </a:r>
+            <a:endParaRPr lang="ko-KR" altLang="en-US" sz="1000" dirty="0"/>
+          </a:p>
+        </p:txBody>
+      </p:sp>
+      <p:cxnSp>
+        <p:nvCxnSpPr>
+          <p:cNvPr id="77" name="직선 연결선 76"/>
+          <p:cNvCxnSpPr>
+            <a:endCxn id="79" idx="0"/>
+          </p:cNvCxnSpPr>
+          <p:nvPr/>
+        </p:nvCxnSpPr>
+        <p:spPr>
+          <a:xfrm>
+            <a:off x="2948940" y="3437441"/>
+            <a:ext cx="0" cy="254318"/>
+          </a:xfrm>
+          <a:prstGeom prst="line">
+            <a:avLst/>
+          </a:prstGeom>
+        </p:spPr>
+        <p:style>
+          <a:lnRef idx="1">
+            <a:schemeClr val="accent1"/>
+          </a:lnRef>
+          <a:fillRef idx="0">
+            <a:schemeClr val="accent1"/>
+          </a:fillRef>
+          <a:effectRef idx="0">
+            <a:schemeClr val="accent1"/>
+          </a:effectRef>
+          <a:fontRef idx="minor">
+            <a:schemeClr val="tx1"/>
+          </a:fontRef>
+        </p:style>
+      </p:cxnSp>
+      <p:sp>
+        <p:nvSpPr>
+          <p:cNvPr id="79" name="TextBox 78">
+            <a:extLst>
+              <a:ext uri="{FF2B5EF4-FFF2-40B4-BE49-F238E27FC236}">
+                <a16:creationId xmlns="" xmlns:a16="http://schemas.microsoft.com/office/drawing/2014/main" id="{C76E3AAD-45C6-EB76-9A53-48C4CEF2570F}"/>
+              </a:ext>
+            </a:extLst>
+          </p:cNvPr>
+          <p:cNvSpPr txBox="1"/>
+          <p:nvPr/>
+        </p:nvSpPr>
+        <p:spPr>
+          <a:xfrm>
+            <a:off x="2666294" y="3691759"/>
+            <a:ext cx="565292" cy="246221"/>
+          </a:xfrm>
+          <a:prstGeom prst="rect">
+            <a:avLst/>
+          </a:prstGeom>
+          <a:noFill/>
+        </p:spPr>
+        <p:txBody>
+          <a:bodyPr wrap="square" rtlCol="0">
+            <a:spAutoFit/>
+          </a:bodyPr>
+          <a:lstStyle/>
+          <a:p>
+            <a:pPr algn="ctr"/>
+            <a:r>
+              <a:rPr lang="en-US" altLang="ko-KR" sz="1000" dirty="0" smtClean="0"/>
+              <a:t>Event</a:t>
+            </a:r>
+            <a:endParaRPr lang="ko-KR" altLang="en-US" sz="1000" dirty="0"/>
+          </a:p>
+        </p:txBody>
+      </p:sp>
+      <p:cxnSp>
+        <p:nvCxnSpPr>
+          <p:cNvPr id="81" name="직선 연결선 80"/>
+          <p:cNvCxnSpPr>
+            <a:endCxn id="82" idx="0"/>
+          </p:cNvCxnSpPr>
+          <p:nvPr/>
+        </p:nvCxnSpPr>
+        <p:spPr>
+          <a:xfrm>
+            <a:off x="1849351" y="3429105"/>
+            <a:ext cx="0" cy="254318"/>
+          </a:xfrm>
+          <a:prstGeom prst="line">
+            <a:avLst/>
+          </a:prstGeom>
+        </p:spPr>
+        <p:style>
+          <a:lnRef idx="1">
+            <a:schemeClr val="accent1"/>
+          </a:lnRef>
+          <a:fillRef idx="0">
+            <a:schemeClr val="accent1"/>
+          </a:fillRef>
+          <a:effectRef idx="0">
+            <a:schemeClr val="accent1"/>
+          </a:effectRef>
+          <a:fontRef idx="minor">
+            <a:schemeClr val="tx1"/>
+          </a:fontRef>
+        </p:style>
+      </p:cxnSp>
+      <p:sp>
+        <p:nvSpPr>
+          <p:cNvPr id="82" name="TextBox 81">
+            <a:extLst>
+              <a:ext uri="{FF2B5EF4-FFF2-40B4-BE49-F238E27FC236}">
+                <a16:creationId xmlns="" xmlns:a16="http://schemas.microsoft.com/office/drawing/2014/main" id="{C76E3AAD-45C6-EB76-9A53-48C4CEF2570F}"/>
+              </a:ext>
+            </a:extLst>
+          </p:cNvPr>
+          <p:cNvSpPr txBox="1"/>
+          <p:nvPr/>
+        </p:nvSpPr>
+        <p:spPr>
+          <a:xfrm>
+            <a:off x="1641667" y="3683423"/>
+            <a:ext cx="415368" cy="246221"/>
+          </a:xfrm>
+          <a:prstGeom prst="rect">
+            <a:avLst/>
+          </a:prstGeom>
+          <a:noFill/>
+        </p:spPr>
+        <p:txBody>
+          <a:bodyPr wrap="square" rtlCol="0">
+            <a:spAutoFit/>
+          </a:bodyPr>
+          <a:lstStyle/>
+          <a:p>
+            <a:pPr algn="ctr"/>
+            <a:r>
+              <a:rPr lang="en-US" altLang="ko-KR" sz="1000" dirty="0" smtClean="0"/>
+              <a:t>Tag</a:t>
+            </a:r>
+            <a:endParaRPr lang="ko-KR" altLang="en-US" sz="1000" dirty="0"/>
+          </a:p>
+        </p:txBody>
+      </p:sp>
+      <p:cxnSp>
+        <p:nvCxnSpPr>
+          <p:cNvPr id="83" name="직선 연결선 82"/>
+          <p:cNvCxnSpPr>
+            <a:endCxn id="84" idx="0"/>
+          </p:cNvCxnSpPr>
+          <p:nvPr/>
+        </p:nvCxnSpPr>
+        <p:spPr>
+          <a:xfrm>
+            <a:off x="3835924" y="2364686"/>
+            <a:ext cx="0" cy="254318"/>
+          </a:xfrm>
+          <a:prstGeom prst="line">
+            <a:avLst/>
+          </a:prstGeom>
+        </p:spPr>
+        <p:style>
+          <a:lnRef idx="1">
+            <a:schemeClr val="accent1"/>
+          </a:lnRef>
+          <a:fillRef idx="0">
+            <a:schemeClr val="accent1"/>
+          </a:fillRef>
+          <a:effectRef idx="0">
+            <a:schemeClr val="accent1"/>
+          </a:effectRef>
+          <a:fontRef idx="minor">
+            <a:schemeClr val="tx1"/>
+          </a:fontRef>
+        </p:style>
+      </p:cxnSp>
+      <p:sp>
+        <p:nvSpPr>
+          <p:cNvPr id="84" name="TextBox 83">
+            <a:extLst>
+              <a:ext uri="{FF2B5EF4-FFF2-40B4-BE49-F238E27FC236}">
+                <a16:creationId xmlns="" xmlns:a16="http://schemas.microsoft.com/office/drawing/2014/main" id="{C76E3AAD-45C6-EB76-9A53-48C4CEF2570F}"/>
+              </a:ext>
+            </a:extLst>
+          </p:cNvPr>
+          <p:cNvSpPr txBox="1"/>
+          <p:nvPr/>
+        </p:nvSpPr>
+        <p:spPr>
+          <a:xfrm>
+            <a:off x="3628240" y="2619004"/>
+            <a:ext cx="415368" cy="246221"/>
+          </a:xfrm>
+          <a:prstGeom prst="rect">
+            <a:avLst/>
+          </a:prstGeom>
+          <a:noFill/>
+        </p:spPr>
+        <p:txBody>
+          <a:bodyPr wrap="square" rtlCol="0">
+            <a:spAutoFit/>
+          </a:bodyPr>
+          <a:lstStyle/>
+          <a:p>
+            <a:pPr algn="ctr"/>
+            <a:r>
+              <a:rPr lang="en-US" altLang="ko-KR" sz="1000" dirty="0" smtClean="0"/>
+              <a:t>Tag</a:t>
+            </a:r>
+            <a:endParaRPr lang="ko-KR" altLang="en-US" sz="1000" dirty="0"/>
+          </a:p>
+        </p:txBody>
+      </p:sp>
+      <p:sp>
+        <p:nvSpPr>
+          <p:cNvPr id="88" name="직사각형 87"/>
+          <p:cNvSpPr/>
+          <p:nvPr/>
+        </p:nvSpPr>
+        <p:spPr>
+          <a:xfrm>
+            <a:off x="5816416" y="1692211"/>
+            <a:ext cx="4540110" cy="2365439"/>
+          </a:xfrm>
+          <a:prstGeom prst="rect">
+            <a:avLst/>
+          </a:prstGeom>
+          <a:solidFill>
+            <a:schemeClr val="bg1"/>
+          </a:solidFill>
+        </p:spPr>
+        <p:style>
+          <a:lnRef idx="2">
+            <a:schemeClr val="accent1">
+              <a:shade val="50000"/>
+            </a:schemeClr>
+          </a:lnRef>
+          <a:fillRef idx="1">
+            <a:schemeClr val="accent1"/>
+          </a:fillRef>
+          <a:effectRef idx="0">
+            <a:schemeClr val="accent1"/>
+          </a:effectRef>
+          <a:fontRef idx="minor">
+            <a:schemeClr val="lt1"/>
+          </a:fontRef>
+        </p:style>
+        <p:txBody>
+          <a:bodyPr rtlCol="0" anchor="ctr"/>
+          <a:lstStyle/>
+          <a:p>
+            <a:pPr algn="ctr"/>
+            <a:endParaRPr lang="ko-KR" altLang="en-US"/>
+          </a:p>
+        </p:txBody>
+      </p:sp>
+      <p:cxnSp>
+        <p:nvCxnSpPr>
+          <p:cNvPr id="89" name="직선 화살표 연결선 88"/>
+          <p:cNvCxnSpPr/>
+          <p:nvPr/>
+        </p:nvCxnSpPr>
+        <p:spPr>
+          <a:xfrm>
+            <a:off x="6531991" y="2837604"/>
+            <a:ext cx="2530254" cy="0"/>
+          </a:xfrm>
+          <a:prstGeom prst="straightConnector1">
+            <a:avLst/>
+          </a:prstGeom>
+          <a:ln>
+            <a:solidFill>
+              <a:srgbClr val="FF0000"/>
+            </a:solidFill>
+            <a:tailEnd type="triangle"/>
+          </a:ln>
+        </p:spPr>
+        <p:style>
+          <a:lnRef idx="1">
+            <a:schemeClr val="accent1"/>
+          </a:lnRef>
+          <a:fillRef idx="0">
+            <a:schemeClr val="accent1"/>
+          </a:fillRef>
+          <a:effectRef idx="0">
+            <a:schemeClr val="accent1"/>
+          </a:effectRef>
+          <a:fontRef idx="minor">
+            <a:schemeClr val="tx1"/>
+          </a:fontRef>
+        </p:style>
+      </p:cxnSp>
+      <p:sp>
+        <p:nvSpPr>
+          <p:cNvPr id="90" name="TextBox 89">
+            <a:extLst>
+              <a:ext uri="{FF2B5EF4-FFF2-40B4-BE49-F238E27FC236}">
+                <a16:creationId xmlns="" xmlns:a16="http://schemas.microsoft.com/office/drawing/2014/main" id="{C76E3AAD-45C6-EB76-9A53-48C4CEF2570F}"/>
+              </a:ext>
+            </a:extLst>
+          </p:cNvPr>
+          <p:cNvSpPr txBox="1"/>
+          <p:nvPr/>
+        </p:nvSpPr>
+        <p:spPr>
+          <a:xfrm>
+            <a:off x="6531991" y="2591383"/>
+            <a:ext cx="813043" cy="246221"/>
+          </a:xfrm>
+          <a:prstGeom prst="rect">
+            <a:avLst/>
+          </a:prstGeom>
+          <a:noFill/>
+        </p:spPr>
+        <p:txBody>
+          <a:bodyPr wrap="none" rtlCol="0">
+            <a:spAutoFit/>
+          </a:bodyPr>
+          <a:lstStyle/>
+          <a:p>
+            <a:r>
+              <a:rPr lang="en-US" altLang="ko-KR" sz="1000" dirty="0" smtClean="0"/>
+              <a:t>Child Span</a:t>
+            </a:r>
+            <a:endParaRPr lang="ko-KR" altLang="en-US" sz="1000" dirty="0"/>
+          </a:p>
+        </p:txBody>
+      </p:sp>
+      <p:cxnSp>
+        <p:nvCxnSpPr>
+          <p:cNvPr id="91" name="직선 화살표 연결선 90"/>
+          <p:cNvCxnSpPr/>
+          <p:nvPr/>
+        </p:nvCxnSpPr>
+        <p:spPr>
+          <a:xfrm>
+            <a:off x="7082083" y="3401484"/>
+            <a:ext cx="1554480" cy="0"/>
+          </a:xfrm>
+          <a:prstGeom prst="straightConnector1">
+            <a:avLst/>
+          </a:prstGeom>
+          <a:ln>
+            <a:solidFill>
+              <a:srgbClr val="FF0000"/>
+            </a:solidFill>
+            <a:tailEnd type="triangle"/>
+          </a:ln>
+        </p:spPr>
+        <p:style>
+          <a:lnRef idx="1">
+            <a:schemeClr val="accent1"/>
+          </a:lnRef>
+          <a:fillRef idx="0">
+            <a:schemeClr val="accent1"/>
+          </a:fillRef>
+          <a:effectRef idx="0">
+            <a:schemeClr val="accent1"/>
+          </a:effectRef>
+          <a:fontRef idx="minor">
+            <a:schemeClr val="tx1"/>
+          </a:fontRef>
+        </p:style>
+      </p:cxnSp>
+      <p:sp>
+        <p:nvSpPr>
+          <p:cNvPr id="92" name="TextBox 91">
+            <a:extLst>
+              <a:ext uri="{FF2B5EF4-FFF2-40B4-BE49-F238E27FC236}">
+                <a16:creationId xmlns="" xmlns:a16="http://schemas.microsoft.com/office/drawing/2014/main" id="{C76E3AAD-45C6-EB76-9A53-48C4CEF2570F}"/>
+              </a:ext>
+            </a:extLst>
+          </p:cNvPr>
+          <p:cNvSpPr txBox="1"/>
+          <p:nvPr/>
+        </p:nvSpPr>
+        <p:spPr>
+          <a:xfrm>
+            <a:off x="7082083" y="3155263"/>
+            <a:ext cx="813043" cy="246221"/>
+          </a:xfrm>
+          <a:prstGeom prst="rect">
+            <a:avLst/>
+          </a:prstGeom>
+          <a:noFill/>
+        </p:spPr>
+        <p:txBody>
+          <a:bodyPr wrap="none" rtlCol="0">
+            <a:spAutoFit/>
+          </a:bodyPr>
+          <a:lstStyle/>
+          <a:p>
+            <a:r>
+              <a:rPr lang="en-US" altLang="ko-KR" sz="1000" dirty="0" smtClean="0"/>
+              <a:t>Child Span</a:t>
+            </a:r>
+            <a:endParaRPr lang="ko-KR" altLang="en-US" sz="1000" dirty="0"/>
+          </a:p>
+        </p:txBody>
+      </p:sp>
+      <p:cxnSp>
+        <p:nvCxnSpPr>
+          <p:cNvPr id="93" name="직선 화살표 연결선 92"/>
+          <p:cNvCxnSpPr/>
+          <p:nvPr/>
+        </p:nvCxnSpPr>
+        <p:spPr>
+          <a:xfrm>
+            <a:off x="6074791" y="2345162"/>
+            <a:ext cx="3992174" cy="0"/>
+          </a:xfrm>
+          <a:prstGeom prst="straightConnector1">
+            <a:avLst/>
+          </a:prstGeom>
+          <a:ln>
+            <a:solidFill>
+              <a:srgbClr val="FF0000"/>
+            </a:solidFill>
+            <a:tailEnd type="triangle"/>
+          </a:ln>
+        </p:spPr>
+        <p:style>
+          <a:lnRef idx="1">
+            <a:schemeClr val="accent1"/>
+          </a:lnRef>
+          <a:fillRef idx="0">
+            <a:schemeClr val="accent1"/>
+          </a:fillRef>
+          <a:effectRef idx="0">
+            <a:schemeClr val="accent1"/>
+          </a:effectRef>
+          <a:fontRef idx="minor">
+            <a:schemeClr val="tx1"/>
+          </a:fontRef>
+        </p:style>
+      </p:cxnSp>
+      <p:sp>
+        <p:nvSpPr>
+          <p:cNvPr id="94" name="TextBox 93">
+            <a:extLst>
+              <a:ext uri="{FF2B5EF4-FFF2-40B4-BE49-F238E27FC236}">
+                <a16:creationId xmlns="" xmlns:a16="http://schemas.microsoft.com/office/drawing/2014/main" id="{C76E3AAD-45C6-EB76-9A53-48C4CEF2570F}"/>
+              </a:ext>
+            </a:extLst>
+          </p:cNvPr>
+          <p:cNvSpPr txBox="1"/>
+          <p:nvPr/>
+        </p:nvSpPr>
+        <p:spPr>
+          <a:xfrm>
+            <a:off x="6074791" y="2098941"/>
+            <a:ext cx="1036320" cy="246221"/>
+          </a:xfrm>
+          <a:prstGeom prst="rect">
+            <a:avLst/>
+          </a:prstGeom>
+          <a:noFill/>
+        </p:spPr>
+        <p:txBody>
+          <a:bodyPr wrap="square" rtlCol="0">
+            <a:spAutoFit/>
+          </a:bodyPr>
+          <a:lstStyle/>
+          <a:p>
+            <a:r>
+              <a:rPr lang="en-US" altLang="ko-KR" sz="1000" dirty="0" smtClean="0"/>
+              <a:t>Child Span</a:t>
+            </a:r>
+            <a:endParaRPr lang="ko-KR" altLang="en-US" sz="1000" dirty="0"/>
+          </a:p>
+        </p:txBody>
+      </p:sp>
+      <p:sp>
+        <p:nvSpPr>
+          <p:cNvPr id="95" name="TextBox 94">
+            <a:extLst>
+              <a:ext uri="{FF2B5EF4-FFF2-40B4-BE49-F238E27FC236}">
+                <a16:creationId xmlns="" xmlns:a16="http://schemas.microsoft.com/office/drawing/2014/main" id="{C76E3AAD-45C6-EB76-9A53-48C4CEF2570F}"/>
+              </a:ext>
+            </a:extLst>
+          </p:cNvPr>
+          <p:cNvSpPr txBox="1"/>
+          <p:nvPr/>
+        </p:nvSpPr>
+        <p:spPr>
+          <a:xfrm>
+            <a:off x="7491040" y="1068561"/>
+            <a:ext cx="1159676" cy="369332"/>
+          </a:xfrm>
+          <a:prstGeom prst="rect">
+            <a:avLst/>
+          </a:prstGeom>
+          <a:noFill/>
+        </p:spPr>
+        <p:txBody>
+          <a:bodyPr wrap="none" rtlCol="0">
+            <a:spAutoFit/>
+          </a:bodyPr>
+          <a:lstStyle/>
+          <a:p>
+            <a:r>
+              <a:rPr lang="en-US" altLang="ko-KR" dirty="0" smtClean="0"/>
+              <a:t>Service B</a:t>
+            </a:r>
+            <a:endParaRPr lang="ko-KR" altLang="en-US" dirty="0"/>
+          </a:p>
+        </p:txBody>
+      </p:sp>
+      <p:cxnSp>
+        <p:nvCxnSpPr>
+          <p:cNvPr id="96" name="직선 연결선 95"/>
+          <p:cNvCxnSpPr>
+            <a:endCxn id="98" idx="0"/>
+          </p:cNvCxnSpPr>
+          <p:nvPr/>
+        </p:nvCxnSpPr>
+        <p:spPr>
+          <a:xfrm>
+            <a:off x="6604202" y="2865225"/>
+            <a:ext cx="0" cy="254318"/>
+          </a:xfrm>
+          <a:prstGeom prst="line">
+            <a:avLst/>
+          </a:prstGeom>
+        </p:spPr>
+        <p:style>
+          <a:lnRef idx="1">
+            <a:schemeClr val="accent1"/>
+          </a:lnRef>
+          <a:fillRef idx="0">
+            <a:schemeClr val="accent1"/>
+          </a:fillRef>
+          <a:effectRef idx="0">
+            <a:schemeClr val="accent1"/>
+          </a:effectRef>
+          <a:fontRef idx="minor">
+            <a:schemeClr val="tx1"/>
+          </a:fontRef>
+        </p:style>
+      </p:cxnSp>
+      <p:sp>
+        <p:nvSpPr>
+          <p:cNvPr id="98" name="TextBox 97">
+            <a:extLst>
+              <a:ext uri="{FF2B5EF4-FFF2-40B4-BE49-F238E27FC236}">
+                <a16:creationId xmlns="" xmlns:a16="http://schemas.microsoft.com/office/drawing/2014/main" id="{C76E3AAD-45C6-EB76-9A53-48C4CEF2570F}"/>
+              </a:ext>
+            </a:extLst>
+          </p:cNvPr>
+          <p:cNvSpPr txBox="1"/>
+          <p:nvPr/>
+        </p:nvSpPr>
+        <p:spPr>
+          <a:xfrm>
+            <a:off x="6321556" y="3119543"/>
+            <a:ext cx="565292" cy="246221"/>
+          </a:xfrm>
+          <a:prstGeom prst="rect">
+            <a:avLst/>
+          </a:prstGeom>
+          <a:noFill/>
+        </p:spPr>
+        <p:txBody>
+          <a:bodyPr wrap="square" rtlCol="0">
+            <a:spAutoFit/>
+          </a:bodyPr>
+          <a:lstStyle/>
+          <a:p>
+            <a:pPr algn="ctr"/>
+            <a:r>
+              <a:rPr lang="en-US" altLang="ko-KR" sz="1000" dirty="0" smtClean="0"/>
+              <a:t>Event</a:t>
+            </a:r>
+            <a:endParaRPr lang="ko-KR" altLang="en-US" sz="1000" dirty="0"/>
+          </a:p>
+        </p:txBody>
+      </p:sp>
+      <p:cxnSp>
+        <p:nvCxnSpPr>
+          <p:cNvPr id="99" name="직선 연결선 98"/>
+          <p:cNvCxnSpPr>
+            <a:endCxn id="103" idx="0"/>
+          </p:cNvCxnSpPr>
+          <p:nvPr/>
+        </p:nvCxnSpPr>
+        <p:spPr>
+          <a:xfrm>
+            <a:off x="8353917" y="3437441"/>
+            <a:ext cx="0" cy="254318"/>
+          </a:xfrm>
+          <a:prstGeom prst="line">
+            <a:avLst/>
+          </a:prstGeom>
+        </p:spPr>
+        <p:style>
+          <a:lnRef idx="1">
+            <a:schemeClr val="accent1"/>
+          </a:lnRef>
+          <a:fillRef idx="0">
+            <a:schemeClr val="accent1"/>
+          </a:fillRef>
+          <a:effectRef idx="0">
+            <a:schemeClr val="accent1"/>
+          </a:effectRef>
+          <a:fontRef idx="minor">
+            <a:schemeClr val="tx1"/>
+          </a:fontRef>
+        </p:style>
+      </p:cxnSp>
+      <p:sp>
+        <p:nvSpPr>
+          <p:cNvPr id="103" name="TextBox 102">
+            <a:extLst>
+              <a:ext uri="{FF2B5EF4-FFF2-40B4-BE49-F238E27FC236}">
+                <a16:creationId xmlns="" xmlns:a16="http://schemas.microsoft.com/office/drawing/2014/main" id="{C76E3AAD-45C6-EB76-9A53-48C4CEF2570F}"/>
+              </a:ext>
+            </a:extLst>
+          </p:cNvPr>
+          <p:cNvSpPr txBox="1"/>
+          <p:nvPr/>
+        </p:nvSpPr>
+        <p:spPr>
+          <a:xfrm>
+            <a:off x="8071271" y="3691759"/>
+            <a:ext cx="565292" cy="246221"/>
+          </a:xfrm>
+          <a:prstGeom prst="rect">
+            <a:avLst/>
+          </a:prstGeom>
+          <a:noFill/>
+        </p:spPr>
+        <p:txBody>
+          <a:bodyPr wrap="square" rtlCol="0">
+            <a:spAutoFit/>
+          </a:bodyPr>
+          <a:lstStyle/>
+          <a:p>
+            <a:pPr algn="ctr"/>
+            <a:r>
+              <a:rPr lang="en-US" altLang="ko-KR" sz="1000" dirty="0" smtClean="0"/>
+              <a:t>Event</a:t>
+            </a:r>
+            <a:endParaRPr lang="ko-KR" altLang="en-US" sz="1000" dirty="0"/>
+          </a:p>
+        </p:txBody>
+      </p:sp>
+      <p:cxnSp>
+        <p:nvCxnSpPr>
+          <p:cNvPr id="105" name="직선 연결선 104"/>
+          <p:cNvCxnSpPr>
+            <a:endCxn id="106" idx="0"/>
+          </p:cNvCxnSpPr>
+          <p:nvPr/>
+        </p:nvCxnSpPr>
+        <p:spPr>
+          <a:xfrm>
+            <a:off x="7254328" y="3429105"/>
+            <a:ext cx="0" cy="254318"/>
+          </a:xfrm>
+          <a:prstGeom prst="line">
+            <a:avLst/>
+          </a:prstGeom>
+        </p:spPr>
+        <p:style>
+          <a:lnRef idx="1">
+            <a:schemeClr val="accent1"/>
+          </a:lnRef>
+          <a:fillRef idx="0">
+            <a:schemeClr val="accent1"/>
+          </a:fillRef>
+          <a:effectRef idx="0">
+            <a:schemeClr val="accent1"/>
+          </a:effectRef>
+          <a:fontRef idx="minor">
+            <a:schemeClr val="tx1"/>
+          </a:fontRef>
+        </p:style>
+      </p:cxnSp>
+      <p:sp>
+        <p:nvSpPr>
+          <p:cNvPr id="106" name="TextBox 105">
+            <a:extLst>
+              <a:ext uri="{FF2B5EF4-FFF2-40B4-BE49-F238E27FC236}">
+                <a16:creationId xmlns="" xmlns:a16="http://schemas.microsoft.com/office/drawing/2014/main" id="{C76E3AAD-45C6-EB76-9A53-48C4CEF2570F}"/>
+              </a:ext>
+            </a:extLst>
+          </p:cNvPr>
+          <p:cNvSpPr txBox="1"/>
+          <p:nvPr/>
+        </p:nvSpPr>
+        <p:spPr>
+          <a:xfrm>
+            <a:off x="7046644" y="3683423"/>
+            <a:ext cx="415368" cy="246221"/>
+          </a:xfrm>
+          <a:prstGeom prst="rect">
+            <a:avLst/>
+          </a:prstGeom>
+          <a:noFill/>
+        </p:spPr>
+        <p:txBody>
+          <a:bodyPr wrap="square" rtlCol="0">
+            <a:spAutoFit/>
+          </a:bodyPr>
+          <a:lstStyle/>
+          <a:p>
+            <a:pPr algn="ctr"/>
+            <a:r>
+              <a:rPr lang="en-US" altLang="ko-KR" sz="1000" dirty="0" smtClean="0"/>
+              <a:t>Tag</a:t>
+            </a:r>
+            <a:endParaRPr lang="ko-KR" altLang="en-US" sz="1000" dirty="0"/>
+          </a:p>
+        </p:txBody>
+      </p:sp>
+      <p:cxnSp>
+        <p:nvCxnSpPr>
+          <p:cNvPr id="107" name="직선 연결선 106"/>
+          <p:cNvCxnSpPr>
+            <a:endCxn id="108" idx="0"/>
+          </p:cNvCxnSpPr>
+          <p:nvPr/>
+        </p:nvCxnSpPr>
+        <p:spPr>
+          <a:xfrm>
+            <a:off x="9269929" y="2364686"/>
+            <a:ext cx="0" cy="254318"/>
+          </a:xfrm>
+          <a:prstGeom prst="line">
+            <a:avLst/>
+          </a:prstGeom>
+        </p:spPr>
+        <p:style>
+          <a:lnRef idx="1">
+            <a:schemeClr val="accent1"/>
+          </a:lnRef>
+          <a:fillRef idx="0">
+            <a:schemeClr val="accent1"/>
+          </a:fillRef>
+          <a:effectRef idx="0">
+            <a:schemeClr val="accent1"/>
+          </a:effectRef>
+          <a:fontRef idx="minor">
+            <a:schemeClr val="tx1"/>
+          </a:fontRef>
+        </p:style>
+      </p:cxnSp>
+      <p:sp>
+        <p:nvSpPr>
+          <p:cNvPr id="108" name="TextBox 107">
+            <a:extLst>
+              <a:ext uri="{FF2B5EF4-FFF2-40B4-BE49-F238E27FC236}">
+                <a16:creationId xmlns="" xmlns:a16="http://schemas.microsoft.com/office/drawing/2014/main" id="{C76E3AAD-45C6-EB76-9A53-48C4CEF2570F}"/>
+              </a:ext>
+            </a:extLst>
+          </p:cNvPr>
+          <p:cNvSpPr txBox="1"/>
+          <p:nvPr/>
+        </p:nvSpPr>
+        <p:spPr>
+          <a:xfrm>
+            <a:off x="9062245" y="2619004"/>
+            <a:ext cx="415368" cy="246221"/>
+          </a:xfrm>
+          <a:prstGeom prst="rect">
+            <a:avLst/>
+          </a:prstGeom>
+          <a:noFill/>
+        </p:spPr>
+        <p:txBody>
+          <a:bodyPr wrap="square" rtlCol="0">
+            <a:spAutoFit/>
+          </a:bodyPr>
+          <a:lstStyle/>
+          <a:p>
+            <a:pPr algn="ctr"/>
+            <a:r>
+              <a:rPr lang="en-US" altLang="ko-KR" sz="1000" dirty="0" smtClean="0"/>
+              <a:t>Tag</a:t>
+            </a:r>
+            <a:endParaRPr lang="ko-KR" altLang="en-US" sz="1000" dirty="0"/>
+          </a:p>
+        </p:txBody>
+      </p:sp>
+      <p:cxnSp>
+        <p:nvCxnSpPr>
+          <p:cNvPr id="19" name="직선 화살표 연결선 18"/>
+          <p:cNvCxnSpPr/>
+          <p:nvPr/>
+        </p:nvCxnSpPr>
+        <p:spPr>
+          <a:xfrm>
+            <a:off x="640786" y="1966684"/>
+            <a:ext cx="9426181" cy="0"/>
+          </a:xfrm>
+          <a:prstGeom prst="straightConnector1">
+            <a:avLst/>
+          </a:prstGeom>
+          <a:ln>
+            <a:solidFill>
+              <a:srgbClr val="002060"/>
+            </a:solidFill>
+            <a:prstDash val="sysDash"/>
+            <a:tailEnd type="triangle"/>
+          </a:ln>
+        </p:spPr>
+        <p:style>
+          <a:lnRef idx="1">
+            <a:schemeClr val="accent1"/>
+          </a:lnRef>
+          <a:fillRef idx="0">
+            <a:schemeClr val="accent1"/>
+          </a:fillRef>
+          <a:effectRef idx="0">
+            <a:schemeClr val="accent1"/>
+          </a:effectRef>
+          <a:fontRef idx="minor">
+            <a:schemeClr val="tx1"/>
+          </a:fontRef>
+        </p:style>
+      </p:cxnSp>
+      <p:cxnSp>
+        <p:nvCxnSpPr>
+          <p:cNvPr id="21" name="직선 화살표 연결선 20"/>
+          <p:cNvCxnSpPr/>
+          <p:nvPr/>
+        </p:nvCxnSpPr>
+        <p:spPr>
+          <a:xfrm>
+            <a:off x="4922521" y="2351932"/>
+            <a:ext cx="893897" cy="0"/>
+          </a:xfrm>
+          <a:prstGeom prst="straightConnector1">
+            <a:avLst/>
+          </a:prstGeom>
+          <a:ln>
+            <a:solidFill>
+              <a:srgbClr val="00B050"/>
+            </a:solidFill>
+            <a:prstDash val="sysDash"/>
+            <a:tailEnd type="triangle"/>
+          </a:ln>
+        </p:spPr>
+        <p:style>
+          <a:lnRef idx="1">
+            <a:schemeClr val="accent1"/>
+          </a:lnRef>
+          <a:fillRef idx="0">
+            <a:schemeClr val="accent1"/>
+          </a:fillRef>
+          <a:effectRef idx="0">
+            <a:schemeClr val="accent1"/>
+          </a:effectRef>
+          <a:fontRef idx="minor">
+            <a:schemeClr val="tx1"/>
+          </a:fontRef>
+        </p:style>
+      </p:cxnSp>
+      <p:sp>
+        <p:nvSpPr>
+          <p:cNvPr id="112" name="TextBox 111">
+            <a:extLst>
+              <a:ext uri="{FF2B5EF4-FFF2-40B4-BE49-F238E27FC236}">
+                <a16:creationId xmlns="" xmlns:a16="http://schemas.microsoft.com/office/drawing/2014/main" id="{C76E3AAD-45C6-EB76-9A53-48C4CEF2570F}"/>
+              </a:ext>
+            </a:extLst>
+          </p:cNvPr>
+          <p:cNvSpPr txBox="1"/>
+          <p:nvPr/>
+        </p:nvSpPr>
+        <p:spPr>
+          <a:xfrm>
+            <a:off x="4851310" y="1994937"/>
+            <a:ext cx="1036320" cy="246221"/>
+          </a:xfrm>
+          <a:prstGeom prst="rect">
+            <a:avLst/>
+          </a:prstGeom>
+          <a:noFill/>
+        </p:spPr>
+        <p:txBody>
+          <a:bodyPr wrap="square" rtlCol="0">
+            <a:spAutoFit/>
+          </a:bodyPr>
+          <a:lstStyle/>
+          <a:p>
+            <a:pPr algn="ctr"/>
+            <a:r>
+              <a:rPr lang="en-US" altLang="ko-KR" sz="1000" dirty="0" smtClean="0">
+                <a:solidFill>
+                  <a:srgbClr val="002060"/>
+                </a:solidFill>
+              </a:rPr>
+              <a:t>Trace</a:t>
+            </a:r>
+            <a:endParaRPr lang="ko-KR" altLang="en-US" sz="1000" dirty="0">
+              <a:solidFill>
+                <a:srgbClr val="002060"/>
+              </a:solidFill>
+            </a:endParaRPr>
+          </a:p>
+        </p:txBody>
+      </p:sp>
+      <p:sp>
+        <p:nvSpPr>
+          <p:cNvPr id="114" name="TextBox 113">
+            <a:extLst>
+              <a:ext uri="{FF2B5EF4-FFF2-40B4-BE49-F238E27FC236}">
+                <a16:creationId xmlns="" xmlns:a16="http://schemas.microsoft.com/office/drawing/2014/main" id="{C76E3AAD-45C6-EB76-9A53-48C4CEF2570F}"/>
+              </a:ext>
+            </a:extLst>
+          </p:cNvPr>
+          <p:cNvSpPr txBox="1"/>
+          <p:nvPr/>
+        </p:nvSpPr>
+        <p:spPr>
+          <a:xfrm>
+            <a:off x="4851310" y="2450212"/>
+            <a:ext cx="1036320" cy="400110"/>
+          </a:xfrm>
+          <a:prstGeom prst="rect">
+            <a:avLst/>
+          </a:prstGeom>
+          <a:noFill/>
+        </p:spPr>
+        <p:txBody>
+          <a:bodyPr wrap="square" rtlCol="0">
+            <a:spAutoFit/>
+          </a:bodyPr>
+          <a:lstStyle/>
+          <a:p>
+            <a:pPr algn="ctr"/>
+            <a:r>
+              <a:rPr lang="en-US" altLang="ko-KR" sz="1000" dirty="0" smtClean="0">
+                <a:solidFill>
+                  <a:srgbClr val="00B050"/>
+                </a:solidFill>
+              </a:rPr>
+              <a:t>Trace</a:t>
+            </a:r>
+            <a:br>
+              <a:rPr lang="en-US" altLang="ko-KR" sz="1000" dirty="0" smtClean="0">
+                <a:solidFill>
+                  <a:srgbClr val="00B050"/>
+                </a:solidFill>
+              </a:rPr>
+            </a:br>
+            <a:r>
+              <a:rPr lang="en-US" altLang="ko-KR" sz="1000" dirty="0" smtClean="0">
+                <a:solidFill>
+                  <a:srgbClr val="00B050"/>
+                </a:solidFill>
+              </a:rPr>
+              <a:t>Context</a:t>
+            </a:r>
+            <a:endParaRPr lang="ko-KR" altLang="en-US" sz="1000" dirty="0">
+              <a:solidFill>
+                <a:srgbClr val="00B050"/>
+              </a:solidFill>
+            </a:endParaRPr>
+          </a:p>
+        </p:txBody>
+      </p:sp>
+      <p:sp>
+        <p:nvSpPr>
+          <p:cNvPr id="115" name="TextBox 114">
+            <a:extLst>
+              <a:ext uri="{FF2B5EF4-FFF2-40B4-BE49-F238E27FC236}">
+                <a16:creationId xmlns="" xmlns:a16="http://schemas.microsoft.com/office/drawing/2014/main" id="{C76E3AAD-45C6-EB76-9A53-48C4CEF2570F}"/>
+              </a:ext>
+            </a:extLst>
+          </p:cNvPr>
+          <p:cNvSpPr txBox="1"/>
+          <p:nvPr/>
+        </p:nvSpPr>
+        <p:spPr>
+          <a:xfrm>
+            <a:off x="4781797" y="1257275"/>
+            <a:ext cx="1234120" cy="307777"/>
+          </a:xfrm>
+          <a:prstGeom prst="rect">
+            <a:avLst/>
+          </a:prstGeom>
+          <a:noFill/>
+        </p:spPr>
+        <p:txBody>
+          <a:bodyPr wrap="none" rtlCol="0">
+            <a:spAutoFit/>
+          </a:bodyPr>
+          <a:lstStyle/>
+          <a:p>
+            <a:pPr algn="ctr"/>
+            <a:r>
+              <a:rPr lang="en-US" altLang="ko-KR" sz="1400" dirty="0" smtClean="0"/>
+              <a:t>Network Call</a:t>
+            </a:r>
+            <a:endParaRPr lang="ko-KR" altLang="en-US" sz="1400" dirty="0"/>
+          </a:p>
+        </p:txBody>
+      </p:sp>
+      <p:sp>
+        <p:nvSpPr>
+          <p:cNvPr id="116" name="TextBox 115">
+            <a:extLst>
+              <a:ext uri="{FF2B5EF4-FFF2-40B4-BE49-F238E27FC236}">
+                <a16:creationId xmlns="" xmlns:a16="http://schemas.microsoft.com/office/drawing/2014/main" id="{C76E3AAD-45C6-EB76-9A53-48C4CEF2570F}"/>
+              </a:ext>
+            </a:extLst>
+          </p:cNvPr>
+          <p:cNvSpPr txBox="1"/>
+          <p:nvPr/>
+        </p:nvSpPr>
+        <p:spPr>
+          <a:xfrm>
+            <a:off x="317360" y="169662"/>
+            <a:ext cx="1807674" cy="369332"/>
+          </a:xfrm>
+          <a:prstGeom prst="rect">
+            <a:avLst/>
+          </a:prstGeom>
+          <a:noFill/>
+        </p:spPr>
+        <p:txBody>
+          <a:bodyPr wrap="none" rtlCol="0">
+            <a:spAutoFit/>
+          </a:bodyPr>
+          <a:lstStyle/>
+          <a:p>
+            <a:r>
+              <a:rPr lang="en-US" altLang="ko-KR" dirty="0" smtClean="0"/>
+              <a:t>Trace </a:t>
+            </a:r>
+            <a:r>
+              <a:rPr lang="ko-KR" altLang="en-US" dirty="0" smtClean="0"/>
+              <a:t>구조 예시</a:t>
+            </a:r>
+            <a:endParaRPr lang="en-US" altLang="ko-KR" dirty="0"/>
+          </a:p>
+        </p:txBody>
+      </p:sp>
+    </p:spTree>
+    <p:extLst>
+      <p:ext uri="{BB962C8B-B14F-4D97-AF65-F5344CB8AC3E}">
+        <p14:creationId xmlns:p14="http://schemas.microsoft.com/office/powerpoint/2010/main" val="1197580582"/>
+      </p:ext>
+    </p:extLst>
+  </p:cSld>
+  <p:clrMapOvr>
+    <a:masterClrMapping/>
+  </p:clrMapOvr>
+  <p:timing>
+    <p:tnLst>
+      <p:par>
+        <p:cTn id="1" dur="indefinite" restart="never" nodeType="tmRoot"/>
+      </p:par>
+    </p:tnLst>
+  </p:timing>
+</p:sld>
+</file>
+
+<file path=ppt/slides/slide6.xml><?xml version="1.0" encoding="utf-8"?>
+<p:sld xmlns:a="http://schemas.openxmlformats.org/drawingml/2006/main" xmlns:r="http://schemas.openxmlformats.org/officeDocument/2006/relationships" xmlns:p="http://schemas.openxmlformats.org/presentationml/2006/main">
+  <p:cSld>
+    <p:spTree>
+      <p:nvGrpSpPr>
+        <p:cNvPr id="1" name=""/>
+        <p:cNvGrpSpPr/>
+        <p:nvPr/>
+      </p:nvGrpSpPr>
+      <p:grpSpPr>
+        <a:xfrm>
+          <a:off x="0" y="0"/>
+          <a:ext cx="0" cy="0"/>
+          <a:chOff x="0" y="0"/>
+          <a:chExt cx="0" cy="0"/>
+        </a:xfrm>
+      </p:grpSpPr>
+      <p:sp>
+        <p:nvSpPr>
+          <p:cNvPr id="52" name="직사각형 51"/>
+          <p:cNvSpPr/>
+          <p:nvPr/>
+        </p:nvSpPr>
+        <p:spPr>
+          <a:xfrm>
+            <a:off x="9875541" y="2219325"/>
+            <a:ext cx="2028825" cy="2724150"/>
+          </a:xfrm>
+          <a:prstGeom prst="rect">
+            <a:avLst/>
+          </a:prstGeom>
+          <a:solidFill>
+            <a:schemeClr val="bg1"/>
+          </a:solidFill>
+        </p:spPr>
+        <p:style>
+          <a:lnRef idx="2">
+            <a:schemeClr val="accent1">
+              <a:shade val="50000"/>
+            </a:schemeClr>
+          </a:lnRef>
+          <a:fillRef idx="1">
+            <a:schemeClr val="accent1"/>
+          </a:fillRef>
+          <a:effectRef idx="0">
+            <a:schemeClr val="accent1"/>
+          </a:effectRef>
+          <a:fontRef idx="minor">
+            <a:schemeClr val="lt1"/>
+          </a:fontRef>
+        </p:style>
+        <p:txBody>
+          <a:bodyPr rtlCol="0" anchor="ctr"/>
+          <a:lstStyle/>
+          <a:p>
+            <a:pPr algn="ctr"/>
+            <a:endParaRPr lang="ko-KR" altLang="en-US"/>
+          </a:p>
+        </p:txBody>
+      </p:sp>
+      <p:sp>
+        <p:nvSpPr>
+          <p:cNvPr id="3" name="직사각형 2"/>
+          <p:cNvSpPr/>
+          <p:nvPr/>
+        </p:nvSpPr>
+        <p:spPr>
+          <a:xfrm>
+            <a:off x="704849" y="2219325"/>
+            <a:ext cx="2028825" cy="2724150"/>
+          </a:xfrm>
+          <a:prstGeom prst="rect">
+            <a:avLst/>
+          </a:prstGeom>
+          <a:solidFill>
+            <a:schemeClr val="bg1"/>
+          </a:solidFill>
+        </p:spPr>
+        <p:style>
+          <a:lnRef idx="2">
+            <a:schemeClr val="accent1">
+              <a:shade val="50000"/>
+            </a:schemeClr>
+          </a:lnRef>
+          <a:fillRef idx="1">
+            <a:schemeClr val="accent1"/>
+          </a:fillRef>
+          <a:effectRef idx="0">
+            <a:schemeClr val="accent1"/>
+          </a:effectRef>
+          <a:fontRef idx="minor">
+            <a:schemeClr val="lt1"/>
+          </a:fontRef>
+        </p:style>
+        <p:txBody>
+          <a:bodyPr rtlCol="0" anchor="ctr"/>
+          <a:lstStyle/>
+          <a:p>
+            <a:pPr algn="ctr"/>
+            <a:endParaRPr lang="ko-KR" altLang="en-US"/>
+          </a:p>
+        </p:txBody>
+      </p:sp>
+      <p:sp>
+        <p:nvSpPr>
+          <p:cNvPr id="2" name="모서리가 둥근 직사각형 1"/>
+          <p:cNvSpPr/>
+          <p:nvPr/>
+        </p:nvSpPr>
+        <p:spPr>
+          <a:xfrm>
+            <a:off x="853094" y="2551387"/>
+            <a:ext cx="1685925" cy="312300"/>
+          </a:xfrm>
+          <a:prstGeom prst="roundRect">
+            <a:avLst/>
+          </a:prstGeom>
+          <a:solidFill>
+            <a:schemeClr val="tx1">
+              <a:lumMod val="50000"/>
+              <a:lumOff val="50000"/>
+            </a:schemeClr>
+          </a:solidFill>
+          <a:ln>
+            <a:noFill/>
+          </a:ln>
+        </p:spPr>
+        <p:style>
+          <a:lnRef idx="2">
+            <a:schemeClr val="accent1">
+              <a:shade val="50000"/>
+            </a:schemeClr>
+          </a:lnRef>
+          <a:fillRef idx="1">
+            <a:schemeClr val="accent1"/>
+          </a:fillRef>
+          <a:effectRef idx="0">
+            <a:schemeClr val="accent1"/>
+          </a:effectRef>
+          <a:fontRef idx="minor">
+            <a:schemeClr val="lt1"/>
+          </a:fontRef>
+        </p:style>
+        <p:txBody>
+          <a:bodyPr rtlCol="0" anchor="ctr"/>
+          <a:lstStyle/>
+          <a:p>
+            <a:pPr algn="ctr"/>
+            <a:r>
+              <a:rPr lang="en-US" altLang="ko-KR" sz="1300" dirty="0"/>
+              <a:t>SDK-</a:t>
+            </a:r>
+            <a:r>
+              <a:rPr lang="en-US" altLang="ko-KR" sz="1300" dirty="0" err="1"/>
+              <a:t>SpringBoot</a:t>
+            </a:r>
+            <a:endParaRPr lang="ko-KR" altLang="en-US" sz="1300" dirty="0"/>
+          </a:p>
+        </p:txBody>
+      </p:sp>
+      <p:sp>
+        <p:nvSpPr>
+          <p:cNvPr id="12" name="TextBox 11">
+            <a:extLst>
+              <a:ext uri="{FF2B5EF4-FFF2-40B4-BE49-F238E27FC236}">
+                <a16:creationId xmlns="" xmlns:a16="http://schemas.microsoft.com/office/drawing/2014/main" id="{C76E3AAD-45C6-EB76-9A53-48C4CEF2570F}"/>
+              </a:ext>
+            </a:extLst>
+          </p:cNvPr>
+          <p:cNvSpPr txBox="1"/>
+          <p:nvPr/>
+        </p:nvSpPr>
+        <p:spPr>
+          <a:xfrm>
+            <a:off x="797406" y="1722998"/>
+            <a:ext cx="1843710" cy="369332"/>
+          </a:xfrm>
+          <a:prstGeom prst="rect">
+            <a:avLst/>
+          </a:prstGeom>
+          <a:noFill/>
+        </p:spPr>
+        <p:txBody>
+          <a:bodyPr wrap="none" rtlCol="0">
+            <a:spAutoFit/>
+          </a:bodyPr>
+          <a:lstStyle/>
+          <a:p>
+            <a:r>
+              <a:rPr lang="en-US" altLang="ko-KR" dirty="0"/>
+              <a:t>Test Application</a:t>
+            </a:r>
+            <a:endParaRPr lang="ko-KR" altLang="en-US" dirty="0"/>
+          </a:p>
+        </p:txBody>
+      </p:sp>
+      <p:sp>
+        <p:nvSpPr>
+          <p:cNvPr id="17" name="TextBox 16">
+            <a:extLst>
+              <a:ext uri="{FF2B5EF4-FFF2-40B4-BE49-F238E27FC236}">
+                <a16:creationId xmlns="" xmlns:a16="http://schemas.microsoft.com/office/drawing/2014/main" id="{C76E3AAD-45C6-EB76-9A53-48C4CEF2570F}"/>
+              </a:ext>
+            </a:extLst>
+          </p:cNvPr>
+          <p:cNvSpPr txBox="1"/>
+          <p:nvPr/>
+        </p:nvSpPr>
+        <p:spPr>
+          <a:xfrm>
+            <a:off x="3232289" y="1722998"/>
+            <a:ext cx="3530482" cy="369332"/>
+          </a:xfrm>
+          <a:prstGeom prst="rect">
+            <a:avLst/>
+          </a:prstGeom>
+          <a:noFill/>
+        </p:spPr>
+        <p:txBody>
+          <a:bodyPr wrap="square" rtlCol="0">
+            <a:spAutoFit/>
+          </a:bodyPr>
+          <a:lstStyle/>
+          <a:p>
+            <a:pPr algn="ctr"/>
+            <a:r>
+              <a:rPr lang="en-US" altLang="ko-KR" dirty="0" err="1"/>
+              <a:t>Opentelemetry</a:t>
+            </a:r>
+            <a:r>
+              <a:rPr lang="en-US" altLang="ko-KR" dirty="0"/>
+              <a:t> Collector</a:t>
+            </a:r>
+            <a:endParaRPr lang="ko-KR" altLang="en-US" dirty="0"/>
+          </a:p>
+        </p:txBody>
+      </p:sp>
+      <p:sp>
+        <p:nvSpPr>
+          <p:cNvPr id="24" name="TextBox 23">
+            <a:extLst>
+              <a:ext uri="{FF2B5EF4-FFF2-40B4-BE49-F238E27FC236}">
+                <a16:creationId xmlns="" xmlns:a16="http://schemas.microsoft.com/office/drawing/2014/main" id="{C76E3AAD-45C6-EB76-9A53-48C4CEF2570F}"/>
+              </a:ext>
+            </a:extLst>
+          </p:cNvPr>
+          <p:cNvSpPr txBox="1"/>
+          <p:nvPr/>
+        </p:nvSpPr>
+        <p:spPr>
+          <a:xfrm>
+            <a:off x="7196958" y="1722998"/>
+            <a:ext cx="4707407" cy="369332"/>
+          </a:xfrm>
+          <a:prstGeom prst="rect">
+            <a:avLst/>
+          </a:prstGeom>
+          <a:noFill/>
+        </p:spPr>
+        <p:txBody>
+          <a:bodyPr wrap="square" rtlCol="0">
+            <a:spAutoFit/>
+          </a:bodyPr>
+          <a:lstStyle/>
+          <a:p>
+            <a:pPr algn="ctr"/>
+            <a:r>
+              <a:rPr lang="en-US" altLang="ko-KR" dirty="0"/>
+              <a:t>Monitoring Tool</a:t>
+            </a:r>
+            <a:endParaRPr lang="ko-KR" altLang="en-US" dirty="0"/>
+          </a:p>
+        </p:txBody>
+      </p:sp>
+      <p:sp>
+        <p:nvSpPr>
+          <p:cNvPr id="44" name="TextBox 43">
+            <a:extLst>
+              <a:ext uri="{FF2B5EF4-FFF2-40B4-BE49-F238E27FC236}">
+                <a16:creationId xmlns="" xmlns:a16="http://schemas.microsoft.com/office/drawing/2014/main" id="{C76E3AAD-45C6-EB76-9A53-48C4CEF2570F}"/>
+              </a:ext>
+            </a:extLst>
+          </p:cNvPr>
+          <p:cNvSpPr txBox="1"/>
+          <p:nvPr/>
+        </p:nvSpPr>
+        <p:spPr>
+          <a:xfrm>
+            <a:off x="9868848" y="353848"/>
+            <a:ext cx="553357" cy="246221"/>
+          </a:xfrm>
+          <a:prstGeom prst="rect">
+            <a:avLst/>
+          </a:prstGeom>
+          <a:noFill/>
+        </p:spPr>
+        <p:txBody>
+          <a:bodyPr wrap="none" rtlCol="0">
+            <a:spAutoFit/>
+          </a:bodyPr>
+          <a:lstStyle/>
+          <a:p>
+            <a:r>
+              <a:rPr lang="en-US" altLang="ko-KR" sz="1000" dirty="0"/>
+              <a:t>Metric</a:t>
+            </a:r>
+            <a:endParaRPr lang="ko-KR" altLang="en-US" sz="1000" dirty="0"/>
+          </a:p>
+        </p:txBody>
+      </p:sp>
+      <p:cxnSp>
+        <p:nvCxnSpPr>
+          <p:cNvPr id="45" name="직선 화살표 연결선 44"/>
+          <p:cNvCxnSpPr/>
+          <p:nvPr/>
+        </p:nvCxnSpPr>
+        <p:spPr>
+          <a:xfrm>
+            <a:off x="9801225" y="614362"/>
+            <a:ext cx="688604" cy="0"/>
+          </a:xfrm>
+          <a:prstGeom prst="straightConnector1">
+            <a:avLst/>
+          </a:prstGeom>
+          <a:ln>
+            <a:tailEnd type="triangle"/>
+          </a:ln>
+        </p:spPr>
+        <p:style>
+          <a:lnRef idx="2">
+            <a:schemeClr val="accent1"/>
+          </a:lnRef>
+          <a:fillRef idx="0">
+            <a:schemeClr val="accent1"/>
+          </a:fillRef>
+          <a:effectRef idx="1">
+            <a:schemeClr val="accent1"/>
+          </a:effectRef>
+          <a:fontRef idx="minor">
+            <a:schemeClr val="tx1"/>
+          </a:fontRef>
+        </p:style>
+      </p:cxnSp>
+      <p:sp>
+        <p:nvSpPr>
+          <p:cNvPr id="47" name="TextBox 46">
+            <a:extLst>
+              <a:ext uri="{FF2B5EF4-FFF2-40B4-BE49-F238E27FC236}">
+                <a16:creationId xmlns="" xmlns:a16="http://schemas.microsoft.com/office/drawing/2014/main" id="{C76E3AAD-45C6-EB76-9A53-48C4CEF2570F}"/>
+              </a:ext>
+            </a:extLst>
+          </p:cNvPr>
+          <p:cNvSpPr txBox="1"/>
+          <p:nvPr/>
+        </p:nvSpPr>
+        <p:spPr>
+          <a:xfrm>
+            <a:off x="9727783" y="734854"/>
+            <a:ext cx="835485" cy="246221"/>
+          </a:xfrm>
+          <a:prstGeom prst="rect">
+            <a:avLst/>
+          </a:prstGeom>
+          <a:noFill/>
+        </p:spPr>
+        <p:txBody>
+          <a:bodyPr wrap="none" rtlCol="0">
+            <a:spAutoFit/>
+          </a:bodyPr>
+          <a:lstStyle/>
+          <a:p>
+            <a:r>
+              <a:rPr lang="en-US" altLang="ko-KR" sz="1000" dirty="0"/>
+              <a:t>Span(trace)</a:t>
+            </a:r>
+            <a:endParaRPr lang="ko-KR" altLang="en-US" sz="1000" dirty="0"/>
+          </a:p>
+        </p:txBody>
+      </p:sp>
+      <p:cxnSp>
+        <p:nvCxnSpPr>
+          <p:cNvPr id="48" name="직선 화살표 연결선 47"/>
+          <p:cNvCxnSpPr/>
+          <p:nvPr/>
+        </p:nvCxnSpPr>
+        <p:spPr>
+          <a:xfrm>
+            <a:off x="9801225" y="995369"/>
+            <a:ext cx="688604" cy="0"/>
+          </a:xfrm>
+          <a:prstGeom prst="straightConnector1">
+            <a:avLst/>
+          </a:prstGeom>
+          <a:ln>
+            <a:solidFill>
+              <a:srgbClr val="FFC000"/>
+            </a:solidFill>
+            <a:tailEnd type="triangle"/>
+          </a:ln>
+        </p:spPr>
+        <p:style>
+          <a:lnRef idx="2">
+            <a:schemeClr val="accent1"/>
+          </a:lnRef>
+          <a:fillRef idx="0">
+            <a:schemeClr val="accent1"/>
+          </a:fillRef>
+          <a:effectRef idx="1">
+            <a:schemeClr val="accent1"/>
+          </a:effectRef>
+          <a:fontRef idx="minor">
+            <a:schemeClr val="tx1"/>
+          </a:fontRef>
+        </p:style>
+      </p:cxnSp>
+      <p:sp>
+        <p:nvSpPr>
+          <p:cNvPr id="59" name="TextBox 58">
+            <a:extLst>
+              <a:ext uri="{FF2B5EF4-FFF2-40B4-BE49-F238E27FC236}">
+                <a16:creationId xmlns="" xmlns:a16="http://schemas.microsoft.com/office/drawing/2014/main" id="{C76E3AAD-45C6-EB76-9A53-48C4CEF2570F}"/>
+              </a:ext>
+            </a:extLst>
+          </p:cNvPr>
+          <p:cNvSpPr txBox="1"/>
+          <p:nvPr/>
+        </p:nvSpPr>
+        <p:spPr>
+          <a:xfrm>
+            <a:off x="532660" y="372862"/>
+            <a:ext cx="4019498" cy="369332"/>
+          </a:xfrm>
+          <a:prstGeom prst="rect">
+            <a:avLst/>
+          </a:prstGeom>
+          <a:noFill/>
+        </p:spPr>
+        <p:txBody>
+          <a:bodyPr wrap="none" rtlCol="0">
+            <a:spAutoFit/>
+          </a:bodyPr>
+          <a:lstStyle/>
+          <a:p>
+            <a:r>
+              <a:rPr lang="en-US" altLang="ko-KR" dirty="0" smtClean="0"/>
+              <a:t>Test Application Data </a:t>
+            </a:r>
+            <a:r>
+              <a:rPr lang="en-US" altLang="ko-KR" dirty="0"/>
+              <a:t>Flow Overview</a:t>
+            </a:r>
+          </a:p>
+        </p:txBody>
+      </p:sp>
+      <p:sp>
+        <p:nvSpPr>
+          <p:cNvPr id="30" name="TextBox 29">
+            <a:extLst>
+              <a:ext uri="{FF2B5EF4-FFF2-40B4-BE49-F238E27FC236}">
+                <a16:creationId xmlns="" xmlns:a16="http://schemas.microsoft.com/office/drawing/2014/main" id="{C76E3AAD-45C6-EB76-9A53-48C4CEF2570F}"/>
+              </a:ext>
+            </a:extLst>
+          </p:cNvPr>
+          <p:cNvSpPr txBox="1"/>
+          <p:nvPr/>
+        </p:nvSpPr>
+        <p:spPr>
+          <a:xfrm>
+            <a:off x="9949843" y="1097106"/>
+            <a:ext cx="399468" cy="246221"/>
+          </a:xfrm>
+          <a:prstGeom prst="rect">
+            <a:avLst/>
+          </a:prstGeom>
+          <a:noFill/>
+        </p:spPr>
+        <p:txBody>
+          <a:bodyPr wrap="none" rtlCol="0">
+            <a:spAutoFit/>
+          </a:bodyPr>
+          <a:lstStyle/>
+          <a:p>
+            <a:r>
+              <a:rPr lang="en-US" altLang="ko-KR" sz="1000" dirty="0"/>
+              <a:t>Log</a:t>
+            </a:r>
+            <a:endParaRPr lang="ko-KR" altLang="en-US" sz="1000" dirty="0"/>
+          </a:p>
+        </p:txBody>
+      </p:sp>
+      <p:cxnSp>
+        <p:nvCxnSpPr>
+          <p:cNvPr id="31" name="직선 화살표 연결선 30"/>
+          <p:cNvCxnSpPr/>
+          <p:nvPr/>
+        </p:nvCxnSpPr>
+        <p:spPr>
+          <a:xfrm>
+            <a:off x="9801225" y="1357621"/>
+            <a:ext cx="688604" cy="0"/>
+          </a:xfrm>
+          <a:prstGeom prst="straightConnector1">
+            <a:avLst/>
+          </a:prstGeom>
+          <a:ln>
+            <a:solidFill>
+              <a:srgbClr val="FF0000"/>
+            </a:solidFill>
+            <a:tailEnd type="triangle"/>
+          </a:ln>
+        </p:spPr>
+        <p:style>
+          <a:lnRef idx="2">
+            <a:schemeClr val="accent1"/>
+          </a:lnRef>
+          <a:fillRef idx="0">
+            <a:schemeClr val="accent1"/>
+          </a:fillRef>
+          <a:effectRef idx="1">
+            <a:schemeClr val="accent1"/>
+          </a:effectRef>
+          <a:fontRef idx="minor">
+            <a:schemeClr val="tx1"/>
+          </a:fontRef>
+        </p:style>
+      </p:cxnSp>
+      <p:sp>
+        <p:nvSpPr>
+          <p:cNvPr id="33" name="모서리가 둥근 직사각형 32"/>
+          <p:cNvSpPr/>
+          <p:nvPr/>
+        </p:nvSpPr>
+        <p:spPr>
+          <a:xfrm>
+            <a:off x="853094" y="2983050"/>
+            <a:ext cx="1685925" cy="312300"/>
+          </a:xfrm>
+          <a:prstGeom prst="roundRect">
+            <a:avLst/>
+          </a:prstGeom>
+          <a:solidFill>
+            <a:schemeClr val="tx1">
+              <a:lumMod val="50000"/>
+              <a:lumOff val="50000"/>
+            </a:schemeClr>
+          </a:solidFill>
+          <a:ln>
+            <a:noFill/>
+          </a:ln>
+        </p:spPr>
+        <p:style>
+          <a:lnRef idx="2">
+            <a:schemeClr val="accent1">
+              <a:shade val="50000"/>
+            </a:schemeClr>
+          </a:lnRef>
+          <a:fillRef idx="1">
+            <a:schemeClr val="accent1"/>
+          </a:fillRef>
+          <a:effectRef idx="0">
+            <a:schemeClr val="accent1"/>
+          </a:effectRef>
+          <a:fontRef idx="minor">
+            <a:schemeClr val="lt1"/>
+          </a:fontRef>
+        </p:style>
+        <p:txBody>
+          <a:bodyPr rtlCol="0" anchor="ctr"/>
+          <a:lstStyle/>
+          <a:p>
+            <a:pPr algn="ctr"/>
+            <a:r>
+              <a:rPr lang="en-US" altLang="ko-KR" sz="1300" dirty="0"/>
+              <a:t>SDK-</a:t>
+            </a:r>
+            <a:r>
+              <a:rPr lang="en-US" altLang="ko-KR" sz="1300" dirty="0" err="1"/>
+              <a:t>DJango</a:t>
+            </a:r>
+            <a:endParaRPr lang="ko-KR" altLang="en-US" sz="1300" dirty="0"/>
+          </a:p>
+        </p:txBody>
+      </p:sp>
+      <p:sp>
+        <p:nvSpPr>
+          <p:cNvPr id="37" name="모서리가 둥근 직사각형 36"/>
+          <p:cNvSpPr/>
+          <p:nvPr/>
+        </p:nvSpPr>
+        <p:spPr>
+          <a:xfrm>
+            <a:off x="853094" y="3412687"/>
+            <a:ext cx="1685925" cy="312300"/>
+          </a:xfrm>
+          <a:prstGeom prst="roundRect">
+            <a:avLst/>
+          </a:prstGeom>
+          <a:solidFill>
+            <a:schemeClr val="tx1">
+              <a:lumMod val="50000"/>
+              <a:lumOff val="50000"/>
+            </a:schemeClr>
+          </a:solidFill>
+          <a:ln>
+            <a:noFill/>
+          </a:ln>
+        </p:spPr>
+        <p:style>
+          <a:lnRef idx="2">
+            <a:schemeClr val="accent1">
+              <a:shade val="50000"/>
+            </a:schemeClr>
+          </a:lnRef>
+          <a:fillRef idx="1">
+            <a:schemeClr val="accent1"/>
+          </a:fillRef>
+          <a:effectRef idx="0">
+            <a:schemeClr val="accent1"/>
+          </a:effectRef>
+          <a:fontRef idx="minor">
+            <a:schemeClr val="lt1"/>
+          </a:fontRef>
+        </p:style>
+        <p:txBody>
+          <a:bodyPr rtlCol="0" anchor="ctr"/>
+          <a:lstStyle/>
+          <a:p>
+            <a:pPr algn="ctr"/>
+            <a:r>
+              <a:rPr lang="en-US" altLang="ko-KR" sz="1300" dirty="0"/>
+              <a:t>Agent-</a:t>
+            </a:r>
+            <a:r>
+              <a:rPr lang="en-US" altLang="ko-KR" sz="1300" dirty="0" err="1"/>
+              <a:t>SpringBoot</a:t>
+            </a:r>
+            <a:endParaRPr lang="ko-KR" altLang="en-US" sz="1300" dirty="0"/>
+          </a:p>
+        </p:txBody>
+      </p:sp>
+      <p:sp>
+        <p:nvSpPr>
+          <p:cNvPr id="39" name="모서리가 둥근 직사각형 38"/>
+          <p:cNvSpPr/>
+          <p:nvPr/>
+        </p:nvSpPr>
+        <p:spPr>
+          <a:xfrm>
+            <a:off x="853094" y="3842324"/>
+            <a:ext cx="1685925" cy="312300"/>
+          </a:xfrm>
+          <a:prstGeom prst="roundRect">
+            <a:avLst/>
+          </a:prstGeom>
+          <a:solidFill>
+            <a:schemeClr val="tx1">
+              <a:lumMod val="50000"/>
+              <a:lumOff val="50000"/>
+            </a:schemeClr>
+          </a:solidFill>
+          <a:ln>
+            <a:noFill/>
+          </a:ln>
+        </p:spPr>
+        <p:style>
+          <a:lnRef idx="2">
+            <a:schemeClr val="accent1">
+              <a:shade val="50000"/>
+            </a:schemeClr>
+          </a:lnRef>
+          <a:fillRef idx="1">
+            <a:schemeClr val="accent1"/>
+          </a:fillRef>
+          <a:effectRef idx="0">
+            <a:schemeClr val="accent1"/>
+          </a:effectRef>
+          <a:fontRef idx="minor">
+            <a:schemeClr val="lt1"/>
+          </a:fontRef>
+        </p:style>
+        <p:txBody>
+          <a:bodyPr rtlCol="0" anchor="ctr"/>
+          <a:lstStyle/>
+          <a:p>
+            <a:pPr algn="ctr"/>
+            <a:r>
+              <a:rPr lang="en-US" altLang="ko-KR" sz="1300" dirty="0"/>
+              <a:t>Auto-</a:t>
+            </a:r>
+            <a:r>
+              <a:rPr lang="en-US" altLang="ko-KR" sz="1300" dirty="0" err="1"/>
+              <a:t>SpringBoot</a:t>
+            </a:r>
+            <a:endParaRPr lang="ko-KR" altLang="en-US" sz="1300" dirty="0"/>
+          </a:p>
+        </p:txBody>
+      </p:sp>
+      <p:sp>
+        <p:nvSpPr>
+          <p:cNvPr id="40" name="모서리가 둥근 직사각형 39"/>
+          <p:cNvSpPr/>
+          <p:nvPr/>
+        </p:nvSpPr>
+        <p:spPr>
+          <a:xfrm>
+            <a:off x="853094" y="4269995"/>
+            <a:ext cx="1685925" cy="312300"/>
+          </a:xfrm>
+          <a:prstGeom prst="roundRect">
+            <a:avLst/>
+          </a:prstGeom>
+          <a:solidFill>
+            <a:schemeClr val="tx1">
+              <a:lumMod val="50000"/>
+              <a:lumOff val="50000"/>
+            </a:schemeClr>
+          </a:solidFill>
+          <a:ln>
+            <a:noFill/>
+          </a:ln>
+        </p:spPr>
+        <p:style>
+          <a:lnRef idx="2">
+            <a:schemeClr val="accent1">
+              <a:shade val="50000"/>
+            </a:schemeClr>
+          </a:lnRef>
+          <a:fillRef idx="1">
+            <a:schemeClr val="accent1"/>
+          </a:fillRef>
+          <a:effectRef idx="0">
+            <a:schemeClr val="accent1"/>
+          </a:effectRef>
+          <a:fontRef idx="minor">
+            <a:schemeClr val="lt1"/>
+          </a:fontRef>
+        </p:style>
+        <p:txBody>
+          <a:bodyPr rtlCol="0" anchor="ctr"/>
+          <a:lstStyle/>
+          <a:p>
+            <a:pPr algn="ctr"/>
+            <a:r>
+              <a:rPr lang="en-US" altLang="ko-KR" sz="1300" dirty="0"/>
+              <a:t>Auto-</a:t>
+            </a:r>
+            <a:r>
+              <a:rPr lang="en-US" altLang="ko-KR" sz="1300" dirty="0" err="1"/>
+              <a:t>DJango</a:t>
+            </a:r>
+            <a:endParaRPr lang="ko-KR" altLang="en-US" sz="1300" dirty="0"/>
+          </a:p>
+        </p:txBody>
+      </p:sp>
+      <p:sp>
+        <p:nvSpPr>
+          <p:cNvPr id="41" name="직사각형 40"/>
+          <p:cNvSpPr/>
+          <p:nvPr/>
+        </p:nvSpPr>
+        <p:spPr>
+          <a:xfrm>
+            <a:off x="3308578" y="2219325"/>
+            <a:ext cx="3427814" cy="2724150"/>
+          </a:xfrm>
+          <a:prstGeom prst="rect">
+            <a:avLst/>
+          </a:prstGeom>
+          <a:solidFill>
+            <a:schemeClr val="bg1"/>
+          </a:solidFill>
+        </p:spPr>
+        <p:style>
+          <a:lnRef idx="2">
+            <a:schemeClr val="accent1">
+              <a:shade val="50000"/>
+            </a:schemeClr>
+          </a:lnRef>
+          <a:fillRef idx="1">
+            <a:schemeClr val="accent1"/>
+          </a:fillRef>
+          <a:effectRef idx="0">
+            <a:schemeClr val="accent1"/>
+          </a:effectRef>
+          <a:fontRef idx="minor">
+            <a:schemeClr val="lt1"/>
+          </a:fontRef>
+        </p:style>
+        <p:txBody>
+          <a:bodyPr rtlCol="0" anchor="ctr"/>
+          <a:lstStyle/>
+          <a:p>
+            <a:pPr algn="ctr"/>
+            <a:endParaRPr lang="ko-KR" altLang="en-US"/>
+          </a:p>
+        </p:txBody>
+      </p:sp>
+      <p:sp>
+        <p:nvSpPr>
+          <p:cNvPr id="18" name="모서리가 둥근 직사각형 17"/>
+          <p:cNvSpPr/>
+          <p:nvPr/>
+        </p:nvSpPr>
+        <p:spPr>
+          <a:xfrm>
+            <a:off x="3484355" y="2439721"/>
+            <a:ext cx="2973595" cy="2137041"/>
+          </a:xfrm>
+          <a:prstGeom prst="roundRect">
+            <a:avLst/>
+          </a:prstGeom>
+          <a:solidFill>
+            <a:schemeClr val="tx2">
+              <a:lumMod val="75000"/>
+              <a:lumOff val="25000"/>
+            </a:schemeClr>
+          </a:solidFill>
+          <a:ln>
+            <a:noFill/>
+          </a:ln>
+        </p:spPr>
+        <p:style>
+          <a:lnRef idx="2">
+            <a:schemeClr val="accent1">
+              <a:shade val="50000"/>
+            </a:schemeClr>
+          </a:lnRef>
+          <a:fillRef idx="1">
+            <a:schemeClr val="accent1"/>
+          </a:fillRef>
+          <a:effectRef idx="0">
+            <a:schemeClr val="accent1"/>
+          </a:effectRef>
+          <a:fontRef idx="minor">
+            <a:schemeClr val="lt1"/>
+          </a:fontRef>
+        </p:style>
+        <p:txBody>
+          <a:bodyPr rtlCol="0" anchor="ctr"/>
+          <a:lstStyle/>
+          <a:p>
+            <a:pPr algn="ctr"/>
+            <a:endParaRPr lang="ko-KR" altLang="en-US" sz="1300" dirty="0"/>
+          </a:p>
+        </p:txBody>
+      </p:sp>
       <p:pic>
         <p:nvPicPr>
-          <p:cNvPr id="4" name="그림 3"/>
+          <p:cNvPr id="1042" name="Picture 18" descr="OpenTelemetry SVG and transparent PNG icons | TechIcons"/>
           <p:cNvPicPr>
-            <a:picLocks noChangeAspect="1"/>
+            <a:picLocks noChangeAspect="1" noChangeArrowheads="1"/>
           </p:cNvPicPr>
           <p:nvPr/>
         </p:nvPicPr>
         <p:blipFill>
-          <a:blip r:embed="rId2"/>
+          <a:blip r:embed="rId2" cstate="print">
+            <a:extLst>
+              <a:ext uri="{BEBA8EAE-BF5A-486C-A8C5-ECC9F3942E4B}">
+                <a14:imgProps xmlns:a14="http://schemas.microsoft.com/office/drawing/2010/main">
+                  <a14:imgLayer r:embed="rId3">
+                    <a14:imgEffect>
+                      <a14:backgroundRemoval t="0" b="100000" l="0" r="100000">
+                        <a14:foregroundMark x1="34222" y1="63111" x2="34222" y2="63111"/>
+                        <a14:foregroundMark x1="66222" y1="57333" x2="66222" y2="57333"/>
+                        <a14:foregroundMark x1="80000" y1="24889" x2="80000" y2="24889"/>
+                        <a14:foregroundMark x1="15556" y1="85778" x2="15556" y2="85778"/>
+                      </a14:backgroundRemoval>
+                    </a14:imgEffect>
+                  </a14:imgLayer>
+                </a14:imgProps>
+              </a:ext>
+              <a:ext uri="{28A0092B-C50C-407E-A947-70E740481C1C}">
+                <a14:useLocalDpi xmlns:a14="http://schemas.microsoft.com/office/drawing/2010/main" val="0"/>
+              </a:ext>
+            </a:extLst>
+          </a:blip>
+          <a:srcRect/>
           <a:stretch>
             <a:fillRect/>
           </a:stretch>
         </p:blipFill>
-        <p:spPr>
-          <a:xfrm>
-            <a:off x="2498001" y="2100328"/>
-            <a:ext cx="3248025" cy="1211284"/>
+        <p:spPr bwMode="auto">
+          <a:xfrm>
+            <a:off x="3484355" y="2439721"/>
+            <a:ext cx="275513" cy="275513"/>
           </a:xfrm>
           <a:prstGeom prst="rect">
             <a:avLst/>
           </a:prstGeom>
+          <a:noFill/>
+          <a:extLst>
+            <a:ext uri="{909E8E84-426E-40DD-AFC4-6F175D3DCCD1}">
+              <a14:hiddenFill xmlns:a14="http://schemas.microsoft.com/office/drawing/2010/main">
+                <a:solidFill>
+                  <a:srgbClr val="FFFFFF"/>
+                </a:solidFill>
+              </a14:hiddenFill>
+            </a:ext>
+          </a:extLst>
         </p:spPr>
       </p:pic>
+      <p:sp>
+        <p:nvSpPr>
+          <p:cNvPr id="42" name="직사각형 41"/>
+          <p:cNvSpPr/>
+          <p:nvPr/>
+        </p:nvSpPr>
+        <p:spPr>
+          <a:xfrm>
+            <a:off x="7073922" y="2219325"/>
+            <a:ext cx="2028825" cy="2724150"/>
+          </a:xfrm>
+          <a:prstGeom prst="rect">
+            <a:avLst/>
+          </a:prstGeom>
+          <a:solidFill>
+            <a:schemeClr val="bg1"/>
+          </a:solidFill>
+        </p:spPr>
+        <p:style>
+          <a:lnRef idx="2">
+            <a:schemeClr val="accent1">
+              <a:shade val="50000"/>
+            </a:schemeClr>
+          </a:lnRef>
+          <a:fillRef idx="1">
+            <a:schemeClr val="accent1"/>
+          </a:fillRef>
+          <a:effectRef idx="0">
+            <a:schemeClr val="accent1"/>
+          </a:effectRef>
+          <a:fontRef idx="minor">
+            <a:schemeClr val="lt1"/>
+          </a:fontRef>
+        </p:style>
+        <p:txBody>
+          <a:bodyPr rtlCol="0" anchor="ctr"/>
+          <a:lstStyle/>
+          <a:p>
+            <a:pPr algn="ctr"/>
+            <a:endParaRPr lang="ko-KR" altLang="en-US"/>
+          </a:p>
+        </p:txBody>
+      </p:sp>
+      <p:sp>
+        <p:nvSpPr>
+          <p:cNvPr id="25" name="모서리가 둥근 직사각형 24"/>
+          <p:cNvSpPr/>
+          <p:nvPr/>
+        </p:nvSpPr>
+        <p:spPr>
+          <a:xfrm>
+            <a:off x="7284508" y="2438400"/>
+            <a:ext cx="1685925" cy="627861"/>
+          </a:xfrm>
+          <a:prstGeom prst="roundRect">
+            <a:avLst/>
+          </a:prstGeom>
+          <a:solidFill>
+            <a:srgbClr val="E88E2C"/>
+          </a:solidFill>
+          <a:ln>
+            <a:noFill/>
+          </a:ln>
+        </p:spPr>
+        <p:style>
+          <a:lnRef idx="2">
+            <a:schemeClr val="accent1">
+              <a:shade val="50000"/>
+            </a:schemeClr>
+          </a:lnRef>
+          <a:fillRef idx="1">
+            <a:schemeClr val="accent1"/>
+          </a:fillRef>
+          <a:effectRef idx="0">
+            <a:schemeClr val="accent1"/>
+          </a:effectRef>
+          <a:fontRef idx="minor">
+            <a:schemeClr val="lt1"/>
+          </a:fontRef>
+        </p:style>
+        <p:txBody>
+          <a:bodyPr rtlCol="0" anchor="ctr"/>
+          <a:lstStyle/>
+          <a:p>
+            <a:pPr algn="ctr"/>
+            <a:r>
+              <a:rPr lang="en-US" altLang="ko-KR" sz="1300" dirty="0"/>
+              <a:t>Prometheus</a:t>
+            </a:r>
+            <a:endParaRPr lang="ko-KR" altLang="en-US" sz="1300" dirty="0"/>
+          </a:p>
+        </p:txBody>
+      </p:sp>
+      <p:sp>
+        <p:nvSpPr>
+          <p:cNvPr id="26" name="모서리가 둥근 직사각형 25"/>
+          <p:cNvSpPr/>
+          <p:nvPr/>
+        </p:nvSpPr>
+        <p:spPr>
+          <a:xfrm>
+            <a:off x="7284508" y="3235725"/>
+            <a:ext cx="1685925" cy="627861"/>
+          </a:xfrm>
+          <a:prstGeom prst="roundRect">
+            <a:avLst/>
+          </a:prstGeom>
+          <a:solidFill>
+            <a:schemeClr val="tx2">
+              <a:lumMod val="25000"/>
+              <a:lumOff val="75000"/>
+            </a:schemeClr>
+          </a:solidFill>
+          <a:ln>
+            <a:noFill/>
+          </a:ln>
+        </p:spPr>
+        <p:style>
+          <a:lnRef idx="2">
+            <a:schemeClr val="accent1">
+              <a:shade val="50000"/>
+            </a:schemeClr>
+          </a:lnRef>
+          <a:fillRef idx="1">
+            <a:schemeClr val="accent1"/>
+          </a:fillRef>
+          <a:effectRef idx="0">
+            <a:schemeClr val="accent1"/>
+          </a:effectRef>
+          <a:fontRef idx="minor">
+            <a:schemeClr val="lt1"/>
+          </a:fontRef>
+        </p:style>
+        <p:txBody>
+          <a:bodyPr rtlCol="0" anchor="ctr"/>
+          <a:lstStyle/>
+          <a:p>
+            <a:pPr algn="ctr"/>
+            <a:r>
+              <a:rPr lang="en-US" altLang="ko-KR" sz="1300" dirty="0"/>
+              <a:t>Jaeger</a:t>
+            </a:r>
+            <a:endParaRPr lang="ko-KR" altLang="en-US" sz="1300" dirty="0"/>
+          </a:p>
+        </p:txBody>
+      </p:sp>
       <p:pic>
         <p:nvPicPr>
-          <p:cNvPr id="5" name="그림 4"/>
+          <p:cNvPr id="1040" name="Picture 16" descr="Free High-Quality Jaeger Icon for Creative Design"/>
           <p:cNvPicPr>
-            <a:picLocks noChangeAspect="1"/>
+            <a:picLocks noChangeAspect="1" noChangeArrowheads="1"/>
           </p:cNvPicPr>
           <p:nvPr/>
         </p:nvPicPr>
         <p:blipFill>
-          <a:blip r:embed="rId3"/>
+          <a:blip r:embed="rId4" cstate="print">
+            <a:extLst>
+              <a:ext uri="{28A0092B-C50C-407E-A947-70E740481C1C}">
+                <a14:useLocalDpi xmlns:a14="http://schemas.microsoft.com/office/drawing/2010/main" val="0"/>
+              </a:ext>
+            </a:extLst>
+          </a:blip>
+          <a:srcRect/>
           <a:stretch>
             <a:fillRect/>
           </a:stretch>
         </p:blipFill>
-        <p:spPr>
-          <a:xfrm>
-            <a:off x="845537" y="520914"/>
-            <a:ext cx="632054" cy="937183"/>
+        <p:spPr bwMode="auto">
+          <a:xfrm>
+            <a:off x="7252040" y="3216675"/>
+            <a:ext cx="366714" cy="366714"/>
           </a:xfrm>
           <a:prstGeom prst="rect">
             <a:avLst/>
           </a:prstGeom>
+          <a:noFill/>
+          <a:extLst>
+            <a:ext uri="{909E8E84-426E-40DD-AFC4-6F175D3DCCD1}">
+              <a14:hiddenFill xmlns:a14="http://schemas.microsoft.com/office/drawing/2010/main">
+                <a:solidFill>
+                  <a:srgbClr val="FFFFFF"/>
+                </a:solidFill>
+              </a14:hiddenFill>
+            </a:ext>
+          </a:extLst>
         </p:spPr>
       </p:pic>
       <p:pic>
         <p:nvPicPr>
-          <p:cNvPr id="6" name="그림 5"/>
-          <p:cNvPicPr>
-            <a:picLocks noChangeAspect="1"/>
-          </p:cNvPicPr>
-          <p:nvPr/>
-        </p:nvPicPr>
-        <p:blipFill>
-          <a:blip r:embed="rId3"/>
-          <a:stretch>
-            <a:fillRect/>
-          </a:stretch>
-        </p:blipFill>
-        <p:spPr>
-          <a:xfrm>
-            <a:off x="845537" y="1773066"/>
-            <a:ext cx="632054" cy="937183"/>
-          </a:xfrm>
-          <a:prstGeom prst="rect">
-            <a:avLst/>
-          </a:prstGeom>
-        </p:spPr>
-      </p:pic>
-      <p:pic>
-        <p:nvPicPr>
-          <p:cNvPr id="7" name="그림 6"/>
-          <p:cNvPicPr>
-            <a:picLocks noChangeAspect="1"/>
-          </p:cNvPicPr>
-          <p:nvPr/>
-        </p:nvPicPr>
-        <p:blipFill>
-          <a:blip r:embed="rId3"/>
-          <a:stretch>
-            <a:fillRect/>
-          </a:stretch>
-        </p:blipFill>
-        <p:spPr>
-          <a:xfrm>
-            <a:off x="845537" y="3025218"/>
-            <a:ext cx="632054" cy="937183"/>
-          </a:xfrm>
-          <a:prstGeom prst="rect">
-            <a:avLst/>
-          </a:prstGeom>
-        </p:spPr>
-      </p:pic>
-      <p:pic>
-        <p:nvPicPr>
-          <p:cNvPr id="8" name="그림 7"/>
-          <p:cNvPicPr>
-            <a:picLocks noChangeAspect="1"/>
-          </p:cNvPicPr>
-          <p:nvPr/>
-        </p:nvPicPr>
-        <p:blipFill>
-          <a:blip r:embed="rId3"/>
-          <a:stretch>
-            <a:fillRect/>
-          </a:stretch>
-        </p:blipFill>
-        <p:spPr>
-          <a:xfrm>
-            <a:off x="845537" y="4277370"/>
-            <a:ext cx="632054" cy="937183"/>
-          </a:xfrm>
-          <a:prstGeom prst="rect">
-            <a:avLst/>
-          </a:prstGeom>
-        </p:spPr>
-      </p:pic>
-      <p:pic>
-        <p:nvPicPr>
-          <p:cNvPr id="9" name="그림 8"/>
-          <p:cNvPicPr>
-            <a:picLocks noChangeAspect="1"/>
-          </p:cNvPicPr>
-          <p:nvPr/>
-        </p:nvPicPr>
-        <p:blipFill>
-          <a:blip r:embed="rId4"/>
-          <a:stretch>
-            <a:fillRect/>
-          </a:stretch>
-        </p:blipFill>
-        <p:spPr>
-          <a:xfrm>
-            <a:off x="6766436" y="2343120"/>
-            <a:ext cx="1627921" cy="725700"/>
-          </a:xfrm>
-          <a:prstGeom prst="rect">
-            <a:avLst/>
-          </a:prstGeom>
-        </p:spPr>
-      </p:pic>
-      <p:pic>
-        <p:nvPicPr>
-          <p:cNvPr id="2050" name="Picture 2" descr="블록체인 노드 모니터링 해보기 Part 2(feat. Grafana, Prometheus)"/>
+          <p:cNvPr id="1054" name="Picture 30" descr="Unit Testing Alerting with the Prometheus Operator | by Misha Griffiths |  loveholidays tech"/>
           <p:cNvPicPr>
             <a:picLocks noChangeAspect="1" noChangeArrowheads="1"/>
           </p:cNvPicPr>
@@ -3203,8 +10496,8 @@
         </p:blipFill>
         <p:spPr bwMode="auto">
           <a:xfrm>
-            <a:off x="9282962" y="2304265"/>
-            <a:ext cx="1623935" cy="811968"/>
+            <a:off x="7152197" y="2460543"/>
+            <a:ext cx="566400" cy="275513"/>
           </a:xfrm>
           <a:prstGeom prst="rect">
             <a:avLst/>
@@ -3221,258 +10514,238 @@
           </a:extLst>
         </p:spPr>
       </p:pic>
-      <p:cxnSp>
-        <p:nvCxnSpPr>
-          <p:cNvPr id="11" name="직선 화살표 연결선 10"/>
-          <p:cNvCxnSpPr>
-            <a:stCxn id="5" idx="3"/>
-            <a:endCxn id="4" idx="1"/>
-          </p:cNvCxnSpPr>
-          <p:nvPr/>
-        </p:nvCxnSpPr>
-        <p:spPr>
-          <a:xfrm>
-            <a:off x="1477591" y="989506"/>
-            <a:ext cx="1020410" cy="1716464"/>
-          </a:xfrm>
-          <a:prstGeom prst="straightConnector1">
-            <a:avLst/>
-          </a:prstGeom>
+      <p:grpSp>
+        <p:nvGrpSpPr>
+          <p:cNvPr id="94" name="그룹 93"/>
+          <p:cNvGrpSpPr/>
+          <p:nvPr/>
+        </p:nvGrpSpPr>
+        <p:grpSpPr>
+          <a:xfrm>
+            <a:off x="4408984" y="5205021"/>
+            <a:ext cx="1122837" cy="1271979"/>
+            <a:chOff x="3732680" y="5205021"/>
+            <a:chExt cx="1122837" cy="1271979"/>
+          </a:xfrm>
+        </p:grpSpPr>
+        <p:grpSp>
+          <p:nvGrpSpPr>
+            <p:cNvPr id="13" name="그룹 12"/>
+            <p:cNvGrpSpPr/>
+            <p:nvPr/>
+          </p:nvGrpSpPr>
+          <p:grpSpPr>
+            <a:xfrm>
+              <a:off x="3732680" y="5205021"/>
+              <a:ext cx="1122837" cy="1271979"/>
+              <a:chOff x="3732680" y="5064384"/>
+              <a:chExt cx="1122837" cy="1100425"/>
+            </a:xfrm>
+          </p:grpSpPr>
+          <p:sp>
+            <p:nvSpPr>
+              <p:cNvPr id="7" name="타원 6"/>
+              <p:cNvSpPr/>
+              <p:nvPr/>
+            </p:nvSpPr>
+            <p:spPr>
+              <a:xfrm>
+                <a:off x="3734178" y="5064384"/>
+                <a:ext cx="1121339" cy="409575"/>
+              </a:xfrm>
+              <a:prstGeom prst="ellipse">
+                <a:avLst/>
+              </a:prstGeom>
+              <a:solidFill>
+                <a:schemeClr val="bg1"/>
+              </a:solidFill>
+            </p:spPr>
+            <p:style>
+              <a:lnRef idx="2">
+                <a:schemeClr val="accent1">
+                  <a:shade val="50000"/>
+                </a:schemeClr>
+              </a:lnRef>
+              <a:fillRef idx="1">
+                <a:schemeClr val="accent1"/>
+              </a:fillRef>
+              <a:effectRef idx="0">
+                <a:schemeClr val="accent1"/>
+              </a:effectRef>
+              <a:fontRef idx="minor">
+                <a:schemeClr val="lt1"/>
+              </a:fontRef>
+            </p:style>
+            <p:txBody>
+              <a:bodyPr rtlCol="0" anchor="ctr"/>
+              <a:lstStyle/>
+              <a:p>
+                <a:pPr algn="ctr"/>
+                <a:endParaRPr lang="ko-KR" altLang="en-US"/>
+              </a:p>
+            </p:txBody>
+          </p:sp>
+          <p:sp>
+            <p:nvSpPr>
+              <p:cNvPr id="43" name="타원 42"/>
+              <p:cNvSpPr/>
+              <p:nvPr/>
+            </p:nvSpPr>
+            <p:spPr>
+              <a:xfrm>
+                <a:off x="3734178" y="5755234"/>
+                <a:ext cx="1121339" cy="409575"/>
+              </a:xfrm>
+              <a:prstGeom prst="ellipse">
+                <a:avLst/>
+              </a:prstGeom>
+              <a:solidFill>
+                <a:schemeClr val="bg1"/>
+              </a:solidFill>
+            </p:spPr>
+            <p:style>
+              <a:lnRef idx="2">
+                <a:schemeClr val="accent1">
+                  <a:shade val="50000"/>
+                </a:schemeClr>
+              </a:lnRef>
+              <a:fillRef idx="1">
+                <a:schemeClr val="accent1"/>
+              </a:fillRef>
+              <a:effectRef idx="0">
+                <a:schemeClr val="accent1"/>
+              </a:effectRef>
+              <a:fontRef idx="minor">
+                <a:schemeClr val="lt1"/>
+              </a:fontRef>
+            </p:style>
+            <p:txBody>
+              <a:bodyPr rtlCol="0" anchor="ctr"/>
+              <a:lstStyle/>
+              <a:p>
+                <a:pPr algn="ctr"/>
+                <a:endParaRPr lang="ko-KR" altLang="en-US"/>
+              </a:p>
+            </p:txBody>
+          </p:sp>
+          <p:cxnSp>
+            <p:nvCxnSpPr>
+              <p:cNvPr id="10" name="직선 연결선 9"/>
+              <p:cNvCxnSpPr/>
+              <p:nvPr/>
+            </p:nvCxnSpPr>
+            <p:spPr>
+              <a:xfrm>
+                <a:off x="3732680" y="5269172"/>
+                <a:ext cx="0" cy="690850"/>
+              </a:xfrm>
+              <a:prstGeom prst="line">
+                <a:avLst/>
+              </a:prstGeom>
+            </p:spPr>
+            <p:style>
+              <a:lnRef idx="2">
+                <a:schemeClr val="accent1"/>
+              </a:lnRef>
+              <a:fillRef idx="0">
+                <a:schemeClr val="accent1"/>
+              </a:fillRef>
+              <a:effectRef idx="1">
+                <a:schemeClr val="accent1"/>
+              </a:effectRef>
+              <a:fontRef idx="minor">
+                <a:schemeClr val="tx1"/>
+              </a:fontRef>
+            </p:style>
+          </p:cxnSp>
+          <p:cxnSp>
+            <p:nvCxnSpPr>
+              <p:cNvPr id="46" name="직선 연결선 45"/>
+              <p:cNvCxnSpPr/>
+              <p:nvPr/>
+            </p:nvCxnSpPr>
+            <p:spPr>
+              <a:xfrm>
+                <a:off x="4855517" y="5269172"/>
+                <a:ext cx="0" cy="690850"/>
+              </a:xfrm>
+              <a:prstGeom prst="line">
+                <a:avLst/>
+              </a:prstGeom>
+            </p:spPr>
+            <p:style>
+              <a:lnRef idx="2">
+                <a:schemeClr val="accent1"/>
+              </a:lnRef>
+              <a:fillRef idx="0">
+                <a:schemeClr val="accent1"/>
+              </a:fillRef>
+              <a:effectRef idx="1">
+                <a:schemeClr val="accent1"/>
+              </a:effectRef>
+              <a:fontRef idx="minor">
+                <a:schemeClr val="tx1"/>
+              </a:fontRef>
+            </p:style>
+          </p:cxnSp>
+        </p:grpSp>
+        <p:sp>
+          <p:nvSpPr>
+            <p:cNvPr id="49" name="TextBox 48">
+              <a:extLst>
+                <a:ext uri="{FF2B5EF4-FFF2-40B4-BE49-F238E27FC236}">
+                  <a16:creationId xmlns="" xmlns:a16="http://schemas.microsoft.com/office/drawing/2014/main" id="{C76E3AAD-45C6-EB76-9A53-48C4CEF2570F}"/>
+                </a:ext>
+              </a:extLst>
+            </p:cNvPr>
+            <p:cNvSpPr txBox="1"/>
+            <p:nvPr/>
+          </p:nvSpPr>
+          <p:spPr>
+            <a:xfrm>
+              <a:off x="4031229" y="5656345"/>
+              <a:ext cx="518091" cy="369332"/>
+            </a:xfrm>
+            <a:prstGeom prst="rect">
+              <a:avLst/>
+            </a:prstGeom>
+            <a:noFill/>
+          </p:spPr>
+          <p:txBody>
+            <a:bodyPr wrap="none" rtlCol="0">
+              <a:spAutoFit/>
+            </a:bodyPr>
+            <a:lstStyle/>
+            <a:p>
+              <a:r>
+                <a:rPr lang="en-US" altLang="ko-KR" dirty="0" smtClean="0"/>
+                <a:t>log</a:t>
+              </a:r>
+              <a:endParaRPr lang="ko-KR" altLang="en-US" dirty="0"/>
+            </a:p>
+          </p:txBody>
+        </p:sp>
+      </p:grpSp>
+      <p:sp>
+        <p:nvSpPr>
+          <p:cNvPr id="51" name="모서리가 둥근 직사각형 50"/>
+          <p:cNvSpPr/>
+          <p:nvPr/>
+        </p:nvSpPr>
+        <p:spPr>
+          <a:xfrm>
+            <a:off x="10046992" y="3128993"/>
+            <a:ext cx="1685925" cy="847725"/>
+          </a:xfrm>
+          <a:prstGeom prst="roundRect">
+            <a:avLst/>
+          </a:prstGeom>
+          <a:solidFill>
+            <a:srgbClr val="FFC000"/>
+          </a:solidFill>
           <a:ln>
-            <a:solidFill>
-              <a:schemeClr val="tx1">
-                <a:lumMod val="95000"/>
-                <a:lumOff val="5000"/>
-              </a:schemeClr>
-            </a:solidFill>
-            <a:tailEnd type="triangle"/>
+            <a:noFill/>
           </a:ln>
-        </p:spPr>
-        <p:style>
-          <a:lnRef idx="1">
-            <a:schemeClr val="accent1"/>
-          </a:lnRef>
-          <a:fillRef idx="0">
-            <a:schemeClr val="accent1"/>
-          </a:fillRef>
-          <a:effectRef idx="0">
-            <a:schemeClr val="accent1"/>
-          </a:effectRef>
-          <a:fontRef idx="minor">
-            <a:schemeClr val="tx1"/>
-          </a:fontRef>
-        </p:style>
-      </p:cxnSp>
-      <p:cxnSp>
-        <p:nvCxnSpPr>
-          <p:cNvPr id="13" name="직선 화살표 연결선 12"/>
-          <p:cNvCxnSpPr>
-            <a:stCxn id="6" idx="3"/>
-            <a:endCxn id="4" idx="1"/>
-          </p:cNvCxnSpPr>
-          <p:nvPr/>
-        </p:nvCxnSpPr>
-        <p:spPr>
-          <a:xfrm>
-            <a:off x="1477591" y="2241658"/>
-            <a:ext cx="1020410" cy="464312"/>
-          </a:xfrm>
-          <a:prstGeom prst="straightConnector1">
-            <a:avLst/>
-          </a:prstGeom>
-          <a:ln>
-            <a:solidFill>
-              <a:schemeClr val="tx1"/>
-            </a:solidFill>
-            <a:tailEnd type="triangle"/>
-          </a:ln>
-        </p:spPr>
-        <p:style>
-          <a:lnRef idx="1">
-            <a:schemeClr val="accent1"/>
-          </a:lnRef>
-          <a:fillRef idx="0">
-            <a:schemeClr val="accent1"/>
-          </a:fillRef>
-          <a:effectRef idx="0">
-            <a:schemeClr val="accent1"/>
-          </a:effectRef>
-          <a:fontRef idx="minor">
-            <a:schemeClr val="tx1"/>
-          </a:fontRef>
-        </p:style>
-      </p:cxnSp>
-      <p:cxnSp>
-        <p:nvCxnSpPr>
-          <p:cNvPr id="15" name="직선 화살표 연결선 14"/>
-          <p:cNvCxnSpPr>
-            <a:stCxn id="7" idx="3"/>
-            <a:endCxn id="4" idx="1"/>
-          </p:cNvCxnSpPr>
-          <p:nvPr/>
-        </p:nvCxnSpPr>
-        <p:spPr>
-          <a:xfrm flipV="1">
-            <a:off x="1477591" y="2705970"/>
-            <a:ext cx="1020410" cy="787840"/>
-          </a:xfrm>
-          <a:prstGeom prst="straightConnector1">
-            <a:avLst/>
-          </a:prstGeom>
-          <a:ln>
-            <a:solidFill>
-              <a:schemeClr val="tx1"/>
-            </a:solidFill>
-            <a:tailEnd type="triangle"/>
-          </a:ln>
-        </p:spPr>
-        <p:style>
-          <a:lnRef idx="1">
-            <a:schemeClr val="accent1"/>
-          </a:lnRef>
-          <a:fillRef idx="0">
-            <a:schemeClr val="accent1"/>
-          </a:fillRef>
-          <a:effectRef idx="0">
-            <a:schemeClr val="accent1"/>
-          </a:effectRef>
-          <a:fontRef idx="minor">
-            <a:schemeClr val="tx1"/>
-          </a:fontRef>
-        </p:style>
-      </p:cxnSp>
-      <p:cxnSp>
-        <p:nvCxnSpPr>
-          <p:cNvPr id="17" name="직선 화살표 연결선 16"/>
-          <p:cNvCxnSpPr>
-            <a:stCxn id="8" idx="3"/>
-            <a:endCxn id="4" idx="1"/>
-          </p:cNvCxnSpPr>
-          <p:nvPr/>
-        </p:nvCxnSpPr>
-        <p:spPr>
-          <a:xfrm flipV="1">
-            <a:off x="1477591" y="2705970"/>
-            <a:ext cx="1020410" cy="2039992"/>
-          </a:xfrm>
-          <a:prstGeom prst="straightConnector1">
-            <a:avLst/>
-          </a:prstGeom>
-          <a:ln>
-            <a:solidFill>
-              <a:schemeClr val="tx1"/>
-            </a:solidFill>
-            <a:tailEnd type="triangle"/>
-          </a:ln>
-        </p:spPr>
-        <p:style>
-          <a:lnRef idx="1">
-            <a:schemeClr val="accent1"/>
-          </a:lnRef>
-          <a:fillRef idx="0">
-            <a:schemeClr val="accent1"/>
-          </a:fillRef>
-          <a:effectRef idx="0">
-            <a:schemeClr val="accent1"/>
-          </a:effectRef>
-          <a:fontRef idx="minor">
-            <a:schemeClr val="tx1"/>
-          </a:fontRef>
-        </p:style>
-      </p:cxnSp>
-      <p:cxnSp>
-        <p:nvCxnSpPr>
-          <p:cNvPr id="19" name="직선 화살표 연결선 18"/>
-          <p:cNvCxnSpPr>
-            <a:stCxn id="4" idx="3"/>
-            <a:endCxn id="9" idx="1"/>
-          </p:cNvCxnSpPr>
-          <p:nvPr/>
-        </p:nvCxnSpPr>
-        <p:spPr>
-          <a:xfrm>
-            <a:off x="5746026" y="2705970"/>
-            <a:ext cx="1020410" cy="0"/>
-          </a:xfrm>
-          <a:prstGeom prst="straightConnector1">
-            <a:avLst/>
-          </a:prstGeom>
-          <a:ln>
-            <a:solidFill>
-              <a:schemeClr val="tx1"/>
-            </a:solidFill>
-            <a:tailEnd type="triangle"/>
-          </a:ln>
-        </p:spPr>
-        <p:style>
-          <a:lnRef idx="1">
-            <a:schemeClr val="accent1"/>
-          </a:lnRef>
-          <a:fillRef idx="0">
-            <a:schemeClr val="accent1"/>
-          </a:fillRef>
-          <a:effectRef idx="0">
-            <a:schemeClr val="accent1"/>
-          </a:effectRef>
-          <a:fontRef idx="minor">
-            <a:schemeClr val="tx1"/>
-          </a:fontRef>
-        </p:style>
-      </p:cxnSp>
-      <p:cxnSp>
-        <p:nvCxnSpPr>
-          <p:cNvPr id="21" name="직선 화살표 연결선 20"/>
-          <p:cNvCxnSpPr>
-            <a:stCxn id="9" idx="3"/>
-            <a:endCxn id="2050" idx="1"/>
-          </p:cNvCxnSpPr>
-          <p:nvPr/>
-        </p:nvCxnSpPr>
-        <p:spPr>
-          <a:xfrm>
-            <a:off x="8394357" y="2705970"/>
-            <a:ext cx="888605" cy="4279"/>
-          </a:xfrm>
-          <a:prstGeom prst="straightConnector1">
-            <a:avLst/>
-          </a:prstGeom>
-          <a:ln>
-            <a:solidFill>
-              <a:schemeClr val="tx1"/>
-            </a:solidFill>
-            <a:tailEnd type="triangle"/>
-          </a:ln>
-        </p:spPr>
-        <p:style>
-          <a:lnRef idx="1">
-            <a:schemeClr val="accent1"/>
-          </a:lnRef>
-          <a:fillRef idx="0">
-            <a:schemeClr val="accent1"/>
-          </a:fillRef>
-          <a:effectRef idx="0">
-            <a:schemeClr val="accent1"/>
-          </a:effectRef>
-          <a:fontRef idx="minor">
-            <a:schemeClr val="tx1"/>
-          </a:fontRef>
-        </p:style>
-      </p:cxnSp>
-      <p:sp>
-        <p:nvSpPr>
-          <p:cNvPr id="22" name="직사각형 21"/>
-          <p:cNvSpPr/>
-          <p:nvPr/>
-        </p:nvSpPr>
-        <p:spPr>
-          <a:xfrm>
-            <a:off x="453081" y="329514"/>
-            <a:ext cx="10890422" cy="5206313"/>
-          </a:xfrm>
-          <a:prstGeom prst="rect">
-            <a:avLst/>
-          </a:prstGeom>
-          <a:noFill/>
         </p:spPr>
         <p:style>
           <a:lnRef idx="2">
@@ -3495,20 +10768,1613 @@
           <a:lstStyle/>
           <a:p>
             <a:pPr algn="ctr"/>
-            <a:endParaRPr lang="ko-KR" altLang="en-US"/>
-          </a:p>
-        </p:txBody>
-      </p:sp>
+            <a:r>
+              <a:rPr lang="en-US" altLang="ko-KR" sz="1300" dirty="0" err="1"/>
+              <a:t>Grafana</a:t>
+            </a:r>
+            <a:endParaRPr lang="ko-KR" altLang="en-US" sz="1300" dirty="0"/>
+          </a:p>
+        </p:txBody>
+      </p:sp>
+      <p:pic>
+        <p:nvPicPr>
+          <p:cNvPr id="1028" name="Picture 4" descr="GitHub - AndersonChoi/kafka-lag-dashboard: kafka lag을 모니터링 하기 위한 방법을  정리하였습니다."/>
+          <p:cNvPicPr>
+            <a:picLocks noChangeAspect="1" noChangeArrowheads="1"/>
+          </p:cNvPicPr>
+          <p:nvPr/>
+        </p:nvPicPr>
+        <p:blipFill>
+          <a:blip r:embed="rId6" cstate="print">
+            <a:extLst>
+              <a:ext uri="{28A0092B-C50C-407E-A947-70E740481C1C}">
+                <a14:useLocalDpi xmlns:a14="http://schemas.microsoft.com/office/drawing/2010/main" val="0"/>
+              </a:ext>
+            </a:extLst>
+          </a:blip>
+          <a:srcRect/>
+          <a:stretch>
+            <a:fillRect/>
+          </a:stretch>
+        </p:blipFill>
+        <p:spPr bwMode="auto">
+          <a:xfrm>
+            <a:off x="10034454" y="3144102"/>
+            <a:ext cx="289565" cy="289565"/>
+          </a:xfrm>
+          <a:prstGeom prst="rect">
+            <a:avLst/>
+          </a:prstGeom>
+          <a:noFill/>
+          <a:extLst>
+            <a:ext uri="{909E8E84-426E-40DD-AFC4-6F175D3DCCD1}">
+              <a14:hiddenFill xmlns:a14="http://schemas.microsoft.com/office/drawing/2010/main">
+                <a:solidFill>
+                  <a:srgbClr val="FFFFFF"/>
+                </a:solidFill>
+              </a14:hiddenFill>
+            </a:ext>
+          </a:extLst>
+        </p:spPr>
+      </p:pic>
+      <p:cxnSp>
+        <p:nvCxnSpPr>
+          <p:cNvPr id="19" name="꺾인 연결선 18"/>
+          <p:cNvCxnSpPr>
+            <a:cxnSpLocks/>
+            <a:stCxn id="2" idx="3"/>
+          </p:cNvCxnSpPr>
+          <p:nvPr/>
+        </p:nvCxnSpPr>
+        <p:spPr>
+          <a:xfrm>
+            <a:off x="2539019" y="2707537"/>
+            <a:ext cx="945335" cy="170260"/>
+          </a:xfrm>
+          <a:prstGeom prst="bentConnector3">
+            <a:avLst/>
+          </a:prstGeom>
+          <a:ln>
+            <a:tailEnd type="triangle"/>
+          </a:ln>
+        </p:spPr>
+        <p:style>
+          <a:lnRef idx="2">
+            <a:schemeClr val="accent1"/>
+          </a:lnRef>
+          <a:fillRef idx="0">
+            <a:schemeClr val="accent1"/>
+          </a:fillRef>
+          <a:effectRef idx="1">
+            <a:schemeClr val="accent1"/>
+          </a:effectRef>
+          <a:fontRef idx="minor">
+            <a:schemeClr val="tx1"/>
+          </a:fontRef>
+        </p:style>
+      </p:cxnSp>
+      <p:cxnSp>
+        <p:nvCxnSpPr>
+          <p:cNvPr id="23" name="꺾인 연결선 22"/>
+          <p:cNvCxnSpPr>
+            <a:cxnSpLocks/>
+            <a:stCxn id="33" idx="3"/>
+          </p:cNvCxnSpPr>
+          <p:nvPr/>
+        </p:nvCxnSpPr>
+        <p:spPr>
+          <a:xfrm flipV="1">
+            <a:off x="2539019" y="2877797"/>
+            <a:ext cx="945335" cy="261403"/>
+          </a:xfrm>
+          <a:prstGeom prst="bentConnector3">
+            <a:avLst/>
+          </a:prstGeom>
+          <a:ln>
+            <a:tailEnd type="triangle"/>
+          </a:ln>
+        </p:spPr>
+        <p:style>
+          <a:lnRef idx="2">
+            <a:schemeClr val="accent1"/>
+          </a:lnRef>
+          <a:fillRef idx="0">
+            <a:schemeClr val="accent1"/>
+          </a:fillRef>
+          <a:effectRef idx="1">
+            <a:schemeClr val="accent1"/>
+          </a:effectRef>
+          <a:fontRef idx="minor">
+            <a:schemeClr val="tx1"/>
+          </a:fontRef>
+        </p:style>
+      </p:cxnSp>
+      <p:cxnSp>
+        <p:nvCxnSpPr>
+          <p:cNvPr id="28" name="꺾인 연결선 27"/>
+          <p:cNvCxnSpPr>
+            <a:cxnSpLocks/>
+            <a:stCxn id="37" idx="3"/>
+          </p:cNvCxnSpPr>
+          <p:nvPr/>
+        </p:nvCxnSpPr>
+        <p:spPr>
+          <a:xfrm flipV="1">
+            <a:off x="2539019" y="2877797"/>
+            <a:ext cx="945335" cy="691040"/>
+          </a:xfrm>
+          <a:prstGeom prst="bentConnector3">
+            <a:avLst/>
+          </a:prstGeom>
+          <a:ln>
+            <a:tailEnd type="triangle"/>
+          </a:ln>
+        </p:spPr>
+        <p:style>
+          <a:lnRef idx="2">
+            <a:schemeClr val="accent1"/>
+          </a:lnRef>
+          <a:fillRef idx="0">
+            <a:schemeClr val="accent1"/>
+          </a:fillRef>
+          <a:effectRef idx="1">
+            <a:schemeClr val="accent1"/>
+          </a:effectRef>
+          <a:fontRef idx="minor">
+            <a:schemeClr val="tx1"/>
+          </a:fontRef>
+        </p:style>
+      </p:cxnSp>
+      <p:cxnSp>
+        <p:nvCxnSpPr>
+          <p:cNvPr id="34" name="꺾인 연결선 33"/>
+          <p:cNvCxnSpPr>
+            <a:cxnSpLocks/>
+            <a:stCxn id="39" idx="3"/>
+          </p:cNvCxnSpPr>
+          <p:nvPr/>
+        </p:nvCxnSpPr>
+        <p:spPr>
+          <a:xfrm flipV="1">
+            <a:off x="2539019" y="2877797"/>
+            <a:ext cx="945335" cy="1120677"/>
+          </a:xfrm>
+          <a:prstGeom prst="bentConnector3">
+            <a:avLst>
+              <a:gd name="adj1" fmla="val 50000"/>
+            </a:avLst>
+          </a:prstGeom>
+          <a:ln>
+            <a:tailEnd type="triangle"/>
+          </a:ln>
+        </p:spPr>
+        <p:style>
+          <a:lnRef idx="2">
+            <a:schemeClr val="accent1"/>
+          </a:lnRef>
+          <a:fillRef idx="0">
+            <a:schemeClr val="accent1"/>
+          </a:fillRef>
+          <a:effectRef idx="1">
+            <a:schemeClr val="accent1"/>
+          </a:effectRef>
+          <a:fontRef idx="minor">
+            <a:schemeClr val="tx1"/>
+          </a:fontRef>
+        </p:style>
+      </p:cxnSp>
+      <p:cxnSp>
+        <p:nvCxnSpPr>
+          <p:cNvPr id="50" name="꺾인 연결선 49"/>
+          <p:cNvCxnSpPr>
+            <a:cxnSpLocks/>
+            <a:stCxn id="40" idx="3"/>
+          </p:cNvCxnSpPr>
+          <p:nvPr/>
+        </p:nvCxnSpPr>
+        <p:spPr>
+          <a:xfrm flipV="1">
+            <a:off x="2539019" y="2877797"/>
+            <a:ext cx="945335" cy="1548348"/>
+          </a:xfrm>
+          <a:prstGeom prst="bentConnector3">
+            <a:avLst/>
+          </a:prstGeom>
+          <a:ln>
+            <a:tailEnd type="triangle"/>
+          </a:ln>
+        </p:spPr>
+        <p:style>
+          <a:lnRef idx="2">
+            <a:schemeClr val="accent1"/>
+          </a:lnRef>
+          <a:fillRef idx="0">
+            <a:schemeClr val="accent1"/>
+          </a:fillRef>
+          <a:effectRef idx="1">
+            <a:schemeClr val="accent1"/>
+          </a:effectRef>
+          <a:fontRef idx="minor">
+            <a:schemeClr val="tx1"/>
+          </a:fontRef>
+        </p:style>
+      </p:cxnSp>
+      <p:cxnSp>
+        <p:nvCxnSpPr>
+          <p:cNvPr id="54" name="꺾인 연결선 53"/>
+          <p:cNvCxnSpPr>
+            <a:cxnSpLocks/>
+            <a:stCxn id="40" idx="3"/>
+            <a:endCxn id="18" idx="1"/>
+          </p:cNvCxnSpPr>
+          <p:nvPr/>
+        </p:nvCxnSpPr>
+        <p:spPr>
+          <a:xfrm flipV="1">
+            <a:off x="2539019" y="3508242"/>
+            <a:ext cx="945336" cy="917903"/>
+          </a:xfrm>
+          <a:prstGeom prst="bentConnector3">
+            <a:avLst>
+              <a:gd name="adj1" fmla="val 50000"/>
+            </a:avLst>
+          </a:prstGeom>
+          <a:ln>
+            <a:solidFill>
+              <a:srgbClr val="FFC000"/>
+            </a:solidFill>
+            <a:tailEnd type="triangle"/>
+          </a:ln>
+        </p:spPr>
+        <p:style>
+          <a:lnRef idx="2">
+            <a:schemeClr val="accent1"/>
+          </a:lnRef>
+          <a:fillRef idx="0">
+            <a:schemeClr val="accent1"/>
+          </a:fillRef>
+          <a:effectRef idx="1">
+            <a:schemeClr val="accent1"/>
+          </a:effectRef>
+          <a:fontRef idx="minor">
+            <a:schemeClr val="tx1"/>
+          </a:fontRef>
+        </p:style>
+      </p:cxnSp>
+      <p:cxnSp>
+        <p:nvCxnSpPr>
+          <p:cNvPr id="60" name="꺾인 연결선 59"/>
+          <p:cNvCxnSpPr>
+            <a:cxnSpLocks/>
+            <a:stCxn id="39" idx="3"/>
+            <a:endCxn id="18" idx="1"/>
+          </p:cNvCxnSpPr>
+          <p:nvPr/>
+        </p:nvCxnSpPr>
+        <p:spPr>
+          <a:xfrm flipV="1">
+            <a:off x="2539019" y="3508242"/>
+            <a:ext cx="945336" cy="490232"/>
+          </a:xfrm>
+          <a:prstGeom prst="bentConnector3">
+            <a:avLst>
+              <a:gd name="adj1" fmla="val 50000"/>
+            </a:avLst>
+          </a:prstGeom>
+          <a:ln>
+            <a:solidFill>
+              <a:srgbClr val="FFC000"/>
+            </a:solidFill>
+            <a:tailEnd type="triangle"/>
+          </a:ln>
+        </p:spPr>
+        <p:style>
+          <a:lnRef idx="2">
+            <a:schemeClr val="accent1"/>
+          </a:lnRef>
+          <a:fillRef idx="0">
+            <a:schemeClr val="accent1"/>
+          </a:fillRef>
+          <a:effectRef idx="1">
+            <a:schemeClr val="accent1"/>
+          </a:effectRef>
+          <a:fontRef idx="minor">
+            <a:schemeClr val="tx1"/>
+          </a:fontRef>
+        </p:style>
+      </p:cxnSp>
+      <p:cxnSp>
+        <p:nvCxnSpPr>
+          <p:cNvPr id="63" name="꺾인 연결선 62"/>
+          <p:cNvCxnSpPr>
+            <a:cxnSpLocks/>
+            <a:stCxn id="37" idx="3"/>
+            <a:endCxn id="18" idx="1"/>
+          </p:cNvCxnSpPr>
+          <p:nvPr/>
+        </p:nvCxnSpPr>
+        <p:spPr>
+          <a:xfrm flipV="1">
+            <a:off x="2539019" y="3508242"/>
+            <a:ext cx="945336" cy="60595"/>
+          </a:xfrm>
+          <a:prstGeom prst="bentConnector3">
+            <a:avLst>
+              <a:gd name="adj1" fmla="val 50000"/>
+            </a:avLst>
+          </a:prstGeom>
+          <a:ln>
+            <a:solidFill>
+              <a:srgbClr val="FFC000"/>
+            </a:solidFill>
+            <a:tailEnd type="triangle"/>
+          </a:ln>
+        </p:spPr>
+        <p:style>
+          <a:lnRef idx="2">
+            <a:schemeClr val="accent1"/>
+          </a:lnRef>
+          <a:fillRef idx="0">
+            <a:schemeClr val="accent1"/>
+          </a:fillRef>
+          <a:effectRef idx="1">
+            <a:schemeClr val="accent1"/>
+          </a:effectRef>
+          <a:fontRef idx="minor">
+            <a:schemeClr val="tx1"/>
+          </a:fontRef>
+        </p:style>
+      </p:cxnSp>
+      <p:cxnSp>
+        <p:nvCxnSpPr>
+          <p:cNvPr id="66" name="꺾인 연결선 65"/>
+          <p:cNvCxnSpPr>
+            <a:cxnSpLocks/>
+            <a:stCxn id="33" idx="3"/>
+            <a:endCxn id="18" idx="1"/>
+          </p:cNvCxnSpPr>
+          <p:nvPr/>
+        </p:nvCxnSpPr>
+        <p:spPr>
+          <a:xfrm>
+            <a:off x="2539019" y="3139200"/>
+            <a:ext cx="945336" cy="369042"/>
+          </a:xfrm>
+          <a:prstGeom prst="bentConnector3">
+            <a:avLst>
+              <a:gd name="adj1" fmla="val 50000"/>
+            </a:avLst>
+          </a:prstGeom>
+          <a:ln>
+            <a:solidFill>
+              <a:srgbClr val="FFC000"/>
+            </a:solidFill>
+            <a:tailEnd type="triangle"/>
+          </a:ln>
+        </p:spPr>
+        <p:style>
+          <a:lnRef idx="2">
+            <a:schemeClr val="accent1"/>
+          </a:lnRef>
+          <a:fillRef idx="0">
+            <a:schemeClr val="accent1"/>
+          </a:fillRef>
+          <a:effectRef idx="1">
+            <a:schemeClr val="accent1"/>
+          </a:effectRef>
+          <a:fontRef idx="minor">
+            <a:schemeClr val="tx1"/>
+          </a:fontRef>
+        </p:style>
+      </p:cxnSp>
+      <p:cxnSp>
+        <p:nvCxnSpPr>
+          <p:cNvPr id="69" name="꺾인 연결선 68"/>
+          <p:cNvCxnSpPr>
+            <a:cxnSpLocks/>
+            <a:stCxn id="2" idx="3"/>
+            <a:endCxn id="18" idx="1"/>
+          </p:cNvCxnSpPr>
+          <p:nvPr/>
+        </p:nvCxnSpPr>
+        <p:spPr>
+          <a:xfrm>
+            <a:off x="2539019" y="2707537"/>
+            <a:ext cx="945336" cy="800705"/>
+          </a:xfrm>
+          <a:prstGeom prst="bentConnector3">
+            <a:avLst>
+              <a:gd name="adj1" fmla="val 50000"/>
+            </a:avLst>
+          </a:prstGeom>
+          <a:ln>
+            <a:solidFill>
+              <a:srgbClr val="FFC000"/>
+            </a:solidFill>
+            <a:tailEnd type="triangle"/>
+          </a:ln>
+        </p:spPr>
+        <p:style>
+          <a:lnRef idx="2">
+            <a:schemeClr val="accent1"/>
+          </a:lnRef>
+          <a:fillRef idx="0">
+            <a:schemeClr val="accent1"/>
+          </a:fillRef>
+          <a:effectRef idx="1">
+            <a:schemeClr val="accent1"/>
+          </a:effectRef>
+          <a:fontRef idx="minor">
+            <a:schemeClr val="tx1"/>
+          </a:fontRef>
+        </p:style>
+      </p:cxnSp>
+      <p:cxnSp>
+        <p:nvCxnSpPr>
+          <p:cNvPr id="77" name="꺾인 연결선 76"/>
+          <p:cNvCxnSpPr>
+            <a:cxnSpLocks/>
+            <a:stCxn id="2" idx="3"/>
+          </p:cNvCxnSpPr>
+          <p:nvPr/>
+        </p:nvCxnSpPr>
+        <p:spPr>
+          <a:xfrm>
+            <a:off x="2539019" y="2707537"/>
+            <a:ext cx="955851" cy="1353240"/>
+          </a:xfrm>
+          <a:prstGeom prst="bentConnector3">
+            <a:avLst>
+              <a:gd name="adj1" fmla="val 63951"/>
+            </a:avLst>
+          </a:prstGeom>
+          <a:ln>
+            <a:solidFill>
+              <a:srgbClr val="FF0000"/>
+            </a:solidFill>
+            <a:tailEnd type="triangle"/>
+          </a:ln>
+        </p:spPr>
+        <p:style>
+          <a:lnRef idx="2">
+            <a:schemeClr val="accent1"/>
+          </a:lnRef>
+          <a:fillRef idx="0">
+            <a:schemeClr val="accent1"/>
+          </a:fillRef>
+          <a:effectRef idx="1">
+            <a:schemeClr val="accent1"/>
+          </a:effectRef>
+          <a:fontRef idx="minor">
+            <a:schemeClr val="tx1"/>
+          </a:fontRef>
+        </p:style>
+      </p:cxnSp>
+      <p:cxnSp>
+        <p:nvCxnSpPr>
+          <p:cNvPr id="81" name="꺾인 연결선 80"/>
+          <p:cNvCxnSpPr>
+            <a:cxnSpLocks/>
+            <a:stCxn id="33" idx="3"/>
+          </p:cNvCxnSpPr>
+          <p:nvPr/>
+        </p:nvCxnSpPr>
+        <p:spPr>
+          <a:xfrm>
+            <a:off x="2539019" y="3139200"/>
+            <a:ext cx="955851" cy="921577"/>
+          </a:xfrm>
+          <a:prstGeom prst="bentConnector3">
+            <a:avLst>
+              <a:gd name="adj1" fmla="val 63951"/>
+            </a:avLst>
+          </a:prstGeom>
+          <a:ln>
+            <a:solidFill>
+              <a:srgbClr val="FF0000"/>
+            </a:solidFill>
+            <a:tailEnd type="triangle"/>
+          </a:ln>
+        </p:spPr>
+        <p:style>
+          <a:lnRef idx="2">
+            <a:schemeClr val="accent1"/>
+          </a:lnRef>
+          <a:fillRef idx="0">
+            <a:schemeClr val="accent1"/>
+          </a:fillRef>
+          <a:effectRef idx="1">
+            <a:schemeClr val="accent1"/>
+          </a:effectRef>
+          <a:fontRef idx="minor">
+            <a:schemeClr val="tx1"/>
+          </a:fontRef>
+        </p:style>
+      </p:cxnSp>
+      <p:cxnSp>
+        <p:nvCxnSpPr>
+          <p:cNvPr id="84" name="꺾인 연결선 83"/>
+          <p:cNvCxnSpPr>
+            <a:cxnSpLocks/>
+            <a:stCxn id="37" idx="3"/>
+          </p:cNvCxnSpPr>
+          <p:nvPr/>
+        </p:nvCxnSpPr>
+        <p:spPr>
+          <a:xfrm>
+            <a:off x="2539019" y="3568837"/>
+            <a:ext cx="955851" cy="491940"/>
+          </a:xfrm>
+          <a:prstGeom prst="bentConnector3">
+            <a:avLst>
+              <a:gd name="adj1" fmla="val 63951"/>
+            </a:avLst>
+          </a:prstGeom>
+          <a:ln>
+            <a:solidFill>
+              <a:srgbClr val="FF0000"/>
+            </a:solidFill>
+            <a:tailEnd type="triangle"/>
+          </a:ln>
+        </p:spPr>
+        <p:style>
+          <a:lnRef idx="2">
+            <a:schemeClr val="accent1"/>
+          </a:lnRef>
+          <a:fillRef idx="0">
+            <a:schemeClr val="accent1"/>
+          </a:fillRef>
+          <a:effectRef idx="1">
+            <a:schemeClr val="accent1"/>
+          </a:effectRef>
+          <a:fontRef idx="minor">
+            <a:schemeClr val="tx1"/>
+          </a:fontRef>
+        </p:style>
+      </p:cxnSp>
+      <p:cxnSp>
+        <p:nvCxnSpPr>
+          <p:cNvPr id="87" name="꺾인 연결선 86"/>
+          <p:cNvCxnSpPr>
+            <a:cxnSpLocks/>
+            <a:stCxn id="39" idx="3"/>
+          </p:cNvCxnSpPr>
+          <p:nvPr/>
+        </p:nvCxnSpPr>
+        <p:spPr>
+          <a:xfrm>
+            <a:off x="2539019" y="3998474"/>
+            <a:ext cx="955851" cy="62303"/>
+          </a:xfrm>
+          <a:prstGeom prst="bentConnector3">
+            <a:avLst>
+              <a:gd name="adj1" fmla="val 63951"/>
+            </a:avLst>
+          </a:prstGeom>
+          <a:ln>
+            <a:solidFill>
+              <a:srgbClr val="FF0000"/>
+            </a:solidFill>
+            <a:tailEnd type="triangle"/>
+          </a:ln>
+        </p:spPr>
+        <p:style>
+          <a:lnRef idx="2">
+            <a:schemeClr val="accent1"/>
+          </a:lnRef>
+          <a:fillRef idx="0">
+            <a:schemeClr val="accent1"/>
+          </a:fillRef>
+          <a:effectRef idx="1">
+            <a:schemeClr val="accent1"/>
+          </a:effectRef>
+          <a:fontRef idx="minor">
+            <a:schemeClr val="tx1"/>
+          </a:fontRef>
+        </p:style>
+      </p:cxnSp>
+      <p:cxnSp>
+        <p:nvCxnSpPr>
+          <p:cNvPr id="90" name="꺾인 연결선 89"/>
+          <p:cNvCxnSpPr>
+            <a:stCxn id="40" idx="3"/>
+          </p:cNvCxnSpPr>
+          <p:nvPr/>
+        </p:nvCxnSpPr>
+        <p:spPr>
+          <a:xfrm flipV="1">
+            <a:off x="2539019" y="4060777"/>
+            <a:ext cx="955851" cy="365368"/>
+          </a:xfrm>
+          <a:prstGeom prst="bentConnector3">
+            <a:avLst>
+              <a:gd name="adj1" fmla="val 63951"/>
+            </a:avLst>
+          </a:prstGeom>
+          <a:ln>
+            <a:solidFill>
+              <a:srgbClr val="FF0000"/>
+            </a:solidFill>
+            <a:tailEnd type="triangle"/>
+          </a:ln>
+        </p:spPr>
+        <p:style>
+          <a:lnRef idx="2">
+            <a:schemeClr val="accent1"/>
+          </a:lnRef>
+          <a:fillRef idx="0">
+            <a:schemeClr val="accent1"/>
+          </a:fillRef>
+          <a:effectRef idx="1">
+            <a:schemeClr val="accent1"/>
+          </a:effectRef>
+          <a:fontRef idx="minor">
+            <a:schemeClr val="tx1"/>
+          </a:fontRef>
+        </p:style>
+      </p:cxnSp>
+      <p:cxnSp>
+        <p:nvCxnSpPr>
+          <p:cNvPr id="93" name="직선 화살표 연결선 92"/>
+          <p:cNvCxnSpPr>
+            <a:cxnSpLocks/>
+            <a:stCxn id="18" idx="2"/>
+            <a:endCxn id="7" idx="0"/>
+          </p:cNvCxnSpPr>
+          <p:nvPr/>
+        </p:nvCxnSpPr>
+        <p:spPr>
+          <a:xfrm flipH="1">
+            <a:off x="4971152" y="4576762"/>
+            <a:ext cx="1" cy="628259"/>
+          </a:xfrm>
+          <a:prstGeom prst="straightConnector1">
+            <a:avLst/>
+          </a:prstGeom>
+          <a:ln>
+            <a:solidFill>
+              <a:srgbClr val="FF0000"/>
+            </a:solidFill>
+            <a:tailEnd type="triangle"/>
+          </a:ln>
+        </p:spPr>
+        <p:style>
+          <a:lnRef idx="2">
+            <a:schemeClr val="accent1"/>
+          </a:lnRef>
+          <a:fillRef idx="0">
+            <a:schemeClr val="accent1"/>
+          </a:fillRef>
+          <a:effectRef idx="1">
+            <a:schemeClr val="accent1"/>
+          </a:effectRef>
+          <a:fontRef idx="minor">
+            <a:schemeClr val="tx1"/>
+          </a:fontRef>
+        </p:style>
+      </p:cxnSp>
+      <p:cxnSp>
+        <p:nvCxnSpPr>
+          <p:cNvPr id="98" name="꺾인 연결선 97"/>
+          <p:cNvCxnSpPr>
+            <a:cxnSpLocks/>
+            <a:stCxn id="79" idx="3"/>
+            <a:endCxn id="26" idx="1"/>
+          </p:cNvCxnSpPr>
+          <p:nvPr/>
+        </p:nvCxnSpPr>
+        <p:spPr>
+          <a:xfrm>
+            <a:off x="6351616" y="3505123"/>
+            <a:ext cx="932892" cy="44533"/>
+          </a:xfrm>
+          <a:prstGeom prst="bentConnector3">
+            <a:avLst>
+              <a:gd name="adj1" fmla="val 59189"/>
+            </a:avLst>
+          </a:prstGeom>
+          <a:ln>
+            <a:solidFill>
+              <a:srgbClr val="FFC000"/>
+            </a:solidFill>
+            <a:tailEnd type="triangle"/>
+          </a:ln>
+        </p:spPr>
+        <p:style>
+          <a:lnRef idx="2">
+            <a:schemeClr val="accent1"/>
+          </a:lnRef>
+          <a:fillRef idx="0">
+            <a:schemeClr val="accent1"/>
+          </a:fillRef>
+          <a:effectRef idx="1">
+            <a:schemeClr val="accent1"/>
+          </a:effectRef>
+          <a:fontRef idx="minor">
+            <a:schemeClr val="tx1"/>
+          </a:fontRef>
+        </p:style>
+      </p:cxnSp>
+      <p:sp>
+        <p:nvSpPr>
+          <p:cNvPr id="29" name="사각형: 둥근 모서리 28">
+            <a:extLst>
+              <a:ext uri="{FF2B5EF4-FFF2-40B4-BE49-F238E27FC236}">
+                <a16:creationId xmlns="" xmlns:a16="http://schemas.microsoft.com/office/drawing/2014/main" id="{B3822D50-9B76-A18F-FE7F-5592FB3298AC}"/>
+              </a:ext>
+            </a:extLst>
+          </p:cNvPr>
+          <p:cNvSpPr/>
+          <p:nvPr/>
+        </p:nvSpPr>
+        <p:spPr>
+          <a:xfrm>
+            <a:off x="3622396" y="2535477"/>
+            <a:ext cx="1155359" cy="1944413"/>
+          </a:xfrm>
+          <a:prstGeom prst="roundRect">
+            <a:avLst/>
+          </a:prstGeom>
+          <a:solidFill>
+            <a:schemeClr val="accent1">
+              <a:lumMod val="75000"/>
+            </a:schemeClr>
+          </a:solidFill>
+          <a:ln>
+            <a:noFill/>
+          </a:ln>
+        </p:spPr>
+        <p:style>
+          <a:lnRef idx="2">
+            <a:schemeClr val="accent1">
+              <a:shade val="15000"/>
+            </a:schemeClr>
+          </a:lnRef>
+          <a:fillRef idx="1">
+            <a:schemeClr val="accent1"/>
+          </a:fillRef>
+          <a:effectRef idx="0">
+            <a:schemeClr val="accent1"/>
+          </a:effectRef>
+          <a:fontRef idx="minor">
+            <a:schemeClr val="lt1"/>
+          </a:fontRef>
+        </p:style>
+        <p:txBody>
+          <a:bodyPr lIns="0" rIns="0" rtlCol="0" anchor="ctr"/>
+          <a:lstStyle/>
+          <a:p>
+            <a:pPr algn="ctr"/>
+            <a:endParaRPr lang="ko-KR" altLang="en-US" sz="1200" dirty="0">
+              <a:solidFill>
+                <a:schemeClr val="bg1"/>
+              </a:solidFill>
+            </a:endParaRPr>
+          </a:p>
+        </p:txBody>
+      </p:sp>
+      <p:sp>
+        <p:nvSpPr>
+          <p:cNvPr id="70" name="사각형: 둥근 모서리 69">
+            <a:extLst>
+              <a:ext uri="{FF2B5EF4-FFF2-40B4-BE49-F238E27FC236}">
+                <a16:creationId xmlns="" xmlns:a16="http://schemas.microsoft.com/office/drawing/2014/main" id="{F1000F18-311B-F47B-8A0C-3C9EB6803D77}"/>
+              </a:ext>
+            </a:extLst>
+          </p:cNvPr>
+          <p:cNvSpPr/>
+          <p:nvPr/>
+        </p:nvSpPr>
+        <p:spPr>
+          <a:xfrm>
+            <a:off x="5179230" y="2514886"/>
+            <a:ext cx="1155359" cy="1944413"/>
+          </a:xfrm>
+          <a:prstGeom prst="roundRect">
+            <a:avLst/>
+          </a:prstGeom>
+          <a:solidFill>
+            <a:schemeClr val="accent1">
+              <a:lumMod val="75000"/>
+            </a:schemeClr>
+          </a:solidFill>
+          <a:ln>
+            <a:noFill/>
+          </a:ln>
+        </p:spPr>
+        <p:style>
+          <a:lnRef idx="2">
+            <a:schemeClr val="accent1">
+              <a:shade val="15000"/>
+            </a:schemeClr>
+          </a:lnRef>
+          <a:fillRef idx="1">
+            <a:schemeClr val="accent1"/>
+          </a:fillRef>
+          <a:effectRef idx="0">
+            <a:schemeClr val="accent1"/>
+          </a:effectRef>
+          <a:fontRef idx="minor">
+            <a:schemeClr val="lt1"/>
+          </a:fontRef>
+        </p:style>
+        <p:txBody>
+          <a:bodyPr lIns="0" rIns="0" rtlCol="0" anchor="ctr"/>
+          <a:lstStyle/>
+          <a:p>
+            <a:pPr algn="ctr"/>
+            <a:endParaRPr lang="ko-KR" altLang="en-US" sz="1200" dirty="0">
+              <a:solidFill>
+                <a:schemeClr val="bg1"/>
+              </a:solidFill>
+            </a:endParaRPr>
+          </a:p>
+        </p:txBody>
+      </p:sp>
+      <p:sp>
+        <p:nvSpPr>
+          <p:cNvPr id="21" name="TextBox 20">
+            <a:extLst>
+              <a:ext uri="{FF2B5EF4-FFF2-40B4-BE49-F238E27FC236}">
+                <a16:creationId xmlns="" xmlns:a16="http://schemas.microsoft.com/office/drawing/2014/main" id="{0055AAB4-36E2-B60A-40C7-77AC38100932}"/>
+              </a:ext>
+            </a:extLst>
+          </p:cNvPr>
+          <p:cNvSpPr txBox="1"/>
+          <p:nvPr/>
+        </p:nvSpPr>
+        <p:spPr>
+          <a:xfrm>
+            <a:off x="3558105" y="2682800"/>
+            <a:ext cx="1208854" cy="461665"/>
+          </a:xfrm>
+          <a:prstGeom prst="rect">
+            <a:avLst/>
+          </a:prstGeom>
+          <a:noFill/>
+        </p:spPr>
+        <p:txBody>
+          <a:bodyPr wrap="square" rtlCol="0">
+            <a:spAutoFit/>
+          </a:bodyPr>
+          <a:lstStyle/>
+          <a:p>
+            <a:pPr algn="ctr"/>
+            <a:r>
+              <a:rPr lang="en-US" altLang="ko-KR" sz="1200" dirty="0">
+                <a:solidFill>
+                  <a:schemeClr val="bg1"/>
+                </a:solidFill>
+              </a:rPr>
+              <a:t>OTLP Receiver</a:t>
+            </a:r>
+          </a:p>
+          <a:p>
+            <a:pPr algn="ctr"/>
+            <a:r>
+              <a:rPr lang="en-US" altLang="ko-KR" sz="1200" dirty="0">
+                <a:solidFill>
+                  <a:schemeClr val="bg1"/>
+                </a:solidFill>
+              </a:rPr>
+              <a:t>Metric</a:t>
+            </a:r>
+          </a:p>
+        </p:txBody>
+      </p:sp>
+      <p:sp>
+        <p:nvSpPr>
+          <p:cNvPr id="22" name="TextBox 21">
+            <a:extLst>
+              <a:ext uri="{FF2B5EF4-FFF2-40B4-BE49-F238E27FC236}">
+                <a16:creationId xmlns="" xmlns:a16="http://schemas.microsoft.com/office/drawing/2014/main" id="{08AFCAC3-C8F5-748A-B9CA-B01E01747540}"/>
+              </a:ext>
+            </a:extLst>
+          </p:cNvPr>
+          <p:cNvSpPr txBox="1"/>
+          <p:nvPr/>
+        </p:nvSpPr>
+        <p:spPr>
+          <a:xfrm>
+            <a:off x="3567133" y="3274290"/>
+            <a:ext cx="1201314" cy="461665"/>
+          </a:xfrm>
+          <a:prstGeom prst="rect">
+            <a:avLst/>
+          </a:prstGeom>
+          <a:noFill/>
+        </p:spPr>
+        <p:txBody>
+          <a:bodyPr wrap="square" rtlCol="0">
+            <a:spAutoFit/>
+          </a:bodyPr>
+          <a:lstStyle/>
+          <a:p>
+            <a:pPr algn="ctr"/>
+            <a:r>
+              <a:rPr lang="en-US" altLang="ko-KR" sz="1200" dirty="0">
+                <a:solidFill>
+                  <a:schemeClr val="bg1"/>
+                </a:solidFill>
+              </a:rPr>
+              <a:t>OTLP Receiver</a:t>
+            </a:r>
+          </a:p>
+          <a:p>
+            <a:pPr algn="ctr"/>
+            <a:r>
+              <a:rPr lang="en-US" altLang="ko-KR" sz="1200" dirty="0">
+                <a:solidFill>
+                  <a:schemeClr val="bg1"/>
+                </a:solidFill>
+              </a:rPr>
+              <a:t>Span(trace)</a:t>
+            </a:r>
+          </a:p>
+        </p:txBody>
+      </p:sp>
+      <p:sp>
+        <p:nvSpPr>
+          <p:cNvPr id="27" name="TextBox 26">
+            <a:extLst>
+              <a:ext uri="{FF2B5EF4-FFF2-40B4-BE49-F238E27FC236}">
+                <a16:creationId xmlns="" xmlns:a16="http://schemas.microsoft.com/office/drawing/2014/main" id="{F10533A2-E24C-9562-E30B-C803BB6884CB}"/>
+              </a:ext>
+            </a:extLst>
+          </p:cNvPr>
+          <p:cNvSpPr txBox="1"/>
+          <p:nvPr/>
+        </p:nvSpPr>
+        <p:spPr>
+          <a:xfrm>
+            <a:off x="3567133" y="3865780"/>
+            <a:ext cx="1201314" cy="461665"/>
+          </a:xfrm>
+          <a:prstGeom prst="rect">
+            <a:avLst/>
+          </a:prstGeom>
+          <a:noFill/>
+        </p:spPr>
+        <p:txBody>
+          <a:bodyPr wrap="square" rtlCol="0">
+            <a:spAutoFit/>
+          </a:bodyPr>
+          <a:lstStyle/>
+          <a:p>
+            <a:pPr algn="ctr"/>
+            <a:r>
+              <a:rPr lang="en-US" altLang="ko-KR" sz="1200" dirty="0">
+                <a:solidFill>
+                  <a:schemeClr val="bg1"/>
+                </a:solidFill>
+              </a:rPr>
+              <a:t>OTLP Receiver</a:t>
+            </a:r>
+          </a:p>
+          <a:p>
+            <a:pPr algn="ctr"/>
+            <a:r>
+              <a:rPr lang="en-US" altLang="ko-KR" sz="1200" dirty="0">
+                <a:solidFill>
+                  <a:schemeClr val="bg1"/>
+                </a:solidFill>
+              </a:rPr>
+              <a:t>Log</a:t>
+            </a:r>
+          </a:p>
+        </p:txBody>
+      </p:sp>
+      <p:grpSp>
+        <p:nvGrpSpPr>
+          <p:cNvPr id="76" name="그룹 75">
+            <a:extLst>
+              <a:ext uri="{FF2B5EF4-FFF2-40B4-BE49-F238E27FC236}">
+                <a16:creationId xmlns="" xmlns:a16="http://schemas.microsoft.com/office/drawing/2014/main" id="{313D5DC3-9884-62D1-5A48-ADCCCFF4B822}"/>
+              </a:ext>
+            </a:extLst>
+          </p:cNvPr>
+          <p:cNvGrpSpPr/>
+          <p:nvPr/>
+        </p:nvGrpSpPr>
+        <p:grpSpPr>
+          <a:xfrm>
+            <a:off x="5170280" y="2682800"/>
+            <a:ext cx="1181336" cy="1644645"/>
+            <a:chOff x="7196164" y="5208114"/>
+            <a:chExt cx="1215887" cy="1644645"/>
+          </a:xfrm>
+        </p:grpSpPr>
+        <p:sp>
+          <p:nvSpPr>
+            <p:cNvPr id="78" name="TextBox 77">
+              <a:extLst>
+                <a:ext uri="{FF2B5EF4-FFF2-40B4-BE49-F238E27FC236}">
+                  <a16:creationId xmlns="" xmlns:a16="http://schemas.microsoft.com/office/drawing/2014/main" id="{F9C4339C-03F6-6FD0-3937-E39C4602C1A4}"/>
+                </a:ext>
+              </a:extLst>
+            </p:cNvPr>
+            <p:cNvSpPr txBox="1"/>
+            <p:nvPr/>
+          </p:nvSpPr>
+          <p:spPr>
+            <a:xfrm>
+              <a:off x="7196164" y="5208114"/>
+              <a:ext cx="1214416" cy="461665"/>
+            </a:xfrm>
+            <a:prstGeom prst="rect">
+              <a:avLst/>
+            </a:prstGeom>
+            <a:noFill/>
+          </p:spPr>
+          <p:txBody>
+            <a:bodyPr wrap="square" rtlCol="0">
+              <a:spAutoFit/>
+            </a:bodyPr>
+            <a:lstStyle/>
+            <a:p>
+              <a:pPr algn="ctr"/>
+              <a:r>
+                <a:rPr lang="en-US" altLang="ko-KR" sz="1200" dirty="0">
+                  <a:solidFill>
+                    <a:schemeClr val="bg1"/>
+                  </a:solidFill>
+                </a:rPr>
+                <a:t>OTLP Exporter</a:t>
+              </a:r>
+            </a:p>
+            <a:p>
+              <a:pPr algn="ctr"/>
+              <a:r>
+                <a:rPr lang="en-US" altLang="ko-KR" sz="1200" dirty="0">
+                  <a:solidFill>
+                    <a:schemeClr val="bg1"/>
+                  </a:solidFill>
+                </a:rPr>
+                <a:t>Metric</a:t>
+              </a:r>
+            </a:p>
+          </p:txBody>
+        </p:sp>
+        <p:sp>
+          <p:nvSpPr>
+            <p:cNvPr id="79" name="TextBox 78">
+              <a:extLst>
+                <a:ext uri="{FF2B5EF4-FFF2-40B4-BE49-F238E27FC236}">
+                  <a16:creationId xmlns="" xmlns:a16="http://schemas.microsoft.com/office/drawing/2014/main" id="{8E33C58C-1036-88C4-895B-788879DB1BA9}"/>
+                </a:ext>
+              </a:extLst>
+            </p:cNvPr>
+            <p:cNvSpPr txBox="1"/>
+            <p:nvPr/>
+          </p:nvSpPr>
+          <p:spPr>
+            <a:xfrm>
+              <a:off x="7205209" y="5799604"/>
+              <a:ext cx="1206842" cy="461665"/>
+            </a:xfrm>
+            <a:prstGeom prst="rect">
+              <a:avLst/>
+            </a:prstGeom>
+            <a:noFill/>
+          </p:spPr>
+          <p:txBody>
+            <a:bodyPr wrap="square" rtlCol="0">
+              <a:spAutoFit/>
+            </a:bodyPr>
+            <a:lstStyle/>
+            <a:p>
+              <a:pPr algn="ctr"/>
+              <a:r>
+                <a:rPr lang="en-US" altLang="ko-KR" sz="1200" dirty="0">
+                  <a:solidFill>
+                    <a:schemeClr val="bg1"/>
+                  </a:solidFill>
+                </a:rPr>
+                <a:t>OTLP Exporter</a:t>
+              </a:r>
+            </a:p>
+            <a:p>
+              <a:pPr algn="ctr"/>
+              <a:r>
+                <a:rPr lang="en-US" altLang="ko-KR" sz="1200" dirty="0">
+                  <a:solidFill>
+                    <a:schemeClr val="bg1"/>
+                  </a:solidFill>
+                </a:rPr>
+                <a:t>Span(trace)</a:t>
+              </a:r>
+            </a:p>
+          </p:txBody>
+        </p:sp>
+        <p:sp>
+          <p:nvSpPr>
+            <p:cNvPr id="80" name="TextBox 79">
+              <a:extLst>
+                <a:ext uri="{FF2B5EF4-FFF2-40B4-BE49-F238E27FC236}">
+                  <a16:creationId xmlns="" xmlns:a16="http://schemas.microsoft.com/office/drawing/2014/main" id="{302DA6BE-206C-D7FD-5556-422A58CA62FA}"/>
+                </a:ext>
+              </a:extLst>
+            </p:cNvPr>
+            <p:cNvSpPr txBox="1"/>
+            <p:nvPr/>
+          </p:nvSpPr>
+          <p:spPr>
+            <a:xfrm>
+              <a:off x="7205209" y="6391094"/>
+              <a:ext cx="1206842" cy="461665"/>
+            </a:xfrm>
+            <a:prstGeom prst="rect">
+              <a:avLst/>
+            </a:prstGeom>
+            <a:noFill/>
+          </p:spPr>
+          <p:txBody>
+            <a:bodyPr wrap="square" rtlCol="0">
+              <a:spAutoFit/>
+            </a:bodyPr>
+            <a:lstStyle/>
+            <a:p>
+              <a:pPr algn="ctr"/>
+              <a:r>
+                <a:rPr lang="en-US" altLang="ko-KR" sz="1200" dirty="0">
+                  <a:solidFill>
+                    <a:schemeClr val="bg1"/>
+                  </a:solidFill>
+                </a:rPr>
+                <a:t>OTLP Exporter</a:t>
+              </a:r>
+            </a:p>
+            <a:p>
+              <a:pPr algn="ctr"/>
+              <a:r>
+                <a:rPr lang="en-US" altLang="ko-KR" sz="1200" dirty="0">
+                  <a:solidFill>
+                    <a:schemeClr val="bg1"/>
+                  </a:solidFill>
+                </a:rPr>
+                <a:t>Log</a:t>
+              </a:r>
+            </a:p>
+          </p:txBody>
+        </p:sp>
+      </p:grpSp>
+      <p:cxnSp>
+        <p:nvCxnSpPr>
+          <p:cNvPr id="88" name="직선 화살표 연결선 87">
+            <a:extLst>
+              <a:ext uri="{FF2B5EF4-FFF2-40B4-BE49-F238E27FC236}">
+                <a16:creationId xmlns="" xmlns:a16="http://schemas.microsoft.com/office/drawing/2014/main" id="{587E6539-65E7-C097-B52A-809CE148FC08}"/>
+              </a:ext>
+            </a:extLst>
+          </p:cNvPr>
+          <p:cNvCxnSpPr>
+            <a:stCxn id="21" idx="3"/>
+            <a:endCxn id="78" idx="1"/>
+          </p:cNvCxnSpPr>
+          <p:nvPr/>
+        </p:nvCxnSpPr>
+        <p:spPr>
+          <a:xfrm>
+            <a:off x="4766959" y="2913633"/>
+            <a:ext cx="403321" cy="0"/>
+          </a:xfrm>
+          <a:prstGeom prst="straightConnector1">
+            <a:avLst/>
+          </a:prstGeom>
+          <a:ln>
+            <a:solidFill>
+              <a:schemeClr val="bg1"/>
+            </a:solidFill>
+            <a:tailEnd type="triangle"/>
+          </a:ln>
+        </p:spPr>
+        <p:style>
+          <a:lnRef idx="2">
+            <a:schemeClr val="dk1"/>
+          </a:lnRef>
+          <a:fillRef idx="0">
+            <a:schemeClr val="dk1"/>
+          </a:fillRef>
+          <a:effectRef idx="1">
+            <a:schemeClr val="dk1"/>
+          </a:effectRef>
+          <a:fontRef idx="minor">
+            <a:schemeClr val="tx1"/>
+          </a:fontRef>
+        </p:style>
+      </p:cxnSp>
+      <p:cxnSp>
+        <p:nvCxnSpPr>
+          <p:cNvPr id="89" name="직선 화살표 연결선 88">
+            <a:extLst>
+              <a:ext uri="{FF2B5EF4-FFF2-40B4-BE49-F238E27FC236}">
+                <a16:creationId xmlns="" xmlns:a16="http://schemas.microsoft.com/office/drawing/2014/main" id="{B45276A8-B898-E9F3-A0D8-D701BB2C75D9}"/>
+              </a:ext>
+            </a:extLst>
+          </p:cNvPr>
+          <p:cNvCxnSpPr>
+            <a:cxnSpLocks/>
+            <a:stCxn id="22" idx="3"/>
+            <a:endCxn id="79" idx="1"/>
+          </p:cNvCxnSpPr>
+          <p:nvPr/>
+        </p:nvCxnSpPr>
+        <p:spPr>
+          <a:xfrm>
+            <a:off x="4768447" y="3505123"/>
+            <a:ext cx="410621" cy="0"/>
+          </a:xfrm>
+          <a:prstGeom prst="straightConnector1">
+            <a:avLst/>
+          </a:prstGeom>
+          <a:ln>
+            <a:solidFill>
+              <a:schemeClr val="bg1"/>
+            </a:solidFill>
+            <a:tailEnd type="triangle"/>
+          </a:ln>
+        </p:spPr>
+        <p:style>
+          <a:lnRef idx="2">
+            <a:schemeClr val="dk1"/>
+          </a:lnRef>
+          <a:fillRef idx="0">
+            <a:schemeClr val="dk1"/>
+          </a:fillRef>
+          <a:effectRef idx="1">
+            <a:schemeClr val="dk1"/>
+          </a:effectRef>
+          <a:fontRef idx="minor">
+            <a:schemeClr val="tx1"/>
+          </a:fontRef>
+        </p:style>
+      </p:cxnSp>
+      <p:cxnSp>
+        <p:nvCxnSpPr>
+          <p:cNvPr id="95" name="직선 화살표 연결선 94">
+            <a:extLst>
+              <a:ext uri="{FF2B5EF4-FFF2-40B4-BE49-F238E27FC236}">
+                <a16:creationId xmlns="" xmlns:a16="http://schemas.microsoft.com/office/drawing/2014/main" id="{EDE893D4-D084-9D36-150C-AD9D513C33E4}"/>
+              </a:ext>
+            </a:extLst>
+          </p:cNvPr>
+          <p:cNvCxnSpPr>
+            <a:cxnSpLocks/>
+            <a:stCxn id="27" idx="3"/>
+            <a:endCxn id="80" idx="1"/>
+          </p:cNvCxnSpPr>
+          <p:nvPr/>
+        </p:nvCxnSpPr>
+        <p:spPr>
+          <a:xfrm>
+            <a:off x="4768447" y="4096613"/>
+            <a:ext cx="410621" cy="0"/>
+          </a:xfrm>
+          <a:prstGeom prst="straightConnector1">
+            <a:avLst/>
+          </a:prstGeom>
+          <a:ln>
+            <a:solidFill>
+              <a:schemeClr val="bg1"/>
+            </a:solidFill>
+            <a:tailEnd type="triangle"/>
+          </a:ln>
+        </p:spPr>
+        <p:style>
+          <a:lnRef idx="2">
+            <a:schemeClr val="dk1"/>
+          </a:lnRef>
+          <a:fillRef idx="0">
+            <a:schemeClr val="dk1"/>
+          </a:fillRef>
+          <a:effectRef idx="1">
+            <a:schemeClr val="dk1"/>
+          </a:effectRef>
+          <a:fontRef idx="minor">
+            <a:schemeClr val="tx1"/>
+          </a:fontRef>
+        </p:style>
+      </p:cxnSp>
+      <p:sp>
+        <p:nvSpPr>
+          <p:cNvPr id="74" name="모서리가 둥근 직사각형 73"/>
+          <p:cNvSpPr/>
+          <p:nvPr/>
+        </p:nvSpPr>
+        <p:spPr>
+          <a:xfrm>
+            <a:off x="7284508" y="4018550"/>
+            <a:ext cx="1685925" cy="627861"/>
+          </a:xfrm>
+          <a:prstGeom prst="roundRect">
+            <a:avLst/>
+          </a:prstGeom>
+          <a:solidFill>
+            <a:srgbClr val="FFC000"/>
+          </a:solidFill>
+          <a:ln>
+            <a:noFill/>
+          </a:ln>
+        </p:spPr>
+        <p:style>
+          <a:lnRef idx="2">
+            <a:schemeClr val="accent1">
+              <a:shade val="50000"/>
+            </a:schemeClr>
+          </a:lnRef>
+          <a:fillRef idx="1">
+            <a:schemeClr val="accent1"/>
+          </a:fillRef>
+          <a:effectRef idx="0">
+            <a:schemeClr val="accent1"/>
+          </a:effectRef>
+          <a:fontRef idx="minor">
+            <a:schemeClr val="lt1"/>
+          </a:fontRef>
+        </p:style>
+        <p:txBody>
+          <a:bodyPr rtlCol="0" anchor="ctr"/>
+          <a:lstStyle/>
+          <a:p>
+            <a:pPr algn="ctr"/>
+            <a:r>
+              <a:rPr lang="en-US" altLang="ko-KR" sz="1300" dirty="0" smtClean="0"/>
+              <a:t>Loki</a:t>
+            </a:r>
+            <a:endParaRPr lang="ko-KR" altLang="en-US" sz="1300" dirty="0"/>
+          </a:p>
+        </p:txBody>
+      </p:sp>
+      <p:cxnSp>
+        <p:nvCxnSpPr>
+          <p:cNvPr id="67" name="꺾인 연결선 66"/>
+          <p:cNvCxnSpPr>
+            <a:stCxn id="51" idx="1"/>
+            <a:endCxn id="25" idx="3"/>
+          </p:cNvCxnSpPr>
+          <p:nvPr/>
+        </p:nvCxnSpPr>
+        <p:spPr>
+          <a:xfrm rot="10800000">
+            <a:off x="8970434" y="2752332"/>
+            <a:ext cx="1076559" cy="800525"/>
+          </a:xfrm>
+          <a:prstGeom prst="bentConnector3">
+            <a:avLst/>
+          </a:prstGeom>
+          <a:ln>
+            <a:tailEnd type="triangle"/>
+          </a:ln>
+        </p:spPr>
+        <p:style>
+          <a:lnRef idx="2">
+            <a:schemeClr val="accent1"/>
+          </a:lnRef>
+          <a:fillRef idx="0">
+            <a:schemeClr val="accent1"/>
+          </a:fillRef>
+          <a:effectRef idx="1">
+            <a:schemeClr val="accent1"/>
+          </a:effectRef>
+          <a:fontRef idx="minor">
+            <a:schemeClr val="tx1"/>
+          </a:fontRef>
+        </p:style>
+      </p:cxnSp>
+      <p:cxnSp>
+        <p:nvCxnSpPr>
+          <p:cNvPr id="72" name="꺾인 연결선 71"/>
+          <p:cNvCxnSpPr>
+            <a:endCxn id="26" idx="3"/>
+          </p:cNvCxnSpPr>
+          <p:nvPr/>
+        </p:nvCxnSpPr>
+        <p:spPr>
+          <a:xfrm rot="10800000">
+            <a:off x="8970433" y="3549656"/>
+            <a:ext cx="1219434" cy="9896"/>
+          </a:xfrm>
+          <a:prstGeom prst="bentConnector3">
+            <a:avLst/>
+          </a:prstGeom>
+          <a:ln>
+            <a:solidFill>
+              <a:srgbClr val="FFC000"/>
+            </a:solidFill>
+            <a:tailEnd type="triangle"/>
+          </a:ln>
+        </p:spPr>
+        <p:style>
+          <a:lnRef idx="2">
+            <a:schemeClr val="accent1"/>
+          </a:lnRef>
+          <a:fillRef idx="0">
+            <a:schemeClr val="accent1"/>
+          </a:fillRef>
+          <a:effectRef idx="1">
+            <a:schemeClr val="accent1"/>
+          </a:effectRef>
+          <a:fontRef idx="minor">
+            <a:schemeClr val="tx1"/>
+          </a:fontRef>
+        </p:style>
+      </p:cxnSp>
+      <p:cxnSp>
+        <p:nvCxnSpPr>
+          <p:cNvPr id="82" name="꺾인 연결선 81"/>
+          <p:cNvCxnSpPr>
+            <a:stCxn id="51" idx="1"/>
+            <a:endCxn id="74" idx="3"/>
+          </p:cNvCxnSpPr>
+          <p:nvPr/>
+        </p:nvCxnSpPr>
+        <p:spPr>
+          <a:xfrm rot="10800000" flipV="1">
+            <a:off x="8970434" y="3552855"/>
+            <a:ext cx="1076559" cy="779625"/>
+          </a:xfrm>
+          <a:prstGeom prst="bentConnector3">
+            <a:avLst/>
+          </a:prstGeom>
+          <a:ln>
+            <a:solidFill>
+              <a:srgbClr val="FF0000"/>
+            </a:solidFill>
+            <a:tailEnd type="triangle"/>
+          </a:ln>
+        </p:spPr>
+        <p:style>
+          <a:lnRef idx="2">
+            <a:schemeClr val="accent1"/>
+          </a:lnRef>
+          <a:fillRef idx="0">
+            <a:schemeClr val="accent1"/>
+          </a:fillRef>
+          <a:effectRef idx="1">
+            <a:schemeClr val="accent1"/>
+          </a:effectRef>
+          <a:fontRef idx="minor">
+            <a:schemeClr val="tx1"/>
+          </a:fontRef>
+        </p:style>
+      </p:cxnSp>
+      <p:cxnSp>
+        <p:nvCxnSpPr>
+          <p:cNvPr id="99" name="꺾인 연결선 98"/>
+          <p:cNvCxnSpPr>
+            <a:stCxn id="78" idx="3"/>
+            <a:endCxn id="25" idx="1"/>
+          </p:cNvCxnSpPr>
+          <p:nvPr/>
+        </p:nvCxnSpPr>
+        <p:spPr>
+          <a:xfrm flipV="1">
+            <a:off x="6350187" y="2752331"/>
+            <a:ext cx="934321" cy="161302"/>
+          </a:xfrm>
+          <a:prstGeom prst="bentConnector3">
+            <a:avLst>
+              <a:gd name="adj1" fmla="val 58156"/>
+            </a:avLst>
+          </a:prstGeom>
+          <a:ln>
+            <a:tailEnd type="triangle"/>
+          </a:ln>
+        </p:spPr>
+        <p:style>
+          <a:lnRef idx="2">
+            <a:schemeClr val="accent1"/>
+          </a:lnRef>
+          <a:fillRef idx="0">
+            <a:schemeClr val="accent1"/>
+          </a:fillRef>
+          <a:effectRef idx="1">
+            <a:schemeClr val="accent1"/>
+          </a:effectRef>
+          <a:fontRef idx="minor">
+            <a:schemeClr val="tx1"/>
+          </a:fontRef>
+        </p:style>
+      </p:cxnSp>
+      <p:cxnSp>
+        <p:nvCxnSpPr>
+          <p:cNvPr id="103" name="꺾인 연결선 102"/>
+          <p:cNvCxnSpPr>
+            <a:stCxn id="80" idx="3"/>
+            <a:endCxn id="74" idx="1"/>
+          </p:cNvCxnSpPr>
+          <p:nvPr/>
+        </p:nvCxnSpPr>
+        <p:spPr>
+          <a:xfrm>
+            <a:off x="6351616" y="4096613"/>
+            <a:ext cx="932892" cy="235868"/>
+          </a:xfrm>
+          <a:prstGeom prst="bentConnector3">
+            <a:avLst>
+              <a:gd name="adj1" fmla="val 59189"/>
+            </a:avLst>
+          </a:prstGeom>
+          <a:ln>
+            <a:solidFill>
+              <a:srgbClr val="FF0000"/>
+            </a:solidFill>
+            <a:tailEnd type="triangle"/>
+          </a:ln>
+        </p:spPr>
+        <p:style>
+          <a:lnRef idx="2">
+            <a:schemeClr val="accent1"/>
+          </a:lnRef>
+          <a:fillRef idx="0">
+            <a:schemeClr val="accent1"/>
+          </a:fillRef>
+          <a:effectRef idx="1">
+            <a:schemeClr val="accent1"/>
+          </a:effectRef>
+          <a:fontRef idx="minor">
+            <a:schemeClr val="tx1"/>
+          </a:fontRef>
+        </p:style>
+      </p:cxnSp>
+      <p:pic>
+        <p:nvPicPr>
+          <p:cNvPr id="1032" name="Picture 8" descr="Grafana Loki | Grafana Loki documentation"/>
+          <p:cNvPicPr>
+            <a:picLocks noChangeAspect="1" noChangeArrowheads="1"/>
+          </p:cNvPicPr>
+          <p:nvPr/>
+        </p:nvPicPr>
+        <p:blipFill>
+          <a:blip r:embed="rId7" cstate="print">
+            <a:extLst>
+              <a:ext uri="{28A0092B-C50C-407E-A947-70E740481C1C}">
+                <a14:useLocalDpi xmlns:a14="http://schemas.microsoft.com/office/drawing/2010/main" val="0"/>
+              </a:ext>
+            </a:extLst>
+          </a:blip>
+          <a:srcRect/>
+          <a:stretch>
+            <a:fillRect/>
+          </a:stretch>
+        </p:blipFill>
+        <p:spPr bwMode="auto">
+          <a:xfrm>
+            <a:off x="7284507" y="4023219"/>
+            <a:ext cx="285510" cy="285510"/>
+          </a:xfrm>
+          <a:prstGeom prst="rect">
+            <a:avLst/>
+          </a:prstGeom>
+          <a:noFill/>
+          <a:extLst>
+            <a:ext uri="{909E8E84-426E-40DD-AFC4-6F175D3DCCD1}">
+              <a14:hiddenFill xmlns:a14="http://schemas.microsoft.com/office/drawing/2010/main">
+                <a:solidFill>
+                  <a:srgbClr val="FFFFFF"/>
+                </a:solidFill>
+              </a14:hiddenFill>
+            </a:ext>
+          </a:extLst>
+        </p:spPr>
+      </p:pic>
     </p:spTree>
     <p:extLst>
       <p:ext uri="{BB962C8B-B14F-4D97-AF65-F5344CB8AC3E}">
-        <p14:creationId xmlns:p14="http://schemas.microsoft.com/office/powerpoint/2010/main" val="2913653532"/>
+        <p14:creationId xmlns:p14="http://schemas.microsoft.com/office/powerpoint/2010/main" val="83767492"/>
       </p:ext>
     </p:extLst>
   </p:cSld>
   <p:clrMapOvr>
     <a:masterClrMapping/>
   </p:clrMapOvr>
+  <p:timing>
+    <p:tnLst>
+      <p:par>
+        <p:cTn id="1" dur="indefinite" restart="never" nodeType="tmRoot"/>
+      </p:par>
+    </p:tnLst>
+  </p:timing>
 </p:sld>
 </file>
 

--- a/otel-ppt/그림 생성용.pptx
+++ b/otel-ppt/그림 생성용.pptx
@@ -6,11 +6,12 @@
   </p:sldMasterIdLst>
   <p:sldIdLst>
     <p:sldId id="257" r:id="rId2"/>
-    <p:sldId id="259" r:id="rId3"/>
-    <p:sldId id="260" r:id="rId4"/>
-    <p:sldId id="262" r:id="rId5"/>
-    <p:sldId id="261" r:id="rId6"/>
-    <p:sldId id="256" r:id="rId7"/>
+    <p:sldId id="263" r:id="rId3"/>
+    <p:sldId id="259" r:id="rId4"/>
+    <p:sldId id="260" r:id="rId5"/>
+    <p:sldId id="262" r:id="rId6"/>
+    <p:sldId id="261" r:id="rId7"/>
+    <p:sldId id="256" r:id="rId8"/>
   </p:sldIdLst>
   <p:sldSz cx="12192000" cy="6858000"/>
   <p:notesSz cx="6858000" cy="9144000"/>
@@ -2982,8 +2983,8 @@
         </p:nvSpPr>
         <p:spPr>
           <a:xfrm>
-            <a:off x="4563244" y="1510146"/>
-            <a:ext cx="2923309" cy="2632365"/>
+            <a:off x="4213798" y="1510147"/>
+            <a:ext cx="2923309" cy="1270378"/>
           </a:xfrm>
           <a:prstGeom prst="snip2DiagRect">
             <a:avLst/>
@@ -3017,10 +3018,28 @@
           <a:p>
             <a:pPr algn="ctr"/>
             <a:r>
-              <a:rPr lang="ko-KR" altLang="en-US"/>
-              <a:t>어떤 요청이 처리되는 전체 경로</a:t>
-            </a:r>
-            <a:endParaRPr lang="ko-KR" altLang="en-US" dirty="0"/>
+              <a:rPr lang="ko-KR" altLang="en-US" dirty="0"/>
+              <a:t>어떤 요청이 </a:t>
+            </a:r>
+            <a:r>
+              <a:rPr lang="ko-KR" altLang="en-US" dirty="0" smtClean="0"/>
+              <a:t>처리되는</a:t>
+            </a:r>
+            <a:r>
+              <a:rPr lang="en-US" altLang="ko-KR" dirty="0" smtClean="0"/>
+              <a:t/>
+            </a:r>
+            <a:br>
+              <a:rPr lang="en-US" altLang="ko-KR" dirty="0" smtClean="0"/>
+            </a:br>
+            <a:r>
+              <a:rPr lang="ko-KR" altLang="en-US" dirty="0" smtClean="0"/>
+              <a:t>전체 </a:t>
+            </a:r>
+            <a:r>
+              <a:rPr lang="ko-KR" altLang="en-US" dirty="0"/>
+              <a:t>경로</a:t>
+            </a:r>
           </a:p>
         </p:txBody>
       </p:sp>
@@ -3032,8 +3051,8 @@
         </p:nvSpPr>
         <p:spPr>
           <a:xfrm>
-            <a:off x="908563" y="1510144"/>
-            <a:ext cx="2923309" cy="2632365"/>
+            <a:off x="908563" y="1510145"/>
+            <a:ext cx="2923309" cy="1270378"/>
           </a:xfrm>
           <a:prstGeom prst="snip2DiagRect">
             <a:avLst/>
@@ -3062,7 +3081,26 @@
             <a:pPr algn="ctr"/>
             <a:r>
               <a:rPr lang="ko-KR" altLang="en-US" dirty="0"/>
-              <a:t>실행 중인 시스템의 상태에 대한 정보</a:t>
+              <a:t>실행 중인 </a:t>
+            </a:r>
+            <a:r>
+              <a:rPr lang="ko-KR" altLang="en-US" dirty="0" smtClean="0"/>
+              <a:t>시스템 </a:t>
+            </a:r>
+            <a:r>
+              <a:rPr lang="en-US" altLang="ko-KR" dirty="0" smtClean="0"/>
+              <a:t/>
+            </a:r>
+            <a:br>
+              <a:rPr lang="en-US" altLang="ko-KR" dirty="0" smtClean="0"/>
+            </a:br>
+            <a:r>
+              <a:rPr lang="ko-KR" altLang="en-US" dirty="0" smtClean="0"/>
+              <a:t>상태에 </a:t>
+            </a:r>
+            <a:r>
+              <a:rPr lang="ko-KR" altLang="en-US" dirty="0"/>
+              <a:t>대한 정보</a:t>
             </a:r>
           </a:p>
         </p:txBody>
@@ -3075,8 +3113,8 @@
         </p:nvSpPr>
         <p:spPr>
           <a:xfrm>
-            <a:off x="8465127" y="1510145"/>
-            <a:ext cx="2923309" cy="2632365"/>
+            <a:off x="7519033" y="1510146"/>
+            <a:ext cx="2923309" cy="1270378"/>
           </a:xfrm>
           <a:prstGeom prst="snip2DiagRect">
             <a:avLst/>
@@ -3108,7 +3146,22 @@
             <a:pPr algn="ctr"/>
             <a:r>
               <a:rPr lang="ko-KR" altLang="en-US" dirty="0"/>
-              <a:t>타임스탬프가 있는 텍스트 레코드</a:t>
+              <a:t>타임스탬프가 있는 </a:t>
+            </a:r>
+            <a:r>
+              <a:rPr lang="en-US" altLang="ko-KR" dirty="0" smtClean="0"/>
+              <a:t/>
+            </a:r>
+            <a:br>
+              <a:rPr lang="en-US" altLang="ko-KR" dirty="0" smtClean="0"/>
+            </a:br>
+            <a:r>
+              <a:rPr lang="ko-KR" altLang="en-US" dirty="0" smtClean="0"/>
+              <a:t>텍스트 </a:t>
+            </a:r>
+            <a:r>
+              <a:rPr lang="ko-KR" altLang="en-US" dirty="0"/>
+              <a:t>레코드</a:t>
             </a:r>
           </a:p>
         </p:txBody>
@@ -3118,7 +3171,7 @@
           <p:cNvPr id="10" name="TextBox 9">
             <a:extLst>
               <a:ext uri="{FF2B5EF4-FFF2-40B4-BE49-F238E27FC236}">
-                <a16:creationId xmlns="" xmlns:a16="http://schemas.microsoft.com/office/drawing/2014/main" id="{C76E3AAD-45C6-EB76-9A53-48C4CEF2570F}"/>
+                <a16:creationId xmlns:a16="http://schemas.microsoft.com/office/drawing/2014/main" xmlns="" id="{C76E3AAD-45C6-EB76-9A53-48C4CEF2570F}"/>
               </a:ext>
             </a:extLst>
           </p:cNvPr>
@@ -3127,7 +3180,7 @@
         </p:nvSpPr>
         <p:spPr>
           <a:xfrm>
-            <a:off x="5561886" y="988707"/>
+            <a:off x="5212440" y="988707"/>
             <a:ext cx="926023" cy="369332"/>
           </a:xfrm>
           <a:prstGeom prst="rect">
@@ -3154,7 +3207,7 @@
           <p:cNvPr id="11" name="TextBox 10">
             <a:extLst>
               <a:ext uri="{FF2B5EF4-FFF2-40B4-BE49-F238E27FC236}">
-                <a16:creationId xmlns="" xmlns:a16="http://schemas.microsoft.com/office/drawing/2014/main" id="{C76E3AAD-45C6-EB76-9A53-48C4CEF2570F}"/>
+                <a16:creationId xmlns:a16="http://schemas.microsoft.com/office/drawing/2014/main" xmlns="" id="{C76E3AAD-45C6-EB76-9A53-48C4CEF2570F}"/>
               </a:ext>
             </a:extLst>
           </p:cNvPr>
@@ -3190,7 +3243,7 @@
           <p:cNvPr id="12" name="TextBox 11">
             <a:extLst>
               <a:ext uri="{FF2B5EF4-FFF2-40B4-BE49-F238E27FC236}">
-                <a16:creationId xmlns="" xmlns:a16="http://schemas.microsoft.com/office/drawing/2014/main" id="{C76E3AAD-45C6-EB76-9A53-48C4CEF2570F}"/>
+                <a16:creationId xmlns:a16="http://schemas.microsoft.com/office/drawing/2014/main" xmlns="" id="{C76E3AAD-45C6-EB76-9A53-48C4CEF2570F}"/>
               </a:ext>
             </a:extLst>
           </p:cNvPr>
@@ -3199,7 +3252,7 @@
         </p:nvSpPr>
         <p:spPr>
           <a:xfrm>
-            <a:off x="9463769" y="988707"/>
+            <a:off x="8517675" y="988707"/>
             <a:ext cx="671979" cy="369332"/>
           </a:xfrm>
           <a:prstGeom prst="rect">
@@ -3260,14 +3313,14 @@
       </p:grpSpPr>
       <p:sp>
         <p:nvSpPr>
-          <p:cNvPr id="97" name="직사각형 96"/>
+          <p:cNvPr id="40" name="직사각형 39"/>
           <p:cNvSpPr/>
           <p:nvPr/>
         </p:nvSpPr>
         <p:spPr>
           <a:xfrm>
-            <a:off x="382411" y="1499446"/>
-            <a:ext cx="2900922" cy="4126931"/>
+            <a:off x="317360" y="1166327"/>
+            <a:ext cx="7231224" cy="2351314"/>
           </a:xfrm>
           <a:prstGeom prst="rect">
             <a:avLst/>
@@ -3303,14 +3356,83 @@
       </p:sp>
       <p:sp>
         <p:nvSpPr>
-          <p:cNvPr id="3" name="직사각형 2"/>
+          <p:cNvPr id="59" name="TextBox 58">
+            <a:extLst>
+              <a:ext uri="{FF2B5EF4-FFF2-40B4-BE49-F238E27FC236}">
+                <a16:creationId xmlns:a16="http://schemas.microsoft.com/office/drawing/2014/main" xmlns="" id="{C76E3AAD-45C6-EB76-9A53-48C4CEF2570F}"/>
+              </a:ext>
+            </a:extLst>
+          </p:cNvPr>
+          <p:cNvSpPr txBox="1"/>
+          <p:nvPr/>
+        </p:nvSpPr>
+        <p:spPr>
+          <a:xfrm>
+            <a:off x="317360" y="169662"/>
+            <a:ext cx="3433697" cy="369332"/>
+          </a:xfrm>
+          <a:prstGeom prst="rect">
+            <a:avLst/>
+          </a:prstGeom>
+          <a:noFill/>
+        </p:spPr>
+        <p:txBody>
+          <a:bodyPr wrap="none" rtlCol="0">
+            <a:spAutoFit/>
+          </a:bodyPr>
+          <a:lstStyle/>
+          <a:p>
+            <a:r>
+              <a:rPr lang="en-US" altLang="ko-KR" dirty="0" smtClean="0"/>
+              <a:t>MTTD MTTI MTTR MTTF MTBF</a:t>
+            </a:r>
+            <a:endParaRPr lang="en-US" altLang="ko-KR" dirty="0"/>
+          </a:p>
+        </p:txBody>
+      </p:sp>
+      <p:cxnSp>
+        <p:nvCxnSpPr>
+          <p:cNvPr id="5" name="직선 화살표 연결선 4"/>
+          <p:cNvCxnSpPr/>
+          <p:nvPr/>
+        </p:nvCxnSpPr>
+        <p:spPr>
+          <a:xfrm>
+            <a:off x="457319" y="1770296"/>
+            <a:ext cx="6965950" cy="0"/>
+          </a:xfrm>
+          <a:prstGeom prst="straightConnector1">
+            <a:avLst/>
+          </a:prstGeom>
+          <a:ln>
+            <a:tailEnd type="triangle"/>
+          </a:ln>
+        </p:spPr>
+        <p:style>
+          <a:lnRef idx="1">
+            <a:schemeClr val="accent1"/>
+          </a:lnRef>
+          <a:fillRef idx="0">
+            <a:schemeClr val="accent1"/>
+          </a:fillRef>
+          <a:effectRef idx="0">
+            <a:schemeClr val="accent1"/>
+          </a:effectRef>
+          <a:fontRef idx="minor">
+            <a:schemeClr val="tx1"/>
+          </a:fontRef>
+        </p:style>
+      </p:cxnSp>
+      <p:sp>
+        <p:nvSpPr>
+          <p:cNvPr id="6" name="직사각형 5"/>
           <p:cNvSpPr/>
           <p:nvPr/>
         </p:nvSpPr>
         <p:spPr>
           <a:xfrm>
-            <a:off x="739297" y="2333943"/>
-            <a:ext cx="2028825" cy="2724150"/>
+            <a:off x="825086" y="1943291"/>
+            <a:ext cx="1499588" cy="280086"/>
           </a:xfrm>
           <a:prstGeom prst="rect">
             <a:avLst/>
@@ -3340,16 +3462,138 @@
           <a:lstStyle/>
           <a:p>
             <a:pPr algn="ctr"/>
-            <a:endParaRPr lang="ko-KR" altLang="en-US"/>
-          </a:p>
-        </p:txBody>
-      </p:sp>
-      <p:sp>
-        <p:nvSpPr>
-          <p:cNvPr id="12" name="TextBox 11">
+            <a:r>
+              <a:rPr lang="en-US" altLang="ko-KR" sz="1400" dirty="0" smtClean="0">
+                <a:solidFill>
+                  <a:schemeClr val="tx1"/>
+                </a:solidFill>
+              </a:rPr>
+              <a:t>MTTD</a:t>
+            </a:r>
+            <a:endParaRPr lang="ko-KR" altLang="en-US" sz="1400" dirty="0">
+              <a:solidFill>
+                <a:schemeClr val="tx1"/>
+              </a:solidFill>
+            </a:endParaRPr>
+          </a:p>
+        </p:txBody>
+      </p:sp>
+      <p:sp>
+        <p:nvSpPr>
+          <p:cNvPr id="44" name="직사각형 43"/>
+          <p:cNvSpPr/>
+          <p:nvPr/>
+        </p:nvSpPr>
+        <p:spPr>
+          <a:xfrm>
+            <a:off x="2395876" y="1943291"/>
+            <a:ext cx="1482941" cy="280086"/>
+          </a:xfrm>
+          <a:prstGeom prst="rect">
+            <a:avLst/>
+          </a:prstGeom>
+          <a:solidFill>
+            <a:srgbClr val="FF0000"/>
+          </a:solidFill>
+        </p:spPr>
+        <p:style>
+          <a:lnRef idx="2">
+            <a:schemeClr val="accent1">
+              <a:shade val="50000"/>
+            </a:schemeClr>
+          </a:lnRef>
+          <a:fillRef idx="1">
+            <a:schemeClr val="accent1"/>
+          </a:fillRef>
+          <a:effectRef idx="0">
+            <a:schemeClr val="accent1"/>
+          </a:effectRef>
+          <a:fontRef idx="minor">
+            <a:schemeClr val="lt1"/>
+          </a:fontRef>
+        </p:style>
+        <p:txBody>
+          <a:bodyPr rtlCol="0" anchor="ctr"/>
+          <a:lstStyle/>
+          <a:p>
+            <a:pPr algn="ctr"/>
+            <a:r>
+              <a:rPr lang="en-US" altLang="ko-KR" sz="1400" dirty="0" smtClean="0">
+                <a:solidFill>
+                  <a:schemeClr val="bg1"/>
+                </a:solidFill>
+              </a:rPr>
+              <a:t>MTTI</a:t>
+            </a:r>
+            <a:endParaRPr lang="ko-KR" altLang="en-US" sz="1400" dirty="0">
+              <a:solidFill>
+                <a:schemeClr val="bg1"/>
+              </a:solidFill>
+            </a:endParaRPr>
+          </a:p>
+        </p:txBody>
+      </p:sp>
+      <p:sp>
+        <p:nvSpPr>
+          <p:cNvPr id="47" name="직사각형 46"/>
+          <p:cNvSpPr/>
+          <p:nvPr/>
+        </p:nvSpPr>
+        <p:spPr>
+          <a:xfrm>
+            <a:off x="825086" y="2330312"/>
+            <a:ext cx="4602731" cy="280086"/>
+          </a:xfrm>
+          <a:prstGeom prst="rect">
+            <a:avLst/>
+          </a:prstGeom>
+          <a:solidFill>
+            <a:schemeClr val="bg1"/>
+          </a:solidFill>
+        </p:spPr>
+        <p:style>
+          <a:lnRef idx="2">
+            <a:schemeClr val="accent1">
+              <a:shade val="50000"/>
+            </a:schemeClr>
+          </a:lnRef>
+          <a:fillRef idx="1">
+            <a:schemeClr val="accent1"/>
+          </a:fillRef>
+          <a:effectRef idx="0">
+            <a:schemeClr val="accent1"/>
+          </a:effectRef>
+          <a:fontRef idx="minor">
+            <a:schemeClr val="lt1"/>
+          </a:fontRef>
+        </p:style>
+        <p:txBody>
+          <a:bodyPr rtlCol="0" anchor="ctr"/>
+          <a:lstStyle/>
+          <a:p>
+            <a:pPr algn="ctr"/>
+            <a:r>
+              <a:rPr lang="en-US" altLang="ko-KR" sz="1400" dirty="0" smtClean="0">
+                <a:solidFill>
+                  <a:schemeClr val="tx1"/>
+                </a:solidFill>
+              </a:rPr>
+              <a:t>MTTR</a:t>
+            </a:r>
+            <a:endParaRPr lang="ko-KR" altLang="en-US" sz="1400" dirty="0">
+              <a:solidFill>
+                <a:schemeClr val="tx1"/>
+              </a:solidFill>
+            </a:endParaRPr>
+          </a:p>
+        </p:txBody>
+      </p:sp>
+      <p:sp>
+        <p:nvSpPr>
+          <p:cNvPr id="50" name="TextBox 49">
             <a:extLst>
               <a:ext uri="{FF2B5EF4-FFF2-40B4-BE49-F238E27FC236}">
-                <a16:creationId xmlns="" xmlns:a16="http://schemas.microsoft.com/office/drawing/2014/main" id="{C76E3AAD-45C6-EB76-9A53-48C4CEF2570F}"/>
+                <a16:creationId xmlns:a16="http://schemas.microsoft.com/office/drawing/2014/main" xmlns="" id="{C76E3AAD-45C6-EB76-9A53-48C4CEF2570F}"/>
               </a:ext>
             </a:extLst>
           </p:cNvPr>
@@ -3358,8 +3602,8 @@
         </p:nvSpPr>
         <p:spPr>
           <a:xfrm>
-            <a:off x="1073074" y="2503607"/>
-            <a:ext cx="1361270" cy="369332"/>
+            <a:off x="457319" y="1420646"/>
+            <a:ext cx="697627" cy="246221"/>
           </a:xfrm>
           <a:prstGeom prst="rect">
             <a:avLst/>
@@ -3373,6 +3617,799 @@
           <a:lstStyle/>
           <a:p>
             <a:r>
+              <a:rPr lang="ko-KR" altLang="en-US" sz="1000" dirty="0" smtClean="0"/>
+              <a:t>장애발생</a:t>
+            </a:r>
+            <a:endParaRPr lang="ko-KR" altLang="en-US" sz="1000" dirty="0"/>
+          </a:p>
+        </p:txBody>
+      </p:sp>
+      <p:sp>
+        <p:nvSpPr>
+          <p:cNvPr id="51" name="TextBox 50">
+            <a:extLst>
+              <a:ext uri="{FF2B5EF4-FFF2-40B4-BE49-F238E27FC236}">
+                <a16:creationId xmlns:a16="http://schemas.microsoft.com/office/drawing/2014/main" xmlns="" id="{C76E3AAD-45C6-EB76-9A53-48C4CEF2570F}"/>
+              </a:ext>
+            </a:extLst>
+          </p:cNvPr>
+          <p:cNvSpPr txBox="1"/>
+          <p:nvPr/>
+        </p:nvSpPr>
+        <p:spPr>
+          <a:xfrm>
+            <a:off x="2011462" y="1420646"/>
+            <a:ext cx="697627" cy="246221"/>
+          </a:xfrm>
+          <a:prstGeom prst="rect">
+            <a:avLst/>
+          </a:prstGeom>
+          <a:noFill/>
+        </p:spPr>
+        <p:txBody>
+          <a:bodyPr wrap="none" rtlCol="0">
+            <a:spAutoFit/>
+          </a:bodyPr>
+          <a:lstStyle/>
+          <a:p>
+            <a:r>
+              <a:rPr lang="ko-KR" altLang="en-US" sz="1000" dirty="0" smtClean="0"/>
+              <a:t>장애인지</a:t>
+            </a:r>
+            <a:endParaRPr lang="ko-KR" altLang="en-US" sz="1000" dirty="0"/>
+          </a:p>
+        </p:txBody>
+      </p:sp>
+      <p:sp>
+        <p:nvSpPr>
+          <p:cNvPr id="52" name="TextBox 51">
+            <a:extLst>
+              <a:ext uri="{FF2B5EF4-FFF2-40B4-BE49-F238E27FC236}">
+                <a16:creationId xmlns:a16="http://schemas.microsoft.com/office/drawing/2014/main" xmlns="" id="{C76E3AAD-45C6-EB76-9A53-48C4CEF2570F}"/>
+              </a:ext>
+            </a:extLst>
+          </p:cNvPr>
+          <p:cNvSpPr txBox="1"/>
+          <p:nvPr/>
+        </p:nvSpPr>
+        <p:spPr>
+          <a:xfrm>
+            <a:off x="3565605" y="1420646"/>
+            <a:ext cx="697627" cy="246221"/>
+          </a:xfrm>
+          <a:prstGeom prst="rect">
+            <a:avLst/>
+          </a:prstGeom>
+          <a:noFill/>
+        </p:spPr>
+        <p:txBody>
+          <a:bodyPr wrap="none" rtlCol="0">
+            <a:spAutoFit/>
+          </a:bodyPr>
+          <a:lstStyle/>
+          <a:p>
+            <a:r>
+              <a:rPr lang="ko-KR" altLang="en-US" sz="1000" dirty="0" smtClean="0"/>
+              <a:t>원인파악</a:t>
+            </a:r>
+            <a:endParaRPr lang="ko-KR" altLang="en-US" sz="1000" dirty="0"/>
+          </a:p>
+        </p:txBody>
+      </p:sp>
+      <p:sp>
+        <p:nvSpPr>
+          <p:cNvPr id="54" name="TextBox 53">
+            <a:extLst>
+              <a:ext uri="{FF2B5EF4-FFF2-40B4-BE49-F238E27FC236}">
+                <a16:creationId xmlns:a16="http://schemas.microsoft.com/office/drawing/2014/main" xmlns="" id="{C76E3AAD-45C6-EB76-9A53-48C4CEF2570F}"/>
+              </a:ext>
+            </a:extLst>
+          </p:cNvPr>
+          <p:cNvSpPr txBox="1"/>
+          <p:nvPr/>
+        </p:nvSpPr>
+        <p:spPr>
+          <a:xfrm>
+            <a:off x="5119748" y="1420646"/>
+            <a:ext cx="697627" cy="246221"/>
+          </a:xfrm>
+          <a:prstGeom prst="rect">
+            <a:avLst/>
+          </a:prstGeom>
+          <a:noFill/>
+        </p:spPr>
+        <p:txBody>
+          <a:bodyPr wrap="none" rtlCol="0">
+            <a:spAutoFit/>
+          </a:bodyPr>
+          <a:lstStyle/>
+          <a:p>
+            <a:r>
+              <a:rPr lang="ko-KR" altLang="en-US" sz="1000" dirty="0" smtClean="0"/>
+              <a:t>복구완료</a:t>
+            </a:r>
+            <a:endParaRPr lang="ko-KR" altLang="en-US" sz="1000" dirty="0"/>
+          </a:p>
+        </p:txBody>
+      </p:sp>
+      <p:sp>
+        <p:nvSpPr>
+          <p:cNvPr id="55" name="TextBox 54">
+            <a:extLst>
+              <a:ext uri="{FF2B5EF4-FFF2-40B4-BE49-F238E27FC236}">
+                <a16:creationId xmlns:a16="http://schemas.microsoft.com/office/drawing/2014/main" xmlns="" id="{C76E3AAD-45C6-EB76-9A53-48C4CEF2570F}"/>
+              </a:ext>
+            </a:extLst>
+          </p:cNvPr>
+          <p:cNvSpPr txBox="1"/>
+          <p:nvPr/>
+        </p:nvSpPr>
+        <p:spPr>
+          <a:xfrm>
+            <a:off x="6671507" y="1420646"/>
+            <a:ext cx="697627" cy="246221"/>
+          </a:xfrm>
+          <a:prstGeom prst="rect">
+            <a:avLst/>
+          </a:prstGeom>
+          <a:noFill/>
+        </p:spPr>
+        <p:txBody>
+          <a:bodyPr wrap="none" rtlCol="0">
+            <a:spAutoFit/>
+          </a:bodyPr>
+          <a:lstStyle/>
+          <a:p>
+            <a:r>
+              <a:rPr lang="ko-KR" altLang="en-US" sz="1000" dirty="0" smtClean="0"/>
+              <a:t>장애발생</a:t>
+            </a:r>
+            <a:endParaRPr lang="ko-KR" altLang="en-US" sz="1000" dirty="0"/>
+          </a:p>
+        </p:txBody>
+      </p:sp>
+      <p:sp>
+        <p:nvSpPr>
+          <p:cNvPr id="18" name="타원 17"/>
+          <p:cNvSpPr/>
+          <p:nvPr/>
+        </p:nvSpPr>
+        <p:spPr>
+          <a:xfrm>
+            <a:off x="753884" y="1729296"/>
+            <a:ext cx="71202" cy="89397"/>
+          </a:xfrm>
+          <a:prstGeom prst="ellipse">
+            <a:avLst/>
+          </a:prstGeom>
+          <a:solidFill>
+            <a:schemeClr val="bg1"/>
+          </a:solidFill>
+          <a:ln w="6350">
+            <a:solidFill>
+              <a:srgbClr val="FF0000"/>
+            </a:solidFill>
+          </a:ln>
+        </p:spPr>
+        <p:style>
+          <a:lnRef idx="2">
+            <a:schemeClr val="accent1">
+              <a:shade val="50000"/>
+            </a:schemeClr>
+          </a:lnRef>
+          <a:fillRef idx="1">
+            <a:schemeClr val="accent1"/>
+          </a:fillRef>
+          <a:effectRef idx="0">
+            <a:schemeClr val="accent1"/>
+          </a:effectRef>
+          <a:fontRef idx="minor">
+            <a:schemeClr val="lt1"/>
+          </a:fontRef>
+        </p:style>
+        <p:txBody>
+          <a:bodyPr rtlCol="0" anchor="ctr"/>
+          <a:lstStyle/>
+          <a:p>
+            <a:pPr algn="ctr"/>
+            <a:endParaRPr lang="ko-KR" altLang="en-US"/>
+          </a:p>
+        </p:txBody>
+      </p:sp>
+      <p:sp>
+        <p:nvSpPr>
+          <p:cNvPr id="58" name="타원 57"/>
+          <p:cNvSpPr/>
+          <p:nvPr/>
+        </p:nvSpPr>
+        <p:spPr>
+          <a:xfrm>
+            <a:off x="2324674" y="1729296"/>
+            <a:ext cx="71202" cy="89397"/>
+          </a:xfrm>
+          <a:prstGeom prst="ellipse">
+            <a:avLst/>
+          </a:prstGeom>
+          <a:solidFill>
+            <a:schemeClr val="bg1"/>
+          </a:solidFill>
+          <a:ln w="6350">
+            <a:solidFill>
+              <a:srgbClr val="FF0000"/>
+            </a:solidFill>
+          </a:ln>
+        </p:spPr>
+        <p:style>
+          <a:lnRef idx="2">
+            <a:schemeClr val="accent1">
+              <a:shade val="50000"/>
+            </a:schemeClr>
+          </a:lnRef>
+          <a:fillRef idx="1">
+            <a:schemeClr val="accent1"/>
+          </a:fillRef>
+          <a:effectRef idx="0">
+            <a:schemeClr val="accent1"/>
+          </a:effectRef>
+          <a:fontRef idx="minor">
+            <a:schemeClr val="lt1"/>
+          </a:fontRef>
+        </p:style>
+        <p:txBody>
+          <a:bodyPr rtlCol="0" anchor="ctr"/>
+          <a:lstStyle/>
+          <a:p>
+            <a:pPr algn="ctr"/>
+            <a:endParaRPr lang="ko-KR" altLang="en-US"/>
+          </a:p>
+        </p:txBody>
+      </p:sp>
+      <p:sp>
+        <p:nvSpPr>
+          <p:cNvPr id="60" name="타원 59"/>
+          <p:cNvSpPr/>
+          <p:nvPr/>
+        </p:nvSpPr>
+        <p:spPr>
+          <a:xfrm>
+            <a:off x="3878817" y="1729296"/>
+            <a:ext cx="71202" cy="89397"/>
+          </a:xfrm>
+          <a:prstGeom prst="ellipse">
+            <a:avLst/>
+          </a:prstGeom>
+          <a:solidFill>
+            <a:schemeClr val="bg1"/>
+          </a:solidFill>
+          <a:ln w="6350">
+            <a:solidFill>
+              <a:srgbClr val="FF0000"/>
+            </a:solidFill>
+          </a:ln>
+        </p:spPr>
+        <p:style>
+          <a:lnRef idx="2">
+            <a:schemeClr val="accent1">
+              <a:shade val="50000"/>
+            </a:schemeClr>
+          </a:lnRef>
+          <a:fillRef idx="1">
+            <a:schemeClr val="accent1"/>
+          </a:fillRef>
+          <a:effectRef idx="0">
+            <a:schemeClr val="accent1"/>
+          </a:effectRef>
+          <a:fontRef idx="minor">
+            <a:schemeClr val="lt1"/>
+          </a:fontRef>
+        </p:style>
+        <p:txBody>
+          <a:bodyPr rtlCol="0" anchor="ctr"/>
+          <a:lstStyle/>
+          <a:p>
+            <a:pPr algn="ctr"/>
+            <a:endParaRPr lang="ko-KR" altLang="en-US"/>
+          </a:p>
+        </p:txBody>
+      </p:sp>
+      <p:sp>
+        <p:nvSpPr>
+          <p:cNvPr id="61" name="타원 60"/>
+          <p:cNvSpPr/>
+          <p:nvPr/>
+        </p:nvSpPr>
+        <p:spPr>
+          <a:xfrm>
+            <a:off x="5427817" y="1729296"/>
+            <a:ext cx="71202" cy="89397"/>
+          </a:xfrm>
+          <a:prstGeom prst="ellipse">
+            <a:avLst/>
+          </a:prstGeom>
+          <a:solidFill>
+            <a:schemeClr val="bg1"/>
+          </a:solidFill>
+          <a:ln w="6350">
+            <a:solidFill>
+              <a:srgbClr val="FF0000"/>
+            </a:solidFill>
+          </a:ln>
+        </p:spPr>
+        <p:style>
+          <a:lnRef idx="2">
+            <a:schemeClr val="accent1">
+              <a:shade val="50000"/>
+            </a:schemeClr>
+          </a:lnRef>
+          <a:fillRef idx="1">
+            <a:schemeClr val="accent1"/>
+          </a:fillRef>
+          <a:effectRef idx="0">
+            <a:schemeClr val="accent1"/>
+          </a:effectRef>
+          <a:fontRef idx="minor">
+            <a:schemeClr val="lt1"/>
+          </a:fontRef>
+        </p:style>
+        <p:txBody>
+          <a:bodyPr rtlCol="0" anchor="ctr"/>
+          <a:lstStyle/>
+          <a:p>
+            <a:pPr algn="ctr"/>
+            <a:endParaRPr lang="ko-KR" altLang="en-US"/>
+          </a:p>
+        </p:txBody>
+      </p:sp>
+      <p:sp>
+        <p:nvSpPr>
+          <p:cNvPr id="62" name="타원 61"/>
+          <p:cNvSpPr/>
+          <p:nvPr/>
+        </p:nvSpPr>
+        <p:spPr>
+          <a:xfrm>
+            <a:off x="6984719" y="1729296"/>
+            <a:ext cx="71202" cy="89397"/>
+          </a:xfrm>
+          <a:prstGeom prst="ellipse">
+            <a:avLst/>
+          </a:prstGeom>
+          <a:solidFill>
+            <a:schemeClr val="bg1"/>
+          </a:solidFill>
+          <a:ln w="6350">
+            <a:solidFill>
+              <a:srgbClr val="FF0000"/>
+            </a:solidFill>
+          </a:ln>
+        </p:spPr>
+        <p:style>
+          <a:lnRef idx="2">
+            <a:schemeClr val="accent1">
+              <a:shade val="50000"/>
+            </a:schemeClr>
+          </a:lnRef>
+          <a:fillRef idx="1">
+            <a:schemeClr val="accent1"/>
+          </a:fillRef>
+          <a:effectRef idx="0">
+            <a:schemeClr val="accent1"/>
+          </a:effectRef>
+          <a:fontRef idx="minor">
+            <a:schemeClr val="lt1"/>
+          </a:fontRef>
+        </p:style>
+        <p:txBody>
+          <a:bodyPr rtlCol="0" anchor="ctr"/>
+          <a:lstStyle/>
+          <a:p>
+            <a:pPr algn="ctr"/>
+            <a:endParaRPr lang="ko-KR" altLang="en-US"/>
+          </a:p>
+        </p:txBody>
+      </p:sp>
+      <p:sp>
+        <p:nvSpPr>
+          <p:cNvPr id="63" name="직사각형 62"/>
+          <p:cNvSpPr/>
+          <p:nvPr/>
+        </p:nvSpPr>
+        <p:spPr>
+          <a:xfrm>
+            <a:off x="5501778" y="1943291"/>
+            <a:ext cx="1482941" cy="280086"/>
+          </a:xfrm>
+          <a:prstGeom prst="rect">
+            <a:avLst/>
+          </a:prstGeom>
+          <a:solidFill>
+            <a:schemeClr val="bg1"/>
+          </a:solidFill>
+        </p:spPr>
+        <p:style>
+          <a:lnRef idx="2">
+            <a:schemeClr val="accent1">
+              <a:shade val="50000"/>
+            </a:schemeClr>
+          </a:lnRef>
+          <a:fillRef idx="1">
+            <a:schemeClr val="accent1"/>
+          </a:fillRef>
+          <a:effectRef idx="0">
+            <a:schemeClr val="accent1"/>
+          </a:effectRef>
+          <a:fontRef idx="minor">
+            <a:schemeClr val="lt1"/>
+          </a:fontRef>
+        </p:style>
+        <p:txBody>
+          <a:bodyPr rtlCol="0" anchor="ctr"/>
+          <a:lstStyle/>
+          <a:p>
+            <a:pPr algn="ctr"/>
+            <a:r>
+              <a:rPr lang="en-US" altLang="ko-KR" sz="1400" dirty="0" smtClean="0">
+                <a:solidFill>
+                  <a:schemeClr val="tx1"/>
+                </a:solidFill>
+              </a:rPr>
+              <a:t>MTTF</a:t>
+            </a:r>
+            <a:endParaRPr lang="ko-KR" altLang="en-US" sz="1400" dirty="0">
+              <a:solidFill>
+                <a:schemeClr val="tx1"/>
+              </a:solidFill>
+            </a:endParaRPr>
+          </a:p>
+        </p:txBody>
+      </p:sp>
+      <p:sp>
+        <p:nvSpPr>
+          <p:cNvPr id="64" name="직사각형 63"/>
+          <p:cNvSpPr/>
+          <p:nvPr/>
+        </p:nvSpPr>
+        <p:spPr>
+          <a:xfrm>
+            <a:off x="825086" y="2722344"/>
+            <a:ext cx="6159633" cy="280086"/>
+          </a:xfrm>
+          <a:prstGeom prst="rect">
+            <a:avLst/>
+          </a:prstGeom>
+          <a:solidFill>
+            <a:schemeClr val="bg1"/>
+          </a:solidFill>
+        </p:spPr>
+        <p:style>
+          <a:lnRef idx="2">
+            <a:schemeClr val="accent1">
+              <a:shade val="50000"/>
+            </a:schemeClr>
+          </a:lnRef>
+          <a:fillRef idx="1">
+            <a:schemeClr val="accent1"/>
+          </a:fillRef>
+          <a:effectRef idx="0">
+            <a:schemeClr val="accent1"/>
+          </a:effectRef>
+          <a:fontRef idx="minor">
+            <a:schemeClr val="lt1"/>
+          </a:fontRef>
+        </p:style>
+        <p:txBody>
+          <a:bodyPr rtlCol="0" anchor="ctr"/>
+          <a:lstStyle/>
+          <a:p>
+            <a:pPr algn="ctr"/>
+            <a:r>
+              <a:rPr lang="en-US" altLang="ko-KR" sz="1400" dirty="0" smtClean="0">
+                <a:solidFill>
+                  <a:schemeClr val="tx1"/>
+                </a:solidFill>
+              </a:rPr>
+              <a:t>MTBF</a:t>
+            </a:r>
+            <a:endParaRPr lang="ko-KR" altLang="en-US" sz="1400" dirty="0">
+              <a:solidFill>
+                <a:schemeClr val="tx1"/>
+              </a:solidFill>
+            </a:endParaRPr>
+          </a:p>
+        </p:txBody>
+      </p:sp>
+      <p:cxnSp>
+        <p:nvCxnSpPr>
+          <p:cNvPr id="22" name="직선 화살표 연결선 21"/>
+          <p:cNvCxnSpPr/>
+          <p:nvPr/>
+        </p:nvCxnSpPr>
+        <p:spPr>
+          <a:xfrm>
+            <a:off x="753884" y="3209731"/>
+            <a:ext cx="4673933" cy="0"/>
+          </a:xfrm>
+          <a:prstGeom prst="straightConnector1">
+            <a:avLst/>
+          </a:prstGeom>
+          <a:ln>
+            <a:headEnd type="triangle"/>
+            <a:tailEnd type="triangle"/>
+          </a:ln>
+        </p:spPr>
+        <p:style>
+          <a:lnRef idx="1">
+            <a:schemeClr val="accent1"/>
+          </a:lnRef>
+          <a:fillRef idx="0">
+            <a:schemeClr val="accent1"/>
+          </a:fillRef>
+          <a:effectRef idx="0">
+            <a:schemeClr val="accent1"/>
+          </a:effectRef>
+          <a:fontRef idx="minor">
+            <a:schemeClr val="tx1"/>
+          </a:fontRef>
+        </p:style>
+      </p:cxnSp>
+      <p:cxnSp>
+        <p:nvCxnSpPr>
+          <p:cNvPr id="69" name="직선 화살표 연결선 68"/>
+          <p:cNvCxnSpPr/>
+          <p:nvPr/>
+        </p:nvCxnSpPr>
+        <p:spPr>
+          <a:xfrm>
+            <a:off x="5499019" y="3209731"/>
+            <a:ext cx="1556902" cy="0"/>
+          </a:xfrm>
+          <a:prstGeom prst="straightConnector1">
+            <a:avLst/>
+          </a:prstGeom>
+          <a:ln>
+            <a:headEnd type="triangle"/>
+            <a:tailEnd type="triangle"/>
+          </a:ln>
+        </p:spPr>
+        <p:style>
+          <a:lnRef idx="1">
+            <a:schemeClr val="accent1"/>
+          </a:lnRef>
+          <a:fillRef idx="0">
+            <a:schemeClr val="accent1"/>
+          </a:fillRef>
+          <a:effectRef idx="0">
+            <a:schemeClr val="accent1"/>
+          </a:effectRef>
+          <a:fontRef idx="minor">
+            <a:schemeClr val="tx1"/>
+          </a:fontRef>
+        </p:style>
+      </p:cxnSp>
+      <p:sp>
+        <p:nvSpPr>
+          <p:cNvPr id="70" name="TextBox 69">
+            <a:extLst>
+              <a:ext uri="{FF2B5EF4-FFF2-40B4-BE49-F238E27FC236}">
+                <a16:creationId xmlns:a16="http://schemas.microsoft.com/office/drawing/2014/main" xmlns="" id="{C76E3AAD-45C6-EB76-9A53-48C4CEF2570F}"/>
+              </a:ext>
+            </a:extLst>
+          </p:cNvPr>
+          <p:cNvSpPr txBox="1"/>
+          <p:nvPr/>
+        </p:nvSpPr>
+        <p:spPr>
+          <a:xfrm>
+            <a:off x="2781684" y="3251960"/>
+            <a:ext cx="870751" cy="246221"/>
+          </a:xfrm>
+          <a:prstGeom prst="rect">
+            <a:avLst/>
+          </a:prstGeom>
+          <a:noFill/>
+        </p:spPr>
+        <p:txBody>
+          <a:bodyPr wrap="none" rtlCol="0">
+            <a:spAutoFit/>
+          </a:bodyPr>
+          <a:lstStyle/>
+          <a:p>
+            <a:r>
+              <a:rPr lang="ko-KR" altLang="en-US" sz="1000" dirty="0" smtClean="0"/>
+              <a:t>서비스 불가</a:t>
+            </a:r>
+            <a:endParaRPr lang="ko-KR" altLang="en-US" sz="1000" dirty="0"/>
+          </a:p>
+        </p:txBody>
+      </p:sp>
+      <p:sp>
+        <p:nvSpPr>
+          <p:cNvPr id="71" name="TextBox 70">
+            <a:extLst>
+              <a:ext uri="{FF2B5EF4-FFF2-40B4-BE49-F238E27FC236}">
+                <a16:creationId xmlns:a16="http://schemas.microsoft.com/office/drawing/2014/main" xmlns="" id="{C76E3AAD-45C6-EB76-9A53-48C4CEF2570F}"/>
+              </a:ext>
+            </a:extLst>
+          </p:cNvPr>
+          <p:cNvSpPr txBox="1"/>
+          <p:nvPr/>
+        </p:nvSpPr>
+        <p:spPr>
+          <a:xfrm>
+            <a:off x="5842094" y="3251960"/>
+            <a:ext cx="870751" cy="246221"/>
+          </a:xfrm>
+          <a:prstGeom prst="rect">
+            <a:avLst/>
+          </a:prstGeom>
+          <a:noFill/>
+        </p:spPr>
+        <p:txBody>
+          <a:bodyPr wrap="none" rtlCol="0">
+            <a:spAutoFit/>
+          </a:bodyPr>
+          <a:lstStyle/>
+          <a:p>
+            <a:r>
+              <a:rPr lang="ko-KR" altLang="en-US" sz="1000" dirty="0" smtClean="0"/>
+              <a:t>서비스 가능</a:t>
+            </a:r>
+            <a:endParaRPr lang="ko-KR" altLang="en-US" sz="1000" dirty="0"/>
+          </a:p>
+        </p:txBody>
+      </p:sp>
+    </p:spTree>
+    <p:extLst>
+      <p:ext uri="{BB962C8B-B14F-4D97-AF65-F5344CB8AC3E}">
+        <p14:creationId xmlns:p14="http://schemas.microsoft.com/office/powerpoint/2010/main" val="3106924882"/>
+      </p:ext>
+    </p:extLst>
+  </p:cSld>
+  <p:clrMapOvr>
+    <a:masterClrMapping/>
+  </p:clrMapOvr>
+  <p:timing>
+    <p:tnLst>
+      <p:par>
+        <p:cTn id="1" dur="indefinite" restart="never" nodeType="tmRoot"/>
+      </p:par>
+    </p:tnLst>
+  </p:timing>
+</p:sld>
+</file>
+
+<file path=ppt/slides/slide3.xml><?xml version="1.0" encoding="utf-8"?>
+<p:sld xmlns:a="http://schemas.openxmlformats.org/drawingml/2006/main" xmlns:r="http://schemas.openxmlformats.org/officeDocument/2006/relationships" xmlns:p="http://schemas.openxmlformats.org/presentationml/2006/main">
+  <p:cSld>
+    <p:spTree>
+      <p:nvGrpSpPr>
+        <p:cNvPr id="1" name=""/>
+        <p:cNvGrpSpPr/>
+        <p:nvPr/>
+      </p:nvGrpSpPr>
+      <p:grpSpPr>
+        <a:xfrm>
+          <a:off x="0" y="0"/>
+          <a:ext cx="0" cy="0"/>
+          <a:chOff x="0" y="0"/>
+          <a:chExt cx="0" cy="0"/>
+        </a:xfrm>
+      </p:grpSpPr>
+      <p:sp>
+        <p:nvSpPr>
+          <p:cNvPr id="97" name="직사각형 96"/>
+          <p:cNvSpPr/>
+          <p:nvPr/>
+        </p:nvSpPr>
+        <p:spPr>
+          <a:xfrm>
+            <a:off x="382411" y="1499446"/>
+            <a:ext cx="2900922" cy="4126931"/>
+          </a:xfrm>
+          <a:prstGeom prst="rect">
+            <a:avLst/>
+          </a:prstGeom>
+          <a:solidFill>
+            <a:schemeClr val="bg1"/>
+          </a:solidFill>
+        </p:spPr>
+        <p:style>
+          <a:lnRef idx="2">
+            <a:schemeClr val="accent1">
+              <a:shade val="50000"/>
+            </a:schemeClr>
+          </a:lnRef>
+          <a:fillRef idx="1">
+            <a:schemeClr val="accent1"/>
+          </a:fillRef>
+          <a:effectRef idx="0">
+            <a:schemeClr val="accent1"/>
+          </a:effectRef>
+          <a:fontRef idx="minor">
+            <a:schemeClr val="lt1"/>
+          </a:fontRef>
+        </p:style>
+        <p:txBody>
+          <a:bodyPr rtlCol="0" anchor="ctr"/>
+          <a:lstStyle/>
+          <a:p>
+            <a:pPr algn="ctr"/>
+            <a:endParaRPr lang="ko-KR" altLang="en-US"/>
+          </a:p>
+        </p:txBody>
+      </p:sp>
+      <p:sp>
+        <p:nvSpPr>
+          <p:cNvPr id="3" name="직사각형 2"/>
+          <p:cNvSpPr/>
+          <p:nvPr/>
+        </p:nvSpPr>
+        <p:spPr>
+          <a:xfrm>
+            <a:off x="739297" y="2333943"/>
+            <a:ext cx="2028825" cy="2724150"/>
+          </a:xfrm>
+          <a:prstGeom prst="rect">
+            <a:avLst/>
+          </a:prstGeom>
+          <a:solidFill>
+            <a:schemeClr val="bg1"/>
+          </a:solidFill>
+        </p:spPr>
+        <p:style>
+          <a:lnRef idx="2">
+            <a:schemeClr val="accent1">
+              <a:shade val="50000"/>
+            </a:schemeClr>
+          </a:lnRef>
+          <a:fillRef idx="1">
+            <a:schemeClr val="accent1"/>
+          </a:fillRef>
+          <a:effectRef idx="0">
+            <a:schemeClr val="accent1"/>
+          </a:effectRef>
+          <a:fontRef idx="minor">
+            <a:schemeClr val="lt1"/>
+          </a:fontRef>
+        </p:style>
+        <p:txBody>
+          <a:bodyPr rtlCol="0" anchor="ctr"/>
+          <a:lstStyle/>
+          <a:p>
+            <a:pPr algn="ctr"/>
+            <a:endParaRPr lang="ko-KR" altLang="en-US"/>
+          </a:p>
+        </p:txBody>
+      </p:sp>
+      <p:sp>
+        <p:nvSpPr>
+          <p:cNvPr id="12" name="TextBox 11">
+            <a:extLst>
+              <a:ext uri="{FF2B5EF4-FFF2-40B4-BE49-F238E27FC236}">
+                <a16:creationId xmlns:a16="http://schemas.microsoft.com/office/drawing/2014/main" xmlns="" id="{C76E3AAD-45C6-EB76-9A53-48C4CEF2570F}"/>
+              </a:ext>
+            </a:extLst>
+          </p:cNvPr>
+          <p:cNvSpPr txBox="1"/>
+          <p:nvPr/>
+        </p:nvSpPr>
+        <p:spPr>
+          <a:xfrm>
+            <a:off x="1073074" y="2503607"/>
+            <a:ext cx="1361270" cy="369332"/>
+          </a:xfrm>
+          <a:prstGeom prst="rect">
+            <a:avLst/>
+          </a:prstGeom>
+          <a:noFill/>
+        </p:spPr>
+        <p:txBody>
+          <a:bodyPr wrap="none" rtlCol="0">
+            <a:spAutoFit/>
+          </a:bodyPr>
+          <a:lstStyle/>
+          <a:p>
+            <a:r>
               <a:rPr lang="en-US" altLang="ko-KR" dirty="0" smtClean="0"/>
               <a:t>Application</a:t>
             </a:r>
@@ -3385,7 +4422,7 @@
           <p:cNvPr id="59" name="TextBox 58">
             <a:extLst>
               <a:ext uri="{FF2B5EF4-FFF2-40B4-BE49-F238E27FC236}">
-                <a16:creationId xmlns="" xmlns:a16="http://schemas.microsoft.com/office/drawing/2014/main" id="{C76E3AAD-45C6-EB76-9A53-48C4CEF2570F}"/>
+                <a16:creationId xmlns:a16="http://schemas.microsoft.com/office/drawing/2014/main" xmlns="" id="{C76E3AAD-45C6-EB76-9A53-48C4CEF2570F}"/>
               </a:ext>
             </a:extLst>
           </p:cNvPr>
@@ -3596,7 +4633,7 @@
             <p:cNvPr id="49" name="TextBox 48">
               <a:extLst>
                 <a:ext uri="{FF2B5EF4-FFF2-40B4-BE49-F238E27FC236}">
-                  <a16:creationId xmlns="" xmlns:a16="http://schemas.microsoft.com/office/drawing/2014/main" id="{C76E3AAD-45C6-EB76-9A53-48C4CEF2570F}"/>
+                  <a16:creationId xmlns:a16="http://schemas.microsoft.com/office/drawing/2014/main" xmlns="" id="{C76E3AAD-45C6-EB76-9A53-48C4CEF2570F}"/>
                 </a:ext>
               </a:extLst>
             </p:cNvPr>
@@ -4115,7 +5152,7 @@
           <p:cNvPr id="100" name="TextBox 99">
             <a:extLst>
               <a:ext uri="{FF2B5EF4-FFF2-40B4-BE49-F238E27FC236}">
-                <a16:creationId xmlns="" xmlns:a16="http://schemas.microsoft.com/office/drawing/2014/main" id="{C76E3AAD-45C6-EB76-9A53-48C4CEF2570F}"/>
+                <a16:creationId xmlns:a16="http://schemas.microsoft.com/office/drawing/2014/main" xmlns="" id="{C76E3AAD-45C6-EB76-9A53-48C4CEF2570F}"/>
               </a:ext>
             </a:extLst>
           </p:cNvPr>
@@ -4246,7 +5283,7 @@
           <p:cNvPr id="101" name="TextBox 100">
             <a:extLst>
               <a:ext uri="{FF2B5EF4-FFF2-40B4-BE49-F238E27FC236}">
-                <a16:creationId xmlns="" xmlns:a16="http://schemas.microsoft.com/office/drawing/2014/main" id="{C76E3AAD-45C6-EB76-9A53-48C4CEF2570F}"/>
+                <a16:creationId xmlns:a16="http://schemas.microsoft.com/office/drawing/2014/main" xmlns="" id="{C76E3AAD-45C6-EB76-9A53-48C4CEF2570F}"/>
               </a:ext>
             </a:extLst>
           </p:cNvPr>
@@ -4282,7 +5319,7 @@
           <p:cNvPr id="102" name="TextBox 101">
             <a:extLst>
               <a:ext uri="{FF2B5EF4-FFF2-40B4-BE49-F238E27FC236}">
-                <a16:creationId xmlns="" xmlns:a16="http://schemas.microsoft.com/office/drawing/2014/main" id="{C76E3AAD-45C6-EB76-9A53-48C4CEF2570F}"/>
+                <a16:creationId xmlns:a16="http://schemas.microsoft.com/office/drawing/2014/main" xmlns="" id="{C76E3AAD-45C6-EB76-9A53-48C4CEF2570F}"/>
               </a:ext>
             </a:extLst>
           </p:cNvPr>
@@ -4425,7 +5462,7 @@
           <p:cNvPr id="110" name="TextBox 109">
             <a:extLst>
               <a:ext uri="{FF2B5EF4-FFF2-40B4-BE49-F238E27FC236}">
-                <a16:creationId xmlns="" xmlns:a16="http://schemas.microsoft.com/office/drawing/2014/main" id="{C76E3AAD-45C6-EB76-9A53-48C4CEF2570F}"/>
+                <a16:creationId xmlns:a16="http://schemas.microsoft.com/office/drawing/2014/main" xmlns="" id="{C76E3AAD-45C6-EB76-9A53-48C4CEF2570F}"/>
               </a:ext>
             </a:extLst>
           </p:cNvPr>
@@ -4461,7 +5498,7 @@
           <p:cNvPr id="111" name="TextBox 110">
             <a:extLst>
               <a:ext uri="{FF2B5EF4-FFF2-40B4-BE49-F238E27FC236}">
-                <a16:creationId xmlns="" xmlns:a16="http://schemas.microsoft.com/office/drawing/2014/main" id="{C76E3AAD-45C6-EB76-9A53-48C4CEF2570F}"/>
+                <a16:creationId xmlns:a16="http://schemas.microsoft.com/office/drawing/2014/main" xmlns="" id="{C76E3AAD-45C6-EB76-9A53-48C4CEF2570F}"/>
               </a:ext>
             </a:extLst>
           </p:cNvPr>
@@ -4667,7 +5704,7 @@
           <p:cNvPr id="128" name="TextBox 127">
             <a:extLst>
               <a:ext uri="{FF2B5EF4-FFF2-40B4-BE49-F238E27FC236}">
-                <a16:creationId xmlns="" xmlns:a16="http://schemas.microsoft.com/office/drawing/2014/main" id="{C76E3AAD-45C6-EB76-9A53-48C4CEF2570F}"/>
+                <a16:creationId xmlns:a16="http://schemas.microsoft.com/office/drawing/2014/main" xmlns="" id="{C76E3AAD-45C6-EB76-9A53-48C4CEF2570F}"/>
               </a:ext>
             </a:extLst>
           </p:cNvPr>
@@ -4747,7 +5784,7 @@
           <p:cNvPr id="129" name="TextBox 128">
             <a:extLst>
               <a:ext uri="{FF2B5EF4-FFF2-40B4-BE49-F238E27FC236}">
-                <a16:creationId xmlns="" xmlns:a16="http://schemas.microsoft.com/office/drawing/2014/main" id="{C76E3AAD-45C6-EB76-9A53-48C4CEF2570F}"/>
+                <a16:creationId xmlns:a16="http://schemas.microsoft.com/office/drawing/2014/main" xmlns="" id="{C76E3AAD-45C6-EB76-9A53-48C4CEF2570F}"/>
               </a:ext>
             </a:extLst>
           </p:cNvPr>
@@ -4782,1580 +5819,6 @@
     <p:extLst>
       <p:ext uri="{BB962C8B-B14F-4D97-AF65-F5344CB8AC3E}">
         <p14:creationId xmlns:p14="http://schemas.microsoft.com/office/powerpoint/2010/main" val="1132380515"/>
-      </p:ext>
-    </p:extLst>
-  </p:cSld>
-  <p:clrMapOvr>
-    <a:masterClrMapping/>
-  </p:clrMapOvr>
-  <p:timing>
-    <p:tnLst>
-      <p:par>
-        <p:cTn id="1" dur="indefinite" restart="never" nodeType="tmRoot"/>
-      </p:par>
-    </p:tnLst>
-  </p:timing>
-</p:sld>
-</file>
-
-<file path=ppt/slides/slide3.xml><?xml version="1.0" encoding="utf-8"?>
-<p:sld xmlns:a="http://schemas.openxmlformats.org/drawingml/2006/main" xmlns:r="http://schemas.openxmlformats.org/officeDocument/2006/relationships" xmlns:p="http://schemas.openxmlformats.org/presentationml/2006/main">
-  <p:cSld>
-    <p:spTree>
-      <p:nvGrpSpPr>
-        <p:cNvPr id="1" name=""/>
-        <p:cNvGrpSpPr/>
-        <p:nvPr/>
-      </p:nvGrpSpPr>
-      <p:grpSpPr>
-        <a:xfrm>
-          <a:off x="0" y="0"/>
-          <a:ext cx="0" cy="0"/>
-          <a:chOff x="0" y="0"/>
-          <a:chExt cx="0" cy="0"/>
-        </a:xfrm>
-      </p:grpSpPr>
-      <p:sp>
-        <p:nvSpPr>
-          <p:cNvPr id="67" name="직사각형 66"/>
-          <p:cNvSpPr/>
-          <p:nvPr/>
-        </p:nvSpPr>
-        <p:spPr>
-          <a:xfrm>
-            <a:off x="10160000" y="1499446"/>
-            <a:ext cx="1511300" cy="4126931"/>
-          </a:xfrm>
-          <a:prstGeom prst="rect">
-            <a:avLst/>
-          </a:prstGeom>
-          <a:solidFill>
-            <a:schemeClr val="bg1"/>
-          </a:solidFill>
-        </p:spPr>
-        <p:style>
-          <a:lnRef idx="2">
-            <a:schemeClr val="accent1">
-              <a:shade val="50000"/>
-            </a:schemeClr>
-          </a:lnRef>
-          <a:fillRef idx="1">
-            <a:schemeClr val="accent1"/>
-          </a:fillRef>
-          <a:effectRef idx="0">
-            <a:schemeClr val="accent1"/>
-          </a:effectRef>
-          <a:fontRef idx="minor">
-            <a:schemeClr val="lt1"/>
-          </a:fontRef>
-        </p:style>
-        <p:txBody>
-          <a:bodyPr rtlCol="0" anchor="ctr"/>
-          <a:lstStyle/>
-          <a:p>
-            <a:pPr algn="ctr"/>
-            <a:endParaRPr lang="ko-KR" altLang="en-US"/>
-          </a:p>
-        </p:txBody>
-      </p:sp>
-      <p:sp>
-        <p:nvSpPr>
-          <p:cNvPr id="56" name="직사각형 55"/>
-          <p:cNvSpPr/>
-          <p:nvPr/>
-        </p:nvSpPr>
-        <p:spPr>
-          <a:xfrm>
-            <a:off x="4621848" y="1499446"/>
-            <a:ext cx="4814252" cy="4126931"/>
-          </a:xfrm>
-          <a:prstGeom prst="rect">
-            <a:avLst/>
-          </a:prstGeom>
-          <a:solidFill>
-            <a:schemeClr val="bg1"/>
-          </a:solidFill>
-        </p:spPr>
-        <p:style>
-          <a:lnRef idx="2">
-            <a:schemeClr val="accent1">
-              <a:shade val="50000"/>
-            </a:schemeClr>
-          </a:lnRef>
-          <a:fillRef idx="1">
-            <a:schemeClr val="accent1"/>
-          </a:fillRef>
-          <a:effectRef idx="0">
-            <a:schemeClr val="accent1"/>
-          </a:effectRef>
-          <a:fontRef idx="minor">
-            <a:schemeClr val="lt1"/>
-          </a:fontRef>
-        </p:style>
-        <p:txBody>
-          <a:bodyPr rtlCol="0" anchor="ctr"/>
-          <a:lstStyle/>
-          <a:p>
-            <a:pPr algn="ctr"/>
-            <a:endParaRPr lang="ko-KR" altLang="en-US"/>
-          </a:p>
-        </p:txBody>
-      </p:sp>
-      <p:sp>
-        <p:nvSpPr>
-          <p:cNvPr id="97" name="직사각형 96"/>
-          <p:cNvSpPr/>
-          <p:nvPr/>
-        </p:nvSpPr>
-        <p:spPr>
-          <a:xfrm>
-            <a:off x="382411" y="1499446"/>
-            <a:ext cx="2900922" cy="4126931"/>
-          </a:xfrm>
-          <a:prstGeom prst="rect">
-            <a:avLst/>
-          </a:prstGeom>
-          <a:solidFill>
-            <a:schemeClr val="bg1"/>
-          </a:solidFill>
-        </p:spPr>
-        <p:style>
-          <a:lnRef idx="2">
-            <a:schemeClr val="accent1">
-              <a:shade val="50000"/>
-            </a:schemeClr>
-          </a:lnRef>
-          <a:fillRef idx="1">
-            <a:schemeClr val="accent1"/>
-          </a:fillRef>
-          <a:effectRef idx="0">
-            <a:schemeClr val="accent1"/>
-          </a:effectRef>
-          <a:fontRef idx="minor">
-            <a:schemeClr val="lt1"/>
-          </a:fontRef>
-        </p:style>
-        <p:txBody>
-          <a:bodyPr rtlCol="0" anchor="ctr"/>
-          <a:lstStyle/>
-          <a:p>
-            <a:pPr algn="ctr"/>
-            <a:endParaRPr lang="ko-KR" altLang="en-US"/>
-          </a:p>
-        </p:txBody>
-      </p:sp>
-      <p:sp>
-        <p:nvSpPr>
-          <p:cNvPr id="3" name="직사각형 2"/>
-          <p:cNvSpPr/>
-          <p:nvPr/>
-        </p:nvSpPr>
-        <p:spPr>
-          <a:xfrm>
-            <a:off x="739297" y="2333943"/>
-            <a:ext cx="2028825" cy="2724150"/>
-          </a:xfrm>
-          <a:prstGeom prst="rect">
-            <a:avLst/>
-          </a:prstGeom>
-          <a:solidFill>
-            <a:schemeClr val="bg1"/>
-          </a:solidFill>
-        </p:spPr>
-        <p:style>
-          <a:lnRef idx="2">
-            <a:schemeClr val="accent1">
-              <a:shade val="50000"/>
-            </a:schemeClr>
-          </a:lnRef>
-          <a:fillRef idx="1">
-            <a:schemeClr val="accent1"/>
-          </a:fillRef>
-          <a:effectRef idx="0">
-            <a:schemeClr val="accent1"/>
-          </a:effectRef>
-          <a:fontRef idx="minor">
-            <a:schemeClr val="lt1"/>
-          </a:fontRef>
-        </p:style>
-        <p:txBody>
-          <a:bodyPr rtlCol="0" anchor="ctr"/>
-          <a:lstStyle/>
-          <a:p>
-            <a:pPr algn="ctr"/>
-            <a:endParaRPr lang="ko-KR" altLang="en-US"/>
-          </a:p>
-        </p:txBody>
-      </p:sp>
-      <p:sp>
-        <p:nvSpPr>
-          <p:cNvPr id="12" name="TextBox 11">
-            <a:extLst>
-              <a:ext uri="{FF2B5EF4-FFF2-40B4-BE49-F238E27FC236}">
-                <a16:creationId xmlns="" xmlns:a16="http://schemas.microsoft.com/office/drawing/2014/main" id="{C76E3AAD-45C6-EB76-9A53-48C4CEF2570F}"/>
-              </a:ext>
-            </a:extLst>
-          </p:cNvPr>
-          <p:cNvSpPr txBox="1"/>
-          <p:nvPr/>
-        </p:nvSpPr>
-        <p:spPr>
-          <a:xfrm>
-            <a:off x="1073074" y="2503607"/>
-            <a:ext cx="1361270" cy="369332"/>
-          </a:xfrm>
-          <a:prstGeom prst="rect">
-            <a:avLst/>
-          </a:prstGeom>
-          <a:noFill/>
-        </p:spPr>
-        <p:txBody>
-          <a:bodyPr wrap="none" rtlCol="0">
-            <a:spAutoFit/>
-          </a:bodyPr>
-          <a:lstStyle/>
-          <a:p>
-            <a:r>
-              <a:rPr lang="en-US" altLang="ko-KR" dirty="0" smtClean="0"/>
-              <a:t>Application</a:t>
-            </a:r>
-            <a:endParaRPr lang="ko-KR" altLang="en-US" dirty="0"/>
-          </a:p>
-        </p:txBody>
-      </p:sp>
-      <p:sp>
-        <p:nvSpPr>
-          <p:cNvPr id="59" name="TextBox 58">
-            <a:extLst>
-              <a:ext uri="{FF2B5EF4-FFF2-40B4-BE49-F238E27FC236}">
-                <a16:creationId xmlns="" xmlns:a16="http://schemas.microsoft.com/office/drawing/2014/main" id="{C76E3AAD-45C6-EB76-9A53-48C4CEF2570F}"/>
-              </a:ext>
-            </a:extLst>
-          </p:cNvPr>
-          <p:cNvSpPr txBox="1"/>
-          <p:nvPr/>
-        </p:nvSpPr>
-        <p:spPr>
-          <a:xfrm>
-            <a:off x="317360" y="169662"/>
-            <a:ext cx="2343911" cy="369332"/>
-          </a:xfrm>
-          <a:prstGeom prst="rect">
-            <a:avLst/>
-          </a:prstGeom>
-          <a:noFill/>
-        </p:spPr>
-        <p:txBody>
-          <a:bodyPr wrap="none" rtlCol="0">
-            <a:spAutoFit/>
-          </a:bodyPr>
-          <a:lstStyle/>
-          <a:p>
-            <a:r>
-              <a:rPr lang="ko-KR" altLang="en-US" dirty="0" err="1" smtClean="0"/>
-              <a:t>오픈텔레메트리</a:t>
-            </a:r>
-            <a:r>
-              <a:rPr lang="ko-KR" altLang="en-US" dirty="0" smtClean="0"/>
-              <a:t> 방식</a:t>
-            </a:r>
-            <a:endParaRPr lang="en-US" altLang="ko-KR" dirty="0"/>
-          </a:p>
-        </p:txBody>
-      </p:sp>
-      <p:sp>
-        <p:nvSpPr>
-          <p:cNvPr id="75" name="모서리가 둥근 직사각형 74"/>
-          <p:cNvSpPr/>
-          <p:nvPr/>
-        </p:nvSpPr>
-        <p:spPr>
-          <a:xfrm>
-            <a:off x="924934" y="2982043"/>
-            <a:ext cx="1685925" cy="1664696"/>
-          </a:xfrm>
-          <a:prstGeom prst="roundRect">
-            <a:avLst/>
-          </a:prstGeom>
-          <a:solidFill>
-            <a:schemeClr val="accent6">
-              <a:lumMod val="60000"/>
-              <a:lumOff val="40000"/>
-            </a:schemeClr>
-          </a:solidFill>
-          <a:ln>
-            <a:noFill/>
-          </a:ln>
-        </p:spPr>
-        <p:style>
-          <a:lnRef idx="2">
-            <a:schemeClr val="accent1">
-              <a:shade val="50000"/>
-            </a:schemeClr>
-          </a:lnRef>
-          <a:fillRef idx="1">
-            <a:schemeClr val="accent1"/>
-          </a:fillRef>
-          <a:effectRef idx="0">
-            <a:schemeClr val="accent1"/>
-          </a:effectRef>
-          <a:fontRef idx="minor">
-            <a:schemeClr val="lt1"/>
-          </a:fontRef>
-        </p:style>
-        <p:txBody>
-          <a:bodyPr rtlCol="0" anchor="ctr"/>
-          <a:lstStyle/>
-          <a:p>
-            <a:pPr algn="ctr"/>
-            <a:r>
-              <a:rPr lang="en-US" altLang="ko-KR" sz="1300" dirty="0" smtClean="0"/>
-              <a:t>Auto / Manual</a:t>
-            </a:r>
-            <a:br>
-              <a:rPr lang="en-US" altLang="ko-KR" sz="1300" dirty="0" smtClean="0"/>
-            </a:br>
-            <a:r>
-              <a:rPr lang="en-US" altLang="ko-KR" sz="1300" dirty="0" smtClean="0"/>
-              <a:t>Instrumentation</a:t>
-            </a:r>
-          </a:p>
-        </p:txBody>
-      </p:sp>
-      <p:sp>
-        <p:nvSpPr>
-          <p:cNvPr id="4" name="직사각형 3"/>
-          <p:cNvSpPr/>
-          <p:nvPr/>
-        </p:nvSpPr>
-        <p:spPr>
-          <a:xfrm>
-            <a:off x="4882478" y="2240379"/>
-            <a:ext cx="1023023" cy="542409"/>
-          </a:xfrm>
-          <a:prstGeom prst="rect">
-            <a:avLst/>
-          </a:prstGeom>
-          <a:solidFill>
-            <a:schemeClr val="accent1">
-              <a:lumMod val="75000"/>
-            </a:schemeClr>
-          </a:solidFill>
-          <a:ln>
-            <a:noFill/>
-          </a:ln>
-        </p:spPr>
-        <p:style>
-          <a:lnRef idx="2">
-            <a:schemeClr val="accent1">
-              <a:shade val="50000"/>
-            </a:schemeClr>
-          </a:lnRef>
-          <a:fillRef idx="1">
-            <a:schemeClr val="accent1"/>
-          </a:fillRef>
-          <a:effectRef idx="0">
-            <a:schemeClr val="accent1"/>
-          </a:effectRef>
-          <a:fontRef idx="minor">
-            <a:schemeClr val="lt1"/>
-          </a:fontRef>
-        </p:style>
-        <p:txBody>
-          <a:bodyPr rtlCol="0" anchor="ctr"/>
-          <a:lstStyle/>
-          <a:p>
-            <a:pPr algn="ctr"/>
-            <a:r>
-              <a:rPr lang="en-US" altLang="ko-KR" dirty="0" smtClean="0"/>
-              <a:t>Metrics</a:t>
-            </a:r>
-            <a:endParaRPr lang="ko-KR" altLang="en-US" dirty="0"/>
-          </a:p>
-        </p:txBody>
-      </p:sp>
-      <p:sp>
-        <p:nvSpPr>
-          <p:cNvPr id="85" name="직사각형 84"/>
-          <p:cNvSpPr/>
-          <p:nvPr/>
-        </p:nvSpPr>
-        <p:spPr>
-          <a:xfrm>
-            <a:off x="4882477" y="3437932"/>
-            <a:ext cx="1023023" cy="542409"/>
-          </a:xfrm>
-          <a:prstGeom prst="rect">
-            <a:avLst/>
-          </a:prstGeom>
-          <a:solidFill>
-            <a:schemeClr val="accent6">
-              <a:lumMod val="60000"/>
-              <a:lumOff val="40000"/>
-            </a:schemeClr>
-          </a:solidFill>
-          <a:ln>
-            <a:noFill/>
-          </a:ln>
-        </p:spPr>
-        <p:style>
-          <a:lnRef idx="2">
-            <a:schemeClr val="accent1">
-              <a:shade val="50000"/>
-            </a:schemeClr>
-          </a:lnRef>
-          <a:fillRef idx="1">
-            <a:schemeClr val="accent1"/>
-          </a:fillRef>
-          <a:effectRef idx="0">
-            <a:schemeClr val="accent1"/>
-          </a:effectRef>
-          <a:fontRef idx="minor">
-            <a:schemeClr val="lt1"/>
-          </a:fontRef>
-        </p:style>
-        <p:txBody>
-          <a:bodyPr rtlCol="0" anchor="ctr"/>
-          <a:lstStyle/>
-          <a:p>
-            <a:pPr algn="ctr"/>
-            <a:r>
-              <a:rPr lang="en-US" altLang="ko-KR" dirty="0" smtClean="0"/>
-              <a:t>Tracing</a:t>
-            </a:r>
-            <a:endParaRPr lang="ko-KR" altLang="en-US" dirty="0"/>
-          </a:p>
-        </p:txBody>
-      </p:sp>
-      <p:sp>
-        <p:nvSpPr>
-          <p:cNvPr id="86" name="직사각형 85"/>
-          <p:cNvSpPr/>
-          <p:nvPr/>
-        </p:nvSpPr>
-        <p:spPr>
-          <a:xfrm>
-            <a:off x="4882478" y="4635486"/>
-            <a:ext cx="1023023" cy="542409"/>
-          </a:xfrm>
-          <a:prstGeom prst="rect">
-            <a:avLst/>
-          </a:prstGeom>
-          <a:solidFill>
-            <a:srgbClr val="7030A0"/>
-          </a:solidFill>
-          <a:ln>
-            <a:noFill/>
-          </a:ln>
-        </p:spPr>
-        <p:style>
-          <a:lnRef idx="2">
-            <a:schemeClr val="accent1">
-              <a:shade val="50000"/>
-            </a:schemeClr>
-          </a:lnRef>
-          <a:fillRef idx="1">
-            <a:schemeClr val="accent1"/>
-          </a:fillRef>
-          <a:effectRef idx="0">
-            <a:schemeClr val="accent1"/>
-          </a:effectRef>
-          <a:fontRef idx="minor">
-            <a:schemeClr val="lt1"/>
-          </a:fontRef>
-        </p:style>
-        <p:txBody>
-          <a:bodyPr rtlCol="0" anchor="ctr"/>
-          <a:lstStyle/>
-          <a:p>
-            <a:pPr algn="ctr"/>
-            <a:r>
-              <a:rPr lang="en-US" altLang="ko-KR" dirty="0" smtClean="0"/>
-              <a:t>Logs</a:t>
-            </a:r>
-            <a:endParaRPr lang="ko-KR" altLang="en-US" dirty="0"/>
-          </a:p>
-        </p:txBody>
-      </p:sp>
-      <p:sp>
-        <p:nvSpPr>
-          <p:cNvPr id="100" name="TextBox 99">
-            <a:extLst>
-              <a:ext uri="{FF2B5EF4-FFF2-40B4-BE49-F238E27FC236}">
-                <a16:creationId xmlns="" xmlns:a16="http://schemas.microsoft.com/office/drawing/2014/main" id="{C76E3AAD-45C6-EB76-9A53-48C4CEF2570F}"/>
-              </a:ext>
-            </a:extLst>
-          </p:cNvPr>
-          <p:cNvSpPr txBox="1"/>
-          <p:nvPr/>
-        </p:nvSpPr>
-        <p:spPr>
-          <a:xfrm>
-            <a:off x="1132334" y="1621695"/>
-            <a:ext cx="1159676" cy="369332"/>
-          </a:xfrm>
-          <a:prstGeom prst="rect">
-            <a:avLst/>
-          </a:prstGeom>
-          <a:noFill/>
-        </p:spPr>
-        <p:txBody>
-          <a:bodyPr wrap="none" rtlCol="0">
-            <a:spAutoFit/>
-          </a:bodyPr>
-          <a:lstStyle/>
-          <a:p>
-            <a:r>
-              <a:rPr lang="en-US" altLang="ko-KR" dirty="0" smtClean="0"/>
-              <a:t>Host/Pod</a:t>
-            </a:r>
-            <a:endParaRPr lang="ko-KR" altLang="en-US" dirty="0"/>
-          </a:p>
-        </p:txBody>
-      </p:sp>
-      <p:sp>
-        <p:nvSpPr>
-          <p:cNvPr id="101" name="TextBox 100">
-            <a:extLst>
-              <a:ext uri="{FF2B5EF4-FFF2-40B4-BE49-F238E27FC236}">
-                <a16:creationId xmlns="" xmlns:a16="http://schemas.microsoft.com/office/drawing/2014/main" id="{C76E3AAD-45C6-EB76-9A53-48C4CEF2570F}"/>
-              </a:ext>
-            </a:extLst>
-          </p:cNvPr>
-          <p:cNvSpPr txBox="1"/>
-          <p:nvPr/>
-        </p:nvSpPr>
-        <p:spPr>
-          <a:xfrm>
-            <a:off x="3270828" y="2200395"/>
-            <a:ext cx="925253" cy="246221"/>
-          </a:xfrm>
-          <a:prstGeom prst="rect">
-            <a:avLst/>
-          </a:prstGeom>
-          <a:noFill/>
-        </p:spPr>
-        <p:txBody>
-          <a:bodyPr wrap="none" rtlCol="0">
-            <a:spAutoFit/>
-          </a:bodyPr>
-          <a:lstStyle/>
-          <a:p>
-            <a:r>
-              <a:rPr lang="en-US" altLang="ko-KR" sz="1000" dirty="0" smtClean="0"/>
-              <a:t>Host Metrics</a:t>
-            </a:r>
-            <a:endParaRPr lang="ko-KR" altLang="en-US" sz="1000" dirty="0"/>
-          </a:p>
-        </p:txBody>
-      </p:sp>
-      <p:sp>
-        <p:nvSpPr>
-          <p:cNvPr id="102" name="TextBox 101">
-            <a:extLst>
-              <a:ext uri="{FF2B5EF4-FFF2-40B4-BE49-F238E27FC236}">
-                <a16:creationId xmlns="" xmlns:a16="http://schemas.microsoft.com/office/drawing/2014/main" id="{C76E3AAD-45C6-EB76-9A53-48C4CEF2570F}"/>
-              </a:ext>
-            </a:extLst>
-          </p:cNvPr>
-          <p:cNvSpPr txBox="1"/>
-          <p:nvPr/>
-        </p:nvSpPr>
-        <p:spPr>
-          <a:xfrm>
-            <a:off x="3252481" y="2951022"/>
-            <a:ext cx="893193" cy="246221"/>
-          </a:xfrm>
-          <a:prstGeom prst="rect">
-            <a:avLst/>
-          </a:prstGeom>
-          <a:noFill/>
-        </p:spPr>
-        <p:txBody>
-          <a:bodyPr wrap="none" rtlCol="0">
-            <a:spAutoFit/>
-          </a:bodyPr>
-          <a:lstStyle/>
-          <a:p>
-            <a:r>
-              <a:rPr lang="en-US" altLang="ko-KR" sz="1000" dirty="0" smtClean="0"/>
-              <a:t>App Metrics</a:t>
-            </a:r>
-            <a:endParaRPr lang="ko-KR" altLang="en-US" sz="1000" dirty="0"/>
-          </a:p>
-        </p:txBody>
-      </p:sp>
-      <p:sp>
-        <p:nvSpPr>
-          <p:cNvPr id="110" name="TextBox 109">
-            <a:extLst>
-              <a:ext uri="{FF2B5EF4-FFF2-40B4-BE49-F238E27FC236}">
-                <a16:creationId xmlns="" xmlns:a16="http://schemas.microsoft.com/office/drawing/2014/main" id="{C76E3AAD-45C6-EB76-9A53-48C4CEF2570F}"/>
-              </a:ext>
-            </a:extLst>
-          </p:cNvPr>
-          <p:cNvSpPr txBox="1"/>
-          <p:nvPr/>
-        </p:nvSpPr>
-        <p:spPr>
-          <a:xfrm>
-            <a:off x="3253823" y="4668444"/>
-            <a:ext cx="914033" cy="246221"/>
-          </a:xfrm>
-          <a:prstGeom prst="rect">
-            <a:avLst/>
-          </a:prstGeom>
-          <a:noFill/>
-        </p:spPr>
-        <p:txBody>
-          <a:bodyPr wrap="none" rtlCol="0">
-            <a:spAutoFit/>
-          </a:bodyPr>
-          <a:lstStyle/>
-          <a:p>
-            <a:r>
-              <a:rPr lang="en-US" altLang="ko-KR" sz="1000" dirty="0" smtClean="0"/>
-              <a:t>System Logs</a:t>
-            </a:r>
-            <a:endParaRPr lang="ko-KR" altLang="en-US" sz="1000" dirty="0"/>
-          </a:p>
-        </p:txBody>
-      </p:sp>
-      <p:sp>
-        <p:nvSpPr>
-          <p:cNvPr id="111" name="TextBox 110">
-            <a:extLst>
-              <a:ext uri="{FF2B5EF4-FFF2-40B4-BE49-F238E27FC236}">
-                <a16:creationId xmlns="" xmlns:a16="http://schemas.microsoft.com/office/drawing/2014/main" id="{C76E3AAD-45C6-EB76-9A53-48C4CEF2570F}"/>
-              </a:ext>
-            </a:extLst>
-          </p:cNvPr>
-          <p:cNvSpPr txBox="1"/>
-          <p:nvPr/>
-        </p:nvSpPr>
-        <p:spPr>
-          <a:xfrm>
-            <a:off x="3283333" y="3992447"/>
-            <a:ext cx="739305" cy="246221"/>
-          </a:xfrm>
-          <a:prstGeom prst="rect">
-            <a:avLst/>
-          </a:prstGeom>
-          <a:noFill/>
-        </p:spPr>
-        <p:txBody>
-          <a:bodyPr wrap="none" rtlCol="0">
-            <a:spAutoFit/>
-          </a:bodyPr>
-          <a:lstStyle/>
-          <a:p>
-            <a:r>
-              <a:rPr lang="en-US" altLang="ko-KR" sz="1000" dirty="0" smtClean="0"/>
-              <a:t>App Logs</a:t>
-            </a:r>
-            <a:endParaRPr lang="ko-KR" altLang="en-US" sz="1000" dirty="0"/>
-          </a:p>
-        </p:txBody>
-      </p:sp>
-      <p:sp>
-        <p:nvSpPr>
-          <p:cNvPr id="42" name="TextBox 41">
-            <a:extLst>
-              <a:ext uri="{FF2B5EF4-FFF2-40B4-BE49-F238E27FC236}">
-                <a16:creationId xmlns="" xmlns:a16="http://schemas.microsoft.com/office/drawing/2014/main" id="{C76E3AAD-45C6-EB76-9A53-48C4CEF2570F}"/>
-              </a:ext>
-            </a:extLst>
-          </p:cNvPr>
-          <p:cNvSpPr txBox="1"/>
-          <p:nvPr/>
-        </p:nvSpPr>
-        <p:spPr>
-          <a:xfrm>
-            <a:off x="3252481" y="3451664"/>
-            <a:ext cx="551754" cy="246221"/>
-          </a:xfrm>
-          <a:prstGeom prst="rect">
-            <a:avLst/>
-          </a:prstGeom>
-          <a:noFill/>
-        </p:spPr>
-        <p:txBody>
-          <a:bodyPr wrap="none" rtlCol="0">
-            <a:spAutoFit/>
-          </a:bodyPr>
-          <a:lstStyle/>
-          <a:p>
-            <a:r>
-              <a:rPr lang="en-US" altLang="ko-KR" sz="1000" dirty="0" smtClean="0"/>
-              <a:t>Traces</a:t>
-            </a:r>
-            <a:endParaRPr lang="ko-KR" altLang="en-US" sz="1000" dirty="0"/>
-          </a:p>
-        </p:txBody>
-      </p:sp>
-      <p:sp>
-        <p:nvSpPr>
-          <p:cNvPr id="58" name="TextBox 57">
-            <a:extLst>
-              <a:ext uri="{FF2B5EF4-FFF2-40B4-BE49-F238E27FC236}">
-                <a16:creationId xmlns="" xmlns:a16="http://schemas.microsoft.com/office/drawing/2014/main" id="{C76E3AAD-45C6-EB76-9A53-48C4CEF2570F}"/>
-              </a:ext>
-            </a:extLst>
-          </p:cNvPr>
-          <p:cNvSpPr txBox="1"/>
-          <p:nvPr/>
-        </p:nvSpPr>
-        <p:spPr>
-          <a:xfrm>
-            <a:off x="5639811" y="1621695"/>
-            <a:ext cx="2778325" cy="369332"/>
-          </a:xfrm>
-          <a:prstGeom prst="rect">
-            <a:avLst/>
-          </a:prstGeom>
-          <a:noFill/>
-        </p:spPr>
-        <p:txBody>
-          <a:bodyPr wrap="none" rtlCol="0">
-            <a:spAutoFit/>
-          </a:bodyPr>
-          <a:lstStyle/>
-          <a:p>
-            <a:r>
-              <a:rPr lang="en-US" altLang="ko-KR" dirty="0" err="1" smtClean="0"/>
-              <a:t>OpenTelemetry</a:t>
-            </a:r>
-            <a:r>
-              <a:rPr lang="en-US" altLang="ko-KR" dirty="0" smtClean="0"/>
-              <a:t> Collector</a:t>
-            </a:r>
-            <a:endParaRPr lang="ko-KR" altLang="en-US" dirty="0"/>
-          </a:p>
-        </p:txBody>
-      </p:sp>
-      <p:sp>
-        <p:nvSpPr>
-          <p:cNvPr id="61" name="직사각형 60"/>
-          <p:cNvSpPr/>
-          <p:nvPr/>
-        </p:nvSpPr>
-        <p:spPr>
-          <a:xfrm>
-            <a:off x="6187713" y="2240379"/>
-            <a:ext cx="1280991" cy="2937516"/>
-          </a:xfrm>
-          <a:prstGeom prst="rect">
-            <a:avLst/>
-          </a:prstGeom>
-          <a:solidFill>
-            <a:schemeClr val="bg2">
-              <a:lumMod val="50000"/>
-            </a:schemeClr>
-          </a:solidFill>
-          <a:ln>
-            <a:noFill/>
-          </a:ln>
-        </p:spPr>
-        <p:style>
-          <a:lnRef idx="2">
-            <a:schemeClr val="accent1">
-              <a:shade val="50000"/>
-            </a:schemeClr>
-          </a:lnRef>
-          <a:fillRef idx="1">
-            <a:schemeClr val="accent1"/>
-          </a:fillRef>
-          <a:effectRef idx="0">
-            <a:schemeClr val="accent1"/>
-          </a:effectRef>
-          <a:fontRef idx="minor">
-            <a:schemeClr val="lt1"/>
-          </a:fontRef>
-        </p:style>
-        <p:txBody>
-          <a:bodyPr rtlCol="0" anchor="ctr"/>
-          <a:lstStyle/>
-          <a:p>
-            <a:pPr algn="ctr"/>
-            <a:r>
-              <a:rPr lang="en-US" altLang="ko-KR" dirty="0" smtClean="0"/>
-              <a:t>Processor</a:t>
-            </a:r>
-            <a:endParaRPr lang="ko-KR" altLang="en-US" dirty="0"/>
-          </a:p>
-        </p:txBody>
-      </p:sp>
-      <p:sp>
-        <p:nvSpPr>
-          <p:cNvPr id="62" name="직사각형 61"/>
-          <p:cNvSpPr/>
-          <p:nvPr/>
-        </p:nvSpPr>
-        <p:spPr>
-          <a:xfrm>
-            <a:off x="7753360" y="2240379"/>
-            <a:ext cx="1280991" cy="2937516"/>
-          </a:xfrm>
-          <a:prstGeom prst="rect">
-            <a:avLst/>
-          </a:prstGeom>
-          <a:solidFill>
-            <a:schemeClr val="bg2">
-              <a:lumMod val="50000"/>
-            </a:schemeClr>
-          </a:solidFill>
-          <a:ln>
-            <a:noFill/>
-          </a:ln>
-        </p:spPr>
-        <p:style>
-          <a:lnRef idx="2">
-            <a:schemeClr val="accent1">
-              <a:shade val="50000"/>
-            </a:schemeClr>
-          </a:lnRef>
-          <a:fillRef idx="1">
-            <a:schemeClr val="accent1"/>
-          </a:fillRef>
-          <a:effectRef idx="0">
-            <a:schemeClr val="accent1"/>
-          </a:effectRef>
-          <a:fontRef idx="minor">
-            <a:schemeClr val="lt1"/>
-          </a:fontRef>
-        </p:style>
-        <p:txBody>
-          <a:bodyPr rtlCol="0" anchor="ctr"/>
-          <a:lstStyle/>
-          <a:p>
-            <a:pPr algn="ctr"/>
-            <a:r>
-              <a:rPr lang="en-US" altLang="ko-KR" dirty="0" smtClean="0"/>
-              <a:t>Exporter</a:t>
-            </a:r>
-            <a:endParaRPr lang="ko-KR" altLang="en-US" dirty="0"/>
-          </a:p>
-        </p:txBody>
-      </p:sp>
-      <p:sp>
-        <p:nvSpPr>
-          <p:cNvPr id="63" name="직사각형 62"/>
-          <p:cNvSpPr/>
-          <p:nvPr/>
-        </p:nvSpPr>
-        <p:spPr>
-          <a:xfrm>
-            <a:off x="10419678" y="2240379"/>
-            <a:ext cx="1023023" cy="542409"/>
-          </a:xfrm>
-          <a:prstGeom prst="rect">
-            <a:avLst/>
-          </a:prstGeom>
-          <a:solidFill>
-            <a:schemeClr val="accent1">
-              <a:lumMod val="75000"/>
-            </a:schemeClr>
-          </a:solidFill>
-          <a:ln>
-            <a:noFill/>
-          </a:ln>
-        </p:spPr>
-        <p:style>
-          <a:lnRef idx="2">
-            <a:schemeClr val="accent1">
-              <a:shade val="50000"/>
-            </a:schemeClr>
-          </a:lnRef>
-          <a:fillRef idx="1">
-            <a:schemeClr val="accent1"/>
-          </a:fillRef>
-          <a:effectRef idx="0">
-            <a:schemeClr val="accent1"/>
-          </a:effectRef>
-          <a:fontRef idx="minor">
-            <a:schemeClr val="lt1"/>
-          </a:fontRef>
-        </p:style>
-        <p:txBody>
-          <a:bodyPr rtlCol="0" anchor="ctr"/>
-          <a:lstStyle/>
-          <a:p>
-            <a:pPr algn="ctr"/>
-            <a:r>
-              <a:rPr lang="en-US" altLang="ko-KR" dirty="0" smtClean="0"/>
-              <a:t>Metrics</a:t>
-            </a:r>
-            <a:endParaRPr lang="ko-KR" altLang="en-US" dirty="0"/>
-          </a:p>
-        </p:txBody>
-      </p:sp>
-      <p:sp>
-        <p:nvSpPr>
-          <p:cNvPr id="64" name="직사각형 63"/>
-          <p:cNvSpPr/>
-          <p:nvPr/>
-        </p:nvSpPr>
-        <p:spPr>
-          <a:xfrm>
-            <a:off x="10419677" y="3437932"/>
-            <a:ext cx="1023023" cy="542409"/>
-          </a:xfrm>
-          <a:prstGeom prst="rect">
-            <a:avLst/>
-          </a:prstGeom>
-          <a:solidFill>
-            <a:schemeClr val="accent6">
-              <a:lumMod val="60000"/>
-              <a:lumOff val="40000"/>
-            </a:schemeClr>
-          </a:solidFill>
-          <a:ln>
-            <a:noFill/>
-          </a:ln>
-        </p:spPr>
-        <p:style>
-          <a:lnRef idx="2">
-            <a:schemeClr val="accent1">
-              <a:shade val="50000"/>
-            </a:schemeClr>
-          </a:lnRef>
-          <a:fillRef idx="1">
-            <a:schemeClr val="accent1"/>
-          </a:fillRef>
-          <a:effectRef idx="0">
-            <a:schemeClr val="accent1"/>
-          </a:effectRef>
-          <a:fontRef idx="minor">
-            <a:schemeClr val="lt1"/>
-          </a:fontRef>
-        </p:style>
-        <p:txBody>
-          <a:bodyPr rtlCol="0" anchor="ctr"/>
-          <a:lstStyle/>
-          <a:p>
-            <a:pPr algn="ctr"/>
-            <a:r>
-              <a:rPr lang="en-US" altLang="ko-KR" dirty="0" smtClean="0"/>
-              <a:t>Tracing</a:t>
-            </a:r>
-            <a:endParaRPr lang="ko-KR" altLang="en-US" dirty="0"/>
-          </a:p>
-        </p:txBody>
-      </p:sp>
-      <p:sp>
-        <p:nvSpPr>
-          <p:cNvPr id="65" name="직사각형 64"/>
-          <p:cNvSpPr/>
-          <p:nvPr/>
-        </p:nvSpPr>
-        <p:spPr>
-          <a:xfrm>
-            <a:off x="10419678" y="4635486"/>
-            <a:ext cx="1023023" cy="542409"/>
-          </a:xfrm>
-          <a:prstGeom prst="rect">
-            <a:avLst/>
-          </a:prstGeom>
-          <a:solidFill>
-            <a:srgbClr val="7030A0"/>
-          </a:solidFill>
-          <a:ln>
-            <a:noFill/>
-          </a:ln>
-        </p:spPr>
-        <p:style>
-          <a:lnRef idx="2">
-            <a:schemeClr val="accent1">
-              <a:shade val="50000"/>
-            </a:schemeClr>
-          </a:lnRef>
-          <a:fillRef idx="1">
-            <a:schemeClr val="accent1"/>
-          </a:fillRef>
-          <a:effectRef idx="0">
-            <a:schemeClr val="accent1"/>
-          </a:effectRef>
-          <a:fontRef idx="minor">
-            <a:schemeClr val="lt1"/>
-          </a:fontRef>
-        </p:style>
-        <p:txBody>
-          <a:bodyPr rtlCol="0" anchor="ctr"/>
-          <a:lstStyle/>
-          <a:p>
-            <a:pPr algn="ctr"/>
-            <a:r>
-              <a:rPr lang="en-US" altLang="ko-KR" dirty="0" smtClean="0"/>
-              <a:t>Logs</a:t>
-            </a:r>
-            <a:endParaRPr lang="ko-KR" altLang="en-US" dirty="0"/>
-          </a:p>
-        </p:txBody>
-      </p:sp>
-      <p:sp>
-        <p:nvSpPr>
-          <p:cNvPr id="69" name="TextBox 68">
-            <a:extLst>
-              <a:ext uri="{FF2B5EF4-FFF2-40B4-BE49-F238E27FC236}">
-                <a16:creationId xmlns="" xmlns:a16="http://schemas.microsoft.com/office/drawing/2014/main" id="{C76E3AAD-45C6-EB76-9A53-48C4CEF2570F}"/>
-              </a:ext>
-            </a:extLst>
-          </p:cNvPr>
-          <p:cNvSpPr txBox="1"/>
-          <p:nvPr/>
-        </p:nvSpPr>
-        <p:spPr>
-          <a:xfrm>
-            <a:off x="10402902" y="1621695"/>
-            <a:ext cx="1056571" cy="369332"/>
-          </a:xfrm>
-          <a:prstGeom prst="rect">
-            <a:avLst/>
-          </a:prstGeom>
-          <a:noFill/>
-        </p:spPr>
-        <p:txBody>
-          <a:bodyPr wrap="none" rtlCol="0">
-            <a:spAutoFit/>
-          </a:bodyPr>
-          <a:lstStyle/>
-          <a:p>
-            <a:r>
-              <a:rPr lang="en-US" altLang="ko-KR" dirty="0" smtClean="0"/>
-              <a:t>Backend</a:t>
-            </a:r>
-            <a:endParaRPr lang="ko-KR" altLang="en-US" dirty="0"/>
-          </a:p>
-        </p:txBody>
-      </p:sp>
-      <p:cxnSp>
-        <p:nvCxnSpPr>
-          <p:cNvPr id="28" name="직선 화살표 연결선 27"/>
-          <p:cNvCxnSpPr>
-            <a:stCxn id="4" idx="3"/>
-          </p:cNvCxnSpPr>
-          <p:nvPr/>
-        </p:nvCxnSpPr>
-        <p:spPr>
-          <a:xfrm flipV="1">
-            <a:off x="5905501" y="2511583"/>
-            <a:ext cx="282212" cy="1"/>
-          </a:xfrm>
-          <a:prstGeom prst="straightConnector1">
-            <a:avLst/>
-          </a:prstGeom>
-          <a:ln>
-            <a:tailEnd type="triangle"/>
-          </a:ln>
-        </p:spPr>
-        <p:style>
-          <a:lnRef idx="1">
-            <a:schemeClr val="accent1"/>
-          </a:lnRef>
-          <a:fillRef idx="0">
-            <a:schemeClr val="accent1"/>
-          </a:fillRef>
-          <a:effectRef idx="0">
-            <a:schemeClr val="accent1"/>
-          </a:effectRef>
-          <a:fontRef idx="minor">
-            <a:schemeClr val="tx1"/>
-          </a:fontRef>
-        </p:style>
-      </p:cxnSp>
-      <p:cxnSp>
-        <p:nvCxnSpPr>
-          <p:cNvPr id="30" name="직선 화살표 연결선 29"/>
-          <p:cNvCxnSpPr>
-            <a:endCxn id="61" idx="1"/>
-          </p:cNvCxnSpPr>
-          <p:nvPr/>
-        </p:nvCxnSpPr>
-        <p:spPr>
-          <a:xfrm>
-            <a:off x="5905500" y="3709136"/>
-            <a:ext cx="282213" cy="1"/>
-          </a:xfrm>
-          <a:prstGeom prst="straightConnector1">
-            <a:avLst/>
-          </a:prstGeom>
-          <a:ln>
-            <a:tailEnd type="triangle"/>
-          </a:ln>
-        </p:spPr>
-        <p:style>
-          <a:lnRef idx="1">
-            <a:schemeClr val="accent1"/>
-          </a:lnRef>
-          <a:fillRef idx="0">
-            <a:schemeClr val="accent1"/>
-          </a:fillRef>
-          <a:effectRef idx="0">
-            <a:schemeClr val="accent1"/>
-          </a:effectRef>
-          <a:fontRef idx="minor">
-            <a:schemeClr val="tx1"/>
-          </a:fontRef>
-        </p:style>
-      </p:cxnSp>
-      <p:cxnSp>
-        <p:nvCxnSpPr>
-          <p:cNvPr id="32" name="직선 화살표 연결선 31"/>
-          <p:cNvCxnSpPr/>
-          <p:nvPr/>
-        </p:nvCxnSpPr>
-        <p:spPr>
-          <a:xfrm>
-            <a:off x="5905500" y="4906690"/>
-            <a:ext cx="282213" cy="0"/>
-          </a:xfrm>
-          <a:prstGeom prst="straightConnector1">
-            <a:avLst/>
-          </a:prstGeom>
-          <a:ln>
-            <a:tailEnd type="triangle"/>
-          </a:ln>
-        </p:spPr>
-        <p:style>
-          <a:lnRef idx="1">
-            <a:schemeClr val="accent1"/>
-          </a:lnRef>
-          <a:fillRef idx="0">
-            <a:schemeClr val="accent1"/>
-          </a:fillRef>
-          <a:effectRef idx="0">
-            <a:schemeClr val="accent1"/>
-          </a:effectRef>
-          <a:fontRef idx="minor">
-            <a:schemeClr val="tx1"/>
-          </a:fontRef>
-        </p:style>
-      </p:cxnSp>
-      <p:cxnSp>
-        <p:nvCxnSpPr>
-          <p:cNvPr id="34" name="직선 화살표 연결선 33"/>
-          <p:cNvCxnSpPr/>
-          <p:nvPr/>
-        </p:nvCxnSpPr>
-        <p:spPr>
-          <a:xfrm>
-            <a:off x="7468704" y="2503607"/>
-            <a:ext cx="284656" cy="0"/>
-          </a:xfrm>
-          <a:prstGeom prst="straightConnector1">
-            <a:avLst/>
-          </a:prstGeom>
-          <a:ln>
-            <a:tailEnd type="triangle"/>
-          </a:ln>
-        </p:spPr>
-        <p:style>
-          <a:lnRef idx="1">
-            <a:schemeClr val="accent1"/>
-          </a:lnRef>
-          <a:fillRef idx="0">
-            <a:schemeClr val="accent1"/>
-          </a:fillRef>
-          <a:effectRef idx="0">
-            <a:schemeClr val="accent1"/>
-          </a:effectRef>
-          <a:fontRef idx="minor">
-            <a:schemeClr val="tx1"/>
-          </a:fontRef>
-        </p:style>
-      </p:cxnSp>
-      <p:cxnSp>
-        <p:nvCxnSpPr>
-          <p:cNvPr id="37" name="직선 화살표 연결선 36"/>
-          <p:cNvCxnSpPr/>
-          <p:nvPr/>
-        </p:nvCxnSpPr>
-        <p:spPr>
-          <a:xfrm>
-            <a:off x="7468704" y="3696018"/>
-            <a:ext cx="284656" cy="0"/>
-          </a:xfrm>
-          <a:prstGeom prst="straightConnector1">
-            <a:avLst/>
-          </a:prstGeom>
-          <a:ln>
-            <a:tailEnd type="triangle"/>
-          </a:ln>
-        </p:spPr>
-        <p:style>
-          <a:lnRef idx="1">
-            <a:schemeClr val="accent1"/>
-          </a:lnRef>
-          <a:fillRef idx="0">
-            <a:schemeClr val="accent1"/>
-          </a:fillRef>
-          <a:effectRef idx="0">
-            <a:schemeClr val="accent1"/>
-          </a:effectRef>
-          <a:fontRef idx="minor">
-            <a:schemeClr val="tx1"/>
-          </a:fontRef>
-        </p:style>
-      </p:cxnSp>
-      <p:cxnSp>
-        <p:nvCxnSpPr>
-          <p:cNvPr id="39" name="직선 화살표 연결선 38"/>
-          <p:cNvCxnSpPr/>
-          <p:nvPr/>
-        </p:nvCxnSpPr>
-        <p:spPr>
-          <a:xfrm>
-            <a:off x="7468704" y="4906690"/>
-            <a:ext cx="284656" cy="0"/>
-          </a:xfrm>
-          <a:prstGeom prst="straightConnector1">
-            <a:avLst/>
-          </a:prstGeom>
-          <a:ln>
-            <a:tailEnd type="triangle"/>
-          </a:ln>
-        </p:spPr>
-        <p:style>
-          <a:lnRef idx="1">
-            <a:schemeClr val="accent1"/>
-          </a:lnRef>
-          <a:fillRef idx="0">
-            <a:schemeClr val="accent1"/>
-          </a:fillRef>
-          <a:effectRef idx="0">
-            <a:schemeClr val="accent1"/>
-          </a:effectRef>
-          <a:fontRef idx="minor">
-            <a:schemeClr val="tx1"/>
-          </a:fontRef>
-        </p:style>
-      </p:cxnSp>
-      <p:cxnSp>
-        <p:nvCxnSpPr>
-          <p:cNvPr id="41" name="직선 화살표 연결선 40"/>
-          <p:cNvCxnSpPr/>
-          <p:nvPr/>
-        </p:nvCxnSpPr>
-        <p:spPr>
-          <a:xfrm>
-            <a:off x="2610859" y="3709136"/>
-            <a:ext cx="2271618" cy="1"/>
-          </a:xfrm>
-          <a:prstGeom prst="straightConnector1">
-            <a:avLst/>
-          </a:prstGeom>
-          <a:ln>
-            <a:tailEnd type="triangle"/>
-          </a:ln>
-        </p:spPr>
-        <p:style>
-          <a:lnRef idx="1">
-            <a:schemeClr val="accent1"/>
-          </a:lnRef>
-          <a:fillRef idx="0">
-            <a:schemeClr val="accent1"/>
-          </a:fillRef>
-          <a:effectRef idx="0">
-            <a:schemeClr val="accent1"/>
-          </a:effectRef>
-          <a:fontRef idx="minor">
-            <a:schemeClr val="tx1"/>
-          </a:fontRef>
-        </p:style>
-      </p:cxnSp>
-      <p:cxnSp>
-        <p:nvCxnSpPr>
-          <p:cNvPr id="50" name="직선 연결선 49"/>
-          <p:cNvCxnSpPr/>
-          <p:nvPr/>
-        </p:nvCxnSpPr>
-        <p:spPr>
-          <a:xfrm>
-            <a:off x="2610859" y="3197243"/>
-            <a:ext cx="1597727" cy="0"/>
-          </a:xfrm>
-          <a:prstGeom prst="line">
-            <a:avLst/>
-          </a:prstGeom>
-        </p:spPr>
-        <p:style>
-          <a:lnRef idx="1">
-            <a:schemeClr val="accent1"/>
-          </a:lnRef>
-          <a:fillRef idx="0">
-            <a:schemeClr val="accent1"/>
-          </a:fillRef>
-          <a:effectRef idx="0">
-            <a:schemeClr val="accent1"/>
-          </a:effectRef>
-          <a:fontRef idx="minor">
-            <a:schemeClr val="tx1"/>
-          </a:fontRef>
-        </p:style>
-      </p:cxnSp>
-      <p:cxnSp>
-        <p:nvCxnSpPr>
-          <p:cNvPr id="52" name="직선 연결선 51"/>
-          <p:cNvCxnSpPr/>
-          <p:nvPr/>
-        </p:nvCxnSpPr>
-        <p:spPr>
-          <a:xfrm flipV="1">
-            <a:off x="4208586" y="2511583"/>
-            <a:ext cx="0" cy="685661"/>
-          </a:xfrm>
-          <a:prstGeom prst="line">
-            <a:avLst/>
-          </a:prstGeom>
-        </p:spPr>
-        <p:style>
-          <a:lnRef idx="1">
-            <a:schemeClr val="accent1"/>
-          </a:lnRef>
-          <a:fillRef idx="0">
-            <a:schemeClr val="accent1"/>
-          </a:fillRef>
-          <a:effectRef idx="0">
-            <a:schemeClr val="accent1"/>
-          </a:effectRef>
-          <a:fontRef idx="minor">
-            <a:schemeClr val="tx1"/>
-          </a:fontRef>
-        </p:style>
-      </p:cxnSp>
-      <p:cxnSp>
-        <p:nvCxnSpPr>
-          <p:cNvPr id="55" name="직선 화살표 연결선 54"/>
-          <p:cNvCxnSpPr/>
-          <p:nvPr/>
-        </p:nvCxnSpPr>
-        <p:spPr>
-          <a:xfrm>
-            <a:off x="3283333" y="2503607"/>
-            <a:ext cx="1599144" cy="0"/>
-          </a:xfrm>
-          <a:prstGeom prst="straightConnector1">
-            <a:avLst/>
-          </a:prstGeom>
-          <a:ln>
-            <a:tailEnd type="triangle"/>
-          </a:ln>
-        </p:spPr>
-        <p:style>
-          <a:lnRef idx="1">
-            <a:schemeClr val="accent1"/>
-          </a:lnRef>
-          <a:fillRef idx="0">
-            <a:schemeClr val="accent1"/>
-          </a:fillRef>
-          <a:effectRef idx="0">
-            <a:schemeClr val="accent1"/>
-          </a:effectRef>
-          <a:fontRef idx="minor">
-            <a:schemeClr val="tx1"/>
-          </a:fontRef>
-        </p:style>
-      </p:cxnSp>
-      <p:cxnSp>
-        <p:nvCxnSpPr>
-          <p:cNvPr id="78" name="직선 연결선 77"/>
-          <p:cNvCxnSpPr/>
-          <p:nvPr/>
-        </p:nvCxnSpPr>
-        <p:spPr>
-          <a:xfrm>
-            <a:off x="2610859" y="4297680"/>
-            <a:ext cx="1585222" cy="0"/>
-          </a:xfrm>
-          <a:prstGeom prst="line">
-            <a:avLst/>
-          </a:prstGeom>
-        </p:spPr>
-        <p:style>
-          <a:lnRef idx="1">
-            <a:schemeClr val="accent1"/>
-          </a:lnRef>
-          <a:fillRef idx="0">
-            <a:schemeClr val="accent1"/>
-          </a:fillRef>
-          <a:effectRef idx="0">
-            <a:schemeClr val="accent1"/>
-          </a:effectRef>
-          <a:fontRef idx="minor">
-            <a:schemeClr val="tx1"/>
-          </a:fontRef>
-        </p:style>
-      </p:cxnSp>
-      <p:cxnSp>
-        <p:nvCxnSpPr>
-          <p:cNvPr id="80" name="직선 화살표 연결선 79"/>
-          <p:cNvCxnSpPr>
-            <a:endCxn id="86" idx="1"/>
-          </p:cNvCxnSpPr>
-          <p:nvPr/>
-        </p:nvCxnSpPr>
-        <p:spPr>
-          <a:xfrm>
-            <a:off x="3283333" y="4906690"/>
-            <a:ext cx="1599145" cy="1"/>
-          </a:xfrm>
-          <a:prstGeom prst="straightConnector1">
-            <a:avLst/>
-          </a:prstGeom>
-          <a:ln>
-            <a:tailEnd type="triangle"/>
-          </a:ln>
-        </p:spPr>
-        <p:style>
-          <a:lnRef idx="1">
-            <a:schemeClr val="accent1"/>
-          </a:lnRef>
-          <a:fillRef idx="0">
-            <a:schemeClr val="accent1"/>
-          </a:fillRef>
-          <a:effectRef idx="0">
-            <a:schemeClr val="accent1"/>
-          </a:effectRef>
-          <a:fontRef idx="minor">
-            <a:schemeClr val="tx1"/>
-          </a:fontRef>
-        </p:style>
-      </p:cxnSp>
-      <p:cxnSp>
-        <p:nvCxnSpPr>
-          <p:cNvPr id="87" name="직선 연결선 86"/>
-          <p:cNvCxnSpPr/>
-          <p:nvPr/>
-        </p:nvCxnSpPr>
-        <p:spPr>
-          <a:xfrm>
-            <a:off x="4196081" y="4297680"/>
-            <a:ext cx="0" cy="609010"/>
-          </a:xfrm>
-          <a:prstGeom prst="line">
-            <a:avLst/>
-          </a:prstGeom>
-        </p:spPr>
-        <p:style>
-          <a:lnRef idx="1">
-            <a:schemeClr val="accent1"/>
-          </a:lnRef>
-          <a:fillRef idx="0">
-            <a:schemeClr val="accent1"/>
-          </a:fillRef>
-          <a:effectRef idx="0">
-            <a:schemeClr val="accent1"/>
-          </a:effectRef>
-          <a:fontRef idx="minor">
-            <a:schemeClr val="tx1"/>
-          </a:fontRef>
-        </p:style>
-      </p:cxnSp>
-      <p:cxnSp>
-        <p:nvCxnSpPr>
-          <p:cNvPr id="104" name="직선 화살표 연결선 103"/>
-          <p:cNvCxnSpPr/>
-          <p:nvPr/>
-        </p:nvCxnSpPr>
-        <p:spPr>
-          <a:xfrm>
-            <a:off x="9034351" y="2503607"/>
-            <a:ext cx="1368551" cy="0"/>
-          </a:xfrm>
-          <a:prstGeom prst="straightConnector1">
-            <a:avLst/>
-          </a:prstGeom>
-          <a:ln>
-            <a:tailEnd type="triangle"/>
-          </a:ln>
-        </p:spPr>
-        <p:style>
-          <a:lnRef idx="1">
-            <a:schemeClr val="accent1"/>
-          </a:lnRef>
-          <a:fillRef idx="0">
-            <a:schemeClr val="accent1"/>
-          </a:fillRef>
-          <a:effectRef idx="0">
-            <a:schemeClr val="accent1"/>
-          </a:effectRef>
-          <a:fontRef idx="minor">
-            <a:schemeClr val="tx1"/>
-          </a:fontRef>
-        </p:style>
-      </p:cxnSp>
-      <p:cxnSp>
-        <p:nvCxnSpPr>
-          <p:cNvPr id="109" name="직선 화살표 연결선 108"/>
-          <p:cNvCxnSpPr>
-            <a:endCxn id="64" idx="1"/>
-          </p:cNvCxnSpPr>
-          <p:nvPr/>
-        </p:nvCxnSpPr>
-        <p:spPr>
-          <a:xfrm>
-            <a:off x="9044433" y="3696018"/>
-            <a:ext cx="1375244" cy="13119"/>
-          </a:xfrm>
-          <a:prstGeom prst="straightConnector1">
-            <a:avLst/>
-          </a:prstGeom>
-          <a:ln>
-            <a:tailEnd type="triangle"/>
-          </a:ln>
-        </p:spPr>
-        <p:style>
-          <a:lnRef idx="1">
-            <a:schemeClr val="accent1"/>
-          </a:lnRef>
-          <a:fillRef idx="0">
-            <a:schemeClr val="accent1"/>
-          </a:fillRef>
-          <a:effectRef idx="0">
-            <a:schemeClr val="accent1"/>
-          </a:effectRef>
-          <a:fontRef idx="minor">
-            <a:schemeClr val="tx1"/>
-          </a:fontRef>
-        </p:style>
-      </p:cxnSp>
-      <p:cxnSp>
-        <p:nvCxnSpPr>
-          <p:cNvPr id="113" name="직선 화살표 연결선 112"/>
-          <p:cNvCxnSpPr/>
-          <p:nvPr/>
-        </p:nvCxnSpPr>
-        <p:spPr>
-          <a:xfrm>
-            <a:off x="9044433" y="4906690"/>
-            <a:ext cx="1358469" cy="0"/>
-          </a:xfrm>
-          <a:prstGeom prst="straightConnector1">
-            <a:avLst/>
-          </a:prstGeom>
-          <a:ln>
-            <a:tailEnd type="triangle"/>
-          </a:ln>
-        </p:spPr>
-        <p:style>
-          <a:lnRef idx="1">
-            <a:schemeClr val="accent1"/>
-          </a:lnRef>
-          <a:fillRef idx="0">
-            <a:schemeClr val="accent1"/>
-          </a:fillRef>
-          <a:effectRef idx="0">
-            <a:schemeClr val="accent1"/>
-          </a:effectRef>
-          <a:fontRef idx="minor">
-            <a:schemeClr val="tx1"/>
-          </a:fontRef>
-        </p:style>
-      </p:cxnSp>
-    </p:spTree>
-    <p:extLst>
-      <p:ext uri="{BB962C8B-B14F-4D97-AF65-F5344CB8AC3E}">
-        <p14:creationId xmlns:p14="http://schemas.microsoft.com/office/powerpoint/2010/main" val="354971661"/>
       </p:ext>
     </p:extLst>
   </p:cSld>
@@ -6566,7 +6029,7 @@
           <p:cNvPr id="12" name="TextBox 11">
             <a:extLst>
               <a:ext uri="{FF2B5EF4-FFF2-40B4-BE49-F238E27FC236}">
-                <a16:creationId xmlns="" xmlns:a16="http://schemas.microsoft.com/office/drawing/2014/main" id="{C76E3AAD-45C6-EB76-9A53-48C4CEF2570F}"/>
+                <a16:creationId xmlns:a16="http://schemas.microsoft.com/office/drawing/2014/main" xmlns="" id="{C76E3AAD-45C6-EB76-9A53-48C4CEF2570F}"/>
               </a:ext>
             </a:extLst>
           </p:cNvPr>
@@ -6602,7 +6065,7 @@
           <p:cNvPr id="59" name="TextBox 58">
             <a:extLst>
               <a:ext uri="{FF2B5EF4-FFF2-40B4-BE49-F238E27FC236}">
-                <a16:creationId xmlns="" xmlns:a16="http://schemas.microsoft.com/office/drawing/2014/main" id="{C76E3AAD-45C6-EB76-9A53-48C4CEF2570F}"/>
+                <a16:creationId xmlns:a16="http://schemas.microsoft.com/office/drawing/2014/main" xmlns="" id="{C76E3AAD-45C6-EB76-9A53-48C4CEF2570F}"/>
               </a:ext>
             </a:extLst>
           </p:cNvPr>
@@ -6612,7 +6075,7 @@
         <p:spPr>
           <a:xfrm>
             <a:off x="317360" y="169662"/>
-            <a:ext cx="3028073" cy="369332"/>
+            <a:ext cx="2343911" cy="369332"/>
           </a:xfrm>
           <a:prstGeom prst="rect">
             <a:avLst/>
@@ -6627,15 +6090,11 @@
           <a:p>
             <a:r>
               <a:rPr lang="ko-KR" altLang="en-US" dirty="0" err="1" smtClean="0"/>
-              <a:t>콜렉터</a:t>
+              <a:t>오픈텔레메트리</a:t>
             </a:r>
             <a:r>
               <a:rPr lang="ko-KR" altLang="en-US" dirty="0" smtClean="0"/>
-              <a:t> 구성방법 </a:t>
-            </a:r>
-            <a:r>
-              <a:rPr lang="en-US" altLang="ko-KR" dirty="0" smtClean="0"/>
-              <a:t>- Gateway</a:t>
+              <a:t> 방식</a:t>
             </a:r>
             <a:endParaRPr lang="en-US" altLang="ko-KR" dirty="0"/>
           </a:p>
@@ -6860,7 +6319,7 @@
           <p:cNvPr id="100" name="TextBox 99">
             <a:extLst>
               <a:ext uri="{FF2B5EF4-FFF2-40B4-BE49-F238E27FC236}">
-                <a16:creationId xmlns="" xmlns:a16="http://schemas.microsoft.com/office/drawing/2014/main" id="{C76E3AAD-45C6-EB76-9A53-48C4CEF2570F}"/>
+                <a16:creationId xmlns:a16="http://schemas.microsoft.com/office/drawing/2014/main" xmlns="" id="{C76E3AAD-45C6-EB76-9A53-48C4CEF2570F}"/>
               </a:ext>
             </a:extLst>
           </p:cNvPr>
@@ -6896,7 +6355,7 @@
           <p:cNvPr id="101" name="TextBox 100">
             <a:extLst>
               <a:ext uri="{FF2B5EF4-FFF2-40B4-BE49-F238E27FC236}">
-                <a16:creationId xmlns="" xmlns:a16="http://schemas.microsoft.com/office/drawing/2014/main" id="{C76E3AAD-45C6-EB76-9A53-48C4CEF2570F}"/>
+                <a16:creationId xmlns:a16="http://schemas.microsoft.com/office/drawing/2014/main" xmlns="" id="{C76E3AAD-45C6-EB76-9A53-48C4CEF2570F}"/>
               </a:ext>
             </a:extLst>
           </p:cNvPr>
@@ -6932,7 +6391,7 @@
           <p:cNvPr id="102" name="TextBox 101">
             <a:extLst>
               <a:ext uri="{FF2B5EF4-FFF2-40B4-BE49-F238E27FC236}">
-                <a16:creationId xmlns="" xmlns:a16="http://schemas.microsoft.com/office/drawing/2014/main" id="{C76E3AAD-45C6-EB76-9A53-48C4CEF2570F}"/>
+                <a16:creationId xmlns:a16="http://schemas.microsoft.com/office/drawing/2014/main" xmlns="" id="{C76E3AAD-45C6-EB76-9A53-48C4CEF2570F}"/>
               </a:ext>
             </a:extLst>
           </p:cNvPr>
@@ -6968,7 +6427,7 @@
           <p:cNvPr id="110" name="TextBox 109">
             <a:extLst>
               <a:ext uri="{FF2B5EF4-FFF2-40B4-BE49-F238E27FC236}">
-                <a16:creationId xmlns="" xmlns:a16="http://schemas.microsoft.com/office/drawing/2014/main" id="{C76E3AAD-45C6-EB76-9A53-48C4CEF2570F}"/>
+                <a16:creationId xmlns:a16="http://schemas.microsoft.com/office/drawing/2014/main" xmlns="" id="{C76E3AAD-45C6-EB76-9A53-48C4CEF2570F}"/>
               </a:ext>
             </a:extLst>
           </p:cNvPr>
@@ -7004,7 +6463,7 @@
           <p:cNvPr id="111" name="TextBox 110">
             <a:extLst>
               <a:ext uri="{FF2B5EF4-FFF2-40B4-BE49-F238E27FC236}">
-                <a16:creationId xmlns="" xmlns:a16="http://schemas.microsoft.com/office/drawing/2014/main" id="{C76E3AAD-45C6-EB76-9A53-48C4CEF2570F}"/>
+                <a16:creationId xmlns:a16="http://schemas.microsoft.com/office/drawing/2014/main" xmlns="" id="{C76E3AAD-45C6-EB76-9A53-48C4CEF2570F}"/>
               </a:ext>
             </a:extLst>
           </p:cNvPr>
@@ -7040,7 +6499,7 @@
           <p:cNvPr id="42" name="TextBox 41">
             <a:extLst>
               <a:ext uri="{FF2B5EF4-FFF2-40B4-BE49-F238E27FC236}">
-                <a16:creationId xmlns="" xmlns:a16="http://schemas.microsoft.com/office/drawing/2014/main" id="{C76E3AAD-45C6-EB76-9A53-48C4CEF2570F}"/>
+                <a16:creationId xmlns:a16="http://schemas.microsoft.com/office/drawing/2014/main" xmlns="" id="{C76E3AAD-45C6-EB76-9A53-48C4CEF2570F}"/>
               </a:ext>
             </a:extLst>
           </p:cNvPr>
@@ -7076,7 +6535,7 @@
           <p:cNvPr id="58" name="TextBox 57">
             <a:extLst>
               <a:ext uri="{FF2B5EF4-FFF2-40B4-BE49-F238E27FC236}">
-                <a16:creationId xmlns="" xmlns:a16="http://schemas.microsoft.com/office/drawing/2014/main" id="{C76E3AAD-45C6-EB76-9A53-48C4CEF2570F}"/>
+                <a16:creationId xmlns:a16="http://schemas.microsoft.com/office/drawing/2014/main" xmlns="" id="{C76E3AAD-45C6-EB76-9A53-48C4CEF2570F}"/>
               </a:ext>
             </a:extLst>
           </p:cNvPr>
@@ -7375,7 +6834,7 @@
           <p:cNvPr id="69" name="TextBox 68">
             <a:extLst>
               <a:ext uri="{FF2B5EF4-FFF2-40B4-BE49-F238E27FC236}">
-                <a16:creationId xmlns="" xmlns:a16="http://schemas.microsoft.com/office/drawing/2014/main" id="{C76E3AAD-45C6-EB76-9A53-48C4CEF2570F}"/>
+                <a16:creationId xmlns:a16="http://schemas.microsoft.com/office/drawing/2014/main" xmlns="" id="{C76E3AAD-45C6-EB76-9A53-48C4CEF2570F}"/>
               </a:ext>
             </a:extLst>
           </p:cNvPr>
@@ -7933,7 +7392,7 @@
     </p:spTree>
     <p:extLst>
       <p:ext uri="{BB962C8B-B14F-4D97-AF65-F5344CB8AC3E}">
-        <p14:creationId xmlns:p14="http://schemas.microsoft.com/office/powerpoint/2010/main" val="2986190926"/>
+        <p14:creationId xmlns:p14="http://schemas.microsoft.com/office/powerpoint/2010/main" val="354971661"/>
       </p:ext>
     </p:extLst>
   </p:cSld>
@@ -7969,14 +7428,14 @@
       </p:grpSpPr>
       <p:sp>
         <p:nvSpPr>
-          <p:cNvPr id="43" name="직사각형 42"/>
+          <p:cNvPr id="67" name="직사각형 66"/>
           <p:cNvSpPr/>
           <p:nvPr/>
         </p:nvSpPr>
         <p:spPr>
           <a:xfrm>
-            <a:off x="382411" y="1692211"/>
-            <a:ext cx="4540110" cy="2365439"/>
+            <a:off x="10160000" y="1499446"/>
+            <a:ext cx="1511300" cy="4126931"/>
           </a:xfrm>
           <a:prstGeom prst="rect">
             <a:avLst/>
@@ -8010,48 +7469,141 @@
           </a:p>
         </p:txBody>
       </p:sp>
-      <p:cxnSp>
-        <p:nvCxnSpPr>
-          <p:cNvPr id="45" name="직선 화살표 연결선 44"/>
-          <p:cNvCxnSpPr/>
-          <p:nvPr/>
-        </p:nvCxnSpPr>
-        <p:spPr>
-          <a:xfrm>
-            <a:off x="1097986" y="2837604"/>
-            <a:ext cx="1554480" cy="0"/>
-          </a:xfrm>
-          <a:prstGeom prst="straightConnector1">
-            <a:avLst/>
-          </a:prstGeom>
-          <a:ln>
-            <a:solidFill>
-              <a:srgbClr val="FF0000"/>
-            </a:solidFill>
-            <a:tailEnd type="triangle"/>
-          </a:ln>
-        </p:spPr>
-        <p:style>
-          <a:lnRef idx="1">
-            <a:schemeClr val="accent1"/>
-          </a:lnRef>
-          <a:fillRef idx="0">
+      <p:sp>
+        <p:nvSpPr>
+          <p:cNvPr id="56" name="직사각형 55"/>
+          <p:cNvSpPr/>
+          <p:nvPr/>
+        </p:nvSpPr>
+        <p:spPr>
+          <a:xfrm>
+            <a:off x="4621848" y="1499446"/>
+            <a:ext cx="4814252" cy="4126931"/>
+          </a:xfrm>
+          <a:prstGeom prst="rect">
+            <a:avLst/>
+          </a:prstGeom>
+          <a:solidFill>
+            <a:schemeClr val="bg1"/>
+          </a:solidFill>
+        </p:spPr>
+        <p:style>
+          <a:lnRef idx="2">
+            <a:schemeClr val="accent1">
+              <a:shade val="50000"/>
+            </a:schemeClr>
+          </a:lnRef>
+          <a:fillRef idx="1">
             <a:schemeClr val="accent1"/>
           </a:fillRef>
           <a:effectRef idx="0">
             <a:schemeClr val="accent1"/>
           </a:effectRef>
           <a:fontRef idx="minor">
-            <a:schemeClr val="tx1"/>
-          </a:fontRef>
-        </p:style>
-      </p:cxnSp>
-      <p:sp>
-        <p:nvSpPr>
-          <p:cNvPr id="48" name="TextBox 47">
+            <a:schemeClr val="lt1"/>
+          </a:fontRef>
+        </p:style>
+        <p:txBody>
+          <a:bodyPr rtlCol="0" anchor="ctr"/>
+          <a:lstStyle/>
+          <a:p>
+            <a:pPr algn="ctr"/>
+            <a:endParaRPr lang="ko-KR" altLang="en-US"/>
+          </a:p>
+        </p:txBody>
+      </p:sp>
+      <p:sp>
+        <p:nvSpPr>
+          <p:cNvPr id="97" name="직사각형 96"/>
+          <p:cNvSpPr/>
+          <p:nvPr/>
+        </p:nvSpPr>
+        <p:spPr>
+          <a:xfrm>
+            <a:off x="382411" y="1499446"/>
+            <a:ext cx="2900922" cy="4126931"/>
+          </a:xfrm>
+          <a:prstGeom prst="rect">
+            <a:avLst/>
+          </a:prstGeom>
+          <a:solidFill>
+            <a:schemeClr val="bg1"/>
+          </a:solidFill>
+        </p:spPr>
+        <p:style>
+          <a:lnRef idx="2">
+            <a:schemeClr val="accent1">
+              <a:shade val="50000"/>
+            </a:schemeClr>
+          </a:lnRef>
+          <a:fillRef idx="1">
+            <a:schemeClr val="accent1"/>
+          </a:fillRef>
+          <a:effectRef idx="0">
+            <a:schemeClr val="accent1"/>
+          </a:effectRef>
+          <a:fontRef idx="minor">
+            <a:schemeClr val="lt1"/>
+          </a:fontRef>
+        </p:style>
+        <p:txBody>
+          <a:bodyPr rtlCol="0" anchor="ctr"/>
+          <a:lstStyle/>
+          <a:p>
+            <a:pPr algn="ctr"/>
+            <a:endParaRPr lang="ko-KR" altLang="en-US"/>
+          </a:p>
+        </p:txBody>
+      </p:sp>
+      <p:sp>
+        <p:nvSpPr>
+          <p:cNvPr id="3" name="직사각형 2"/>
+          <p:cNvSpPr/>
+          <p:nvPr/>
+        </p:nvSpPr>
+        <p:spPr>
+          <a:xfrm>
+            <a:off x="739297" y="2333943"/>
+            <a:ext cx="2028825" cy="2724150"/>
+          </a:xfrm>
+          <a:prstGeom prst="rect">
+            <a:avLst/>
+          </a:prstGeom>
+          <a:solidFill>
+            <a:schemeClr val="bg1"/>
+          </a:solidFill>
+        </p:spPr>
+        <p:style>
+          <a:lnRef idx="2">
+            <a:schemeClr val="accent1">
+              <a:shade val="50000"/>
+            </a:schemeClr>
+          </a:lnRef>
+          <a:fillRef idx="1">
+            <a:schemeClr val="accent1"/>
+          </a:fillRef>
+          <a:effectRef idx="0">
+            <a:schemeClr val="accent1"/>
+          </a:effectRef>
+          <a:fontRef idx="minor">
+            <a:schemeClr val="lt1"/>
+          </a:fontRef>
+        </p:style>
+        <p:txBody>
+          <a:bodyPr rtlCol="0" anchor="ctr"/>
+          <a:lstStyle/>
+          <a:p>
+            <a:pPr algn="ctr"/>
+            <a:endParaRPr lang="ko-KR" altLang="en-US"/>
+          </a:p>
+        </p:txBody>
+      </p:sp>
+      <p:sp>
+        <p:nvSpPr>
+          <p:cNvPr id="12" name="TextBox 11">
             <a:extLst>
               <a:ext uri="{FF2B5EF4-FFF2-40B4-BE49-F238E27FC236}">
-                <a16:creationId xmlns="" xmlns:a16="http://schemas.microsoft.com/office/drawing/2014/main" id="{C76E3AAD-45C6-EB76-9A53-48C4CEF2570F}"/>
+                <a16:creationId xmlns:a16="http://schemas.microsoft.com/office/drawing/2014/main" xmlns="" id="{C76E3AAD-45C6-EB76-9A53-48C4CEF2570F}"/>
               </a:ext>
             </a:extLst>
           </p:cNvPr>
@@ -8060,8 +7612,8 @@
         </p:nvSpPr>
         <p:spPr>
           <a:xfrm>
-            <a:off x="1097986" y="2591383"/>
-            <a:ext cx="813043" cy="246221"/>
+            <a:off x="1073074" y="2503607"/>
+            <a:ext cx="1361270" cy="369332"/>
           </a:xfrm>
           <a:prstGeom prst="rect">
             <a:avLst/>
@@ -8075,55 +7627,19 @@
           <a:lstStyle/>
           <a:p>
             <a:r>
-              <a:rPr lang="en-US" altLang="ko-KR" sz="1000" dirty="0" smtClean="0"/>
-              <a:t>Child Span</a:t>
-            </a:r>
-            <a:endParaRPr lang="ko-KR" altLang="en-US" sz="1000" dirty="0"/>
-          </a:p>
-        </p:txBody>
-      </p:sp>
-      <p:cxnSp>
-        <p:nvCxnSpPr>
-          <p:cNvPr id="49" name="직선 화살표 연결선 48"/>
-          <p:cNvCxnSpPr/>
-          <p:nvPr/>
-        </p:nvCxnSpPr>
-        <p:spPr>
-          <a:xfrm>
-            <a:off x="1677106" y="3401484"/>
-            <a:ext cx="1554480" cy="0"/>
-          </a:xfrm>
-          <a:prstGeom prst="straightConnector1">
-            <a:avLst/>
-          </a:prstGeom>
-          <a:ln>
-            <a:solidFill>
-              <a:srgbClr val="FF0000"/>
-            </a:solidFill>
-            <a:tailEnd type="triangle"/>
-          </a:ln>
-        </p:spPr>
-        <p:style>
-          <a:lnRef idx="1">
-            <a:schemeClr val="accent1"/>
-          </a:lnRef>
-          <a:fillRef idx="0">
-            <a:schemeClr val="accent1"/>
-          </a:fillRef>
-          <a:effectRef idx="0">
-            <a:schemeClr val="accent1"/>
-          </a:effectRef>
-          <a:fontRef idx="minor">
-            <a:schemeClr val="tx1"/>
-          </a:fontRef>
-        </p:style>
-      </p:cxnSp>
-      <p:sp>
-        <p:nvSpPr>
-          <p:cNvPr id="51" name="TextBox 50">
+              <a:rPr lang="en-US" altLang="ko-KR" dirty="0" smtClean="0"/>
+              <a:t>Application</a:t>
+            </a:r>
+            <a:endParaRPr lang="ko-KR" altLang="en-US" dirty="0"/>
+          </a:p>
+        </p:txBody>
+      </p:sp>
+      <p:sp>
+        <p:nvSpPr>
+          <p:cNvPr id="59" name="TextBox 58">
             <a:extLst>
               <a:ext uri="{FF2B5EF4-FFF2-40B4-BE49-F238E27FC236}">
-                <a16:creationId xmlns="" xmlns:a16="http://schemas.microsoft.com/office/drawing/2014/main" id="{C76E3AAD-45C6-EB76-9A53-48C4CEF2570F}"/>
+                <a16:creationId xmlns:a16="http://schemas.microsoft.com/office/drawing/2014/main" xmlns="" id="{C76E3AAD-45C6-EB76-9A53-48C4CEF2570F}"/>
               </a:ext>
             </a:extLst>
           </p:cNvPr>
@@ -8132,8 +7648,8 @@
         </p:nvSpPr>
         <p:spPr>
           <a:xfrm>
-            <a:off x="1677106" y="3155263"/>
-            <a:ext cx="813043" cy="246221"/>
+            <a:off x="317360" y="169662"/>
+            <a:ext cx="3028073" cy="369332"/>
           </a:xfrm>
           <a:prstGeom prst="rect">
             <a:avLst/>
@@ -8147,55 +7663,241 @@
           <a:lstStyle/>
           <a:p>
             <a:r>
-              <a:rPr lang="en-US" altLang="ko-KR" sz="1000" dirty="0" smtClean="0"/>
-              <a:t>Child Span</a:t>
-            </a:r>
-            <a:endParaRPr lang="ko-KR" altLang="en-US" sz="1000" dirty="0"/>
-          </a:p>
-        </p:txBody>
-      </p:sp>
-      <p:cxnSp>
-        <p:nvCxnSpPr>
-          <p:cNvPr id="57" name="직선 화살표 연결선 56"/>
-          <p:cNvCxnSpPr/>
-          <p:nvPr/>
-        </p:nvCxnSpPr>
-        <p:spPr>
-          <a:xfrm>
-            <a:off x="640786" y="2345162"/>
-            <a:ext cx="3992174" cy="0"/>
-          </a:xfrm>
-          <a:prstGeom prst="straightConnector1">
-            <a:avLst/>
-          </a:prstGeom>
+              <a:rPr lang="ko-KR" altLang="en-US" dirty="0" err="1" smtClean="0"/>
+              <a:t>콜렉터</a:t>
+            </a:r>
+            <a:r>
+              <a:rPr lang="ko-KR" altLang="en-US" dirty="0" smtClean="0"/>
+              <a:t> 구성방법 </a:t>
+            </a:r>
+            <a:r>
+              <a:rPr lang="en-US" altLang="ko-KR" dirty="0" smtClean="0"/>
+              <a:t>- Gateway</a:t>
+            </a:r>
+            <a:endParaRPr lang="en-US" altLang="ko-KR" dirty="0"/>
+          </a:p>
+        </p:txBody>
+      </p:sp>
+      <p:sp>
+        <p:nvSpPr>
+          <p:cNvPr id="75" name="모서리가 둥근 직사각형 74"/>
+          <p:cNvSpPr/>
+          <p:nvPr/>
+        </p:nvSpPr>
+        <p:spPr>
+          <a:xfrm>
+            <a:off x="924934" y="2982043"/>
+            <a:ext cx="1685925" cy="1664696"/>
+          </a:xfrm>
+          <a:prstGeom prst="roundRect">
+            <a:avLst/>
+          </a:prstGeom>
+          <a:solidFill>
+            <a:schemeClr val="accent6">
+              <a:lumMod val="60000"/>
+              <a:lumOff val="40000"/>
+            </a:schemeClr>
+          </a:solidFill>
           <a:ln>
-            <a:solidFill>
-              <a:srgbClr val="FF0000"/>
-            </a:solidFill>
-            <a:tailEnd type="triangle"/>
+            <a:noFill/>
           </a:ln>
         </p:spPr>
         <p:style>
-          <a:lnRef idx="1">
-            <a:schemeClr val="accent1"/>
-          </a:lnRef>
-          <a:fillRef idx="0">
+          <a:lnRef idx="2">
+            <a:schemeClr val="accent1">
+              <a:shade val="50000"/>
+            </a:schemeClr>
+          </a:lnRef>
+          <a:fillRef idx="1">
             <a:schemeClr val="accent1"/>
           </a:fillRef>
           <a:effectRef idx="0">
             <a:schemeClr val="accent1"/>
           </a:effectRef>
           <a:fontRef idx="minor">
-            <a:schemeClr val="tx1"/>
-          </a:fontRef>
-        </p:style>
-      </p:cxnSp>
-      <p:sp>
-        <p:nvSpPr>
-          <p:cNvPr id="60" name="TextBox 59">
+            <a:schemeClr val="lt1"/>
+          </a:fontRef>
+        </p:style>
+        <p:txBody>
+          <a:bodyPr rtlCol="0" anchor="ctr"/>
+          <a:lstStyle/>
+          <a:p>
+            <a:pPr algn="ctr"/>
+            <a:r>
+              <a:rPr lang="en-US" altLang="ko-KR" sz="1300" dirty="0" smtClean="0"/>
+              <a:t>Auto / Manual</a:t>
+            </a:r>
+            <a:br>
+              <a:rPr lang="en-US" altLang="ko-KR" sz="1300" dirty="0" smtClean="0"/>
+            </a:br>
+            <a:r>
+              <a:rPr lang="en-US" altLang="ko-KR" sz="1300" dirty="0" smtClean="0"/>
+              <a:t>Instrumentation</a:t>
+            </a:r>
+          </a:p>
+        </p:txBody>
+      </p:sp>
+      <p:sp>
+        <p:nvSpPr>
+          <p:cNvPr id="4" name="직사각형 3"/>
+          <p:cNvSpPr/>
+          <p:nvPr/>
+        </p:nvSpPr>
+        <p:spPr>
+          <a:xfrm>
+            <a:off x="4882478" y="2240379"/>
+            <a:ext cx="1023023" cy="542409"/>
+          </a:xfrm>
+          <a:prstGeom prst="rect">
+            <a:avLst/>
+          </a:prstGeom>
+          <a:solidFill>
+            <a:schemeClr val="accent1">
+              <a:lumMod val="75000"/>
+            </a:schemeClr>
+          </a:solidFill>
+          <a:ln>
+            <a:noFill/>
+          </a:ln>
+        </p:spPr>
+        <p:style>
+          <a:lnRef idx="2">
+            <a:schemeClr val="accent1">
+              <a:shade val="50000"/>
+            </a:schemeClr>
+          </a:lnRef>
+          <a:fillRef idx="1">
+            <a:schemeClr val="accent1"/>
+          </a:fillRef>
+          <a:effectRef idx="0">
+            <a:schemeClr val="accent1"/>
+          </a:effectRef>
+          <a:fontRef idx="minor">
+            <a:schemeClr val="lt1"/>
+          </a:fontRef>
+        </p:style>
+        <p:txBody>
+          <a:bodyPr rtlCol="0" anchor="ctr"/>
+          <a:lstStyle/>
+          <a:p>
+            <a:pPr algn="ctr"/>
+            <a:r>
+              <a:rPr lang="en-US" altLang="ko-KR" dirty="0" smtClean="0"/>
+              <a:t>Metrics</a:t>
+            </a:r>
+            <a:endParaRPr lang="ko-KR" altLang="en-US" dirty="0"/>
+          </a:p>
+        </p:txBody>
+      </p:sp>
+      <p:sp>
+        <p:nvSpPr>
+          <p:cNvPr id="85" name="직사각형 84"/>
+          <p:cNvSpPr/>
+          <p:nvPr/>
+        </p:nvSpPr>
+        <p:spPr>
+          <a:xfrm>
+            <a:off x="4882477" y="3437932"/>
+            <a:ext cx="1023023" cy="542409"/>
+          </a:xfrm>
+          <a:prstGeom prst="rect">
+            <a:avLst/>
+          </a:prstGeom>
+          <a:solidFill>
+            <a:schemeClr val="accent6">
+              <a:lumMod val="60000"/>
+              <a:lumOff val="40000"/>
+            </a:schemeClr>
+          </a:solidFill>
+          <a:ln>
+            <a:noFill/>
+          </a:ln>
+        </p:spPr>
+        <p:style>
+          <a:lnRef idx="2">
+            <a:schemeClr val="accent1">
+              <a:shade val="50000"/>
+            </a:schemeClr>
+          </a:lnRef>
+          <a:fillRef idx="1">
+            <a:schemeClr val="accent1"/>
+          </a:fillRef>
+          <a:effectRef idx="0">
+            <a:schemeClr val="accent1"/>
+          </a:effectRef>
+          <a:fontRef idx="minor">
+            <a:schemeClr val="lt1"/>
+          </a:fontRef>
+        </p:style>
+        <p:txBody>
+          <a:bodyPr rtlCol="0" anchor="ctr"/>
+          <a:lstStyle/>
+          <a:p>
+            <a:pPr algn="ctr"/>
+            <a:r>
+              <a:rPr lang="en-US" altLang="ko-KR" dirty="0" smtClean="0"/>
+              <a:t>Tracing</a:t>
+            </a:r>
+            <a:endParaRPr lang="ko-KR" altLang="en-US" dirty="0"/>
+          </a:p>
+        </p:txBody>
+      </p:sp>
+      <p:sp>
+        <p:nvSpPr>
+          <p:cNvPr id="86" name="직사각형 85"/>
+          <p:cNvSpPr/>
+          <p:nvPr/>
+        </p:nvSpPr>
+        <p:spPr>
+          <a:xfrm>
+            <a:off x="4882478" y="4635486"/>
+            <a:ext cx="1023023" cy="542409"/>
+          </a:xfrm>
+          <a:prstGeom prst="rect">
+            <a:avLst/>
+          </a:prstGeom>
+          <a:solidFill>
+            <a:srgbClr val="7030A0"/>
+          </a:solidFill>
+          <a:ln>
+            <a:noFill/>
+          </a:ln>
+        </p:spPr>
+        <p:style>
+          <a:lnRef idx="2">
+            <a:schemeClr val="accent1">
+              <a:shade val="50000"/>
+            </a:schemeClr>
+          </a:lnRef>
+          <a:fillRef idx="1">
+            <a:schemeClr val="accent1"/>
+          </a:fillRef>
+          <a:effectRef idx="0">
+            <a:schemeClr val="accent1"/>
+          </a:effectRef>
+          <a:fontRef idx="minor">
+            <a:schemeClr val="lt1"/>
+          </a:fontRef>
+        </p:style>
+        <p:txBody>
+          <a:bodyPr rtlCol="0" anchor="ctr"/>
+          <a:lstStyle/>
+          <a:p>
+            <a:pPr algn="ctr"/>
+            <a:r>
+              <a:rPr lang="en-US" altLang="ko-KR" dirty="0" smtClean="0"/>
+              <a:t>Logs</a:t>
+            </a:r>
+            <a:endParaRPr lang="ko-KR" altLang="en-US" dirty="0"/>
+          </a:p>
+        </p:txBody>
+      </p:sp>
+      <p:sp>
+        <p:nvSpPr>
+          <p:cNvPr id="100" name="TextBox 99">
             <a:extLst>
               <a:ext uri="{FF2B5EF4-FFF2-40B4-BE49-F238E27FC236}">
-                <a16:creationId xmlns="" xmlns:a16="http://schemas.microsoft.com/office/drawing/2014/main" id="{C76E3AAD-45C6-EB76-9A53-48C4CEF2570F}"/>
+                <a16:creationId xmlns:a16="http://schemas.microsoft.com/office/drawing/2014/main" xmlns="" id="{C76E3AAD-45C6-EB76-9A53-48C4CEF2570F}"/>
               </a:ext>
             </a:extLst>
           </p:cNvPr>
@@ -8204,8 +7906,8 @@
         </p:nvSpPr>
         <p:spPr>
           <a:xfrm>
-            <a:off x="640786" y="2098941"/>
-            <a:ext cx="1036320" cy="246221"/>
+            <a:off x="1132334" y="1621695"/>
+            <a:ext cx="1159676" cy="369332"/>
           </a:xfrm>
           <a:prstGeom prst="rect">
             <a:avLst/>
@@ -8213,25 +7915,25 @@
           <a:noFill/>
         </p:spPr>
         <p:txBody>
-          <a:bodyPr wrap="square" rtlCol="0">
+          <a:bodyPr wrap="none" rtlCol="0">
             <a:spAutoFit/>
           </a:bodyPr>
           <a:lstStyle/>
           <a:p>
             <a:r>
-              <a:rPr lang="en-US" altLang="ko-KR" sz="1000" dirty="0" smtClean="0"/>
-              <a:t>Parent Span</a:t>
-            </a:r>
-            <a:endParaRPr lang="ko-KR" altLang="en-US" sz="1000" dirty="0"/>
-          </a:p>
-        </p:txBody>
-      </p:sp>
-      <p:sp>
-        <p:nvSpPr>
-          <p:cNvPr id="66" name="TextBox 65">
+              <a:rPr lang="en-US" altLang="ko-KR" dirty="0" smtClean="0"/>
+              <a:t>Host/Pod</a:t>
+            </a:r>
+            <a:endParaRPr lang="ko-KR" altLang="en-US" dirty="0"/>
+          </a:p>
+        </p:txBody>
+      </p:sp>
+      <p:sp>
+        <p:nvSpPr>
+          <p:cNvPr id="101" name="TextBox 100">
             <a:extLst>
               <a:ext uri="{FF2B5EF4-FFF2-40B4-BE49-F238E27FC236}">
-                <a16:creationId xmlns="" xmlns:a16="http://schemas.microsoft.com/office/drawing/2014/main" id="{C76E3AAD-45C6-EB76-9A53-48C4CEF2570F}"/>
+                <a16:creationId xmlns:a16="http://schemas.microsoft.com/office/drawing/2014/main" xmlns="" id="{C76E3AAD-45C6-EB76-9A53-48C4CEF2570F}"/>
               </a:ext>
             </a:extLst>
           </p:cNvPr>
@@ -8240,8 +7942,8 @@
         </p:nvSpPr>
         <p:spPr>
           <a:xfrm>
-            <a:off x="2057035" y="1068561"/>
-            <a:ext cx="1159676" cy="369332"/>
+            <a:off x="3270828" y="2200395"/>
+            <a:ext cx="925253" cy="246221"/>
           </a:xfrm>
           <a:prstGeom prst="rect">
             <a:avLst/>
@@ -8255,51 +7957,19 @@
           <a:lstStyle/>
           <a:p>
             <a:r>
-              <a:rPr lang="en-US" altLang="ko-KR" dirty="0" smtClean="0"/>
-              <a:t>Service A</a:t>
-            </a:r>
-            <a:endParaRPr lang="ko-KR" altLang="en-US" dirty="0"/>
-          </a:p>
-        </p:txBody>
-      </p:sp>
-      <p:cxnSp>
-        <p:nvCxnSpPr>
-          <p:cNvPr id="74" name="직선 연결선 73"/>
-          <p:cNvCxnSpPr>
-            <a:endCxn id="76" idx="0"/>
-          </p:cNvCxnSpPr>
-          <p:nvPr/>
-        </p:nvCxnSpPr>
-        <p:spPr>
-          <a:xfrm>
-            <a:off x="1170197" y="2865225"/>
-            <a:ext cx="0" cy="254318"/>
-          </a:xfrm>
-          <a:prstGeom prst="line">
-            <a:avLst/>
-          </a:prstGeom>
-        </p:spPr>
-        <p:style>
-          <a:lnRef idx="1">
-            <a:schemeClr val="accent1"/>
-          </a:lnRef>
-          <a:fillRef idx="0">
-            <a:schemeClr val="accent1"/>
-          </a:fillRef>
-          <a:effectRef idx="0">
-            <a:schemeClr val="accent1"/>
-          </a:effectRef>
-          <a:fontRef idx="minor">
-            <a:schemeClr val="tx1"/>
-          </a:fontRef>
-        </p:style>
-      </p:cxnSp>
-      <p:sp>
-        <p:nvSpPr>
-          <p:cNvPr id="76" name="TextBox 75">
+              <a:rPr lang="en-US" altLang="ko-KR" sz="1000" dirty="0" smtClean="0"/>
+              <a:t>Host Metrics</a:t>
+            </a:r>
+            <a:endParaRPr lang="ko-KR" altLang="en-US" sz="1000" dirty="0"/>
+          </a:p>
+        </p:txBody>
+      </p:sp>
+      <p:sp>
+        <p:nvSpPr>
+          <p:cNvPr id="102" name="TextBox 101">
             <a:extLst>
               <a:ext uri="{FF2B5EF4-FFF2-40B4-BE49-F238E27FC236}">
-                <a16:creationId xmlns="" xmlns:a16="http://schemas.microsoft.com/office/drawing/2014/main" id="{C76E3AAD-45C6-EB76-9A53-48C4CEF2570F}"/>
+                <a16:creationId xmlns:a16="http://schemas.microsoft.com/office/drawing/2014/main" xmlns="" id="{C76E3AAD-45C6-EB76-9A53-48C4CEF2570F}"/>
               </a:ext>
             </a:extLst>
           </p:cNvPr>
@@ -8308,8 +7978,8 @@
         </p:nvSpPr>
         <p:spPr>
           <a:xfrm>
-            <a:off x="887551" y="3119543"/>
-            <a:ext cx="565292" cy="246221"/>
+            <a:off x="3252481" y="2951022"/>
+            <a:ext cx="893193" cy="246221"/>
           </a:xfrm>
           <a:prstGeom prst="rect">
             <a:avLst/>
@@ -8317,58 +7987,25 @@
           <a:noFill/>
         </p:spPr>
         <p:txBody>
-          <a:bodyPr wrap="square" rtlCol="0">
+          <a:bodyPr wrap="none" rtlCol="0">
             <a:spAutoFit/>
           </a:bodyPr>
           <a:lstStyle/>
           <a:p>
-            <a:pPr algn="ctr"/>
             <a:r>
               <a:rPr lang="en-US" altLang="ko-KR" sz="1000" dirty="0" smtClean="0"/>
-              <a:t>Event</a:t>
+              <a:t>App Metrics</a:t>
             </a:r>
             <a:endParaRPr lang="ko-KR" altLang="en-US" sz="1000" dirty="0"/>
           </a:p>
         </p:txBody>
       </p:sp>
-      <p:cxnSp>
-        <p:nvCxnSpPr>
-          <p:cNvPr id="77" name="직선 연결선 76"/>
-          <p:cNvCxnSpPr>
-            <a:endCxn id="79" idx="0"/>
-          </p:cNvCxnSpPr>
-          <p:nvPr/>
-        </p:nvCxnSpPr>
-        <p:spPr>
-          <a:xfrm>
-            <a:off x="2948940" y="3437441"/>
-            <a:ext cx="0" cy="254318"/>
-          </a:xfrm>
-          <a:prstGeom prst="line">
-            <a:avLst/>
-          </a:prstGeom>
-        </p:spPr>
-        <p:style>
-          <a:lnRef idx="1">
-            <a:schemeClr val="accent1"/>
-          </a:lnRef>
-          <a:fillRef idx="0">
-            <a:schemeClr val="accent1"/>
-          </a:fillRef>
-          <a:effectRef idx="0">
-            <a:schemeClr val="accent1"/>
-          </a:effectRef>
-          <a:fontRef idx="minor">
-            <a:schemeClr val="tx1"/>
-          </a:fontRef>
-        </p:style>
-      </p:cxnSp>
-      <p:sp>
-        <p:nvSpPr>
-          <p:cNvPr id="79" name="TextBox 78">
+      <p:sp>
+        <p:nvSpPr>
+          <p:cNvPr id="110" name="TextBox 109">
             <a:extLst>
               <a:ext uri="{FF2B5EF4-FFF2-40B4-BE49-F238E27FC236}">
-                <a16:creationId xmlns="" xmlns:a16="http://schemas.microsoft.com/office/drawing/2014/main" id="{C76E3AAD-45C6-EB76-9A53-48C4CEF2570F}"/>
+                <a16:creationId xmlns:a16="http://schemas.microsoft.com/office/drawing/2014/main" xmlns="" id="{C76E3AAD-45C6-EB76-9A53-48C4CEF2570F}"/>
               </a:ext>
             </a:extLst>
           </p:cNvPr>
@@ -8377,8 +8014,8 @@
         </p:nvSpPr>
         <p:spPr>
           <a:xfrm>
-            <a:off x="2666294" y="3691759"/>
-            <a:ext cx="565292" cy="246221"/>
+            <a:off x="3253823" y="4668444"/>
+            <a:ext cx="914033" cy="246221"/>
           </a:xfrm>
           <a:prstGeom prst="rect">
             <a:avLst/>
@@ -8386,58 +8023,25 @@
           <a:noFill/>
         </p:spPr>
         <p:txBody>
-          <a:bodyPr wrap="square" rtlCol="0">
+          <a:bodyPr wrap="none" rtlCol="0">
             <a:spAutoFit/>
           </a:bodyPr>
           <a:lstStyle/>
           <a:p>
-            <a:pPr algn="ctr"/>
             <a:r>
               <a:rPr lang="en-US" altLang="ko-KR" sz="1000" dirty="0" smtClean="0"/>
-              <a:t>Event</a:t>
+              <a:t>System Logs</a:t>
             </a:r>
             <a:endParaRPr lang="ko-KR" altLang="en-US" sz="1000" dirty="0"/>
           </a:p>
         </p:txBody>
       </p:sp>
-      <p:cxnSp>
-        <p:nvCxnSpPr>
-          <p:cNvPr id="81" name="직선 연결선 80"/>
-          <p:cNvCxnSpPr>
-            <a:endCxn id="82" idx="0"/>
-          </p:cNvCxnSpPr>
-          <p:nvPr/>
-        </p:nvCxnSpPr>
-        <p:spPr>
-          <a:xfrm>
-            <a:off x="1849351" y="3429105"/>
-            <a:ext cx="0" cy="254318"/>
-          </a:xfrm>
-          <a:prstGeom prst="line">
-            <a:avLst/>
-          </a:prstGeom>
-        </p:spPr>
-        <p:style>
-          <a:lnRef idx="1">
-            <a:schemeClr val="accent1"/>
-          </a:lnRef>
-          <a:fillRef idx="0">
-            <a:schemeClr val="accent1"/>
-          </a:fillRef>
-          <a:effectRef idx="0">
-            <a:schemeClr val="accent1"/>
-          </a:effectRef>
-          <a:fontRef idx="minor">
-            <a:schemeClr val="tx1"/>
-          </a:fontRef>
-        </p:style>
-      </p:cxnSp>
-      <p:sp>
-        <p:nvSpPr>
-          <p:cNvPr id="82" name="TextBox 81">
+      <p:sp>
+        <p:nvSpPr>
+          <p:cNvPr id="111" name="TextBox 110">
             <a:extLst>
               <a:ext uri="{FF2B5EF4-FFF2-40B4-BE49-F238E27FC236}">
-                <a16:creationId xmlns="" xmlns:a16="http://schemas.microsoft.com/office/drawing/2014/main" id="{C76E3AAD-45C6-EB76-9A53-48C4CEF2570F}"/>
+                <a16:creationId xmlns:a16="http://schemas.microsoft.com/office/drawing/2014/main" xmlns="" id="{C76E3AAD-45C6-EB76-9A53-48C4CEF2570F}"/>
               </a:ext>
             </a:extLst>
           </p:cNvPr>
@@ -8446,8 +8050,8 @@
         </p:nvSpPr>
         <p:spPr>
           <a:xfrm>
-            <a:off x="1641667" y="3683423"/>
-            <a:ext cx="415368" cy="246221"/>
+            <a:off x="3283333" y="3992447"/>
+            <a:ext cx="739305" cy="246221"/>
           </a:xfrm>
           <a:prstGeom prst="rect">
             <a:avLst/>
@@ -8455,58 +8059,25 @@
           <a:noFill/>
         </p:spPr>
         <p:txBody>
-          <a:bodyPr wrap="square" rtlCol="0">
+          <a:bodyPr wrap="none" rtlCol="0">
             <a:spAutoFit/>
           </a:bodyPr>
           <a:lstStyle/>
           <a:p>
-            <a:pPr algn="ctr"/>
             <a:r>
               <a:rPr lang="en-US" altLang="ko-KR" sz="1000" dirty="0" smtClean="0"/>
-              <a:t>Tag</a:t>
+              <a:t>App Logs</a:t>
             </a:r>
             <a:endParaRPr lang="ko-KR" altLang="en-US" sz="1000" dirty="0"/>
           </a:p>
         </p:txBody>
       </p:sp>
-      <p:cxnSp>
-        <p:nvCxnSpPr>
-          <p:cNvPr id="83" name="직선 연결선 82"/>
-          <p:cNvCxnSpPr>
-            <a:endCxn id="84" idx="0"/>
-          </p:cNvCxnSpPr>
-          <p:nvPr/>
-        </p:nvCxnSpPr>
-        <p:spPr>
-          <a:xfrm>
-            <a:off x="3835924" y="2364686"/>
-            <a:ext cx="0" cy="254318"/>
-          </a:xfrm>
-          <a:prstGeom prst="line">
-            <a:avLst/>
-          </a:prstGeom>
-        </p:spPr>
-        <p:style>
-          <a:lnRef idx="1">
-            <a:schemeClr val="accent1"/>
-          </a:lnRef>
-          <a:fillRef idx="0">
-            <a:schemeClr val="accent1"/>
-          </a:fillRef>
-          <a:effectRef idx="0">
-            <a:schemeClr val="accent1"/>
-          </a:effectRef>
-          <a:fontRef idx="minor">
-            <a:schemeClr val="tx1"/>
-          </a:fontRef>
-        </p:style>
-      </p:cxnSp>
-      <p:sp>
-        <p:nvSpPr>
-          <p:cNvPr id="84" name="TextBox 83">
+      <p:sp>
+        <p:nvSpPr>
+          <p:cNvPr id="42" name="TextBox 41">
             <a:extLst>
               <a:ext uri="{FF2B5EF4-FFF2-40B4-BE49-F238E27FC236}">
-                <a16:creationId xmlns="" xmlns:a16="http://schemas.microsoft.com/office/drawing/2014/main" id="{C76E3AAD-45C6-EB76-9A53-48C4CEF2570F}"/>
+                <a16:creationId xmlns:a16="http://schemas.microsoft.com/office/drawing/2014/main" xmlns="" id="{C76E3AAD-45C6-EB76-9A53-48C4CEF2570F}"/>
               </a:ext>
             </a:extLst>
           </p:cNvPr>
@@ -8515,8 +8086,8 @@
         </p:nvSpPr>
         <p:spPr>
           <a:xfrm>
-            <a:off x="3628240" y="2619004"/>
-            <a:ext cx="415368" cy="246221"/>
+            <a:off x="3252481" y="3451664"/>
+            <a:ext cx="551754" cy="246221"/>
           </a:xfrm>
           <a:prstGeom prst="rect">
             <a:avLst/>
@@ -8524,15 +8095,14 @@
           <a:noFill/>
         </p:spPr>
         <p:txBody>
-          <a:bodyPr wrap="square" rtlCol="0">
+          <a:bodyPr wrap="none" rtlCol="0">
             <a:spAutoFit/>
           </a:bodyPr>
           <a:lstStyle/>
           <a:p>
-            <a:pPr algn="ctr"/>
             <a:r>
               <a:rPr lang="en-US" altLang="ko-KR" sz="1000" dirty="0" smtClean="0"/>
-              <a:t>Tag</a:t>
+              <a:t>Traces</a:t>
             </a:r>
             <a:endParaRPr lang="ko-KR" altLang="en-US" sz="1000" dirty="0"/>
           </a:p>
@@ -8540,21 +8110,66 @@
       </p:sp>
       <p:sp>
         <p:nvSpPr>
-          <p:cNvPr id="88" name="직사각형 87"/>
+          <p:cNvPr id="58" name="TextBox 57">
+            <a:extLst>
+              <a:ext uri="{FF2B5EF4-FFF2-40B4-BE49-F238E27FC236}">
+                <a16:creationId xmlns:a16="http://schemas.microsoft.com/office/drawing/2014/main" xmlns="" id="{C76E3AAD-45C6-EB76-9A53-48C4CEF2570F}"/>
+              </a:ext>
+            </a:extLst>
+          </p:cNvPr>
+          <p:cNvSpPr txBox="1"/>
+          <p:nvPr/>
+        </p:nvSpPr>
+        <p:spPr>
+          <a:xfrm>
+            <a:off x="5639811" y="1621695"/>
+            <a:ext cx="2778325" cy="369332"/>
+          </a:xfrm>
+          <a:prstGeom prst="rect">
+            <a:avLst/>
+          </a:prstGeom>
+          <a:noFill/>
+        </p:spPr>
+        <p:txBody>
+          <a:bodyPr wrap="none" rtlCol="0">
+            <a:spAutoFit/>
+          </a:bodyPr>
+          <a:lstStyle/>
+          <a:p>
+            <a:r>
+              <a:rPr lang="en-US" altLang="ko-KR" dirty="0" err="1" smtClean="0"/>
+              <a:t>OpenTelemetry</a:t>
+            </a:r>
+            <a:r>
+              <a:rPr lang="en-US" altLang="ko-KR" dirty="0" smtClean="0"/>
+              <a:t> Collector</a:t>
+            </a:r>
+            <a:endParaRPr lang="ko-KR" altLang="en-US" dirty="0"/>
+          </a:p>
+        </p:txBody>
+      </p:sp>
+      <p:sp>
+        <p:nvSpPr>
+          <p:cNvPr id="61" name="직사각형 60"/>
           <p:cNvSpPr/>
           <p:nvPr/>
         </p:nvSpPr>
         <p:spPr>
           <a:xfrm>
-            <a:off x="5816416" y="1692211"/>
-            <a:ext cx="4540110" cy="2365439"/>
+            <a:off x="6187713" y="2240379"/>
+            <a:ext cx="1280991" cy="2937516"/>
           </a:xfrm>
           <a:prstGeom prst="rect">
             <a:avLst/>
           </a:prstGeom>
           <a:solidFill>
-            <a:schemeClr val="bg1"/>
+            <a:schemeClr val="bg2">
+              <a:lumMod val="50000"/>
+            </a:schemeClr>
           </a:solidFill>
+          <a:ln>
+            <a:noFill/>
+          </a:ln>
         </p:spPr>
         <p:style>
           <a:lnRef idx="2">
@@ -8577,52 +8192,227 @@
           <a:lstStyle/>
           <a:p>
             <a:pPr algn="ctr"/>
-            <a:endParaRPr lang="ko-KR" altLang="en-US"/>
-          </a:p>
-        </p:txBody>
-      </p:sp>
-      <p:cxnSp>
-        <p:nvCxnSpPr>
-          <p:cNvPr id="89" name="직선 화살표 연결선 88"/>
-          <p:cNvCxnSpPr/>
-          <p:nvPr/>
-        </p:nvCxnSpPr>
-        <p:spPr>
-          <a:xfrm>
-            <a:off x="6531991" y="2837604"/>
-            <a:ext cx="2530254" cy="0"/>
-          </a:xfrm>
-          <a:prstGeom prst="straightConnector1">
-            <a:avLst/>
-          </a:prstGeom>
+            <a:r>
+              <a:rPr lang="en-US" altLang="ko-KR" dirty="0" smtClean="0"/>
+              <a:t>Processor</a:t>
+            </a:r>
+            <a:endParaRPr lang="ko-KR" altLang="en-US" dirty="0"/>
+          </a:p>
+        </p:txBody>
+      </p:sp>
+      <p:sp>
+        <p:nvSpPr>
+          <p:cNvPr id="62" name="직사각형 61"/>
+          <p:cNvSpPr/>
+          <p:nvPr/>
+        </p:nvSpPr>
+        <p:spPr>
+          <a:xfrm>
+            <a:off x="7753360" y="2240379"/>
+            <a:ext cx="1280991" cy="2937516"/>
+          </a:xfrm>
+          <a:prstGeom prst="rect">
+            <a:avLst/>
+          </a:prstGeom>
+          <a:solidFill>
+            <a:schemeClr val="bg2">
+              <a:lumMod val="50000"/>
+            </a:schemeClr>
+          </a:solidFill>
           <a:ln>
-            <a:solidFill>
-              <a:srgbClr val="FF0000"/>
-            </a:solidFill>
-            <a:tailEnd type="triangle"/>
+            <a:noFill/>
           </a:ln>
         </p:spPr>
         <p:style>
-          <a:lnRef idx="1">
-            <a:schemeClr val="accent1"/>
-          </a:lnRef>
-          <a:fillRef idx="0">
+          <a:lnRef idx="2">
+            <a:schemeClr val="accent1">
+              <a:shade val="50000"/>
+            </a:schemeClr>
+          </a:lnRef>
+          <a:fillRef idx="1">
             <a:schemeClr val="accent1"/>
           </a:fillRef>
           <a:effectRef idx="0">
             <a:schemeClr val="accent1"/>
           </a:effectRef>
           <a:fontRef idx="minor">
-            <a:schemeClr val="tx1"/>
-          </a:fontRef>
-        </p:style>
-      </p:cxnSp>
-      <p:sp>
-        <p:nvSpPr>
-          <p:cNvPr id="90" name="TextBox 89">
+            <a:schemeClr val="lt1"/>
+          </a:fontRef>
+        </p:style>
+        <p:txBody>
+          <a:bodyPr rtlCol="0" anchor="ctr"/>
+          <a:lstStyle/>
+          <a:p>
+            <a:pPr algn="ctr"/>
+            <a:r>
+              <a:rPr lang="en-US" altLang="ko-KR" dirty="0" smtClean="0"/>
+              <a:t>Exporter</a:t>
+            </a:r>
+            <a:endParaRPr lang="ko-KR" altLang="en-US" dirty="0"/>
+          </a:p>
+        </p:txBody>
+      </p:sp>
+      <p:sp>
+        <p:nvSpPr>
+          <p:cNvPr id="63" name="직사각형 62"/>
+          <p:cNvSpPr/>
+          <p:nvPr/>
+        </p:nvSpPr>
+        <p:spPr>
+          <a:xfrm>
+            <a:off x="10419678" y="2240379"/>
+            <a:ext cx="1023023" cy="542409"/>
+          </a:xfrm>
+          <a:prstGeom prst="rect">
+            <a:avLst/>
+          </a:prstGeom>
+          <a:solidFill>
+            <a:schemeClr val="accent1">
+              <a:lumMod val="75000"/>
+            </a:schemeClr>
+          </a:solidFill>
+          <a:ln>
+            <a:noFill/>
+          </a:ln>
+        </p:spPr>
+        <p:style>
+          <a:lnRef idx="2">
+            <a:schemeClr val="accent1">
+              <a:shade val="50000"/>
+            </a:schemeClr>
+          </a:lnRef>
+          <a:fillRef idx="1">
+            <a:schemeClr val="accent1"/>
+          </a:fillRef>
+          <a:effectRef idx="0">
+            <a:schemeClr val="accent1"/>
+          </a:effectRef>
+          <a:fontRef idx="minor">
+            <a:schemeClr val="lt1"/>
+          </a:fontRef>
+        </p:style>
+        <p:txBody>
+          <a:bodyPr rtlCol="0" anchor="ctr"/>
+          <a:lstStyle/>
+          <a:p>
+            <a:pPr algn="ctr"/>
+            <a:r>
+              <a:rPr lang="en-US" altLang="ko-KR" dirty="0" smtClean="0"/>
+              <a:t>Metrics</a:t>
+            </a:r>
+            <a:endParaRPr lang="ko-KR" altLang="en-US" dirty="0"/>
+          </a:p>
+        </p:txBody>
+      </p:sp>
+      <p:sp>
+        <p:nvSpPr>
+          <p:cNvPr id="64" name="직사각형 63"/>
+          <p:cNvSpPr/>
+          <p:nvPr/>
+        </p:nvSpPr>
+        <p:spPr>
+          <a:xfrm>
+            <a:off x="10419677" y="3437932"/>
+            <a:ext cx="1023023" cy="542409"/>
+          </a:xfrm>
+          <a:prstGeom prst="rect">
+            <a:avLst/>
+          </a:prstGeom>
+          <a:solidFill>
+            <a:schemeClr val="accent6">
+              <a:lumMod val="60000"/>
+              <a:lumOff val="40000"/>
+            </a:schemeClr>
+          </a:solidFill>
+          <a:ln>
+            <a:noFill/>
+          </a:ln>
+        </p:spPr>
+        <p:style>
+          <a:lnRef idx="2">
+            <a:schemeClr val="accent1">
+              <a:shade val="50000"/>
+            </a:schemeClr>
+          </a:lnRef>
+          <a:fillRef idx="1">
+            <a:schemeClr val="accent1"/>
+          </a:fillRef>
+          <a:effectRef idx="0">
+            <a:schemeClr val="accent1"/>
+          </a:effectRef>
+          <a:fontRef idx="minor">
+            <a:schemeClr val="lt1"/>
+          </a:fontRef>
+        </p:style>
+        <p:txBody>
+          <a:bodyPr rtlCol="0" anchor="ctr"/>
+          <a:lstStyle/>
+          <a:p>
+            <a:pPr algn="ctr"/>
+            <a:r>
+              <a:rPr lang="en-US" altLang="ko-KR" dirty="0" smtClean="0"/>
+              <a:t>Tracing</a:t>
+            </a:r>
+            <a:endParaRPr lang="ko-KR" altLang="en-US" dirty="0"/>
+          </a:p>
+        </p:txBody>
+      </p:sp>
+      <p:sp>
+        <p:nvSpPr>
+          <p:cNvPr id="65" name="직사각형 64"/>
+          <p:cNvSpPr/>
+          <p:nvPr/>
+        </p:nvSpPr>
+        <p:spPr>
+          <a:xfrm>
+            <a:off x="10419678" y="4635486"/>
+            <a:ext cx="1023023" cy="542409"/>
+          </a:xfrm>
+          <a:prstGeom prst="rect">
+            <a:avLst/>
+          </a:prstGeom>
+          <a:solidFill>
+            <a:srgbClr val="7030A0"/>
+          </a:solidFill>
+          <a:ln>
+            <a:noFill/>
+          </a:ln>
+        </p:spPr>
+        <p:style>
+          <a:lnRef idx="2">
+            <a:schemeClr val="accent1">
+              <a:shade val="50000"/>
+            </a:schemeClr>
+          </a:lnRef>
+          <a:fillRef idx="1">
+            <a:schemeClr val="accent1"/>
+          </a:fillRef>
+          <a:effectRef idx="0">
+            <a:schemeClr val="accent1"/>
+          </a:effectRef>
+          <a:fontRef idx="minor">
+            <a:schemeClr val="lt1"/>
+          </a:fontRef>
+        </p:style>
+        <p:txBody>
+          <a:bodyPr rtlCol="0" anchor="ctr"/>
+          <a:lstStyle/>
+          <a:p>
+            <a:pPr algn="ctr"/>
+            <a:r>
+              <a:rPr lang="en-US" altLang="ko-KR" dirty="0" smtClean="0"/>
+              <a:t>Logs</a:t>
+            </a:r>
+            <a:endParaRPr lang="ko-KR" altLang="en-US" dirty="0"/>
+          </a:p>
+        </p:txBody>
+      </p:sp>
+      <p:sp>
+        <p:nvSpPr>
+          <p:cNvPr id="69" name="TextBox 68">
             <a:extLst>
               <a:ext uri="{FF2B5EF4-FFF2-40B4-BE49-F238E27FC236}">
-                <a16:creationId xmlns="" xmlns:a16="http://schemas.microsoft.com/office/drawing/2014/main" id="{C76E3AAD-45C6-EB76-9A53-48C4CEF2570F}"/>
+                <a16:creationId xmlns:a16="http://schemas.microsoft.com/office/drawing/2014/main" xmlns="" id="{C76E3AAD-45C6-EB76-9A53-48C4CEF2570F}"/>
               </a:ext>
             </a:extLst>
           </p:cNvPr>
@@ -8631,8 +8421,8 @@
         </p:nvSpPr>
         <p:spPr>
           <a:xfrm>
-            <a:off x="6531991" y="2591383"/>
-            <a:ext cx="813043" cy="246221"/>
+            <a:off x="10402902" y="1621695"/>
+            <a:ext cx="1056571" cy="369332"/>
           </a:xfrm>
           <a:prstGeom prst="rect">
             <a:avLst/>
@@ -8646,488 +8436,30 @@
           <a:lstStyle/>
           <a:p>
             <a:r>
-              <a:rPr lang="en-US" altLang="ko-KR" sz="1000" dirty="0" smtClean="0"/>
-              <a:t>Child Span</a:t>
-            </a:r>
-            <a:endParaRPr lang="ko-KR" altLang="en-US" sz="1000" dirty="0"/>
+              <a:rPr lang="en-US" altLang="ko-KR" dirty="0" smtClean="0"/>
+              <a:t>Backend</a:t>
+            </a:r>
+            <a:endParaRPr lang="ko-KR" altLang="en-US" dirty="0"/>
           </a:p>
         </p:txBody>
       </p:sp>
       <p:cxnSp>
         <p:nvCxnSpPr>
-          <p:cNvPr id="91" name="직선 화살표 연결선 90"/>
-          <p:cNvCxnSpPr/>
+          <p:cNvPr id="28" name="직선 화살표 연결선 27"/>
+          <p:cNvCxnSpPr>
+            <a:stCxn id="4" idx="3"/>
+          </p:cNvCxnSpPr>
           <p:nvPr/>
         </p:nvCxnSpPr>
         <p:spPr>
-          <a:xfrm>
-            <a:off x="7082083" y="3401484"/>
-            <a:ext cx="1554480" cy="0"/>
+          <a:xfrm flipV="1">
+            <a:off x="5905501" y="2511583"/>
+            <a:ext cx="282212" cy="1"/>
           </a:xfrm>
           <a:prstGeom prst="straightConnector1">
             <a:avLst/>
           </a:prstGeom>
           <a:ln>
-            <a:solidFill>
-              <a:srgbClr val="FF0000"/>
-            </a:solidFill>
-            <a:tailEnd type="triangle"/>
-          </a:ln>
-        </p:spPr>
-        <p:style>
-          <a:lnRef idx="1">
-            <a:schemeClr val="accent1"/>
-          </a:lnRef>
-          <a:fillRef idx="0">
-            <a:schemeClr val="accent1"/>
-          </a:fillRef>
-          <a:effectRef idx="0">
-            <a:schemeClr val="accent1"/>
-          </a:effectRef>
-          <a:fontRef idx="minor">
-            <a:schemeClr val="tx1"/>
-          </a:fontRef>
-        </p:style>
-      </p:cxnSp>
-      <p:sp>
-        <p:nvSpPr>
-          <p:cNvPr id="92" name="TextBox 91">
-            <a:extLst>
-              <a:ext uri="{FF2B5EF4-FFF2-40B4-BE49-F238E27FC236}">
-                <a16:creationId xmlns="" xmlns:a16="http://schemas.microsoft.com/office/drawing/2014/main" id="{C76E3AAD-45C6-EB76-9A53-48C4CEF2570F}"/>
-              </a:ext>
-            </a:extLst>
-          </p:cNvPr>
-          <p:cNvSpPr txBox="1"/>
-          <p:nvPr/>
-        </p:nvSpPr>
-        <p:spPr>
-          <a:xfrm>
-            <a:off x="7082083" y="3155263"/>
-            <a:ext cx="813043" cy="246221"/>
-          </a:xfrm>
-          <a:prstGeom prst="rect">
-            <a:avLst/>
-          </a:prstGeom>
-          <a:noFill/>
-        </p:spPr>
-        <p:txBody>
-          <a:bodyPr wrap="none" rtlCol="0">
-            <a:spAutoFit/>
-          </a:bodyPr>
-          <a:lstStyle/>
-          <a:p>
-            <a:r>
-              <a:rPr lang="en-US" altLang="ko-KR" sz="1000" dirty="0" smtClean="0"/>
-              <a:t>Child Span</a:t>
-            </a:r>
-            <a:endParaRPr lang="ko-KR" altLang="en-US" sz="1000" dirty="0"/>
-          </a:p>
-        </p:txBody>
-      </p:sp>
-      <p:cxnSp>
-        <p:nvCxnSpPr>
-          <p:cNvPr id="93" name="직선 화살표 연결선 92"/>
-          <p:cNvCxnSpPr/>
-          <p:nvPr/>
-        </p:nvCxnSpPr>
-        <p:spPr>
-          <a:xfrm>
-            <a:off x="6074791" y="2345162"/>
-            <a:ext cx="3992174" cy="0"/>
-          </a:xfrm>
-          <a:prstGeom prst="straightConnector1">
-            <a:avLst/>
-          </a:prstGeom>
-          <a:ln>
-            <a:solidFill>
-              <a:srgbClr val="FF0000"/>
-            </a:solidFill>
-            <a:tailEnd type="triangle"/>
-          </a:ln>
-        </p:spPr>
-        <p:style>
-          <a:lnRef idx="1">
-            <a:schemeClr val="accent1"/>
-          </a:lnRef>
-          <a:fillRef idx="0">
-            <a:schemeClr val="accent1"/>
-          </a:fillRef>
-          <a:effectRef idx="0">
-            <a:schemeClr val="accent1"/>
-          </a:effectRef>
-          <a:fontRef idx="minor">
-            <a:schemeClr val="tx1"/>
-          </a:fontRef>
-        </p:style>
-      </p:cxnSp>
-      <p:sp>
-        <p:nvSpPr>
-          <p:cNvPr id="94" name="TextBox 93">
-            <a:extLst>
-              <a:ext uri="{FF2B5EF4-FFF2-40B4-BE49-F238E27FC236}">
-                <a16:creationId xmlns="" xmlns:a16="http://schemas.microsoft.com/office/drawing/2014/main" id="{C76E3AAD-45C6-EB76-9A53-48C4CEF2570F}"/>
-              </a:ext>
-            </a:extLst>
-          </p:cNvPr>
-          <p:cNvSpPr txBox="1"/>
-          <p:nvPr/>
-        </p:nvSpPr>
-        <p:spPr>
-          <a:xfrm>
-            <a:off x="6074791" y="2098941"/>
-            <a:ext cx="1036320" cy="246221"/>
-          </a:xfrm>
-          <a:prstGeom prst="rect">
-            <a:avLst/>
-          </a:prstGeom>
-          <a:noFill/>
-        </p:spPr>
-        <p:txBody>
-          <a:bodyPr wrap="square" rtlCol="0">
-            <a:spAutoFit/>
-          </a:bodyPr>
-          <a:lstStyle/>
-          <a:p>
-            <a:r>
-              <a:rPr lang="en-US" altLang="ko-KR" sz="1000" dirty="0" smtClean="0"/>
-              <a:t>Child Span</a:t>
-            </a:r>
-            <a:endParaRPr lang="ko-KR" altLang="en-US" sz="1000" dirty="0"/>
-          </a:p>
-        </p:txBody>
-      </p:sp>
-      <p:sp>
-        <p:nvSpPr>
-          <p:cNvPr id="95" name="TextBox 94">
-            <a:extLst>
-              <a:ext uri="{FF2B5EF4-FFF2-40B4-BE49-F238E27FC236}">
-                <a16:creationId xmlns="" xmlns:a16="http://schemas.microsoft.com/office/drawing/2014/main" id="{C76E3AAD-45C6-EB76-9A53-48C4CEF2570F}"/>
-              </a:ext>
-            </a:extLst>
-          </p:cNvPr>
-          <p:cNvSpPr txBox="1"/>
-          <p:nvPr/>
-        </p:nvSpPr>
-        <p:spPr>
-          <a:xfrm>
-            <a:off x="7491040" y="1068561"/>
-            <a:ext cx="1159676" cy="369332"/>
-          </a:xfrm>
-          <a:prstGeom prst="rect">
-            <a:avLst/>
-          </a:prstGeom>
-          <a:noFill/>
-        </p:spPr>
-        <p:txBody>
-          <a:bodyPr wrap="none" rtlCol="0">
-            <a:spAutoFit/>
-          </a:bodyPr>
-          <a:lstStyle/>
-          <a:p>
-            <a:r>
-              <a:rPr lang="en-US" altLang="ko-KR" dirty="0" smtClean="0"/>
-              <a:t>Service B</a:t>
-            </a:r>
-            <a:endParaRPr lang="ko-KR" altLang="en-US" dirty="0"/>
-          </a:p>
-        </p:txBody>
-      </p:sp>
-      <p:cxnSp>
-        <p:nvCxnSpPr>
-          <p:cNvPr id="96" name="직선 연결선 95"/>
-          <p:cNvCxnSpPr>
-            <a:endCxn id="98" idx="0"/>
-          </p:cNvCxnSpPr>
-          <p:nvPr/>
-        </p:nvCxnSpPr>
-        <p:spPr>
-          <a:xfrm>
-            <a:off x="6604202" y="2865225"/>
-            <a:ext cx="0" cy="254318"/>
-          </a:xfrm>
-          <a:prstGeom prst="line">
-            <a:avLst/>
-          </a:prstGeom>
-        </p:spPr>
-        <p:style>
-          <a:lnRef idx="1">
-            <a:schemeClr val="accent1"/>
-          </a:lnRef>
-          <a:fillRef idx="0">
-            <a:schemeClr val="accent1"/>
-          </a:fillRef>
-          <a:effectRef idx="0">
-            <a:schemeClr val="accent1"/>
-          </a:effectRef>
-          <a:fontRef idx="minor">
-            <a:schemeClr val="tx1"/>
-          </a:fontRef>
-        </p:style>
-      </p:cxnSp>
-      <p:sp>
-        <p:nvSpPr>
-          <p:cNvPr id="98" name="TextBox 97">
-            <a:extLst>
-              <a:ext uri="{FF2B5EF4-FFF2-40B4-BE49-F238E27FC236}">
-                <a16:creationId xmlns="" xmlns:a16="http://schemas.microsoft.com/office/drawing/2014/main" id="{C76E3AAD-45C6-EB76-9A53-48C4CEF2570F}"/>
-              </a:ext>
-            </a:extLst>
-          </p:cNvPr>
-          <p:cNvSpPr txBox="1"/>
-          <p:nvPr/>
-        </p:nvSpPr>
-        <p:spPr>
-          <a:xfrm>
-            <a:off x="6321556" y="3119543"/>
-            <a:ext cx="565292" cy="246221"/>
-          </a:xfrm>
-          <a:prstGeom prst="rect">
-            <a:avLst/>
-          </a:prstGeom>
-          <a:noFill/>
-        </p:spPr>
-        <p:txBody>
-          <a:bodyPr wrap="square" rtlCol="0">
-            <a:spAutoFit/>
-          </a:bodyPr>
-          <a:lstStyle/>
-          <a:p>
-            <a:pPr algn="ctr"/>
-            <a:r>
-              <a:rPr lang="en-US" altLang="ko-KR" sz="1000" dirty="0" smtClean="0"/>
-              <a:t>Event</a:t>
-            </a:r>
-            <a:endParaRPr lang="ko-KR" altLang="en-US" sz="1000" dirty="0"/>
-          </a:p>
-        </p:txBody>
-      </p:sp>
-      <p:cxnSp>
-        <p:nvCxnSpPr>
-          <p:cNvPr id="99" name="직선 연결선 98"/>
-          <p:cNvCxnSpPr>
-            <a:endCxn id="103" idx="0"/>
-          </p:cNvCxnSpPr>
-          <p:nvPr/>
-        </p:nvCxnSpPr>
-        <p:spPr>
-          <a:xfrm>
-            <a:off x="8353917" y="3437441"/>
-            <a:ext cx="0" cy="254318"/>
-          </a:xfrm>
-          <a:prstGeom prst="line">
-            <a:avLst/>
-          </a:prstGeom>
-        </p:spPr>
-        <p:style>
-          <a:lnRef idx="1">
-            <a:schemeClr val="accent1"/>
-          </a:lnRef>
-          <a:fillRef idx="0">
-            <a:schemeClr val="accent1"/>
-          </a:fillRef>
-          <a:effectRef idx="0">
-            <a:schemeClr val="accent1"/>
-          </a:effectRef>
-          <a:fontRef idx="minor">
-            <a:schemeClr val="tx1"/>
-          </a:fontRef>
-        </p:style>
-      </p:cxnSp>
-      <p:sp>
-        <p:nvSpPr>
-          <p:cNvPr id="103" name="TextBox 102">
-            <a:extLst>
-              <a:ext uri="{FF2B5EF4-FFF2-40B4-BE49-F238E27FC236}">
-                <a16:creationId xmlns="" xmlns:a16="http://schemas.microsoft.com/office/drawing/2014/main" id="{C76E3AAD-45C6-EB76-9A53-48C4CEF2570F}"/>
-              </a:ext>
-            </a:extLst>
-          </p:cNvPr>
-          <p:cNvSpPr txBox="1"/>
-          <p:nvPr/>
-        </p:nvSpPr>
-        <p:spPr>
-          <a:xfrm>
-            <a:off x="8071271" y="3691759"/>
-            <a:ext cx="565292" cy="246221"/>
-          </a:xfrm>
-          <a:prstGeom prst="rect">
-            <a:avLst/>
-          </a:prstGeom>
-          <a:noFill/>
-        </p:spPr>
-        <p:txBody>
-          <a:bodyPr wrap="square" rtlCol="0">
-            <a:spAutoFit/>
-          </a:bodyPr>
-          <a:lstStyle/>
-          <a:p>
-            <a:pPr algn="ctr"/>
-            <a:r>
-              <a:rPr lang="en-US" altLang="ko-KR" sz="1000" dirty="0" smtClean="0"/>
-              <a:t>Event</a:t>
-            </a:r>
-            <a:endParaRPr lang="ko-KR" altLang="en-US" sz="1000" dirty="0"/>
-          </a:p>
-        </p:txBody>
-      </p:sp>
-      <p:cxnSp>
-        <p:nvCxnSpPr>
-          <p:cNvPr id="105" name="직선 연결선 104"/>
-          <p:cNvCxnSpPr>
-            <a:endCxn id="106" idx="0"/>
-          </p:cNvCxnSpPr>
-          <p:nvPr/>
-        </p:nvCxnSpPr>
-        <p:spPr>
-          <a:xfrm>
-            <a:off x="7254328" y="3429105"/>
-            <a:ext cx="0" cy="254318"/>
-          </a:xfrm>
-          <a:prstGeom prst="line">
-            <a:avLst/>
-          </a:prstGeom>
-        </p:spPr>
-        <p:style>
-          <a:lnRef idx="1">
-            <a:schemeClr val="accent1"/>
-          </a:lnRef>
-          <a:fillRef idx="0">
-            <a:schemeClr val="accent1"/>
-          </a:fillRef>
-          <a:effectRef idx="0">
-            <a:schemeClr val="accent1"/>
-          </a:effectRef>
-          <a:fontRef idx="minor">
-            <a:schemeClr val="tx1"/>
-          </a:fontRef>
-        </p:style>
-      </p:cxnSp>
-      <p:sp>
-        <p:nvSpPr>
-          <p:cNvPr id="106" name="TextBox 105">
-            <a:extLst>
-              <a:ext uri="{FF2B5EF4-FFF2-40B4-BE49-F238E27FC236}">
-                <a16:creationId xmlns="" xmlns:a16="http://schemas.microsoft.com/office/drawing/2014/main" id="{C76E3AAD-45C6-EB76-9A53-48C4CEF2570F}"/>
-              </a:ext>
-            </a:extLst>
-          </p:cNvPr>
-          <p:cNvSpPr txBox="1"/>
-          <p:nvPr/>
-        </p:nvSpPr>
-        <p:spPr>
-          <a:xfrm>
-            <a:off x="7046644" y="3683423"/>
-            <a:ext cx="415368" cy="246221"/>
-          </a:xfrm>
-          <a:prstGeom prst="rect">
-            <a:avLst/>
-          </a:prstGeom>
-          <a:noFill/>
-        </p:spPr>
-        <p:txBody>
-          <a:bodyPr wrap="square" rtlCol="0">
-            <a:spAutoFit/>
-          </a:bodyPr>
-          <a:lstStyle/>
-          <a:p>
-            <a:pPr algn="ctr"/>
-            <a:r>
-              <a:rPr lang="en-US" altLang="ko-KR" sz="1000" dirty="0" smtClean="0"/>
-              <a:t>Tag</a:t>
-            </a:r>
-            <a:endParaRPr lang="ko-KR" altLang="en-US" sz="1000" dirty="0"/>
-          </a:p>
-        </p:txBody>
-      </p:sp>
-      <p:cxnSp>
-        <p:nvCxnSpPr>
-          <p:cNvPr id="107" name="직선 연결선 106"/>
-          <p:cNvCxnSpPr>
-            <a:endCxn id="108" idx="0"/>
-          </p:cNvCxnSpPr>
-          <p:nvPr/>
-        </p:nvCxnSpPr>
-        <p:spPr>
-          <a:xfrm>
-            <a:off x="9269929" y="2364686"/>
-            <a:ext cx="0" cy="254318"/>
-          </a:xfrm>
-          <a:prstGeom prst="line">
-            <a:avLst/>
-          </a:prstGeom>
-        </p:spPr>
-        <p:style>
-          <a:lnRef idx="1">
-            <a:schemeClr val="accent1"/>
-          </a:lnRef>
-          <a:fillRef idx="0">
-            <a:schemeClr val="accent1"/>
-          </a:fillRef>
-          <a:effectRef idx="0">
-            <a:schemeClr val="accent1"/>
-          </a:effectRef>
-          <a:fontRef idx="minor">
-            <a:schemeClr val="tx1"/>
-          </a:fontRef>
-        </p:style>
-      </p:cxnSp>
-      <p:sp>
-        <p:nvSpPr>
-          <p:cNvPr id="108" name="TextBox 107">
-            <a:extLst>
-              <a:ext uri="{FF2B5EF4-FFF2-40B4-BE49-F238E27FC236}">
-                <a16:creationId xmlns="" xmlns:a16="http://schemas.microsoft.com/office/drawing/2014/main" id="{C76E3AAD-45C6-EB76-9A53-48C4CEF2570F}"/>
-              </a:ext>
-            </a:extLst>
-          </p:cNvPr>
-          <p:cNvSpPr txBox="1"/>
-          <p:nvPr/>
-        </p:nvSpPr>
-        <p:spPr>
-          <a:xfrm>
-            <a:off x="9062245" y="2619004"/>
-            <a:ext cx="415368" cy="246221"/>
-          </a:xfrm>
-          <a:prstGeom prst="rect">
-            <a:avLst/>
-          </a:prstGeom>
-          <a:noFill/>
-        </p:spPr>
-        <p:txBody>
-          <a:bodyPr wrap="square" rtlCol="0">
-            <a:spAutoFit/>
-          </a:bodyPr>
-          <a:lstStyle/>
-          <a:p>
-            <a:pPr algn="ctr"/>
-            <a:r>
-              <a:rPr lang="en-US" altLang="ko-KR" sz="1000" dirty="0" smtClean="0"/>
-              <a:t>Tag</a:t>
-            </a:r>
-            <a:endParaRPr lang="ko-KR" altLang="en-US" sz="1000" dirty="0"/>
-          </a:p>
-        </p:txBody>
-      </p:sp>
-      <p:cxnSp>
-        <p:nvCxnSpPr>
-          <p:cNvPr id="19" name="직선 화살표 연결선 18"/>
-          <p:cNvCxnSpPr/>
-          <p:nvPr/>
-        </p:nvCxnSpPr>
-        <p:spPr>
-          <a:xfrm>
-            <a:off x="640786" y="1966684"/>
-            <a:ext cx="9426181" cy="0"/>
-          </a:xfrm>
-          <a:prstGeom prst="straightConnector1">
-            <a:avLst/>
-          </a:prstGeom>
-          <a:ln>
-            <a:solidFill>
-              <a:srgbClr val="002060"/>
-            </a:solidFill>
-            <a:prstDash val="sysDash"/>
             <a:tailEnd type="triangle"/>
           </a:ln>
         </p:spPr>
@@ -9148,23 +8480,21 @@
       </p:cxnSp>
       <p:cxnSp>
         <p:nvCxnSpPr>
-          <p:cNvPr id="21" name="직선 화살표 연결선 20"/>
-          <p:cNvCxnSpPr/>
+          <p:cNvPr id="30" name="직선 화살표 연결선 29"/>
+          <p:cNvCxnSpPr>
+            <a:endCxn id="61" idx="1"/>
+          </p:cNvCxnSpPr>
           <p:nvPr/>
         </p:nvCxnSpPr>
         <p:spPr>
           <a:xfrm>
-            <a:off x="4922521" y="2351932"/>
-            <a:ext cx="893897" cy="0"/>
+            <a:off x="5905500" y="3709136"/>
+            <a:ext cx="282213" cy="1"/>
           </a:xfrm>
           <a:prstGeom prst="straightConnector1">
             <a:avLst/>
           </a:prstGeom>
           <a:ln>
-            <a:solidFill>
-              <a:srgbClr val="00B050"/>
-            </a:solidFill>
-            <a:prstDash val="sysDash"/>
             <a:tailEnd type="triangle"/>
           </a:ln>
         </p:spPr>
@@ -9183,192 +8513,464 @@
           </a:fontRef>
         </p:style>
       </p:cxnSp>
-      <p:sp>
-        <p:nvSpPr>
-          <p:cNvPr id="112" name="TextBox 111">
-            <a:extLst>
-              <a:ext uri="{FF2B5EF4-FFF2-40B4-BE49-F238E27FC236}">
-                <a16:creationId xmlns="" xmlns:a16="http://schemas.microsoft.com/office/drawing/2014/main" id="{C76E3AAD-45C6-EB76-9A53-48C4CEF2570F}"/>
-              </a:ext>
-            </a:extLst>
-          </p:cNvPr>
-          <p:cNvSpPr txBox="1"/>
-          <p:nvPr/>
-        </p:nvSpPr>
-        <p:spPr>
-          <a:xfrm>
-            <a:off x="4851310" y="1994937"/>
-            <a:ext cx="1036320" cy="246221"/>
-          </a:xfrm>
-          <a:prstGeom prst="rect">
-            <a:avLst/>
-          </a:prstGeom>
-          <a:noFill/>
-        </p:spPr>
-        <p:txBody>
-          <a:bodyPr wrap="square" rtlCol="0">
-            <a:spAutoFit/>
-          </a:bodyPr>
-          <a:lstStyle/>
-          <a:p>
-            <a:pPr algn="ctr"/>
-            <a:r>
-              <a:rPr lang="en-US" altLang="ko-KR" sz="1000" dirty="0" smtClean="0">
-                <a:solidFill>
-                  <a:srgbClr val="002060"/>
-                </a:solidFill>
-              </a:rPr>
-              <a:t>Trace</a:t>
-            </a:r>
-            <a:endParaRPr lang="ko-KR" altLang="en-US" sz="1000" dirty="0">
-              <a:solidFill>
-                <a:srgbClr val="002060"/>
-              </a:solidFill>
-            </a:endParaRPr>
-          </a:p>
-        </p:txBody>
-      </p:sp>
-      <p:sp>
-        <p:nvSpPr>
-          <p:cNvPr id="114" name="TextBox 113">
-            <a:extLst>
-              <a:ext uri="{FF2B5EF4-FFF2-40B4-BE49-F238E27FC236}">
-                <a16:creationId xmlns="" xmlns:a16="http://schemas.microsoft.com/office/drawing/2014/main" id="{C76E3AAD-45C6-EB76-9A53-48C4CEF2570F}"/>
-              </a:ext>
-            </a:extLst>
-          </p:cNvPr>
-          <p:cNvSpPr txBox="1"/>
-          <p:nvPr/>
-        </p:nvSpPr>
-        <p:spPr>
-          <a:xfrm>
-            <a:off x="4851310" y="2450212"/>
-            <a:ext cx="1036320" cy="400110"/>
-          </a:xfrm>
-          <a:prstGeom prst="rect">
-            <a:avLst/>
-          </a:prstGeom>
-          <a:noFill/>
-        </p:spPr>
-        <p:txBody>
-          <a:bodyPr wrap="square" rtlCol="0">
-            <a:spAutoFit/>
-          </a:bodyPr>
-          <a:lstStyle/>
-          <a:p>
-            <a:pPr algn="ctr"/>
-            <a:r>
-              <a:rPr lang="en-US" altLang="ko-KR" sz="1000" dirty="0" smtClean="0">
-                <a:solidFill>
-                  <a:srgbClr val="00B050"/>
-                </a:solidFill>
-              </a:rPr>
-              <a:t>Trace</a:t>
-            </a:r>
-            <a:br>
-              <a:rPr lang="en-US" altLang="ko-KR" sz="1000" dirty="0" smtClean="0">
-                <a:solidFill>
-                  <a:srgbClr val="00B050"/>
-                </a:solidFill>
-              </a:rPr>
-            </a:br>
-            <a:r>
-              <a:rPr lang="en-US" altLang="ko-KR" sz="1000" dirty="0" smtClean="0">
-                <a:solidFill>
-                  <a:srgbClr val="00B050"/>
-                </a:solidFill>
-              </a:rPr>
-              <a:t>Context</a:t>
-            </a:r>
-            <a:endParaRPr lang="ko-KR" altLang="en-US" sz="1000" dirty="0">
-              <a:solidFill>
-                <a:srgbClr val="00B050"/>
-              </a:solidFill>
-            </a:endParaRPr>
-          </a:p>
-        </p:txBody>
-      </p:sp>
-      <p:sp>
-        <p:nvSpPr>
-          <p:cNvPr id="115" name="TextBox 114">
-            <a:extLst>
-              <a:ext uri="{FF2B5EF4-FFF2-40B4-BE49-F238E27FC236}">
-                <a16:creationId xmlns="" xmlns:a16="http://schemas.microsoft.com/office/drawing/2014/main" id="{C76E3AAD-45C6-EB76-9A53-48C4CEF2570F}"/>
-              </a:ext>
-            </a:extLst>
-          </p:cNvPr>
-          <p:cNvSpPr txBox="1"/>
-          <p:nvPr/>
-        </p:nvSpPr>
-        <p:spPr>
-          <a:xfrm>
-            <a:off x="4781797" y="1257275"/>
-            <a:ext cx="1234120" cy="307777"/>
-          </a:xfrm>
-          <a:prstGeom prst="rect">
-            <a:avLst/>
-          </a:prstGeom>
-          <a:noFill/>
-        </p:spPr>
-        <p:txBody>
-          <a:bodyPr wrap="none" rtlCol="0">
-            <a:spAutoFit/>
-          </a:bodyPr>
-          <a:lstStyle/>
-          <a:p>
-            <a:pPr algn="ctr"/>
-            <a:r>
-              <a:rPr lang="en-US" altLang="ko-KR" sz="1400" dirty="0" smtClean="0"/>
-              <a:t>Network Call</a:t>
-            </a:r>
-            <a:endParaRPr lang="ko-KR" altLang="en-US" sz="1400" dirty="0"/>
-          </a:p>
-        </p:txBody>
-      </p:sp>
-      <p:sp>
-        <p:nvSpPr>
-          <p:cNvPr id="116" name="TextBox 115">
-            <a:extLst>
-              <a:ext uri="{FF2B5EF4-FFF2-40B4-BE49-F238E27FC236}">
-                <a16:creationId xmlns="" xmlns:a16="http://schemas.microsoft.com/office/drawing/2014/main" id="{C76E3AAD-45C6-EB76-9A53-48C4CEF2570F}"/>
-              </a:ext>
-            </a:extLst>
-          </p:cNvPr>
-          <p:cNvSpPr txBox="1"/>
-          <p:nvPr/>
-        </p:nvSpPr>
-        <p:spPr>
-          <a:xfrm>
-            <a:off x="317360" y="169662"/>
-            <a:ext cx="1807674" cy="369332"/>
-          </a:xfrm>
-          <a:prstGeom prst="rect">
-            <a:avLst/>
-          </a:prstGeom>
-          <a:noFill/>
-        </p:spPr>
-        <p:txBody>
-          <a:bodyPr wrap="none" rtlCol="0">
-            <a:spAutoFit/>
-          </a:bodyPr>
-          <a:lstStyle/>
-          <a:p>
-            <a:r>
-              <a:rPr lang="en-US" altLang="ko-KR" dirty="0" smtClean="0"/>
-              <a:t>Trace </a:t>
-            </a:r>
-            <a:r>
-              <a:rPr lang="ko-KR" altLang="en-US" dirty="0" smtClean="0"/>
-              <a:t>구조 예시</a:t>
-            </a:r>
-            <a:endParaRPr lang="en-US" altLang="ko-KR" dirty="0"/>
-          </a:p>
-        </p:txBody>
-      </p:sp>
+      <p:cxnSp>
+        <p:nvCxnSpPr>
+          <p:cNvPr id="32" name="직선 화살표 연결선 31"/>
+          <p:cNvCxnSpPr/>
+          <p:nvPr/>
+        </p:nvCxnSpPr>
+        <p:spPr>
+          <a:xfrm>
+            <a:off x="5905500" y="4906690"/>
+            <a:ext cx="282213" cy="0"/>
+          </a:xfrm>
+          <a:prstGeom prst="straightConnector1">
+            <a:avLst/>
+          </a:prstGeom>
+          <a:ln>
+            <a:tailEnd type="triangle"/>
+          </a:ln>
+        </p:spPr>
+        <p:style>
+          <a:lnRef idx="1">
+            <a:schemeClr val="accent1"/>
+          </a:lnRef>
+          <a:fillRef idx="0">
+            <a:schemeClr val="accent1"/>
+          </a:fillRef>
+          <a:effectRef idx="0">
+            <a:schemeClr val="accent1"/>
+          </a:effectRef>
+          <a:fontRef idx="minor">
+            <a:schemeClr val="tx1"/>
+          </a:fontRef>
+        </p:style>
+      </p:cxnSp>
+      <p:cxnSp>
+        <p:nvCxnSpPr>
+          <p:cNvPr id="34" name="직선 화살표 연결선 33"/>
+          <p:cNvCxnSpPr/>
+          <p:nvPr/>
+        </p:nvCxnSpPr>
+        <p:spPr>
+          <a:xfrm>
+            <a:off x="7468704" y="2503607"/>
+            <a:ext cx="284656" cy="0"/>
+          </a:xfrm>
+          <a:prstGeom prst="straightConnector1">
+            <a:avLst/>
+          </a:prstGeom>
+          <a:ln>
+            <a:tailEnd type="triangle"/>
+          </a:ln>
+        </p:spPr>
+        <p:style>
+          <a:lnRef idx="1">
+            <a:schemeClr val="accent1"/>
+          </a:lnRef>
+          <a:fillRef idx="0">
+            <a:schemeClr val="accent1"/>
+          </a:fillRef>
+          <a:effectRef idx="0">
+            <a:schemeClr val="accent1"/>
+          </a:effectRef>
+          <a:fontRef idx="minor">
+            <a:schemeClr val="tx1"/>
+          </a:fontRef>
+        </p:style>
+      </p:cxnSp>
+      <p:cxnSp>
+        <p:nvCxnSpPr>
+          <p:cNvPr id="37" name="직선 화살표 연결선 36"/>
+          <p:cNvCxnSpPr/>
+          <p:nvPr/>
+        </p:nvCxnSpPr>
+        <p:spPr>
+          <a:xfrm>
+            <a:off x="7468704" y="3696018"/>
+            <a:ext cx="284656" cy="0"/>
+          </a:xfrm>
+          <a:prstGeom prst="straightConnector1">
+            <a:avLst/>
+          </a:prstGeom>
+          <a:ln>
+            <a:tailEnd type="triangle"/>
+          </a:ln>
+        </p:spPr>
+        <p:style>
+          <a:lnRef idx="1">
+            <a:schemeClr val="accent1"/>
+          </a:lnRef>
+          <a:fillRef idx="0">
+            <a:schemeClr val="accent1"/>
+          </a:fillRef>
+          <a:effectRef idx="0">
+            <a:schemeClr val="accent1"/>
+          </a:effectRef>
+          <a:fontRef idx="minor">
+            <a:schemeClr val="tx1"/>
+          </a:fontRef>
+        </p:style>
+      </p:cxnSp>
+      <p:cxnSp>
+        <p:nvCxnSpPr>
+          <p:cNvPr id="39" name="직선 화살표 연결선 38"/>
+          <p:cNvCxnSpPr/>
+          <p:nvPr/>
+        </p:nvCxnSpPr>
+        <p:spPr>
+          <a:xfrm>
+            <a:off x="7468704" y="4906690"/>
+            <a:ext cx="284656" cy="0"/>
+          </a:xfrm>
+          <a:prstGeom prst="straightConnector1">
+            <a:avLst/>
+          </a:prstGeom>
+          <a:ln>
+            <a:tailEnd type="triangle"/>
+          </a:ln>
+        </p:spPr>
+        <p:style>
+          <a:lnRef idx="1">
+            <a:schemeClr val="accent1"/>
+          </a:lnRef>
+          <a:fillRef idx="0">
+            <a:schemeClr val="accent1"/>
+          </a:fillRef>
+          <a:effectRef idx="0">
+            <a:schemeClr val="accent1"/>
+          </a:effectRef>
+          <a:fontRef idx="minor">
+            <a:schemeClr val="tx1"/>
+          </a:fontRef>
+        </p:style>
+      </p:cxnSp>
+      <p:cxnSp>
+        <p:nvCxnSpPr>
+          <p:cNvPr id="41" name="직선 화살표 연결선 40"/>
+          <p:cNvCxnSpPr/>
+          <p:nvPr/>
+        </p:nvCxnSpPr>
+        <p:spPr>
+          <a:xfrm>
+            <a:off x="2610859" y="3709136"/>
+            <a:ext cx="2271618" cy="1"/>
+          </a:xfrm>
+          <a:prstGeom prst="straightConnector1">
+            <a:avLst/>
+          </a:prstGeom>
+          <a:ln>
+            <a:tailEnd type="triangle"/>
+          </a:ln>
+        </p:spPr>
+        <p:style>
+          <a:lnRef idx="1">
+            <a:schemeClr val="accent1"/>
+          </a:lnRef>
+          <a:fillRef idx="0">
+            <a:schemeClr val="accent1"/>
+          </a:fillRef>
+          <a:effectRef idx="0">
+            <a:schemeClr val="accent1"/>
+          </a:effectRef>
+          <a:fontRef idx="minor">
+            <a:schemeClr val="tx1"/>
+          </a:fontRef>
+        </p:style>
+      </p:cxnSp>
+      <p:cxnSp>
+        <p:nvCxnSpPr>
+          <p:cNvPr id="50" name="직선 연결선 49"/>
+          <p:cNvCxnSpPr/>
+          <p:nvPr/>
+        </p:nvCxnSpPr>
+        <p:spPr>
+          <a:xfrm>
+            <a:off x="2610859" y="3197243"/>
+            <a:ext cx="1597727" cy="0"/>
+          </a:xfrm>
+          <a:prstGeom prst="line">
+            <a:avLst/>
+          </a:prstGeom>
+        </p:spPr>
+        <p:style>
+          <a:lnRef idx="1">
+            <a:schemeClr val="accent1"/>
+          </a:lnRef>
+          <a:fillRef idx="0">
+            <a:schemeClr val="accent1"/>
+          </a:fillRef>
+          <a:effectRef idx="0">
+            <a:schemeClr val="accent1"/>
+          </a:effectRef>
+          <a:fontRef idx="minor">
+            <a:schemeClr val="tx1"/>
+          </a:fontRef>
+        </p:style>
+      </p:cxnSp>
+      <p:cxnSp>
+        <p:nvCxnSpPr>
+          <p:cNvPr id="52" name="직선 연결선 51"/>
+          <p:cNvCxnSpPr/>
+          <p:nvPr/>
+        </p:nvCxnSpPr>
+        <p:spPr>
+          <a:xfrm flipV="1">
+            <a:off x="4208586" y="2511583"/>
+            <a:ext cx="0" cy="685661"/>
+          </a:xfrm>
+          <a:prstGeom prst="line">
+            <a:avLst/>
+          </a:prstGeom>
+        </p:spPr>
+        <p:style>
+          <a:lnRef idx="1">
+            <a:schemeClr val="accent1"/>
+          </a:lnRef>
+          <a:fillRef idx="0">
+            <a:schemeClr val="accent1"/>
+          </a:fillRef>
+          <a:effectRef idx="0">
+            <a:schemeClr val="accent1"/>
+          </a:effectRef>
+          <a:fontRef idx="minor">
+            <a:schemeClr val="tx1"/>
+          </a:fontRef>
+        </p:style>
+      </p:cxnSp>
+      <p:cxnSp>
+        <p:nvCxnSpPr>
+          <p:cNvPr id="55" name="직선 화살표 연결선 54"/>
+          <p:cNvCxnSpPr/>
+          <p:nvPr/>
+        </p:nvCxnSpPr>
+        <p:spPr>
+          <a:xfrm>
+            <a:off x="3283333" y="2503607"/>
+            <a:ext cx="1599144" cy="0"/>
+          </a:xfrm>
+          <a:prstGeom prst="straightConnector1">
+            <a:avLst/>
+          </a:prstGeom>
+          <a:ln>
+            <a:tailEnd type="triangle"/>
+          </a:ln>
+        </p:spPr>
+        <p:style>
+          <a:lnRef idx="1">
+            <a:schemeClr val="accent1"/>
+          </a:lnRef>
+          <a:fillRef idx="0">
+            <a:schemeClr val="accent1"/>
+          </a:fillRef>
+          <a:effectRef idx="0">
+            <a:schemeClr val="accent1"/>
+          </a:effectRef>
+          <a:fontRef idx="minor">
+            <a:schemeClr val="tx1"/>
+          </a:fontRef>
+        </p:style>
+      </p:cxnSp>
+      <p:cxnSp>
+        <p:nvCxnSpPr>
+          <p:cNvPr id="78" name="직선 연결선 77"/>
+          <p:cNvCxnSpPr/>
+          <p:nvPr/>
+        </p:nvCxnSpPr>
+        <p:spPr>
+          <a:xfrm>
+            <a:off x="2610859" y="4297680"/>
+            <a:ext cx="1585222" cy="0"/>
+          </a:xfrm>
+          <a:prstGeom prst="line">
+            <a:avLst/>
+          </a:prstGeom>
+        </p:spPr>
+        <p:style>
+          <a:lnRef idx="1">
+            <a:schemeClr val="accent1"/>
+          </a:lnRef>
+          <a:fillRef idx="0">
+            <a:schemeClr val="accent1"/>
+          </a:fillRef>
+          <a:effectRef idx="0">
+            <a:schemeClr val="accent1"/>
+          </a:effectRef>
+          <a:fontRef idx="minor">
+            <a:schemeClr val="tx1"/>
+          </a:fontRef>
+        </p:style>
+      </p:cxnSp>
+      <p:cxnSp>
+        <p:nvCxnSpPr>
+          <p:cNvPr id="80" name="직선 화살표 연결선 79"/>
+          <p:cNvCxnSpPr>
+            <a:endCxn id="86" idx="1"/>
+          </p:cNvCxnSpPr>
+          <p:nvPr/>
+        </p:nvCxnSpPr>
+        <p:spPr>
+          <a:xfrm>
+            <a:off x="3283333" y="4906690"/>
+            <a:ext cx="1599145" cy="1"/>
+          </a:xfrm>
+          <a:prstGeom prst="straightConnector1">
+            <a:avLst/>
+          </a:prstGeom>
+          <a:ln>
+            <a:tailEnd type="triangle"/>
+          </a:ln>
+        </p:spPr>
+        <p:style>
+          <a:lnRef idx="1">
+            <a:schemeClr val="accent1"/>
+          </a:lnRef>
+          <a:fillRef idx="0">
+            <a:schemeClr val="accent1"/>
+          </a:fillRef>
+          <a:effectRef idx="0">
+            <a:schemeClr val="accent1"/>
+          </a:effectRef>
+          <a:fontRef idx="minor">
+            <a:schemeClr val="tx1"/>
+          </a:fontRef>
+        </p:style>
+      </p:cxnSp>
+      <p:cxnSp>
+        <p:nvCxnSpPr>
+          <p:cNvPr id="87" name="직선 연결선 86"/>
+          <p:cNvCxnSpPr/>
+          <p:nvPr/>
+        </p:nvCxnSpPr>
+        <p:spPr>
+          <a:xfrm>
+            <a:off x="4196081" y="4297680"/>
+            <a:ext cx="0" cy="609010"/>
+          </a:xfrm>
+          <a:prstGeom prst="line">
+            <a:avLst/>
+          </a:prstGeom>
+        </p:spPr>
+        <p:style>
+          <a:lnRef idx="1">
+            <a:schemeClr val="accent1"/>
+          </a:lnRef>
+          <a:fillRef idx="0">
+            <a:schemeClr val="accent1"/>
+          </a:fillRef>
+          <a:effectRef idx="0">
+            <a:schemeClr val="accent1"/>
+          </a:effectRef>
+          <a:fontRef idx="minor">
+            <a:schemeClr val="tx1"/>
+          </a:fontRef>
+        </p:style>
+      </p:cxnSp>
+      <p:cxnSp>
+        <p:nvCxnSpPr>
+          <p:cNvPr id="104" name="직선 화살표 연결선 103"/>
+          <p:cNvCxnSpPr/>
+          <p:nvPr/>
+        </p:nvCxnSpPr>
+        <p:spPr>
+          <a:xfrm>
+            <a:off x="9034351" y="2503607"/>
+            <a:ext cx="1368551" cy="0"/>
+          </a:xfrm>
+          <a:prstGeom prst="straightConnector1">
+            <a:avLst/>
+          </a:prstGeom>
+          <a:ln>
+            <a:tailEnd type="triangle"/>
+          </a:ln>
+        </p:spPr>
+        <p:style>
+          <a:lnRef idx="1">
+            <a:schemeClr val="accent1"/>
+          </a:lnRef>
+          <a:fillRef idx="0">
+            <a:schemeClr val="accent1"/>
+          </a:fillRef>
+          <a:effectRef idx="0">
+            <a:schemeClr val="accent1"/>
+          </a:effectRef>
+          <a:fontRef idx="minor">
+            <a:schemeClr val="tx1"/>
+          </a:fontRef>
+        </p:style>
+      </p:cxnSp>
+      <p:cxnSp>
+        <p:nvCxnSpPr>
+          <p:cNvPr id="109" name="직선 화살표 연결선 108"/>
+          <p:cNvCxnSpPr>
+            <a:endCxn id="64" idx="1"/>
+          </p:cNvCxnSpPr>
+          <p:nvPr/>
+        </p:nvCxnSpPr>
+        <p:spPr>
+          <a:xfrm>
+            <a:off x="9044433" y="3696018"/>
+            <a:ext cx="1375244" cy="13119"/>
+          </a:xfrm>
+          <a:prstGeom prst="straightConnector1">
+            <a:avLst/>
+          </a:prstGeom>
+          <a:ln>
+            <a:tailEnd type="triangle"/>
+          </a:ln>
+        </p:spPr>
+        <p:style>
+          <a:lnRef idx="1">
+            <a:schemeClr val="accent1"/>
+          </a:lnRef>
+          <a:fillRef idx="0">
+            <a:schemeClr val="accent1"/>
+          </a:fillRef>
+          <a:effectRef idx="0">
+            <a:schemeClr val="accent1"/>
+          </a:effectRef>
+          <a:fontRef idx="minor">
+            <a:schemeClr val="tx1"/>
+          </a:fontRef>
+        </p:style>
+      </p:cxnSp>
+      <p:cxnSp>
+        <p:nvCxnSpPr>
+          <p:cNvPr id="113" name="직선 화살표 연결선 112"/>
+          <p:cNvCxnSpPr/>
+          <p:nvPr/>
+        </p:nvCxnSpPr>
+        <p:spPr>
+          <a:xfrm>
+            <a:off x="9044433" y="4906690"/>
+            <a:ext cx="1358469" cy="0"/>
+          </a:xfrm>
+          <a:prstGeom prst="straightConnector1">
+            <a:avLst/>
+          </a:prstGeom>
+          <a:ln>
+            <a:tailEnd type="triangle"/>
+          </a:ln>
+        </p:spPr>
+        <p:style>
+          <a:lnRef idx="1">
+            <a:schemeClr val="accent1"/>
+          </a:lnRef>
+          <a:fillRef idx="0">
+            <a:schemeClr val="accent1"/>
+          </a:fillRef>
+          <a:effectRef idx="0">
+            <a:schemeClr val="accent1"/>
+          </a:effectRef>
+          <a:fontRef idx="minor">
+            <a:schemeClr val="tx1"/>
+          </a:fontRef>
+        </p:style>
+      </p:cxnSp>
     </p:spTree>
     <p:extLst>
       <p:ext uri="{BB962C8B-B14F-4D97-AF65-F5344CB8AC3E}">
-        <p14:creationId xmlns:p14="http://schemas.microsoft.com/office/powerpoint/2010/main" val="1197580582"/>
+        <p14:creationId xmlns:p14="http://schemas.microsoft.com/office/powerpoint/2010/main" val="2986190926"/>
       </p:ext>
     </p:extLst>
   </p:cSld>
@@ -9404,6 +9006,1441 @@
       </p:grpSpPr>
       <p:sp>
         <p:nvSpPr>
+          <p:cNvPr id="43" name="직사각형 42"/>
+          <p:cNvSpPr/>
+          <p:nvPr/>
+        </p:nvSpPr>
+        <p:spPr>
+          <a:xfrm>
+            <a:off x="382411" y="1692211"/>
+            <a:ext cx="4540110" cy="2365439"/>
+          </a:xfrm>
+          <a:prstGeom prst="rect">
+            <a:avLst/>
+          </a:prstGeom>
+          <a:solidFill>
+            <a:schemeClr val="bg1"/>
+          </a:solidFill>
+        </p:spPr>
+        <p:style>
+          <a:lnRef idx="2">
+            <a:schemeClr val="accent1">
+              <a:shade val="50000"/>
+            </a:schemeClr>
+          </a:lnRef>
+          <a:fillRef idx="1">
+            <a:schemeClr val="accent1"/>
+          </a:fillRef>
+          <a:effectRef idx="0">
+            <a:schemeClr val="accent1"/>
+          </a:effectRef>
+          <a:fontRef idx="minor">
+            <a:schemeClr val="lt1"/>
+          </a:fontRef>
+        </p:style>
+        <p:txBody>
+          <a:bodyPr rtlCol="0" anchor="ctr"/>
+          <a:lstStyle/>
+          <a:p>
+            <a:pPr algn="ctr"/>
+            <a:endParaRPr lang="ko-KR" altLang="en-US"/>
+          </a:p>
+        </p:txBody>
+      </p:sp>
+      <p:cxnSp>
+        <p:nvCxnSpPr>
+          <p:cNvPr id="45" name="직선 화살표 연결선 44"/>
+          <p:cNvCxnSpPr/>
+          <p:nvPr/>
+        </p:nvCxnSpPr>
+        <p:spPr>
+          <a:xfrm>
+            <a:off x="1097986" y="2837604"/>
+            <a:ext cx="1554480" cy="0"/>
+          </a:xfrm>
+          <a:prstGeom prst="straightConnector1">
+            <a:avLst/>
+          </a:prstGeom>
+          <a:ln>
+            <a:solidFill>
+              <a:srgbClr val="FF0000"/>
+            </a:solidFill>
+            <a:tailEnd type="triangle"/>
+          </a:ln>
+        </p:spPr>
+        <p:style>
+          <a:lnRef idx="1">
+            <a:schemeClr val="accent1"/>
+          </a:lnRef>
+          <a:fillRef idx="0">
+            <a:schemeClr val="accent1"/>
+          </a:fillRef>
+          <a:effectRef idx="0">
+            <a:schemeClr val="accent1"/>
+          </a:effectRef>
+          <a:fontRef idx="minor">
+            <a:schemeClr val="tx1"/>
+          </a:fontRef>
+        </p:style>
+      </p:cxnSp>
+      <p:sp>
+        <p:nvSpPr>
+          <p:cNvPr id="48" name="TextBox 47">
+            <a:extLst>
+              <a:ext uri="{FF2B5EF4-FFF2-40B4-BE49-F238E27FC236}">
+                <a16:creationId xmlns:a16="http://schemas.microsoft.com/office/drawing/2014/main" xmlns="" id="{C76E3AAD-45C6-EB76-9A53-48C4CEF2570F}"/>
+              </a:ext>
+            </a:extLst>
+          </p:cNvPr>
+          <p:cNvSpPr txBox="1"/>
+          <p:nvPr/>
+        </p:nvSpPr>
+        <p:spPr>
+          <a:xfrm>
+            <a:off x="1097986" y="2591383"/>
+            <a:ext cx="813043" cy="246221"/>
+          </a:xfrm>
+          <a:prstGeom prst="rect">
+            <a:avLst/>
+          </a:prstGeom>
+          <a:noFill/>
+        </p:spPr>
+        <p:txBody>
+          <a:bodyPr wrap="none" rtlCol="0">
+            <a:spAutoFit/>
+          </a:bodyPr>
+          <a:lstStyle/>
+          <a:p>
+            <a:r>
+              <a:rPr lang="en-US" altLang="ko-KR" sz="1000" dirty="0" smtClean="0"/>
+              <a:t>Child Span</a:t>
+            </a:r>
+            <a:endParaRPr lang="ko-KR" altLang="en-US" sz="1000" dirty="0"/>
+          </a:p>
+        </p:txBody>
+      </p:sp>
+      <p:cxnSp>
+        <p:nvCxnSpPr>
+          <p:cNvPr id="49" name="직선 화살표 연결선 48"/>
+          <p:cNvCxnSpPr/>
+          <p:nvPr/>
+        </p:nvCxnSpPr>
+        <p:spPr>
+          <a:xfrm>
+            <a:off x="1677106" y="3401484"/>
+            <a:ext cx="1554480" cy="0"/>
+          </a:xfrm>
+          <a:prstGeom prst="straightConnector1">
+            <a:avLst/>
+          </a:prstGeom>
+          <a:ln>
+            <a:solidFill>
+              <a:srgbClr val="FF0000"/>
+            </a:solidFill>
+            <a:tailEnd type="triangle"/>
+          </a:ln>
+        </p:spPr>
+        <p:style>
+          <a:lnRef idx="1">
+            <a:schemeClr val="accent1"/>
+          </a:lnRef>
+          <a:fillRef idx="0">
+            <a:schemeClr val="accent1"/>
+          </a:fillRef>
+          <a:effectRef idx="0">
+            <a:schemeClr val="accent1"/>
+          </a:effectRef>
+          <a:fontRef idx="minor">
+            <a:schemeClr val="tx1"/>
+          </a:fontRef>
+        </p:style>
+      </p:cxnSp>
+      <p:sp>
+        <p:nvSpPr>
+          <p:cNvPr id="51" name="TextBox 50">
+            <a:extLst>
+              <a:ext uri="{FF2B5EF4-FFF2-40B4-BE49-F238E27FC236}">
+                <a16:creationId xmlns:a16="http://schemas.microsoft.com/office/drawing/2014/main" xmlns="" id="{C76E3AAD-45C6-EB76-9A53-48C4CEF2570F}"/>
+              </a:ext>
+            </a:extLst>
+          </p:cNvPr>
+          <p:cNvSpPr txBox="1"/>
+          <p:nvPr/>
+        </p:nvSpPr>
+        <p:spPr>
+          <a:xfrm>
+            <a:off x="1677106" y="3155263"/>
+            <a:ext cx="813043" cy="246221"/>
+          </a:xfrm>
+          <a:prstGeom prst="rect">
+            <a:avLst/>
+          </a:prstGeom>
+          <a:noFill/>
+        </p:spPr>
+        <p:txBody>
+          <a:bodyPr wrap="none" rtlCol="0">
+            <a:spAutoFit/>
+          </a:bodyPr>
+          <a:lstStyle/>
+          <a:p>
+            <a:r>
+              <a:rPr lang="en-US" altLang="ko-KR" sz="1000" dirty="0" smtClean="0"/>
+              <a:t>Child Span</a:t>
+            </a:r>
+            <a:endParaRPr lang="ko-KR" altLang="en-US" sz="1000" dirty="0"/>
+          </a:p>
+        </p:txBody>
+      </p:sp>
+      <p:cxnSp>
+        <p:nvCxnSpPr>
+          <p:cNvPr id="57" name="직선 화살표 연결선 56"/>
+          <p:cNvCxnSpPr/>
+          <p:nvPr/>
+        </p:nvCxnSpPr>
+        <p:spPr>
+          <a:xfrm>
+            <a:off x="640786" y="2345162"/>
+            <a:ext cx="3992174" cy="0"/>
+          </a:xfrm>
+          <a:prstGeom prst="straightConnector1">
+            <a:avLst/>
+          </a:prstGeom>
+          <a:ln>
+            <a:solidFill>
+              <a:srgbClr val="FF0000"/>
+            </a:solidFill>
+            <a:tailEnd type="triangle"/>
+          </a:ln>
+        </p:spPr>
+        <p:style>
+          <a:lnRef idx="1">
+            <a:schemeClr val="accent1"/>
+          </a:lnRef>
+          <a:fillRef idx="0">
+            <a:schemeClr val="accent1"/>
+          </a:fillRef>
+          <a:effectRef idx="0">
+            <a:schemeClr val="accent1"/>
+          </a:effectRef>
+          <a:fontRef idx="minor">
+            <a:schemeClr val="tx1"/>
+          </a:fontRef>
+        </p:style>
+      </p:cxnSp>
+      <p:sp>
+        <p:nvSpPr>
+          <p:cNvPr id="60" name="TextBox 59">
+            <a:extLst>
+              <a:ext uri="{FF2B5EF4-FFF2-40B4-BE49-F238E27FC236}">
+                <a16:creationId xmlns:a16="http://schemas.microsoft.com/office/drawing/2014/main" xmlns="" id="{C76E3AAD-45C6-EB76-9A53-48C4CEF2570F}"/>
+              </a:ext>
+            </a:extLst>
+          </p:cNvPr>
+          <p:cNvSpPr txBox="1"/>
+          <p:nvPr/>
+        </p:nvSpPr>
+        <p:spPr>
+          <a:xfrm>
+            <a:off x="640786" y="2098941"/>
+            <a:ext cx="1036320" cy="246221"/>
+          </a:xfrm>
+          <a:prstGeom prst="rect">
+            <a:avLst/>
+          </a:prstGeom>
+          <a:noFill/>
+        </p:spPr>
+        <p:txBody>
+          <a:bodyPr wrap="square" rtlCol="0">
+            <a:spAutoFit/>
+          </a:bodyPr>
+          <a:lstStyle/>
+          <a:p>
+            <a:r>
+              <a:rPr lang="en-US" altLang="ko-KR" sz="1000" dirty="0" smtClean="0"/>
+              <a:t>Parent Span</a:t>
+            </a:r>
+            <a:endParaRPr lang="ko-KR" altLang="en-US" sz="1000" dirty="0"/>
+          </a:p>
+        </p:txBody>
+      </p:sp>
+      <p:sp>
+        <p:nvSpPr>
+          <p:cNvPr id="66" name="TextBox 65">
+            <a:extLst>
+              <a:ext uri="{FF2B5EF4-FFF2-40B4-BE49-F238E27FC236}">
+                <a16:creationId xmlns:a16="http://schemas.microsoft.com/office/drawing/2014/main" xmlns="" id="{C76E3AAD-45C6-EB76-9A53-48C4CEF2570F}"/>
+              </a:ext>
+            </a:extLst>
+          </p:cNvPr>
+          <p:cNvSpPr txBox="1"/>
+          <p:nvPr/>
+        </p:nvSpPr>
+        <p:spPr>
+          <a:xfrm>
+            <a:off x="2057035" y="1068561"/>
+            <a:ext cx="1159676" cy="369332"/>
+          </a:xfrm>
+          <a:prstGeom prst="rect">
+            <a:avLst/>
+          </a:prstGeom>
+          <a:noFill/>
+        </p:spPr>
+        <p:txBody>
+          <a:bodyPr wrap="none" rtlCol="0">
+            <a:spAutoFit/>
+          </a:bodyPr>
+          <a:lstStyle/>
+          <a:p>
+            <a:r>
+              <a:rPr lang="en-US" altLang="ko-KR" dirty="0" smtClean="0"/>
+              <a:t>Service A</a:t>
+            </a:r>
+            <a:endParaRPr lang="ko-KR" altLang="en-US" dirty="0"/>
+          </a:p>
+        </p:txBody>
+      </p:sp>
+      <p:cxnSp>
+        <p:nvCxnSpPr>
+          <p:cNvPr id="74" name="직선 연결선 73"/>
+          <p:cNvCxnSpPr>
+            <a:endCxn id="76" idx="0"/>
+          </p:cNvCxnSpPr>
+          <p:nvPr/>
+        </p:nvCxnSpPr>
+        <p:spPr>
+          <a:xfrm>
+            <a:off x="1170197" y="2865225"/>
+            <a:ext cx="0" cy="254318"/>
+          </a:xfrm>
+          <a:prstGeom prst="line">
+            <a:avLst/>
+          </a:prstGeom>
+        </p:spPr>
+        <p:style>
+          <a:lnRef idx="1">
+            <a:schemeClr val="accent1"/>
+          </a:lnRef>
+          <a:fillRef idx="0">
+            <a:schemeClr val="accent1"/>
+          </a:fillRef>
+          <a:effectRef idx="0">
+            <a:schemeClr val="accent1"/>
+          </a:effectRef>
+          <a:fontRef idx="minor">
+            <a:schemeClr val="tx1"/>
+          </a:fontRef>
+        </p:style>
+      </p:cxnSp>
+      <p:sp>
+        <p:nvSpPr>
+          <p:cNvPr id="76" name="TextBox 75">
+            <a:extLst>
+              <a:ext uri="{FF2B5EF4-FFF2-40B4-BE49-F238E27FC236}">
+                <a16:creationId xmlns:a16="http://schemas.microsoft.com/office/drawing/2014/main" xmlns="" id="{C76E3AAD-45C6-EB76-9A53-48C4CEF2570F}"/>
+              </a:ext>
+            </a:extLst>
+          </p:cNvPr>
+          <p:cNvSpPr txBox="1"/>
+          <p:nvPr/>
+        </p:nvSpPr>
+        <p:spPr>
+          <a:xfrm>
+            <a:off x="887551" y="3119543"/>
+            <a:ext cx="565292" cy="246221"/>
+          </a:xfrm>
+          <a:prstGeom prst="rect">
+            <a:avLst/>
+          </a:prstGeom>
+          <a:noFill/>
+        </p:spPr>
+        <p:txBody>
+          <a:bodyPr wrap="square" rtlCol="0">
+            <a:spAutoFit/>
+          </a:bodyPr>
+          <a:lstStyle/>
+          <a:p>
+            <a:pPr algn="ctr"/>
+            <a:r>
+              <a:rPr lang="en-US" altLang="ko-KR" sz="1000" dirty="0" smtClean="0"/>
+              <a:t>Event</a:t>
+            </a:r>
+            <a:endParaRPr lang="ko-KR" altLang="en-US" sz="1000" dirty="0"/>
+          </a:p>
+        </p:txBody>
+      </p:sp>
+      <p:cxnSp>
+        <p:nvCxnSpPr>
+          <p:cNvPr id="77" name="직선 연결선 76"/>
+          <p:cNvCxnSpPr>
+            <a:endCxn id="79" idx="0"/>
+          </p:cNvCxnSpPr>
+          <p:nvPr/>
+        </p:nvCxnSpPr>
+        <p:spPr>
+          <a:xfrm>
+            <a:off x="2948940" y="3437441"/>
+            <a:ext cx="0" cy="254318"/>
+          </a:xfrm>
+          <a:prstGeom prst="line">
+            <a:avLst/>
+          </a:prstGeom>
+        </p:spPr>
+        <p:style>
+          <a:lnRef idx="1">
+            <a:schemeClr val="accent1"/>
+          </a:lnRef>
+          <a:fillRef idx="0">
+            <a:schemeClr val="accent1"/>
+          </a:fillRef>
+          <a:effectRef idx="0">
+            <a:schemeClr val="accent1"/>
+          </a:effectRef>
+          <a:fontRef idx="minor">
+            <a:schemeClr val="tx1"/>
+          </a:fontRef>
+        </p:style>
+      </p:cxnSp>
+      <p:sp>
+        <p:nvSpPr>
+          <p:cNvPr id="79" name="TextBox 78">
+            <a:extLst>
+              <a:ext uri="{FF2B5EF4-FFF2-40B4-BE49-F238E27FC236}">
+                <a16:creationId xmlns:a16="http://schemas.microsoft.com/office/drawing/2014/main" xmlns="" id="{C76E3AAD-45C6-EB76-9A53-48C4CEF2570F}"/>
+              </a:ext>
+            </a:extLst>
+          </p:cNvPr>
+          <p:cNvSpPr txBox="1"/>
+          <p:nvPr/>
+        </p:nvSpPr>
+        <p:spPr>
+          <a:xfrm>
+            <a:off x="2666294" y="3691759"/>
+            <a:ext cx="565292" cy="246221"/>
+          </a:xfrm>
+          <a:prstGeom prst="rect">
+            <a:avLst/>
+          </a:prstGeom>
+          <a:noFill/>
+        </p:spPr>
+        <p:txBody>
+          <a:bodyPr wrap="square" rtlCol="0">
+            <a:spAutoFit/>
+          </a:bodyPr>
+          <a:lstStyle/>
+          <a:p>
+            <a:pPr algn="ctr"/>
+            <a:r>
+              <a:rPr lang="en-US" altLang="ko-KR" sz="1000" dirty="0" smtClean="0"/>
+              <a:t>Event</a:t>
+            </a:r>
+            <a:endParaRPr lang="ko-KR" altLang="en-US" sz="1000" dirty="0"/>
+          </a:p>
+        </p:txBody>
+      </p:sp>
+      <p:cxnSp>
+        <p:nvCxnSpPr>
+          <p:cNvPr id="81" name="직선 연결선 80"/>
+          <p:cNvCxnSpPr>
+            <a:endCxn id="82" idx="0"/>
+          </p:cNvCxnSpPr>
+          <p:nvPr/>
+        </p:nvCxnSpPr>
+        <p:spPr>
+          <a:xfrm>
+            <a:off x="1849351" y="3429105"/>
+            <a:ext cx="0" cy="254318"/>
+          </a:xfrm>
+          <a:prstGeom prst="line">
+            <a:avLst/>
+          </a:prstGeom>
+        </p:spPr>
+        <p:style>
+          <a:lnRef idx="1">
+            <a:schemeClr val="accent1"/>
+          </a:lnRef>
+          <a:fillRef idx="0">
+            <a:schemeClr val="accent1"/>
+          </a:fillRef>
+          <a:effectRef idx="0">
+            <a:schemeClr val="accent1"/>
+          </a:effectRef>
+          <a:fontRef idx="minor">
+            <a:schemeClr val="tx1"/>
+          </a:fontRef>
+        </p:style>
+      </p:cxnSp>
+      <p:sp>
+        <p:nvSpPr>
+          <p:cNvPr id="82" name="TextBox 81">
+            <a:extLst>
+              <a:ext uri="{FF2B5EF4-FFF2-40B4-BE49-F238E27FC236}">
+                <a16:creationId xmlns:a16="http://schemas.microsoft.com/office/drawing/2014/main" xmlns="" id="{C76E3AAD-45C6-EB76-9A53-48C4CEF2570F}"/>
+              </a:ext>
+            </a:extLst>
+          </p:cNvPr>
+          <p:cNvSpPr txBox="1"/>
+          <p:nvPr/>
+        </p:nvSpPr>
+        <p:spPr>
+          <a:xfrm>
+            <a:off x="1641667" y="3683423"/>
+            <a:ext cx="415368" cy="246221"/>
+          </a:xfrm>
+          <a:prstGeom prst="rect">
+            <a:avLst/>
+          </a:prstGeom>
+          <a:noFill/>
+        </p:spPr>
+        <p:txBody>
+          <a:bodyPr wrap="square" rtlCol="0">
+            <a:spAutoFit/>
+          </a:bodyPr>
+          <a:lstStyle/>
+          <a:p>
+            <a:pPr algn="ctr"/>
+            <a:r>
+              <a:rPr lang="en-US" altLang="ko-KR" sz="1000" dirty="0" smtClean="0"/>
+              <a:t>Tag</a:t>
+            </a:r>
+            <a:endParaRPr lang="ko-KR" altLang="en-US" sz="1000" dirty="0"/>
+          </a:p>
+        </p:txBody>
+      </p:sp>
+      <p:cxnSp>
+        <p:nvCxnSpPr>
+          <p:cNvPr id="83" name="직선 연결선 82"/>
+          <p:cNvCxnSpPr>
+            <a:endCxn id="84" idx="0"/>
+          </p:cNvCxnSpPr>
+          <p:nvPr/>
+        </p:nvCxnSpPr>
+        <p:spPr>
+          <a:xfrm>
+            <a:off x="3835924" y="2364686"/>
+            <a:ext cx="0" cy="254318"/>
+          </a:xfrm>
+          <a:prstGeom prst="line">
+            <a:avLst/>
+          </a:prstGeom>
+        </p:spPr>
+        <p:style>
+          <a:lnRef idx="1">
+            <a:schemeClr val="accent1"/>
+          </a:lnRef>
+          <a:fillRef idx="0">
+            <a:schemeClr val="accent1"/>
+          </a:fillRef>
+          <a:effectRef idx="0">
+            <a:schemeClr val="accent1"/>
+          </a:effectRef>
+          <a:fontRef idx="minor">
+            <a:schemeClr val="tx1"/>
+          </a:fontRef>
+        </p:style>
+      </p:cxnSp>
+      <p:sp>
+        <p:nvSpPr>
+          <p:cNvPr id="84" name="TextBox 83">
+            <a:extLst>
+              <a:ext uri="{FF2B5EF4-FFF2-40B4-BE49-F238E27FC236}">
+                <a16:creationId xmlns:a16="http://schemas.microsoft.com/office/drawing/2014/main" xmlns="" id="{C76E3AAD-45C6-EB76-9A53-48C4CEF2570F}"/>
+              </a:ext>
+            </a:extLst>
+          </p:cNvPr>
+          <p:cNvSpPr txBox="1"/>
+          <p:nvPr/>
+        </p:nvSpPr>
+        <p:spPr>
+          <a:xfrm>
+            <a:off x="3628240" y="2619004"/>
+            <a:ext cx="415368" cy="246221"/>
+          </a:xfrm>
+          <a:prstGeom prst="rect">
+            <a:avLst/>
+          </a:prstGeom>
+          <a:noFill/>
+        </p:spPr>
+        <p:txBody>
+          <a:bodyPr wrap="square" rtlCol="0">
+            <a:spAutoFit/>
+          </a:bodyPr>
+          <a:lstStyle/>
+          <a:p>
+            <a:pPr algn="ctr"/>
+            <a:r>
+              <a:rPr lang="en-US" altLang="ko-KR" sz="1000" dirty="0" smtClean="0"/>
+              <a:t>Tag</a:t>
+            </a:r>
+            <a:endParaRPr lang="ko-KR" altLang="en-US" sz="1000" dirty="0"/>
+          </a:p>
+        </p:txBody>
+      </p:sp>
+      <p:sp>
+        <p:nvSpPr>
+          <p:cNvPr id="88" name="직사각형 87"/>
+          <p:cNvSpPr/>
+          <p:nvPr/>
+        </p:nvSpPr>
+        <p:spPr>
+          <a:xfrm>
+            <a:off x="5816416" y="1692211"/>
+            <a:ext cx="4540110" cy="2365439"/>
+          </a:xfrm>
+          <a:prstGeom prst="rect">
+            <a:avLst/>
+          </a:prstGeom>
+          <a:solidFill>
+            <a:schemeClr val="bg1"/>
+          </a:solidFill>
+        </p:spPr>
+        <p:style>
+          <a:lnRef idx="2">
+            <a:schemeClr val="accent1">
+              <a:shade val="50000"/>
+            </a:schemeClr>
+          </a:lnRef>
+          <a:fillRef idx="1">
+            <a:schemeClr val="accent1"/>
+          </a:fillRef>
+          <a:effectRef idx="0">
+            <a:schemeClr val="accent1"/>
+          </a:effectRef>
+          <a:fontRef idx="minor">
+            <a:schemeClr val="lt1"/>
+          </a:fontRef>
+        </p:style>
+        <p:txBody>
+          <a:bodyPr rtlCol="0" anchor="ctr"/>
+          <a:lstStyle/>
+          <a:p>
+            <a:pPr algn="ctr"/>
+            <a:endParaRPr lang="ko-KR" altLang="en-US"/>
+          </a:p>
+        </p:txBody>
+      </p:sp>
+      <p:cxnSp>
+        <p:nvCxnSpPr>
+          <p:cNvPr id="89" name="직선 화살표 연결선 88"/>
+          <p:cNvCxnSpPr/>
+          <p:nvPr/>
+        </p:nvCxnSpPr>
+        <p:spPr>
+          <a:xfrm>
+            <a:off x="6531991" y="2837604"/>
+            <a:ext cx="2530254" cy="0"/>
+          </a:xfrm>
+          <a:prstGeom prst="straightConnector1">
+            <a:avLst/>
+          </a:prstGeom>
+          <a:ln>
+            <a:solidFill>
+              <a:srgbClr val="FF0000"/>
+            </a:solidFill>
+            <a:tailEnd type="triangle"/>
+          </a:ln>
+        </p:spPr>
+        <p:style>
+          <a:lnRef idx="1">
+            <a:schemeClr val="accent1"/>
+          </a:lnRef>
+          <a:fillRef idx="0">
+            <a:schemeClr val="accent1"/>
+          </a:fillRef>
+          <a:effectRef idx="0">
+            <a:schemeClr val="accent1"/>
+          </a:effectRef>
+          <a:fontRef idx="minor">
+            <a:schemeClr val="tx1"/>
+          </a:fontRef>
+        </p:style>
+      </p:cxnSp>
+      <p:sp>
+        <p:nvSpPr>
+          <p:cNvPr id="90" name="TextBox 89">
+            <a:extLst>
+              <a:ext uri="{FF2B5EF4-FFF2-40B4-BE49-F238E27FC236}">
+                <a16:creationId xmlns:a16="http://schemas.microsoft.com/office/drawing/2014/main" xmlns="" id="{C76E3AAD-45C6-EB76-9A53-48C4CEF2570F}"/>
+              </a:ext>
+            </a:extLst>
+          </p:cNvPr>
+          <p:cNvSpPr txBox="1"/>
+          <p:nvPr/>
+        </p:nvSpPr>
+        <p:spPr>
+          <a:xfrm>
+            <a:off x="6531991" y="2591383"/>
+            <a:ext cx="813043" cy="246221"/>
+          </a:xfrm>
+          <a:prstGeom prst="rect">
+            <a:avLst/>
+          </a:prstGeom>
+          <a:noFill/>
+        </p:spPr>
+        <p:txBody>
+          <a:bodyPr wrap="none" rtlCol="0">
+            <a:spAutoFit/>
+          </a:bodyPr>
+          <a:lstStyle/>
+          <a:p>
+            <a:r>
+              <a:rPr lang="en-US" altLang="ko-KR" sz="1000" dirty="0" smtClean="0"/>
+              <a:t>Child Span</a:t>
+            </a:r>
+            <a:endParaRPr lang="ko-KR" altLang="en-US" sz="1000" dirty="0"/>
+          </a:p>
+        </p:txBody>
+      </p:sp>
+      <p:cxnSp>
+        <p:nvCxnSpPr>
+          <p:cNvPr id="91" name="직선 화살표 연결선 90"/>
+          <p:cNvCxnSpPr/>
+          <p:nvPr/>
+        </p:nvCxnSpPr>
+        <p:spPr>
+          <a:xfrm>
+            <a:off x="7082083" y="3401484"/>
+            <a:ext cx="1554480" cy="0"/>
+          </a:xfrm>
+          <a:prstGeom prst="straightConnector1">
+            <a:avLst/>
+          </a:prstGeom>
+          <a:ln>
+            <a:solidFill>
+              <a:srgbClr val="FF0000"/>
+            </a:solidFill>
+            <a:tailEnd type="triangle"/>
+          </a:ln>
+        </p:spPr>
+        <p:style>
+          <a:lnRef idx="1">
+            <a:schemeClr val="accent1"/>
+          </a:lnRef>
+          <a:fillRef idx="0">
+            <a:schemeClr val="accent1"/>
+          </a:fillRef>
+          <a:effectRef idx="0">
+            <a:schemeClr val="accent1"/>
+          </a:effectRef>
+          <a:fontRef idx="minor">
+            <a:schemeClr val="tx1"/>
+          </a:fontRef>
+        </p:style>
+      </p:cxnSp>
+      <p:sp>
+        <p:nvSpPr>
+          <p:cNvPr id="92" name="TextBox 91">
+            <a:extLst>
+              <a:ext uri="{FF2B5EF4-FFF2-40B4-BE49-F238E27FC236}">
+                <a16:creationId xmlns:a16="http://schemas.microsoft.com/office/drawing/2014/main" xmlns="" id="{C76E3AAD-45C6-EB76-9A53-48C4CEF2570F}"/>
+              </a:ext>
+            </a:extLst>
+          </p:cNvPr>
+          <p:cNvSpPr txBox="1"/>
+          <p:nvPr/>
+        </p:nvSpPr>
+        <p:spPr>
+          <a:xfrm>
+            <a:off x="7082083" y="3155263"/>
+            <a:ext cx="813043" cy="246221"/>
+          </a:xfrm>
+          <a:prstGeom prst="rect">
+            <a:avLst/>
+          </a:prstGeom>
+          <a:noFill/>
+        </p:spPr>
+        <p:txBody>
+          <a:bodyPr wrap="none" rtlCol="0">
+            <a:spAutoFit/>
+          </a:bodyPr>
+          <a:lstStyle/>
+          <a:p>
+            <a:r>
+              <a:rPr lang="en-US" altLang="ko-KR" sz="1000" dirty="0" smtClean="0"/>
+              <a:t>Child Span</a:t>
+            </a:r>
+            <a:endParaRPr lang="ko-KR" altLang="en-US" sz="1000" dirty="0"/>
+          </a:p>
+        </p:txBody>
+      </p:sp>
+      <p:cxnSp>
+        <p:nvCxnSpPr>
+          <p:cNvPr id="93" name="직선 화살표 연결선 92"/>
+          <p:cNvCxnSpPr/>
+          <p:nvPr/>
+        </p:nvCxnSpPr>
+        <p:spPr>
+          <a:xfrm>
+            <a:off x="6074791" y="2345162"/>
+            <a:ext cx="3992174" cy="0"/>
+          </a:xfrm>
+          <a:prstGeom prst="straightConnector1">
+            <a:avLst/>
+          </a:prstGeom>
+          <a:ln>
+            <a:solidFill>
+              <a:srgbClr val="FF0000"/>
+            </a:solidFill>
+            <a:tailEnd type="triangle"/>
+          </a:ln>
+        </p:spPr>
+        <p:style>
+          <a:lnRef idx="1">
+            <a:schemeClr val="accent1"/>
+          </a:lnRef>
+          <a:fillRef idx="0">
+            <a:schemeClr val="accent1"/>
+          </a:fillRef>
+          <a:effectRef idx="0">
+            <a:schemeClr val="accent1"/>
+          </a:effectRef>
+          <a:fontRef idx="minor">
+            <a:schemeClr val="tx1"/>
+          </a:fontRef>
+        </p:style>
+      </p:cxnSp>
+      <p:sp>
+        <p:nvSpPr>
+          <p:cNvPr id="94" name="TextBox 93">
+            <a:extLst>
+              <a:ext uri="{FF2B5EF4-FFF2-40B4-BE49-F238E27FC236}">
+                <a16:creationId xmlns:a16="http://schemas.microsoft.com/office/drawing/2014/main" xmlns="" id="{C76E3AAD-45C6-EB76-9A53-48C4CEF2570F}"/>
+              </a:ext>
+            </a:extLst>
+          </p:cNvPr>
+          <p:cNvSpPr txBox="1"/>
+          <p:nvPr/>
+        </p:nvSpPr>
+        <p:spPr>
+          <a:xfrm>
+            <a:off x="6074791" y="2098941"/>
+            <a:ext cx="1036320" cy="246221"/>
+          </a:xfrm>
+          <a:prstGeom prst="rect">
+            <a:avLst/>
+          </a:prstGeom>
+          <a:noFill/>
+        </p:spPr>
+        <p:txBody>
+          <a:bodyPr wrap="square" rtlCol="0">
+            <a:spAutoFit/>
+          </a:bodyPr>
+          <a:lstStyle/>
+          <a:p>
+            <a:r>
+              <a:rPr lang="en-US" altLang="ko-KR" sz="1000" dirty="0" smtClean="0"/>
+              <a:t>Child Span</a:t>
+            </a:r>
+            <a:endParaRPr lang="ko-KR" altLang="en-US" sz="1000" dirty="0"/>
+          </a:p>
+        </p:txBody>
+      </p:sp>
+      <p:sp>
+        <p:nvSpPr>
+          <p:cNvPr id="95" name="TextBox 94">
+            <a:extLst>
+              <a:ext uri="{FF2B5EF4-FFF2-40B4-BE49-F238E27FC236}">
+                <a16:creationId xmlns:a16="http://schemas.microsoft.com/office/drawing/2014/main" xmlns="" id="{C76E3AAD-45C6-EB76-9A53-48C4CEF2570F}"/>
+              </a:ext>
+            </a:extLst>
+          </p:cNvPr>
+          <p:cNvSpPr txBox="1"/>
+          <p:nvPr/>
+        </p:nvSpPr>
+        <p:spPr>
+          <a:xfrm>
+            <a:off x="7491040" y="1068561"/>
+            <a:ext cx="1159676" cy="369332"/>
+          </a:xfrm>
+          <a:prstGeom prst="rect">
+            <a:avLst/>
+          </a:prstGeom>
+          <a:noFill/>
+        </p:spPr>
+        <p:txBody>
+          <a:bodyPr wrap="none" rtlCol="0">
+            <a:spAutoFit/>
+          </a:bodyPr>
+          <a:lstStyle/>
+          <a:p>
+            <a:r>
+              <a:rPr lang="en-US" altLang="ko-KR" dirty="0" smtClean="0"/>
+              <a:t>Service B</a:t>
+            </a:r>
+            <a:endParaRPr lang="ko-KR" altLang="en-US" dirty="0"/>
+          </a:p>
+        </p:txBody>
+      </p:sp>
+      <p:cxnSp>
+        <p:nvCxnSpPr>
+          <p:cNvPr id="96" name="직선 연결선 95"/>
+          <p:cNvCxnSpPr>
+            <a:endCxn id="98" idx="0"/>
+          </p:cNvCxnSpPr>
+          <p:nvPr/>
+        </p:nvCxnSpPr>
+        <p:spPr>
+          <a:xfrm>
+            <a:off x="6604202" y="2865225"/>
+            <a:ext cx="0" cy="254318"/>
+          </a:xfrm>
+          <a:prstGeom prst="line">
+            <a:avLst/>
+          </a:prstGeom>
+        </p:spPr>
+        <p:style>
+          <a:lnRef idx="1">
+            <a:schemeClr val="accent1"/>
+          </a:lnRef>
+          <a:fillRef idx="0">
+            <a:schemeClr val="accent1"/>
+          </a:fillRef>
+          <a:effectRef idx="0">
+            <a:schemeClr val="accent1"/>
+          </a:effectRef>
+          <a:fontRef idx="minor">
+            <a:schemeClr val="tx1"/>
+          </a:fontRef>
+        </p:style>
+      </p:cxnSp>
+      <p:sp>
+        <p:nvSpPr>
+          <p:cNvPr id="98" name="TextBox 97">
+            <a:extLst>
+              <a:ext uri="{FF2B5EF4-FFF2-40B4-BE49-F238E27FC236}">
+                <a16:creationId xmlns:a16="http://schemas.microsoft.com/office/drawing/2014/main" xmlns="" id="{C76E3AAD-45C6-EB76-9A53-48C4CEF2570F}"/>
+              </a:ext>
+            </a:extLst>
+          </p:cNvPr>
+          <p:cNvSpPr txBox="1"/>
+          <p:nvPr/>
+        </p:nvSpPr>
+        <p:spPr>
+          <a:xfrm>
+            <a:off x="6321556" y="3119543"/>
+            <a:ext cx="565292" cy="246221"/>
+          </a:xfrm>
+          <a:prstGeom prst="rect">
+            <a:avLst/>
+          </a:prstGeom>
+          <a:noFill/>
+        </p:spPr>
+        <p:txBody>
+          <a:bodyPr wrap="square" rtlCol="0">
+            <a:spAutoFit/>
+          </a:bodyPr>
+          <a:lstStyle/>
+          <a:p>
+            <a:pPr algn="ctr"/>
+            <a:r>
+              <a:rPr lang="en-US" altLang="ko-KR" sz="1000" dirty="0" smtClean="0"/>
+              <a:t>Event</a:t>
+            </a:r>
+            <a:endParaRPr lang="ko-KR" altLang="en-US" sz="1000" dirty="0"/>
+          </a:p>
+        </p:txBody>
+      </p:sp>
+      <p:cxnSp>
+        <p:nvCxnSpPr>
+          <p:cNvPr id="99" name="직선 연결선 98"/>
+          <p:cNvCxnSpPr>
+            <a:endCxn id="103" idx="0"/>
+          </p:cNvCxnSpPr>
+          <p:nvPr/>
+        </p:nvCxnSpPr>
+        <p:spPr>
+          <a:xfrm>
+            <a:off x="8353917" y="3437441"/>
+            <a:ext cx="0" cy="254318"/>
+          </a:xfrm>
+          <a:prstGeom prst="line">
+            <a:avLst/>
+          </a:prstGeom>
+        </p:spPr>
+        <p:style>
+          <a:lnRef idx="1">
+            <a:schemeClr val="accent1"/>
+          </a:lnRef>
+          <a:fillRef idx="0">
+            <a:schemeClr val="accent1"/>
+          </a:fillRef>
+          <a:effectRef idx="0">
+            <a:schemeClr val="accent1"/>
+          </a:effectRef>
+          <a:fontRef idx="minor">
+            <a:schemeClr val="tx1"/>
+          </a:fontRef>
+        </p:style>
+      </p:cxnSp>
+      <p:sp>
+        <p:nvSpPr>
+          <p:cNvPr id="103" name="TextBox 102">
+            <a:extLst>
+              <a:ext uri="{FF2B5EF4-FFF2-40B4-BE49-F238E27FC236}">
+                <a16:creationId xmlns:a16="http://schemas.microsoft.com/office/drawing/2014/main" xmlns="" id="{C76E3AAD-45C6-EB76-9A53-48C4CEF2570F}"/>
+              </a:ext>
+            </a:extLst>
+          </p:cNvPr>
+          <p:cNvSpPr txBox="1"/>
+          <p:nvPr/>
+        </p:nvSpPr>
+        <p:spPr>
+          <a:xfrm>
+            <a:off x="8071271" y="3691759"/>
+            <a:ext cx="565292" cy="246221"/>
+          </a:xfrm>
+          <a:prstGeom prst="rect">
+            <a:avLst/>
+          </a:prstGeom>
+          <a:noFill/>
+        </p:spPr>
+        <p:txBody>
+          <a:bodyPr wrap="square" rtlCol="0">
+            <a:spAutoFit/>
+          </a:bodyPr>
+          <a:lstStyle/>
+          <a:p>
+            <a:pPr algn="ctr"/>
+            <a:r>
+              <a:rPr lang="en-US" altLang="ko-KR" sz="1000" dirty="0" smtClean="0"/>
+              <a:t>Event</a:t>
+            </a:r>
+            <a:endParaRPr lang="ko-KR" altLang="en-US" sz="1000" dirty="0"/>
+          </a:p>
+        </p:txBody>
+      </p:sp>
+      <p:cxnSp>
+        <p:nvCxnSpPr>
+          <p:cNvPr id="105" name="직선 연결선 104"/>
+          <p:cNvCxnSpPr>
+            <a:endCxn id="106" idx="0"/>
+          </p:cNvCxnSpPr>
+          <p:nvPr/>
+        </p:nvCxnSpPr>
+        <p:spPr>
+          <a:xfrm>
+            <a:off x="7254328" y="3429105"/>
+            <a:ext cx="0" cy="254318"/>
+          </a:xfrm>
+          <a:prstGeom prst="line">
+            <a:avLst/>
+          </a:prstGeom>
+        </p:spPr>
+        <p:style>
+          <a:lnRef idx="1">
+            <a:schemeClr val="accent1"/>
+          </a:lnRef>
+          <a:fillRef idx="0">
+            <a:schemeClr val="accent1"/>
+          </a:fillRef>
+          <a:effectRef idx="0">
+            <a:schemeClr val="accent1"/>
+          </a:effectRef>
+          <a:fontRef idx="minor">
+            <a:schemeClr val="tx1"/>
+          </a:fontRef>
+        </p:style>
+      </p:cxnSp>
+      <p:sp>
+        <p:nvSpPr>
+          <p:cNvPr id="106" name="TextBox 105">
+            <a:extLst>
+              <a:ext uri="{FF2B5EF4-FFF2-40B4-BE49-F238E27FC236}">
+                <a16:creationId xmlns:a16="http://schemas.microsoft.com/office/drawing/2014/main" xmlns="" id="{C76E3AAD-45C6-EB76-9A53-48C4CEF2570F}"/>
+              </a:ext>
+            </a:extLst>
+          </p:cNvPr>
+          <p:cNvSpPr txBox="1"/>
+          <p:nvPr/>
+        </p:nvSpPr>
+        <p:spPr>
+          <a:xfrm>
+            <a:off x="7046644" y="3683423"/>
+            <a:ext cx="415368" cy="246221"/>
+          </a:xfrm>
+          <a:prstGeom prst="rect">
+            <a:avLst/>
+          </a:prstGeom>
+          <a:noFill/>
+        </p:spPr>
+        <p:txBody>
+          <a:bodyPr wrap="square" rtlCol="0">
+            <a:spAutoFit/>
+          </a:bodyPr>
+          <a:lstStyle/>
+          <a:p>
+            <a:pPr algn="ctr"/>
+            <a:r>
+              <a:rPr lang="en-US" altLang="ko-KR" sz="1000" dirty="0" smtClean="0"/>
+              <a:t>Tag</a:t>
+            </a:r>
+            <a:endParaRPr lang="ko-KR" altLang="en-US" sz="1000" dirty="0"/>
+          </a:p>
+        </p:txBody>
+      </p:sp>
+      <p:cxnSp>
+        <p:nvCxnSpPr>
+          <p:cNvPr id="107" name="직선 연결선 106"/>
+          <p:cNvCxnSpPr>
+            <a:endCxn id="108" idx="0"/>
+          </p:cNvCxnSpPr>
+          <p:nvPr/>
+        </p:nvCxnSpPr>
+        <p:spPr>
+          <a:xfrm>
+            <a:off x="9269929" y="2364686"/>
+            <a:ext cx="0" cy="254318"/>
+          </a:xfrm>
+          <a:prstGeom prst="line">
+            <a:avLst/>
+          </a:prstGeom>
+        </p:spPr>
+        <p:style>
+          <a:lnRef idx="1">
+            <a:schemeClr val="accent1"/>
+          </a:lnRef>
+          <a:fillRef idx="0">
+            <a:schemeClr val="accent1"/>
+          </a:fillRef>
+          <a:effectRef idx="0">
+            <a:schemeClr val="accent1"/>
+          </a:effectRef>
+          <a:fontRef idx="minor">
+            <a:schemeClr val="tx1"/>
+          </a:fontRef>
+        </p:style>
+      </p:cxnSp>
+      <p:sp>
+        <p:nvSpPr>
+          <p:cNvPr id="108" name="TextBox 107">
+            <a:extLst>
+              <a:ext uri="{FF2B5EF4-FFF2-40B4-BE49-F238E27FC236}">
+                <a16:creationId xmlns:a16="http://schemas.microsoft.com/office/drawing/2014/main" xmlns="" id="{C76E3AAD-45C6-EB76-9A53-48C4CEF2570F}"/>
+              </a:ext>
+            </a:extLst>
+          </p:cNvPr>
+          <p:cNvSpPr txBox="1"/>
+          <p:nvPr/>
+        </p:nvSpPr>
+        <p:spPr>
+          <a:xfrm>
+            <a:off x="9062245" y="2619004"/>
+            <a:ext cx="415368" cy="246221"/>
+          </a:xfrm>
+          <a:prstGeom prst="rect">
+            <a:avLst/>
+          </a:prstGeom>
+          <a:noFill/>
+        </p:spPr>
+        <p:txBody>
+          <a:bodyPr wrap="square" rtlCol="0">
+            <a:spAutoFit/>
+          </a:bodyPr>
+          <a:lstStyle/>
+          <a:p>
+            <a:pPr algn="ctr"/>
+            <a:r>
+              <a:rPr lang="en-US" altLang="ko-KR" sz="1000" dirty="0" smtClean="0"/>
+              <a:t>Tag</a:t>
+            </a:r>
+            <a:endParaRPr lang="ko-KR" altLang="en-US" sz="1000" dirty="0"/>
+          </a:p>
+        </p:txBody>
+      </p:sp>
+      <p:cxnSp>
+        <p:nvCxnSpPr>
+          <p:cNvPr id="19" name="직선 화살표 연결선 18"/>
+          <p:cNvCxnSpPr/>
+          <p:nvPr/>
+        </p:nvCxnSpPr>
+        <p:spPr>
+          <a:xfrm>
+            <a:off x="640786" y="1966684"/>
+            <a:ext cx="9426181" cy="0"/>
+          </a:xfrm>
+          <a:prstGeom prst="straightConnector1">
+            <a:avLst/>
+          </a:prstGeom>
+          <a:ln>
+            <a:solidFill>
+              <a:srgbClr val="002060"/>
+            </a:solidFill>
+            <a:prstDash val="sysDash"/>
+            <a:tailEnd type="triangle"/>
+          </a:ln>
+        </p:spPr>
+        <p:style>
+          <a:lnRef idx="1">
+            <a:schemeClr val="accent1"/>
+          </a:lnRef>
+          <a:fillRef idx="0">
+            <a:schemeClr val="accent1"/>
+          </a:fillRef>
+          <a:effectRef idx="0">
+            <a:schemeClr val="accent1"/>
+          </a:effectRef>
+          <a:fontRef idx="minor">
+            <a:schemeClr val="tx1"/>
+          </a:fontRef>
+        </p:style>
+      </p:cxnSp>
+      <p:cxnSp>
+        <p:nvCxnSpPr>
+          <p:cNvPr id="21" name="직선 화살표 연결선 20"/>
+          <p:cNvCxnSpPr/>
+          <p:nvPr/>
+        </p:nvCxnSpPr>
+        <p:spPr>
+          <a:xfrm>
+            <a:off x="4922521" y="2351932"/>
+            <a:ext cx="893897" cy="0"/>
+          </a:xfrm>
+          <a:prstGeom prst="straightConnector1">
+            <a:avLst/>
+          </a:prstGeom>
+          <a:ln>
+            <a:solidFill>
+              <a:srgbClr val="00B050"/>
+            </a:solidFill>
+            <a:prstDash val="sysDash"/>
+            <a:tailEnd type="triangle"/>
+          </a:ln>
+        </p:spPr>
+        <p:style>
+          <a:lnRef idx="1">
+            <a:schemeClr val="accent1"/>
+          </a:lnRef>
+          <a:fillRef idx="0">
+            <a:schemeClr val="accent1"/>
+          </a:fillRef>
+          <a:effectRef idx="0">
+            <a:schemeClr val="accent1"/>
+          </a:effectRef>
+          <a:fontRef idx="minor">
+            <a:schemeClr val="tx1"/>
+          </a:fontRef>
+        </p:style>
+      </p:cxnSp>
+      <p:sp>
+        <p:nvSpPr>
+          <p:cNvPr id="112" name="TextBox 111">
+            <a:extLst>
+              <a:ext uri="{FF2B5EF4-FFF2-40B4-BE49-F238E27FC236}">
+                <a16:creationId xmlns:a16="http://schemas.microsoft.com/office/drawing/2014/main" xmlns="" id="{C76E3AAD-45C6-EB76-9A53-48C4CEF2570F}"/>
+              </a:ext>
+            </a:extLst>
+          </p:cNvPr>
+          <p:cNvSpPr txBox="1"/>
+          <p:nvPr/>
+        </p:nvSpPr>
+        <p:spPr>
+          <a:xfrm>
+            <a:off x="4851310" y="1994937"/>
+            <a:ext cx="1036320" cy="246221"/>
+          </a:xfrm>
+          <a:prstGeom prst="rect">
+            <a:avLst/>
+          </a:prstGeom>
+          <a:noFill/>
+        </p:spPr>
+        <p:txBody>
+          <a:bodyPr wrap="square" rtlCol="0">
+            <a:spAutoFit/>
+          </a:bodyPr>
+          <a:lstStyle/>
+          <a:p>
+            <a:pPr algn="ctr"/>
+            <a:r>
+              <a:rPr lang="en-US" altLang="ko-KR" sz="1000" dirty="0" smtClean="0">
+                <a:solidFill>
+                  <a:srgbClr val="002060"/>
+                </a:solidFill>
+              </a:rPr>
+              <a:t>Trace</a:t>
+            </a:r>
+            <a:endParaRPr lang="ko-KR" altLang="en-US" sz="1000" dirty="0">
+              <a:solidFill>
+                <a:srgbClr val="002060"/>
+              </a:solidFill>
+            </a:endParaRPr>
+          </a:p>
+        </p:txBody>
+      </p:sp>
+      <p:sp>
+        <p:nvSpPr>
+          <p:cNvPr id="114" name="TextBox 113">
+            <a:extLst>
+              <a:ext uri="{FF2B5EF4-FFF2-40B4-BE49-F238E27FC236}">
+                <a16:creationId xmlns:a16="http://schemas.microsoft.com/office/drawing/2014/main" xmlns="" id="{C76E3AAD-45C6-EB76-9A53-48C4CEF2570F}"/>
+              </a:ext>
+            </a:extLst>
+          </p:cNvPr>
+          <p:cNvSpPr txBox="1"/>
+          <p:nvPr/>
+        </p:nvSpPr>
+        <p:spPr>
+          <a:xfrm>
+            <a:off x="4851310" y="2450212"/>
+            <a:ext cx="1036320" cy="400110"/>
+          </a:xfrm>
+          <a:prstGeom prst="rect">
+            <a:avLst/>
+          </a:prstGeom>
+          <a:noFill/>
+        </p:spPr>
+        <p:txBody>
+          <a:bodyPr wrap="square" rtlCol="0">
+            <a:spAutoFit/>
+          </a:bodyPr>
+          <a:lstStyle/>
+          <a:p>
+            <a:pPr algn="ctr"/>
+            <a:r>
+              <a:rPr lang="en-US" altLang="ko-KR" sz="1000" dirty="0" smtClean="0">
+                <a:solidFill>
+                  <a:srgbClr val="00B050"/>
+                </a:solidFill>
+              </a:rPr>
+              <a:t>Trace</a:t>
+            </a:r>
+            <a:br>
+              <a:rPr lang="en-US" altLang="ko-KR" sz="1000" dirty="0" smtClean="0">
+                <a:solidFill>
+                  <a:srgbClr val="00B050"/>
+                </a:solidFill>
+              </a:rPr>
+            </a:br>
+            <a:r>
+              <a:rPr lang="en-US" altLang="ko-KR" sz="1000" dirty="0" smtClean="0">
+                <a:solidFill>
+                  <a:srgbClr val="00B050"/>
+                </a:solidFill>
+              </a:rPr>
+              <a:t>Context</a:t>
+            </a:r>
+            <a:endParaRPr lang="ko-KR" altLang="en-US" sz="1000" dirty="0">
+              <a:solidFill>
+                <a:srgbClr val="00B050"/>
+              </a:solidFill>
+            </a:endParaRPr>
+          </a:p>
+        </p:txBody>
+      </p:sp>
+      <p:sp>
+        <p:nvSpPr>
+          <p:cNvPr id="115" name="TextBox 114">
+            <a:extLst>
+              <a:ext uri="{FF2B5EF4-FFF2-40B4-BE49-F238E27FC236}">
+                <a16:creationId xmlns:a16="http://schemas.microsoft.com/office/drawing/2014/main" xmlns="" id="{C76E3AAD-45C6-EB76-9A53-48C4CEF2570F}"/>
+              </a:ext>
+            </a:extLst>
+          </p:cNvPr>
+          <p:cNvSpPr txBox="1"/>
+          <p:nvPr/>
+        </p:nvSpPr>
+        <p:spPr>
+          <a:xfrm>
+            <a:off x="4781797" y="1257275"/>
+            <a:ext cx="1234120" cy="307777"/>
+          </a:xfrm>
+          <a:prstGeom prst="rect">
+            <a:avLst/>
+          </a:prstGeom>
+          <a:noFill/>
+        </p:spPr>
+        <p:txBody>
+          <a:bodyPr wrap="none" rtlCol="0">
+            <a:spAutoFit/>
+          </a:bodyPr>
+          <a:lstStyle/>
+          <a:p>
+            <a:pPr algn="ctr"/>
+            <a:r>
+              <a:rPr lang="en-US" altLang="ko-KR" sz="1400" dirty="0" smtClean="0"/>
+              <a:t>Network Call</a:t>
+            </a:r>
+            <a:endParaRPr lang="ko-KR" altLang="en-US" sz="1400" dirty="0"/>
+          </a:p>
+        </p:txBody>
+      </p:sp>
+      <p:sp>
+        <p:nvSpPr>
+          <p:cNvPr id="116" name="TextBox 115">
+            <a:extLst>
+              <a:ext uri="{FF2B5EF4-FFF2-40B4-BE49-F238E27FC236}">
+                <a16:creationId xmlns:a16="http://schemas.microsoft.com/office/drawing/2014/main" xmlns="" id="{C76E3AAD-45C6-EB76-9A53-48C4CEF2570F}"/>
+              </a:ext>
+            </a:extLst>
+          </p:cNvPr>
+          <p:cNvSpPr txBox="1"/>
+          <p:nvPr/>
+        </p:nvSpPr>
+        <p:spPr>
+          <a:xfrm>
+            <a:off x="317360" y="169662"/>
+            <a:ext cx="1807674" cy="369332"/>
+          </a:xfrm>
+          <a:prstGeom prst="rect">
+            <a:avLst/>
+          </a:prstGeom>
+          <a:noFill/>
+        </p:spPr>
+        <p:txBody>
+          <a:bodyPr wrap="none" rtlCol="0">
+            <a:spAutoFit/>
+          </a:bodyPr>
+          <a:lstStyle/>
+          <a:p>
+            <a:r>
+              <a:rPr lang="en-US" altLang="ko-KR" dirty="0" smtClean="0"/>
+              <a:t>Trace </a:t>
+            </a:r>
+            <a:r>
+              <a:rPr lang="ko-KR" altLang="en-US" dirty="0" smtClean="0"/>
+              <a:t>구조 예시</a:t>
+            </a:r>
+            <a:endParaRPr lang="en-US" altLang="ko-KR" dirty="0"/>
+          </a:p>
+        </p:txBody>
+      </p:sp>
+    </p:spTree>
+    <p:extLst>
+      <p:ext uri="{BB962C8B-B14F-4D97-AF65-F5344CB8AC3E}">
+        <p14:creationId xmlns:p14="http://schemas.microsoft.com/office/powerpoint/2010/main" val="1197580582"/>
+      </p:ext>
+    </p:extLst>
+  </p:cSld>
+  <p:clrMapOvr>
+    <a:masterClrMapping/>
+  </p:clrMapOvr>
+  <p:timing>
+    <p:tnLst>
+      <p:par>
+        <p:cTn id="1" dur="indefinite" restart="never" nodeType="tmRoot"/>
+      </p:par>
+    </p:tnLst>
+  </p:timing>
+</p:sld>
+</file>
+
+<file path=ppt/slides/slide7.xml><?xml version="1.0" encoding="utf-8"?>
+<p:sld xmlns:a="http://schemas.openxmlformats.org/drawingml/2006/main" xmlns:r="http://schemas.openxmlformats.org/officeDocument/2006/relationships" xmlns:p="http://schemas.openxmlformats.org/presentationml/2006/main">
+  <p:cSld>
+    <p:spTree>
+      <p:nvGrpSpPr>
+        <p:cNvPr id="1" name=""/>
+        <p:cNvGrpSpPr/>
+        <p:nvPr/>
+      </p:nvGrpSpPr>
+      <p:grpSpPr>
+        <a:xfrm>
+          <a:off x="0" y="0"/>
+          <a:ext cx="0" cy="0"/>
+          <a:chOff x="0" y="0"/>
+          <a:chExt cx="0" cy="0"/>
+        </a:xfrm>
+      </p:grpSpPr>
+      <p:sp>
+        <p:nvSpPr>
           <p:cNvPr id="52" name="직사각형 51"/>
           <p:cNvSpPr/>
           <p:nvPr/>
@@ -9550,7 +10587,7 @@
           <p:cNvPr id="12" name="TextBox 11">
             <a:extLst>
               <a:ext uri="{FF2B5EF4-FFF2-40B4-BE49-F238E27FC236}">
-                <a16:creationId xmlns="" xmlns:a16="http://schemas.microsoft.com/office/drawing/2014/main" id="{C76E3AAD-45C6-EB76-9A53-48C4CEF2570F}"/>
+                <a16:creationId xmlns:a16="http://schemas.microsoft.com/office/drawing/2014/main" xmlns="" id="{C76E3AAD-45C6-EB76-9A53-48C4CEF2570F}"/>
               </a:ext>
             </a:extLst>
           </p:cNvPr>
@@ -9586,7 +10623,7 @@
           <p:cNvPr id="17" name="TextBox 16">
             <a:extLst>
               <a:ext uri="{FF2B5EF4-FFF2-40B4-BE49-F238E27FC236}">
-                <a16:creationId xmlns="" xmlns:a16="http://schemas.microsoft.com/office/drawing/2014/main" id="{C76E3AAD-45C6-EB76-9A53-48C4CEF2570F}"/>
+                <a16:creationId xmlns:a16="http://schemas.microsoft.com/office/drawing/2014/main" xmlns="" id="{C76E3AAD-45C6-EB76-9A53-48C4CEF2570F}"/>
               </a:ext>
             </a:extLst>
           </p:cNvPr>
@@ -9627,7 +10664,7 @@
           <p:cNvPr id="24" name="TextBox 23">
             <a:extLst>
               <a:ext uri="{FF2B5EF4-FFF2-40B4-BE49-F238E27FC236}">
-                <a16:creationId xmlns="" xmlns:a16="http://schemas.microsoft.com/office/drawing/2014/main" id="{C76E3AAD-45C6-EB76-9A53-48C4CEF2570F}"/>
+                <a16:creationId xmlns:a16="http://schemas.microsoft.com/office/drawing/2014/main" xmlns="" id="{C76E3AAD-45C6-EB76-9A53-48C4CEF2570F}"/>
               </a:ext>
             </a:extLst>
           </p:cNvPr>
@@ -9664,7 +10701,7 @@
           <p:cNvPr id="44" name="TextBox 43">
             <a:extLst>
               <a:ext uri="{FF2B5EF4-FFF2-40B4-BE49-F238E27FC236}">
-                <a16:creationId xmlns="" xmlns:a16="http://schemas.microsoft.com/office/drawing/2014/main" id="{C76E3AAD-45C6-EB76-9A53-48C4CEF2570F}"/>
+                <a16:creationId xmlns:a16="http://schemas.microsoft.com/office/drawing/2014/main" xmlns="" id="{C76E3AAD-45C6-EB76-9A53-48C4CEF2570F}"/>
               </a:ext>
             </a:extLst>
           </p:cNvPr>
@@ -9733,7 +10770,7 @@
           <p:cNvPr id="47" name="TextBox 46">
             <a:extLst>
               <a:ext uri="{FF2B5EF4-FFF2-40B4-BE49-F238E27FC236}">
-                <a16:creationId xmlns="" xmlns:a16="http://schemas.microsoft.com/office/drawing/2014/main" id="{C76E3AAD-45C6-EB76-9A53-48C4CEF2570F}"/>
+                <a16:creationId xmlns:a16="http://schemas.microsoft.com/office/drawing/2014/main" xmlns="" id="{C76E3AAD-45C6-EB76-9A53-48C4CEF2570F}"/>
               </a:ext>
             </a:extLst>
           </p:cNvPr>
@@ -9805,7 +10842,7 @@
           <p:cNvPr id="59" name="TextBox 58">
             <a:extLst>
               <a:ext uri="{FF2B5EF4-FFF2-40B4-BE49-F238E27FC236}">
-                <a16:creationId xmlns="" xmlns:a16="http://schemas.microsoft.com/office/drawing/2014/main" id="{C76E3AAD-45C6-EB76-9A53-48C4CEF2570F}"/>
+                <a16:creationId xmlns:a16="http://schemas.microsoft.com/office/drawing/2014/main" xmlns="" id="{C76E3AAD-45C6-EB76-9A53-48C4CEF2570F}"/>
               </a:ext>
             </a:extLst>
           </p:cNvPr>
@@ -9844,7 +10881,7 @@
           <p:cNvPr id="30" name="TextBox 29">
             <a:extLst>
               <a:ext uri="{FF2B5EF4-FFF2-40B4-BE49-F238E27FC236}">
-                <a16:creationId xmlns="" xmlns:a16="http://schemas.microsoft.com/office/drawing/2014/main" id="{C76E3AAD-45C6-EB76-9A53-48C4CEF2570F}"/>
+                <a16:creationId xmlns:a16="http://schemas.microsoft.com/office/drawing/2014/main" xmlns="" id="{C76E3AAD-45C6-EB76-9A53-48C4CEF2570F}"/>
               </a:ext>
             </a:extLst>
           </p:cNvPr>
@@ -10694,7 +11731,7 @@
             <p:cNvPr id="49" name="TextBox 48">
               <a:extLst>
                 <a:ext uri="{FF2B5EF4-FFF2-40B4-BE49-F238E27FC236}">
-                  <a16:creationId xmlns="" xmlns:a16="http://schemas.microsoft.com/office/drawing/2014/main" id="{C76E3AAD-45C6-EB76-9A53-48C4CEF2570F}"/>
+                  <a16:creationId xmlns:a16="http://schemas.microsoft.com/office/drawing/2014/main" xmlns="" id="{C76E3AAD-45C6-EB76-9A53-48C4CEF2570F}"/>
                 </a:ext>
               </a:extLst>
             </p:cNvPr>
@@ -11500,7 +12537,7 @@
           <p:cNvPr id="29" name="사각형: 둥근 모서리 28">
             <a:extLst>
               <a:ext uri="{FF2B5EF4-FFF2-40B4-BE49-F238E27FC236}">
-                <a16:creationId xmlns="" xmlns:a16="http://schemas.microsoft.com/office/drawing/2014/main" id="{B3822D50-9B76-A18F-FE7F-5592FB3298AC}"/>
+                <a16:creationId xmlns:a16="http://schemas.microsoft.com/office/drawing/2014/main" xmlns="" id="{B3822D50-9B76-A18F-FE7F-5592FB3298AC}"/>
               </a:ext>
             </a:extLst>
           </p:cNvPr>
@@ -11558,7 +12595,7 @@
           <p:cNvPr id="70" name="사각형: 둥근 모서리 69">
             <a:extLst>
               <a:ext uri="{FF2B5EF4-FFF2-40B4-BE49-F238E27FC236}">
-                <a16:creationId xmlns="" xmlns:a16="http://schemas.microsoft.com/office/drawing/2014/main" id="{F1000F18-311B-F47B-8A0C-3C9EB6803D77}"/>
+                <a16:creationId xmlns:a16="http://schemas.microsoft.com/office/drawing/2014/main" xmlns="" id="{F1000F18-311B-F47B-8A0C-3C9EB6803D77}"/>
               </a:ext>
             </a:extLst>
           </p:cNvPr>
@@ -11616,7 +12653,7 @@
           <p:cNvPr id="21" name="TextBox 20">
             <a:extLst>
               <a:ext uri="{FF2B5EF4-FFF2-40B4-BE49-F238E27FC236}">
-                <a16:creationId xmlns="" xmlns:a16="http://schemas.microsoft.com/office/drawing/2014/main" id="{0055AAB4-36E2-B60A-40C7-77AC38100932}"/>
+                <a16:creationId xmlns:a16="http://schemas.microsoft.com/office/drawing/2014/main" xmlns="" id="{0055AAB4-36E2-B60A-40C7-77AC38100932}"/>
               </a:ext>
             </a:extLst>
           </p:cNvPr>
@@ -11667,7 +12704,7 @@
           <p:cNvPr id="22" name="TextBox 21">
             <a:extLst>
               <a:ext uri="{FF2B5EF4-FFF2-40B4-BE49-F238E27FC236}">
-                <a16:creationId xmlns="" xmlns:a16="http://schemas.microsoft.com/office/drawing/2014/main" id="{08AFCAC3-C8F5-748A-B9CA-B01E01747540}"/>
+                <a16:creationId xmlns:a16="http://schemas.microsoft.com/office/drawing/2014/main" xmlns="" id="{08AFCAC3-C8F5-748A-B9CA-B01E01747540}"/>
               </a:ext>
             </a:extLst>
           </p:cNvPr>
@@ -11718,7 +12755,7 @@
           <p:cNvPr id="27" name="TextBox 26">
             <a:extLst>
               <a:ext uri="{FF2B5EF4-FFF2-40B4-BE49-F238E27FC236}">
-                <a16:creationId xmlns="" xmlns:a16="http://schemas.microsoft.com/office/drawing/2014/main" id="{F10533A2-E24C-9562-E30B-C803BB6884CB}"/>
+                <a16:creationId xmlns:a16="http://schemas.microsoft.com/office/drawing/2014/main" xmlns="" id="{F10533A2-E24C-9562-E30B-C803BB6884CB}"/>
               </a:ext>
             </a:extLst>
           </p:cNvPr>
@@ -11769,7 +12806,7 @@
           <p:cNvPr id="76" name="그룹 75">
             <a:extLst>
               <a:ext uri="{FF2B5EF4-FFF2-40B4-BE49-F238E27FC236}">
-                <a16:creationId xmlns="" xmlns:a16="http://schemas.microsoft.com/office/drawing/2014/main" id="{313D5DC3-9884-62D1-5A48-ADCCCFF4B822}"/>
+                <a16:creationId xmlns:a16="http://schemas.microsoft.com/office/drawing/2014/main" xmlns="" id="{313D5DC3-9884-62D1-5A48-ADCCCFF4B822}"/>
               </a:ext>
             </a:extLst>
           </p:cNvPr>
@@ -11789,7 +12826,7 @@
             <p:cNvPr id="78" name="TextBox 77">
               <a:extLst>
                 <a:ext uri="{FF2B5EF4-FFF2-40B4-BE49-F238E27FC236}">
-                  <a16:creationId xmlns="" xmlns:a16="http://schemas.microsoft.com/office/drawing/2014/main" id="{F9C4339C-03F6-6FD0-3937-E39C4602C1A4}"/>
+                  <a16:creationId xmlns:a16="http://schemas.microsoft.com/office/drawing/2014/main" xmlns="" id="{F9C4339C-03F6-6FD0-3937-E39C4602C1A4}"/>
                 </a:ext>
               </a:extLst>
             </p:cNvPr>
@@ -11840,7 +12877,7 @@
             <p:cNvPr id="79" name="TextBox 78">
               <a:extLst>
                 <a:ext uri="{FF2B5EF4-FFF2-40B4-BE49-F238E27FC236}">
-                  <a16:creationId xmlns="" xmlns:a16="http://schemas.microsoft.com/office/drawing/2014/main" id="{8E33C58C-1036-88C4-895B-788879DB1BA9}"/>
+                  <a16:creationId xmlns:a16="http://schemas.microsoft.com/office/drawing/2014/main" xmlns="" id="{8E33C58C-1036-88C4-895B-788879DB1BA9}"/>
                 </a:ext>
               </a:extLst>
             </p:cNvPr>
@@ -11891,7 +12928,7 @@
             <p:cNvPr id="80" name="TextBox 79">
               <a:extLst>
                 <a:ext uri="{FF2B5EF4-FFF2-40B4-BE49-F238E27FC236}">
-                  <a16:creationId xmlns="" xmlns:a16="http://schemas.microsoft.com/office/drawing/2014/main" id="{302DA6BE-206C-D7FD-5556-422A58CA62FA}"/>
+                  <a16:creationId xmlns:a16="http://schemas.microsoft.com/office/drawing/2014/main" xmlns="" id="{302DA6BE-206C-D7FD-5556-422A58CA62FA}"/>
                 </a:ext>
               </a:extLst>
             </p:cNvPr>
@@ -11943,7 +12980,7 @@
           <p:cNvPr id="88" name="직선 화살표 연결선 87">
             <a:extLst>
               <a:ext uri="{FF2B5EF4-FFF2-40B4-BE49-F238E27FC236}">
-                <a16:creationId xmlns="" xmlns:a16="http://schemas.microsoft.com/office/drawing/2014/main" id="{587E6539-65E7-C097-B52A-809CE148FC08}"/>
+                <a16:creationId xmlns:a16="http://schemas.microsoft.com/office/drawing/2014/main" xmlns="" id="{587E6539-65E7-C097-B52A-809CE148FC08}"/>
               </a:ext>
             </a:extLst>
           </p:cNvPr>
@@ -11988,7 +13025,7 @@
           <p:cNvPr id="89" name="직선 화살표 연결선 88">
             <a:extLst>
               <a:ext uri="{FF2B5EF4-FFF2-40B4-BE49-F238E27FC236}">
-                <a16:creationId xmlns="" xmlns:a16="http://schemas.microsoft.com/office/drawing/2014/main" id="{B45276A8-B898-E9F3-A0D8-D701BB2C75D9}"/>
+                <a16:creationId xmlns:a16="http://schemas.microsoft.com/office/drawing/2014/main" xmlns="" id="{B45276A8-B898-E9F3-A0D8-D701BB2C75D9}"/>
               </a:ext>
             </a:extLst>
           </p:cNvPr>
@@ -12034,7 +13071,7 @@
           <p:cNvPr id="95" name="직선 화살표 연결선 94">
             <a:extLst>
               <a:ext uri="{FF2B5EF4-FFF2-40B4-BE49-F238E27FC236}">
-                <a16:creationId xmlns="" xmlns:a16="http://schemas.microsoft.com/office/drawing/2014/main" id="{EDE893D4-D084-9D36-150C-AD9D513C33E4}"/>
+                <a16:creationId xmlns:a16="http://schemas.microsoft.com/office/drawing/2014/main" xmlns="" id="{EDE893D4-D084-9D36-150C-AD9D513C33E4}"/>
               </a:ext>
             </a:extLst>
           </p:cNvPr>
